--- a/lectures/2/1_Problem & Intro to Project.pptx
+++ b/lectures/2/1_Problem & Intro to Project.pptx
@@ -5,18 +5,23 @@
     <p:sldMasterId id="2147483648" r:id="rId4"/>
   </p:sldMasterIdLst>
   <p:notesMasterIdLst>
-    <p:notesMasterId r:id="rId11"/>
+    <p:notesMasterId r:id="rId16"/>
   </p:notesMasterIdLst>
   <p:handoutMasterIdLst>
-    <p:handoutMasterId r:id="rId12"/>
+    <p:handoutMasterId r:id="rId17"/>
   </p:handoutMasterIdLst>
   <p:sldIdLst>
     <p:sldId id="256" r:id="rId5"/>
-    <p:sldId id="257" r:id="rId6"/>
+    <p:sldId id="266" r:id="rId6"/>
     <p:sldId id="258" r:id="rId7"/>
-    <p:sldId id="260" r:id="rId8"/>
-    <p:sldId id="261" r:id="rId9"/>
-    <p:sldId id="259" r:id="rId10"/>
+    <p:sldId id="262" r:id="rId8"/>
+    <p:sldId id="263" r:id="rId9"/>
+    <p:sldId id="260" r:id="rId10"/>
+    <p:sldId id="261" r:id="rId11"/>
+    <p:sldId id="257" r:id="rId12"/>
+    <p:sldId id="265" r:id="rId13"/>
+    <p:sldId id="259" r:id="rId14"/>
+    <p:sldId id="264" r:id="rId15"/>
   </p:sldIdLst>
   <p:sldSz cx="12192000" cy="6858000"/>
   <p:notesSz cx="6858000" cy="9144000"/>
@@ -3537,7 +3542,7 @@
           <a:p>
             <a:fld id="{73B2889B-A0AC-4482-8592-5C96F2309420}" type="datetimeFigureOut">
               <a:rPr lang="en-US" smtClean="0"/>
-              <a:t>6/3/2021</a:t>
+              <a:t>8/29/2021</a:t>
             </a:fld>
             <a:endParaRPr lang="en-US"/>
           </a:p>
@@ -3714,7 +3719,7 @@
           <a:p>
             <a:fld id="{830EB223-FFC0-462A-A3B8-EAA7CE0F8CBD}" type="datetimeFigureOut">
               <a:rPr lang="en-US" smtClean="0"/>
-              <a:t>6/3/2021</a:t>
+              <a:t>8/29/2021</a:t>
             </a:fld>
             <a:endParaRPr lang="en-US" dirty="0"/>
           </a:p>
@@ -4027,372 +4032,40 @@
           <a:p>
             <a:r>
               <a:rPr lang="en-US" dirty="0"/>
-              <a:t>Hypothesis: A statement that specifies how two or more measurable variables are related </a:t>
-            </a:r>
-          </a:p>
-          <a:p>
-            <a:r>
-              <a:rPr lang="en-US" dirty="0" err="1"/>
-              <a:t>H1</a:t>
-            </a:r>
+              <a:t>Happy Monday</a:t>
+            </a:r>
+          </a:p>
+          <a:p>
+            <a:endParaRPr lang="en-US" dirty="0"/>
+          </a:p>
+          <a:p>
             <a:r>
               <a:rPr lang="en-US" dirty="0"/>
-              <a:t>: women are more likely than men to make impulse purchases of our brand </a:t>
-            </a:r>
-          </a:p>
-          <a:p>
-            <a:r>
-              <a:rPr lang="en-US" dirty="0" err="1"/>
-              <a:t>H2</a:t>
-            </a:r>
+              <a:t>Did anyone have any trouble with the quiz? </a:t>
+            </a:r>
+          </a:p>
+          <a:p>
             <a:r>
               <a:rPr lang="en-US" dirty="0"/>
-              <a:t>: Decreasing price by 10% will increase unit sales by 30%</a:t>
-            </a:r>
-          </a:p>
-          <a:p>
-            <a:r>
-              <a:rPr lang="en-US" dirty="0" err="1"/>
-              <a:t>H3</a:t>
+              <a:t>How do you feel about the first quiz? Hard, easy? Time wise?</a:t>
+            </a:r>
+          </a:p>
+          <a:p>
+            <a:endParaRPr lang="en-US" dirty="0"/>
+          </a:p>
+          <a:p>
+            <a:r>
+              <a:rPr lang="en-US"/>
+              <a:t>I saw that a lot of you only took the test once, hence I just want to remind that you </a:t>
             </a:r>
             <a:r>
               <a:rPr lang="en-US" dirty="0"/>
-              <a:t>: Adoption of our new product will be greater than Northern states than in Southern states </a:t>
-            </a:r>
-          </a:p>
-          <a:p>
-            <a:endParaRPr lang="en-US" dirty="0"/>
-          </a:p>
-          <a:p>
-            <a:r>
-              <a:rPr lang="en-US" dirty="0"/>
-              <a:t>Why conduct exploratory research? </a:t>
-            </a:r>
-          </a:p>
-          <a:p>
-            <a:pPr marL="171450" indent="-171450">
-              <a:buFont typeface="Arial" panose="020B0604020202020204" pitchFamily="34" charset="0"/>
-              <a:buChar char="•"/>
-            </a:pPr>
-            <a:r>
-              <a:rPr lang="en-US" dirty="0"/>
-              <a:t>Develop hypotheses </a:t>
-            </a:r>
-          </a:p>
-          <a:p>
-            <a:pPr marL="171450" indent="-171450">
-              <a:buFont typeface="Arial" panose="020B0604020202020204" pitchFamily="34" charset="0"/>
-              <a:buChar char="•"/>
-            </a:pPr>
-            <a:r>
-              <a:rPr lang="en-US" dirty="0"/>
-              <a:t>Better formulate the manager’s decision problem </a:t>
-            </a:r>
-          </a:p>
-          <a:p>
-            <a:pPr marL="171450" indent="-171450">
-              <a:buFont typeface="Arial" panose="020B0604020202020204" pitchFamily="34" charset="0"/>
-              <a:buChar char="•"/>
-            </a:pPr>
-            <a:r>
-              <a:rPr lang="en-US" dirty="0"/>
-              <a:t>Increase researcher’s familiarity with the problem </a:t>
-            </a:r>
-          </a:p>
-          <a:p>
-            <a:pPr marL="171450" indent="-171450">
-              <a:buFont typeface="Arial" panose="020B0604020202020204" pitchFamily="34" charset="0"/>
-              <a:buChar char="•"/>
-            </a:pPr>
-            <a:r>
-              <a:rPr lang="en-US" dirty="0"/>
-              <a:t>Clarify concepts </a:t>
-            </a:r>
-          </a:p>
-          <a:p>
-            <a:pPr marL="171450" indent="-171450">
-              <a:buFont typeface="Arial" panose="020B0604020202020204" pitchFamily="34" charset="0"/>
-              <a:buChar char="•"/>
-            </a:pPr>
-            <a:endParaRPr lang="en-US" dirty="0"/>
-          </a:p>
-          <a:p>
-            <a:pPr marL="0" indent="0">
-              <a:buFont typeface="Arial" panose="020B0604020202020204" pitchFamily="34" charset="0"/>
-              <a:buNone/>
-            </a:pPr>
-            <a:r>
-              <a:rPr lang="en-US" dirty="0"/>
-              <a:t>Exploratory Studies: </a:t>
-            </a:r>
-          </a:p>
-          <a:p>
-            <a:pPr marL="171450" indent="-171450">
-              <a:buFont typeface="Arial" panose="020B0604020202020204" pitchFamily="34" charset="0"/>
-              <a:buChar char="•"/>
-            </a:pPr>
-            <a:r>
-              <a:rPr lang="en-US" dirty="0"/>
-              <a:t>Literature Search: A search of statistics, trade journal articles, other articles, magazines, newspapers, books, and or online sources for data or insight into the problem at hand</a:t>
-            </a:r>
-          </a:p>
-          <a:p>
-            <a:pPr marL="171450" indent="-171450">
-              <a:buFont typeface="Arial" panose="020B0604020202020204" pitchFamily="34" charset="0"/>
-              <a:buChar char="•"/>
-            </a:pPr>
-            <a:r>
-              <a:rPr lang="en-US" dirty="0"/>
-              <a:t>Depth Interviews: Interviews with people knowledgeable about the general subject being investigated (</a:t>
-            </a:r>
-            <a:r>
-              <a:rPr lang="en-US" dirty="0" err="1"/>
-              <a:t>e.g</a:t>
-            </a:r>
-            <a:r>
-              <a:rPr lang="en-US" dirty="0"/>
-              <a:t>, those work with it, those who study it, those who lit it ) </a:t>
-            </a:r>
-          </a:p>
-          <a:p>
-            <a:pPr marL="171450" indent="-171450">
-              <a:buFont typeface="Arial" panose="020B0604020202020204" pitchFamily="34" charset="0"/>
-              <a:buChar char="•"/>
-            </a:pPr>
-            <a:r>
-              <a:rPr lang="en-US" dirty="0"/>
-              <a:t>Focus groups: An interview conducted among a small number of individuals simultaneously; the interview relies more on group discussion than on directed questions to generate data. Typically, 8 to 12, in 1.5 to 2 hours in length; homogeneous within group; heterogeneity introduced across groups; participants carefully screened; sessions recorded and transcribed. Traditional focus groups vs. Online focus groups. Moderator: the individual that meets with focus group participants and guides the session, moderator’s guidebook: an ordered list of the general (and specific) issues to be addressed during a focus group; the issues normally should move from general to specific. </a:t>
-            </a:r>
-          </a:p>
-          <a:p>
-            <a:pPr marL="628650" lvl="1" indent="-171450">
-              <a:buFont typeface="Arial" panose="020B0604020202020204" pitchFamily="34" charset="0"/>
-              <a:buChar char="•"/>
-            </a:pPr>
-            <a:r>
-              <a:rPr lang="en-US" dirty="0"/>
-              <a:t>Characteristics god good focus group moderators: </a:t>
-            </a:r>
-          </a:p>
-          <a:p>
-            <a:pPr marL="1085850" lvl="2" indent="-171450">
-              <a:buFont typeface="Arial" panose="020B0604020202020204" pitchFamily="34" charset="0"/>
-              <a:buChar char="•"/>
-            </a:pPr>
-            <a:r>
-              <a:rPr lang="en-US" dirty="0"/>
-              <a:t>Superior listening ability </a:t>
-            </a:r>
-          </a:p>
-          <a:p>
-            <a:pPr marL="1085850" lvl="2" indent="-171450">
-              <a:buFont typeface="Arial" panose="020B0604020202020204" pitchFamily="34" charset="0"/>
-              <a:buChar char="•"/>
-            </a:pPr>
-            <a:r>
-              <a:rPr lang="en-US" dirty="0"/>
-              <a:t>Excellent short-term auditory memory </a:t>
-            </a:r>
-          </a:p>
-          <a:p>
-            <a:pPr marL="1085850" lvl="2" indent="-171450">
-              <a:buFont typeface="Arial" panose="020B0604020202020204" pitchFamily="34" charset="0"/>
-              <a:buChar char="•"/>
-            </a:pPr>
-            <a:r>
-              <a:rPr lang="en-US" dirty="0"/>
-              <a:t>Well-organized </a:t>
-            </a:r>
-          </a:p>
-          <a:p>
-            <a:pPr marL="1085850" lvl="2" indent="-171450">
-              <a:buFont typeface="Arial" panose="020B0604020202020204" pitchFamily="34" charset="0"/>
-              <a:buChar char="•"/>
-            </a:pPr>
-            <a:r>
-              <a:rPr lang="en-US" dirty="0"/>
-              <a:t>A quick learner </a:t>
-            </a:r>
-          </a:p>
-          <a:p>
-            <a:pPr marL="1085850" lvl="2" indent="-171450">
-              <a:buFont typeface="Arial" panose="020B0604020202020204" pitchFamily="34" charset="0"/>
-              <a:buChar char="•"/>
-            </a:pPr>
-            <a:r>
-              <a:rPr lang="en-US" dirty="0"/>
-              <a:t>High energy level </a:t>
-            </a:r>
-          </a:p>
-          <a:p>
-            <a:pPr marL="1085850" lvl="2" indent="-171450">
-              <a:buFont typeface="Arial" panose="020B0604020202020204" pitchFamily="34" charset="0"/>
-              <a:buChar char="•"/>
-            </a:pPr>
-            <a:r>
-              <a:rPr lang="en-US" dirty="0"/>
-              <a:t>Personable </a:t>
-            </a:r>
-          </a:p>
-          <a:p>
-            <a:pPr marL="1085850" lvl="2" indent="-171450">
-              <a:buFont typeface="Arial" panose="020B0604020202020204" pitchFamily="34" charset="0"/>
-              <a:buChar char="•"/>
-            </a:pPr>
-            <a:r>
-              <a:rPr lang="en-US" dirty="0"/>
-              <a:t>Well-above-average intelligence </a:t>
-            </a:r>
-          </a:p>
-          <a:p>
-            <a:pPr marL="628650" lvl="1" indent="-171450">
-              <a:buFont typeface="Arial" panose="020B0604020202020204" pitchFamily="34" charset="0"/>
-              <a:buChar char="•"/>
-            </a:pPr>
-            <a:r>
-              <a:rPr lang="en-US" dirty="0"/>
-              <a:t>The Dark side of focus groups: </a:t>
-            </a:r>
-          </a:p>
-          <a:p>
-            <a:pPr marL="1085850" lvl="2" indent="-171450">
-              <a:buFont typeface="Arial" panose="020B0604020202020204" pitchFamily="34" charset="0"/>
-              <a:buChar char="•"/>
-            </a:pPr>
-            <a:r>
-              <a:rPr lang="en-US" dirty="0"/>
-              <a:t>Easy for managers to see what they expect to see in focus group results (i.e., confirmation bias). Focus groups are only one form of exploratory research _ they should not be expected to deliver final results or answers to decision problem</a:t>
-            </a:r>
-          </a:p>
-          <a:p>
-            <a:pPr marL="628650" lvl="1" indent="-171450">
-              <a:buFont typeface="Arial" panose="020B0604020202020204" pitchFamily="34" charset="0"/>
-              <a:buChar char="•"/>
-            </a:pPr>
-            <a:r>
-              <a:rPr lang="en-US" dirty="0"/>
-              <a:t>Nominal groups: A group interview technique that initially limits respondent interaction while attempting to maximize input from individual group members. </a:t>
-            </a:r>
-          </a:p>
-          <a:p>
-            <a:pPr marL="171450" indent="-171450">
-              <a:buFont typeface="Arial" panose="020B0604020202020204" pitchFamily="34" charset="0"/>
-              <a:buChar char="•"/>
-            </a:pPr>
-            <a:r>
-              <a:rPr lang="en-US" dirty="0"/>
-              <a:t>Data Mining: the use of powerful analytic technologies to quickly and thoroughly explore mountains of data to obtain useful information </a:t>
-            </a:r>
-          </a:p>
-          <a:p>
-            <a:pPr marL="628650" lvl="1" indent="-171450">
-              <a:buFont typeface="Arial" panose="020B0604020202020204" pitchFamily="34" charset="0"/>
-              <a:buChar char="•"/>
-            </a:pPr>
-            <a:r>
-              <a:rPr lang="en-US" dirty="0"/>
-              <a:t>Although most forms of exploratory research are qualitative in nature, data mining involves sophisticated quantitative analysis of data held in a company’s databases </a:t>
-            </a:r>
-          </a:p>
-          <a:p>
-            <a:pPr marL="171450" indent="-171450">
-              <a:buFont typeface="Arial" panose="020B0604020202020204" pitchFamily="34" charset="0"/>
-              <a:buChar char="•"/>
-            </a:pPr>
-            <a:r>
-              <a:rPr lang="en-US" dirty="0"/>
-              <a:t>Case Analyses: Intensive study of selected examples of the phenomenon of interest</a:t>
-            </a:r>
-          </a:p>
-          <a:p>
-            <a:pPr marL="171450" indent="-171450">
-              <a:buFont typeface="Arial" panose="020B0604020202020204" pitchFamily="34" charset="0"/>
-              <a:buChar char="•"/>
-            </a:pPr>
-            <a:r>
-              <a:rPr lang="en-US" dirty="0"/>
-              <a:t>Ethnography: the detailed observation of consumers during their ordinary daily lives using direct observations, interviews, and video and audio recordings. </a:t>
-            </a:r>
-          </a:p>
-          <a:p>
-            <a:pPr marL="171450" indent="-171450">
-              <a:buFont typeface="Arial" panose="020B0604020202020204" pitchFamily="34" charset="0"/>
-              <a:buChar char="•"/>
-            </a:pPr>
-            <a:r>
-              <a:rPr lang="en-US" dirty="0"/>
-              <a:t>Benchmarking; using organizations that excel at some function as sources of ideas for improvement. </a:t>
-            </a:r>
-          </a:p>
-          <a:p>
-            <a:pPr marL="171450" indent="-171450">
-              <a:buFont typeface="Arial" panose="020B0604020202020204" pitchFamily="34" charset="0"/>
-              <a:buChar char="•"/>
-            </a:pPr>
-            <a:r>
-              <a:rPr lang="en-US" dirty="0"/>
-              <a:t>Projective Methods: Methods that encourage respondents to reveal their own feelings, thoughts, and behaviors by shifting the focus away from the individual through the sue of indirect tasks. </a:t>
-            </a:r>
-          </a:p>
-          <a:p>
-            <a:pPr marL="628650" lvl="1" indent="-171450">
-              <a:buFont typeface="Arial" panose="020B0604020202020204" pitchFamily="34" charset="0"/>
-              <a:buChar char="•"/>
-            </a:pPr>
-            <a:r>
-              <a:rPr lang="en-US" dirty="0"/>
-              <a:t>Word association </a:t>
-            </a:r>
-          </a:p>
-          <a:p>
-            <a:pPr marL="628650" lvl="1" indent="-171450">
-              <a:buFont typeface="Arial" panose="020B0604020202020204" pitchFamily="34" charset="0"/>
-              <a:buChar char="•"/>
-            </a:pPr>
-            <a:r>
-              <a:rPr lang="en-US" dirty="0"/>
-              <a:t>Sentence completion </a:t>
-            </a:r>
-          </a:p>
-          <a:p>
-            <a:pPr marL="628650" lvl="1" indent="-171450">
-              <a:buFont typeface="Arial" panose="020B0604020202020204" pitchFamily="34" charset="0"/>
-              <a:buChar char="•"/>
-            </a:pPr>
-            <a:r>
-              <a:rPr lang="en-US" dirty="0"/>
-              <a:t>Storytelling </a:t>
-            </a:r>
-          </a:p>
-          <a:p>
-            <a:pPr marL="628650" lvl="1" indent="-171450">
-              <a:buFont typeface="Arial" panose="020B0604020202020204" pitchFamily="34" charset="0"/>
-              <a:buChar char="•"/>
-            </a:pPr>
-            <a:r>
-              <a:rPr lang="en-US" dirty="0"/>
-              <a:t>Role Playing</a:t>
-            </a:r>
-          </a:p>
-          <a:p>
-            <a:pPr marL="0" indent="0">
-              <a:buFont typeface="Arial" panose="020B0604020202020204" pitchFamily="34" charset="0"/>
-              <a:buNone/>
-            </a:pPr>
-            <a:endParaRPr lang="en-US" dirty="0"/>
-          </a:p>
-          <a:p>
-            <a:pPr marL="0" indent="0">
-              <a:buFont typeface="Arial" panose="020B0604020202020204" pitchFamily="34" charset="0"/>
-              <a:buNone/>
-            </a:pPr>
-            <a:endParaRPr lang="en-US" dirty="0"/>
-          </a:p>
-          <a:p>
-            <a:pPr marL="171450" indent="-171450">
-              <a:buFont typeface="Arial" panose="020B0604020202020204" pitchFamily="34" charset="0"/>
-              <a:buChar char="•"/>
-            </a:pPr>
+              <a:t>can take the quiz twice and only the higher will be taken as your final score</a:t>
+            </a:r>
+            <a:r>
+              <a:rPr lang="en-US"/>
+              <a:t>. </a:t>
+            </a:r>
             <a:endParaRPr lang="en-US" dirty="0"/>
           </a:p>
         </p:txBody>
@@ -4414,7 +4087,459 @@
           <a:p>
             <a:fld id="{BC849E9A-41F7-4779-A581-48A7C374A227}" type="slidenum">
               <a:rPr lang="en-US" smtClean="0"/>
-              <a:t>5</a:t>
+              <a:t>1</a:t>
+            </a:fld>
+            <a:endParaRPr lang="en-US" dirty="0"/>
+          </a:p>
+        </p:txBody>
+      </p:sp>
+    </p:spTree>
+    <p:extLst>
+      <p:ext uri="{BB962C8B-B14F-4D97-AF65-F5344CB8AC3E}">
+        <p14:creationId xmlns:p14="http://schemas.microsoft.com/office/powerpoint/2010/main" val="1098251873"/>
+      </p:ext>
+    </p:extLst>
+  </p:cSld>
+  <p:clrMapOvr>
+    <a:masterClrMapping/>
+  </p:clrMapOvr>
+</p:notes>
+</file>
+
+<file path=ppt/notesSlides/notesSlide2.xml><?xml version="1.0" encoding="utf-8"?>
+<p:notes xmlns:a="http://schemas.openxmlformats.org/drawingml/2006/main" xmlns:r="http://schemas.openxmlformats.org/officeDocument/2006/relationships" xmlns:p="http://schemas.openxmlformats.org/presentationml/2006/main">
+  <p:cSld>
+    <p:spTree>
+      <p:nvGrpSpPr>
+        <p:cNvPr id="1" name=""/>
+        <p:cNvGrpSpPr/>
+        <p:nvPr/>
+      </p:nvGrpSpPr>
+      <p:grpSpPr>
+        <a:xfrm>
+          <a:off x="0" y="0"/>
+          <a:ext cx="0" cy="0"/>
+          <a:chOff x="0" y="0"/>
+          <a:chExt cx="0" cy="0"/>
+        </a:xfrm>
+      </p:grpSpPr>
+      <p:sp>
+        <p:nvSpPr>
+          <p:cNvPr id="2" name="Slide Image Placeholder 1"/>
+          <p:cNvSpPr>
+            <a:spLocks noGrp="1" noRot="1" noChangeAspect="1"/>
+          </p:cNvSpPr>
+          <p:nvPr>
+            <p:ph type="sldImg"/>
+          </p:nvPr>
+        </p:nvSpPr>
+        <p:spPr/>
+      </p:sp>
+      <p:sp>
+        <p:nvSpPr>
+          <p:cNvPr id="3" name="Notes Placeholder 2"/>
+          <p:cNvSpPr>
+            <a:spLocks noGrp="1"/>
+          </p:cNvSpPr>
+          <p:nvPr>
+            <p:ph type="body" idx="1"/>
+          </p:nvPr>
+        </p:nvSpPr>
+        <p:spPr/>
+        <p:txBody>
+          <a:bodyPr/>
+          <a:lstStyle/>
+          <a:p>
+            <a:r>
+              <a:rPr lang="en-US" dirty="0"/>
+              <a:t>Hypothesis: A statement that specifies how two or more measurable variables are related </a:t>
+            </a:r>
+          </a:p>
+          <a:p>
+            <a:r>
+              <a:rPr lang="en-US" dirty="0" err="1"/>
+              <a:t>H1</a:t>
+            </a:r>
+            <a:r>
+              <a:rPr lang="en-US" dirty="0"/>
+              <a:t>: women are more likely than men to make impulse purchases of our brand </a:t>
+            </a:r>
+          </a:p>
+          <a:p>
+            <a:r>
+              <a:rPr lang="en-US" dirty="0" err="1"/>
+              <a:t>H2</a:t>
+            </a:r>
+            <a:r>
+              <a:rPr lang="en-US" dirty="0"/>
+              <a:t>: Decreasing price by 10% will increase unit sales by 30%</a:t>
+            </a:r>
+          </a:p>
+          <a:p>
+            <a:r>
+              <a:rPr lang="en-US" dirty="0" err="1"/>
+              <a:t>H3</a:t>
+            </a:r>
+            <a:r>
+              <a:rPr lang="en-US" dirty="0"/>
+              <a:t>: Adoption of our new product will be greater than Northern states than in Southern states </a:t>
+            </a:r>
+          </a:p>
+          <a:p>
+            <a:endParaRPr lang="en-US" dirty="0"/>
+          </a:p>
+          <a:p>
+            <a:r>
+              <a:rPr lang="en-US" dirty="0"/>
+              <a:t>Why conduct exploratory research? </a:t>
+            </a:r>
+          </a:p>
+          <a:p>
+            <a:pPr marL="171450" indent="-171450">
+              <a:buFont typeface="Arial" panose="020B0604020202020204" pitchFamily="34" charset="0"/>
+              <a:buChar char="•"/>
+            </a:pPr>
+            <a:r>
+              <a:rPr lang="en-US" dirty="0"/>
+              <a:t>Develop hypotheses </a:t>
+            </a:r>
+          </a:p>
+          <a:p>
+            <a:pPr marL="171450" indent="-171450">
+              <a:buFont typeface="Arial" panose="020B0604020202020204" pitchFamily="34" charset="0"/>
+              <a:buChar char="•"/>
+            </a:pPr>
+            <a:r>
+              <a:rPr lang="en-US" dirty="0"/>
+              <a:t>Better formulate the manager’s decision problem </a:t>
+            </a:r>
+          </a:p>
+          <a:p>
+            <a:pPr marL="171450" indent="-171450">
+              <a:buFont typeface="Arial" panose="020B0604020202020204" pitchFamily="34" charset="0"/>
+              <a:buChar char="•"/>
+            </a:pPr>
+            <a:r>
+              <a:rPr lang="en-US" dirty="0"/>
+              <a:t>Increase researcher’s familiarity with the problem </a:t>
+            </a:r>
+          </a:p>
+          <a:p>
+            <a:pPr marL="171450" indent="-171450">
+              <a:buFont typeface="Arial" panose="020B0604020202020204" pitchFamily="34" charset="0"/>
+              <a:buChar char="•"/>
+            </a:pPr>
+            <a:r>
+              <a:rPr lang="en-US" dirty="0"/>
+              <a:t>Clarify concepts </a:t>
+            </a:r>
+          </a:p>
+          <a:p>
+            <a:pPr marL="171450" indent="-171450">
+              <a:buFont typeface="Arial" panose="020B0604020202020204" pitchFamily="34" charset="0"/>
+              <a:buChar char="•"/>
+            </a:pPr>
+            <a:endParaRPr lang="en-US" dirty="0"/>
+          </a:p>
+          <a:p>
+            <a:pPr marL="0" indent="0">
+              <a:buFont typeface="Arial" panose="020B0604020202020204" pitchFamily="34" charset="0"/>
+              <a:buNone/>
+            </a:pPr>
+            <a:r>
+              <a:rPr lang="en-US" dirty="0"/>
+              <a:t>Exploratory Studies: </a:t>
+            </a:r>
+          </a:p>
+          <a:p>
+            <a:pPr marL="171450" indent="-171450">
+              <a:buFont typeface="Arial" panose="020B0604020202020204" pitchFamily="34" charset="0"/>
+              <a:buChar char="•"/>
+            </a:pPr>
+            <a:r>
+              <a:rPr lang="en-US" dirty="0"/>
+              <a:t>Literature Search: A search of statistics, trade journal articles, other articles, magazines, newspapers, books, and or online sources for data or insight into the problem at hand</a:t>
+            </a:r>
+          </a:p>
+          <a:p>
+            <a:pPr marL="171450" indent="-171450">
+              <a:buFont typeface="Arial" panose="020B0604020202020204" pitchFamily="34" charset="0"/>
+              <a:buChar char="•"/>
+            </a:pPr>
+            <a:r>
+              <a:rPr lang="en-US" dirty="0"/>
+              <a:t>Depth Interviews: Interviews with people knowledgeable about the general subject being investigated (</a:t>
+            </a:r>
+            <a:r>
+              <a:rPr lang="en-US" dirty="0" err="1"/>
+              <a:t>e.g</a:t>
+            </a:r>
+            <a:r>
+              <a:rPr lang="en-US" dirty="0"/>
+              <a:t>, those work with it, those who study it, those who lit it ) </a:t>
+            </a:r>
+          </a:p>
+          <a:p>
+            <a:pPr marL="171450" indent="-171450">
+              <a:buFont typeface="Arial" panose="020B0604020202020204" pitchFamily="34" charset="0"/>
+              <a:buChar char="•"/>
+            </a:pPr>
+            <a:r>
+              <a:rPr lang="en-US" dirty="0"/>
+              <a:t>Focus groups: An interview conducted among a small number of individuals simultaneously; the interview relies more on group discussion than on directed questions to generate data. Typically, 8 to 12, in 1.5 to 2 hours in length; homogeneous within group; heterogeneity introduced across groups; participants carefully screened; sessions recorded and transcribed. Traditional focus groups vs. Online focus groups. Moderator: the individual that meets with focus group participants and guides the session, moderator’s guidebook: an ordered list of the general (and specific) issues to be addressed during a focus group; the issues normally should move from general to specific. </a:t>
+            </a:r>
+          </a:p>
+          <a:p>
+            <a:pPr marL="628650" lvl="1" indent="-171450">
+              <a:buFont typeface="Arial" panose="020B0604020202020204" pitchFamily="34" charset="0"/>
+              <a:buChar char="•"/>
+            </a:pPr>
+            <a:r>
+              <a:rPr lang="en-US" dirty="0"/>
+              <a:t>Characteristics god good focus group moderators: </a:t>
+            </a:r>
+          </a:p>
+          <a:p>
+            <a:pPr marL="1085850" lvl="2" indent="-171450">
+              <a:buFont typeface="Arial" panose="020B0604020202020204" pitchFamily="34" charset="0"/>
+              <a:buChar char="•"/>
+            </a:pPr>
+            <a:r>
+              <a:rPr lang="en-US" dirty="0"/>
+              <a:t>Superior listening ability </a:t>
+            </a:r>
+          </a:p>
+          <a:p>
+            <a:pPr marL="1085850" lvl="2" indent="-171450">
+              <a:buFont typeface="Arial" panose="020B0604020202020204" pitchFamily="34" charset="0"/>
+              <a:buChar char="•"/>
+            </a:pPr>
+            <a:r>
+              <a:rPr lang="en-US" dirty="0"/>
+              <a:t>Excellent short-term auditory memory </a:t>
+            </a:r>
+          </a:p>
+          <a:p>
+            <a:pPr marL="1085850" lvl="2" indent="-171450">
+              <a:buFont typeface="Arial" panose="020B0604020202020204" pitchFamily="34" charset="0"/>
+              <a:buChar char="•"/>
+            </a:pPr>
+            <a:r>
+              <a:rPr lang="en-US" dirty="0"/>
+              <a:t>Well-organized </a:t>
+            </a:r>
+          </a:p>
+          <a:p>
+            <a:pPr marL="1085850" lvl="2" indent="-171450">
+              <a:buFont typeface="Arial" panose="020B0604020202020204" pitchFamily="34" charset="0"/>
+              <a:buChar char="•"/>
+            </a:pPr>
+            <a:r>
+              <a:rPr lang="en-US" dirty="0"/>
+              <a:t>A quick learner </a:t>
+            </a:r>
+          </a:p>
+          <a:p>
+            <a:pPr marL="1085850" lvl="2" indent="-171450">
+              <a:buFont typeface="Arial" panose="020B0604020202020204" pitchFamily="34" charset="0"/>
+              <a:buChar char="•"/>
+            </a:pPr>
+            <a:r>
+              <a:rPr lang="en-US" dirty="0"/>
+              <a:t>High energy level </a:t>
+            </a:r>
+          </a:p>
+          <a:p>
+            <a:pPr marL="1085850" lvl="2" indent="-171450">
+              <a:buFont typeface="Arial" panose="020B0604020202020204" pitchFamily="34" charset="0"/>
+              <a:buChar char="•"/>
+            </a:pPr>
+            <a:r>
+              <a:rPr lang="en-US" dirty="0"/>
+              <a:t>Personable </a:t>
+            </a:r>
+          </a:p>
+          <a:p>
+            <a:pPr marL="1085850" lvl="2" indent="-171450">
+              <a:buFont typeface="Arial" panose="020B0604020202020204" pitchFamily="34" charset="0"/>
+              <a:buChar char="•"/>
+            </a:pPr>
+            <a:r>
+              <a:rPr lang="en-US" dirty="0"/>
+              <a:t>Well-above-average intelligence </a:t>
+            </a:r>
+          </a:p>
+          <a:p>
+            <a:pPr marL="628650" lvl="1" indent="-171450">
+              <a:buFont typeface="Arial" panose="020B0604020202020204" pitchFamily="34" charset="0"/>
+              <a:buChar char="•"/>
+            </a:pPr>
+            <a:r>
+              <a:rPr lang="en-US" dirty="0"/>
+              <a:t>The Dark side of focus groups: </a:t>
+            </a:r>
+          </a:p>
+          <a:p>
+            <a:pPr marL="1085850" lvl="2" indent="-171450">
+              <a:buFont typeface="Arial" panose="020B0604020202020204" pitchFamily="34" charset="0"/>
+              <a:buChar char="•"/>
+            </a:pPr>
+            <a:r>
+              <a:rPr lang="en-US" dirty="0"/>
+              <a:t>Easy for managers to see what they expect to see in focus group results (i.e., confirmation bias). Focus groups are only one form of exploratory research _ they should not be expected to deliver final results or answers to decision problem</a:t>
+            </a:r>
+          </a:p>
+          <a:p>
+            <a:pPr marL="628650" lvl="1" indent="-171450">
+              <a:buFont typeface="Arial" panose="020B0604020202020204" pitchFamily="34" charset="0"/>
+              <a:buChar char="•"/>
+            </a:pPr>
+            <a:r>
+              <a:rPr lang="en-US" dirty="0"/>
+              <a:t>Nominal groups: A group interview technique that initially limits respondent interaction while attempting to maximize input from individual group members. </a:t>
+            </a:r>
+          </a:p>
+          <a:p>
+            <a:pPr marL="171450" indent="-171450">
+              <a:buFont typeface="Arial" panose="020B0604020202020204" pitchFamily="34" charset="0"/>
+              <a:buChar char="•"/>
+            </a:pPr>
+            <a:r>
+              <a:rPr lang="en-US" dirty="0"/>
+              <a:t>Data Mining: the use of powerful analytic technologies to quickly and thoroughly explore mountains of data to obtain useful information </a:t>
+            </a:r>
+          </a:p>
+          <a:p>
+            <a:pPr marL="628650" lvl="1" indent="-171450">
+              <a:buFont typeface="Arial" panose="020B0604020202020204" pitchFamily="34" charset="0"/>
+              <a:buChar char="•"/>
+            </a:pPr>
+            <a:r>
+              <a:rPr lang="en-US" dirty="0"/>
+              <a:t>Although most forms of exploratory research are qualitative in nature, data mining involves sophisticated quantitative analysis of data held in a company’s databases </a:t>
+            </a:r>
+          </a:p>
+          <a:p>
+            <a:pPr marL="171450" indent="-171450">
+              <a:buFont typeface="Arial" panose="020B0604020202020204" pitchFamily="34" charset="0"/>
+              <a:buChar char="•"/>
+            </a:pPr>
+            <a:r>
+              <a:rPr lang="en-US" dirty="0"/>
+              <a:t>Case Analyses: Intensive study of selected examples of the phenomenon of interest</a:t>
+            </a:r>
+          </a:p>
+          <a:p>
+            <a:pPr marL="171450" indent="-171450">
+              <a:buFont typeface="Arial" panose="020B0604020202020204" pitchFamily="34" charset="0"/>
+              <a:buChar char="•"/>
+            </a:pPr>
+            <a:r>
+              <a:rPr lang="en-US" dirty="0"/>
+              <a:t>Ethnography: the detailed observation of consumers during their ordinary daily lives using direct observations, interviews, and video and audio recordings. </a:t>
+            </a:r>
+          </a:p>
+          <a:p>
+            <a:pPr marL="171450" indent="-171450">
+              <a:buFont typeface="Arial" panose="020B0604020202020204" pitchFamily="34" charset="0"/>
+              <a:buChar char="•"/>
+            </a:pPr>
+            <a:r>
+              <a:rPr lang="en-US" dirty="0"/>
+              <a:t>Benchmarking; using organizations that excel at some function as sources of ideas for improvement. </a:t>
+            </a:r>
+          </a:p>
+          <a:p>
+            <a:pPr marL="171450" indent="-171450">
+              <a:buFont typeface="Arial" panose="020B0604020202020204" pitchFamily="34" charset="0"/>
+              <a:buChar char="•"/>
+            </a:pPr>
+            <a:r>
+              <a:rPr lang="en-US" dirty="0"/>
+              <a:t>Projective Methods: Methods that encourage respondents to reveal their own feelings, thoughts, and behaviors by shifting the focus away from the individual through the sue of indirect tasks. </a:t>
+            </a:r>
+          </a:p>
+          <a:p>
+            <a:pPr marL="628650" lvl="1" indent="-171450">
+              <a:buFont typeface="Arial" panose="020B0604020202020204" pitchFamily="34" charset="0"/>
+              <a:buChar char="•"/>
+            </a:pPr>
+            <a:r>
+              <a:rPr lang="en-US" dirty="0"/>
+              <a:t>Word association </a:t>
+            </a:r>
+          </a:p>
+          <a:p>
+            <a:pPr marL="628650" lvl="1" indent="-171450">
+              <a:buFont typeface="Arial" panose="020B0604020202020204" pitchFamily="34" charset="0"/>
+              <a:buChar char="•"/>
+            </a:pPr>
+            <a:r>
+              <a:rPr lang="en-US" dirty="0"/>
+              <a:t>Sentence completion </a:t>
+            </a:r>
+          </a:p>
+          <a:p>
+            <a:pPr marL="628650" lvl="1" indent="-171450">
+              <a:buFont typeface="Arial" panose="020B0604020202020204" pitchFamily="34" charset="0"/>
+              <a:buChar char="•"/>
+            </a:pPr>
+            <a:r>
+              <a:rPr lang="en-US" dirty="0"/>
+              <a:t>Storytelling </a:t>
+            </a:r>
+          </a:p>
+          <a:p>
+            <a:pPr marL="628650" lvl="1" indent="-171450">
+              <a:buFont typeface="Arial" panose="020B0604020202020204" pitchFamily="34" charset="0"/>
+              <a:buChar char="•"/>
+            </a:pPr>
+            <a:r>
+              <a:rPr lang="en-US" dirty="0"/>
+              <a:t>Role Playing</a:t>
+            </a:r>
+          </a:p>
+          <a:p>
+            <a:pPr marL="0" indent="0">
+              <a:buFont typeface="Arial" panose="020B0604020202020204" pitchFamily="34" charset="0"/>
+              <a:buNone/>
+            </a:pPr>
+            <a:endParaRPr lang="en-US" dirty="0"/>
+          </a:p>
+          <a:p>
+            <a:pPr marL="0" indent="0">
+              <a:buFont typeface="Arial" panose="020B0604020202020204" pitchFamily="34" charset="0"/>
+              <a:buNone/>
+            </a:pPr>
+            <a:endParaRPr lang="en-US" dirty="0"/>
+          </a:p>
+          <a:p>
+            <a:pPr marL="171450" indent="-171450">
+              <a:buFont typeface="Arial" panose="020B0604020202020204" pitchFamily="34" charset="0"/>
+              <a:buChar char="•"/>
+            </a:pPr>
+            <a:endParaRPr lang="en-US" dirty="0"/>
+          </a:p>
+        </p:txBody>
+      </p:sp>
+      <p:sp>
+        <p:nvSpPr>
+          <p:cNvPr id="4" name="Slide Number Placeholder 3"/>
+          <p:cNvSpPr>
+            <a:spLocks noGrp="1"/>
+          </p:cNvSpPr>
+          <p:nvPr>
+            <p:ph type="sldNum" sz="quarter" idx="5"/>
+          </p:nvPr>
+        </p:nvSpPr>
+        <p:spPr/>
+        <p:txBody>
+          <a:bodyPr/>
+          <a:lstStyle/>
+          <a:p>
+            <a:fld id="{BC849E9A-41F7-4779-A581-48A7C374A227}" type="slidenum">
+              <a:rPr lang="en-US" smtClean="0"/>
+              <a:t>7</a:t>
             </a:fld>
             <a:endParaRPr lang="en-US" dirty="0"/>
           </a:p>
@@ -4424,6 +4549,109 @@
     <p:extLst>
       <p:ext uri="{BB962C8B-B14F-4D97-AF65-F5344CB8AC3E}">
         <p14:creationId xmlns:p14="http://schemas.microsoft.com/office/powerpoint/2010/main" val="2858874064"/>
+      </p:ext>
+    </p:extLst>
+  </p:cSld>
+  <p:clrMapOvr>
+    <a:masterClrMapping/>
+  </p:clrMapOvr>
+</p:notes>
+</file>
+
+<file path=ppt/notesSlides/notesSlide3.xml><?xml version="1.0" encoding="utf-8"?>
+<p:notes xmlns:a="http://schemas.openxmlformats.org/drawingml/2006/main" xmlns:r="http://schemas.openxmlformats.org/officeDocument/2006/relationships" xmlns:p="http://schemas.openxmlformats.org/presentationml/2006/main">
+  <p:cSld>
+    <p:spTree>
+      <p:nvGrpSpPr>
+        <p:cNvPr id="1" name=""/>
+        <p:cNvGrpSpPr/>
+        <p:nvPr/>
+      </p:nvGrpSpPr>
+      <p:grpSpPr>
+        <a:xfrm>
+          <a:off x="0" y="0"/>
+          <a:ext cx="0" cy="0"/>
+          <a:chOff x="0" y="0"/>
+          <a:chExt cx="0" cy="0"/>
+        </a:xfrm>
+      </p:grpSpPr>
+      <p:sp>
+        <p:nvSpPr>
+          <p:cNvPr id="2" name="Slide Image Placeholder 1"/>
+          <p:cNvSpPr>
+            <a:spLocks noGrp="1" noRot="1" noChangeAspect="1"/>
+          </p:cNvSpPr>
+          <p:nvPr>
+            <p:ph type="sldImg"/>
+          </p:nvPr>
+        </p:nvSpPr>
+        <p:spPr/>
+      </p:sp>
+      <p:sp>
+        <p:nvSpPr>
+          <p:cNvPr id="3" name="Notes Placeholder 2"/>
+          <p:cNvSpPr>
+            <a:spLocks noGrp="1"/>
+          </p:cNvSpPr>
+          <p:nvPr>
+            <p:ph type="body" idx="1"/>
+          </p:nvPr>
+        </p:nvSpPr>
+        <p:spPr/>
+        <p:txBody>
+          <a:bodyPr/>
+          <a:lstStyle/>
+          <a:p>
+            <a:r>
+              <a:rPr lang="en-US" dirty="0"/>
+              <a:t>Refer to </a:t>
+            </a:r>
+            <a:r>
+              <a:rPr lang="en-US" dirty="0" err="1"/>
+              <a:t>CD1</a:t>
+            </a:r>
+            <a:r>
+              <a:rPr lang="en-US" dirty="0"/>
+              <a:t> </a:t>
+            </a:r>
+            <a:r>
+              <a:rPr lang="en-US" dirty="0" err="1"/>
+              <a:t>Dicussion</a:t>
+            </a:r>
+            <a:r>
+              <a:rPr lang="en-US" dirty="0"/>
+              <a:t> </a:t>
+            </a:r>
+          </a:p>
+        </p:txBody>
+      </p:sp>
+      <p:sp>
+        <p:nvSpPr>
+          <p:cNvPr id="4" name="Slide Number Placeholder 3"/>
+          <p:cNvSpPr>
+            <a:spLocks noGrp="1"/>
+          </p:cNvSpPr>
+          <p:nvPr>
+            <p:ph type="sldNum" sz="quarter" idx="5"/>
+          </p:nvPr>
+        </p:nvSpPr>
+        <p:spPr/>
+        <p:txBody>
+          <a:bodyPr/>
+          <a:lstStyle/>
+          <a:p>
+            <a:fld id="{BC849E9A-41F7-4779-A581-48A7C374A227}" type="slidenum">
+              <a:rPr lang="en-US" smtClean="0"/>
+              <a:t>8</a:t>
+            </a:fld>
+            <a:endParaRPr lang="en-US" dirty="0"/>
+          </a:p>
+        </p:txBody>
+      </p:sp>
+    </p:spTree>
+    <p:extLst>
+      <p:ext uri="{BB962C8B-B14F-4D97-AF65-F5344CB8AC3E}">
+        <p14:creationId xmlns:p14="http://schemas.microsoft.com/office/powerpoint/2010/main" val="848827301"/>
       </p:ext>
     </p:extLst>
   </p:cSld>
@@ -4580,7 +4808,7 @@
           <a:p>
             <a:fld id="{C4C580A7-BF87-4E24-9D9F-4AE18F6CEECE}" type="datetime1">
               <a:rPr lang="en-US" smtClean="0"/>
-              <a:t>6/3/2021</a:t>
+              <a:t>8/29/2021</a:t>
             </a:fld>
             <a:endParaRPr lang="en-US" dirty="0"/>
           </a:p>
@@ -4782,7 +5010,7 @@
           <a:p>
             <a:fld id="{80A0DE87-DC9E-4898-8F68-9C316F1777EB}" type="datetime1">
               <a:rPr lang="en-US" smtClean="0"/>
-              <a:t>6/3/2021</a:t>
+              <a:t>8/29/2021</a:t>
             </a:fld>
             <a:endParaRPr lang="en-US" dirty="0"/>
           </a:p>
@@ -4994,7 +5222,7 @@
           <a:p>
             <a:fld id="{1DC1AD7B-CB30-4EF2-9CE7-4A04A2DC68F4}" type="datetime1">
               <a:rPr lang="en-US" smtClean="0"/>
-              <a:t>6/3/2021</a:t>
+              <a:t>8/29/2021</a:t>
             </a:fld>
             <a:endParaRPr lang="en-US" dirty="0"/>
           </a:p>
@@ -5196,7 +5424,7 @@
           <a:p>
             <a:fld id="{BDF3D79F-730D-4BB9-BF85-4522B85CF306}" type="datetime1">
               <a:rPr lang="en-US" smtClean="0"/>
-              <a:t>6/3/2021</a:t>
+              <a:t>8/29/2021</a:t>
             </a:fld>
             <a:endParaRPr lang="en-US" dirty="0"/>
           </a:p>
@@ -5475,7 +5703,7 @@
           <a:p>
             <a:fld id="{D4BE1629-F8B4-40AA-9BC3-0B338C1B9625}" type="datetime1">
               <a:rPr lang="en-US" smtClean="0"/>
-              <a:t>6/3/2021</a:t>
+              <a:t>8/29/2021</a:t>
             </a:fld>
             <a:endParaRPr lang="en-US" dirty="0"/>
           </a:p>
@@ -5744,7 +5972,7 @@
           <a:p>
             <a:fld id="{7C1FBCF5-F565-4977-B692-7BF53372792D}" type="datetime1">
               <a:rPr lang="en-US" smtClean="0"/>
-              <a:t>6/3/2021</a:t>
+              <a:t>8/29/2021</a:t>
             </a:fld>
             <a:endParaRPr lang="en-US" dirty="0"/>
           </a:p>
@@ -6160,7 +6388,7 @@
           <a:p>
             <a:fld id="{1BBE6821-B997-43E7-BA7B-770BEF830D06}" type="datetime1">
               <a:rPr lang="en-US" smtClean="0"/>
-              <a:t>6/3/2021</a:t>
+              <a:t>8/29/2021</a:t>
             </a:fld>
             <a:endParaRPr lang="en-US" dirty="0"/>
           </a:p>
@@ -6305,7 +6533,7 @@
           <a:p>
             <a:fld id="{9441C9E8-6E77-47AD-96C3-822678961811}" type="datetime1">
               <a:rPr lang="en-US" smtClean="0"/>
-              <a:t>6/3/2021</a:t>
+              <a:t>8/29/2021</a:t>
             </a:fld>
             <a:endParaRPr lang="en-US" dirty="0"/>
           </a:p>
@@ -6422,7 +6650,7 @@
           <a:p>
             <a:fld id="{DCCFB319-6559-408D-9D93-B1AC6279280D}" type="datetime1">
               <a:rPr lang="en-US" smtClean="0"/>
-              <a:t>6/3/2021</a:t>
+              <a:t>8/29/2021</a:t>
             </a:fld>
             <a:endParaRPr lang="en-US" dirty="0"/>
           </a:p>
@@ -6737,7 +6965,7 @@
           <a:p>
             <a:fld id="{5CCA4A21-E605-4D50-8A8A-45A656F1C70A}" type="datetime1">
               <a:rPr lang="en-US" smtClean="0"/>
-              <a:t>6/3/2021</a:t>
+              <a:t>8/29/2021</a:t>
             </a:fld>
             <a:endParaRPr lang="en-US" dirty="0"/>
           </a:p>
@@ -7033,7 +7261,7 @@
           <a:p>
             <a:fld id="{5DBF0B05-2FD2-44DF-B02A-AC31A0B7257E}" type="datetime1">
               <a:rPr lang="en-US" smtClean="0"/>
-              <a:t>6/3/2021</a:t>
+              <a:t>8/29/2021</a:t>
             </a:fld>
             <a:endParaRPr lang="en-US" dirty="0"/>
           </a:p>
@@ -7278,7 +7506,7 @@
           <a:p>
             <a:fld id="{2582D5F5-5A4E-4FA6-A091-A83A15D5E43B}" type="datetime1">
               <a:rPr lang="en-US" smtClean="0"/>
-              <a:t>6/3/2021</a:t>
+              <a:t>8/29/2021</a:t>
             </a:fld>
             <a:endParaRPr lang="en-US" dirty="0"/>
           </a:p>
@@ -8382,13 +8610,13 @@
           <p:nvPr/>
         </p:nvPicPr>
         <p:blipFill>
-          <a:blip r:embed="rId2">
+          <a:blip r:embed="rId3">
             <a:extLst>
               <a:ext uri="{28A0092B-C50C-407E-A947-70E740481C1C}">
                 <a14:useLocalDpi xmlns:a14="http://schemas.microsoft.com/office/drawing/2010/main" val="0"/>
               </a:ext>
               <a:ext uri="{96DAC541-7B7A-43D3-8B79-37D633B846F1}">
-                <asvg:svgBlip xmlns:asvg="http://schemas.microsoft.com/office/drawing/2016/SVG/main" r:embed="rId3"/>
+                <asvg:svgBlip xmlns:asvg="http://schemas.microsoft.com/office/drawing/2016/SVG/main" r:embed="rId4"/>
               </a:ext>
             </a:extLst>
           </a:blip>
@@ -8611,13 +8839,13 @@
           <p:nvPr/>
         </p:nvPicPr>
         <p:blipFill>
-          <a:blip r:embed="rId4">
+          <a:blip r:embed="rId5">
             <a:extLst>
               <a:ext uri="{28A0092B-C50C-407E-A947-70E740481C1C}">
                 <a14:useLocalDpi xmlns:a14="http://schemas.microsoft.com/office/drawing/2010/main" val="0"/>
               </a:ext>
               <a:ext uri="{96DAC541-7B7A-43D3-8B79-37D633B846F1}">
-                <asvg:svgBlip xmlns:asvg="http://schemas.microsoft.com/office/drawing/2016/SVG/main" r:embed="rId5"/>
+                <asvg:svgBlip xmlns:asvg="http://schemas.microsoft.com/office/drawing/2016/SVG/main" r:embed="rId6"/>
               </a:ext>
             </a:extLst>
           </a:blip>
@@ -8843,13 +9071,13 @@
           <p:nvPr/>
         </p:nvPicPr>
         <p:blipFill>
-          <a:blip r:embed="rId6">
+          <a:blip r:embed="rId7">
             <a:extLst>
               <a:ext uri="{28A0092B-C50C-407E-A947-70E740481C1C}">
                 <a14:useLocalDpi xmlns:a14="http://schemas.microsoft.com/office/drawing/2010/main" val="0"/>
               </a:ext>
               <a:ext uri="{96DAC541-7B7A-43D3-8B79-37D633B846F1}">
-                <asvg:svgBlip xmlns:asvg="http://schemas.microsoft.com/office/drawing/2016/SVG/main" r:embed="rId7"/>
+                <asvg:svgBlip xmlns:asvg="http://schemas.microsoft.com/office/drawing/2016/SVG/main" r:embed="rId8"/>
               </a:ext>
             </a:extLst>
           </a:blip>
@@ -9114,13 +9342,13 @@
           <p:nvPr/>
         </p:nvPicPr>
         <p:blipFill>
-          <a:blip r:embed="rId8">
+          <a:blip r:embed="rId9">
             <a:extLst>
               <a:ext uri="{28A0092B-C50C-407E-A947-70E740481C1C}">
                 <a14:useLocalDpi xmlns:a14="http://schemas.microsoft.com/office/drawing/2010/main" val="0"/>
               </a:ext>
               <a:ext uri="{96DAC541-7B7A-43D3-8B79-37D633B846F1}">
-                <asvg:svgBlip xmlns:asvg="http://schemas.microsoft.com/office/drawing/2016/SVG/main" r:embed="rId9"/>
+                <asvg:svgBlip xmlns:asvg="http://schemas.microsoft.com/office/drawing/2016/SVG/main" r:embed="rId10"/>
               </a:ext>
             </a:extLst>
           </a:blip>
@@ -9209,7 +9437,1945 @@
 </p:sld>
 </file>
 
+<file path=ppt/slides/slide10.xml><?xml version="1.0" encoding="utf-8"?>
+<p:sld xmlns:a="http://schemas.openxmlformats.org/drawingml/2006/main" xmlns:r="http://schemas.openxmlformats.org/officeDocument/2006/relationships" xmlns:p="http://schemas.openxmlformats.org/presentationml/2006/main">
+  <p:cSld>
+    <p:spTree>
+      <p:nvGrpSpPr>
+        <p:cNvPr id="1" name=""/>
+        <p:cNvGrpSpPr/>
+        <p:nvPr/>
+      </p:nvGrpSpPr>
+      <p:grpSpPr>
+        <a:xfrm>
+          <a:off x="0" y="0"/>
+          <a:ext cx="0" cy="0"/>
+          <a:chOff x="0" y="0"/>
+          <a:chExt cx="0" cy="0"/>
+        </a:xfrm>
+      </p:grpSpPr>
+      <p:sp>
+        <p:nvSpPr>
+          <p:cNvPr id="2" name="Title 1">
+            <a:extLst>
+              <a:ext uri="{FF2B5EF4-FFF2-40B4-BE49-F238E27FC236}">
+                <a16:creationId xmlns:a16="http://schemas.microsoft.com/office/drawing/2014/main" id="{300BAB0E-CE14-461A-A50A-14D41547C12C}"/>
+              </a:ext>
+            </a:extLst>
+          </p:cNvPr>
+          <p:cNvSpPr>
+            <a:spLocks noGrp="1"/>
+          </p:cNvSpPr>
+          <p:nvPr>
+            <p:ph type="title"/>
+          </p:nvPr>
+        </p:nvSpPr>
+        <p:spPr/>
+        <p:txBody>
+          <a:bodyPr/>
+          <a:lstStyle/>
+          <a:p>
+            <a:r>
+              <a:rPr lang="en-US" dirty="0"/>
+              <a:t>Introduction to the project</a:t>
+            </a:r>
+          </a:p>
+        </p:txBody>
+      </p:sp>
+      <p:sp>
+        <p:nvSpPr>
+          <p:cNvPr id="3" name="Content Placeholder 2">
+            <a:extLst>
+              <a:ext uri="{FF2B5EF4-FFF2-40B4-BE49-F238E27FC236}">
+                <a16:creationId xmlns:a16="http://schemas.microsoft.com/office/drawing/2014/main" id="{50A3CF1A-BB5D-464E-B4D8-5B935F0F7697}"/>
+              </a:ext>
+            </a:extLst>
+          </p:cNvPr>
+          <p:cNvSpPr>
+            <a:spLocks noGrp="1"/>
+          </p:cNvSpPr>
+          <p:nvPr>
+            <p:ph idx="1"/>
+          </p:nvPr>
+        </p:nvSpPr>
+        <p:spPr/>
+        <p:txBody>
+          <a:bodyPr/>
+          <a:lstStyle/>
+          <a:p>
+            <a:endParaRPr lang="en-US"/>
+          </a:p>
+        </p:txBody>
+      </p:sp>
+      <p:sp>
+        <p:nvSpPr>
+          <p:cNvPr id="4" name="Footer Placeholder 3">
+            <a:extLst>
+              <a:ext uri="{FF2B5EF4-FFF2-40B4-BE49-F238E27FC236}">
+                <a16:creationId xmlns:a16="http://schemas.microsoft.com/office/drawing/2014/main" id="{271C2918-CBA8-4DB4-9251-29A9B1979638}"/>
+              </a:ext>
+            </a:extLst>
+          </p:cNvPr>
+          <p:cNvSpPr>
+            <a:spLocks noGrp="1"/>
+          </p:cNvSpPr>
+          <p:nvPr>
+            <p:ph type="ftr" sz="quarter" idx="11"/>
+          </p:nvPr>
+        </p:nvSpPr>
+        <p:spPr/>
+        <p:txBody>
+          <a:bodyPr/>
+          <a:lstStyle/>
+          <a:p>
+            <a:r>
+              <a:rPr lang="en-US"/>
+              <a:t>Mike Nguyen</a:t>
+            </a:r>
+            <a:endParaRPr lang="en-US" dirty="0"/>
+          </a:p>
+        </p:txBody>
+      </p:sp>
+      <p:sp>
+        <p:nvSpPr>
+          <p:cNvPr id="5" name="Slide Number Placeholder 4">
+            <a:extLst>
+              <a:ext uri="{FF2B5EF4-FFF2-40B4-BE49-F238E27FC236}">
+                <a16:creationId xmlns:a16="http://schemas.microsoft.com/office/drawing/2014/main" id="{A0AB3504-0B62-4365-9CA0-887EF740C634}"/>
+              </a:ext>
+            </a:extLst>
+          </p:cNvPr>
+          <p:cNvSpPr>
+            <a:spLocks noGrp="1"/>
+          </p:cNvSpPr>
+          <p:nvPr>
+            <p:ph type="sldNum" sz="quarter" idx="12"/>
+          </p:nvPr>
+        </p:nvSpPr>
+        <p:spPr/>
+        <p:txBody>
+          <a:bodyPr/>
+          <a:lstStyle/>
+          <a:p>
+            <a:fld id="{A6AF1B4E-90EC-4A51-B6E5-B702C054ECB0}" type="slidenum">
+              <a:rPr lang="en-US" smtClean="0"/>
+              <a:t>10</a:t>
+            </a:fld>
+            <a:endParaRPr lang="en-US" dirty="0"/>
+          </a:p>
+        </p:txBody>
+      </p:sp>
+    </p:spTree>
+    <p:extLst>
+      <p:ext uri="{BB962C8B-B14F-4D97-AF65-F5344CB8AC3E}">
+        <p14:creationId xmlns:p14="http://schemas.microsoft.com/office/powerpoint/2010/main" val="3748371303"/>
+      </p:ext>
+    </p:extLst>
+  </p:cSld>
+  <p:clrMapOvr>
+    <a:masterClrMapping/>
+  </p:clrMapOvr>
+</p:sld>
+</file>
+
+<file path=ppt/slides/slide11.xml><?xml version="1.0" encoding="utf-8"?>
+<p:sld xmlns:a="http://schemas.openxmlformats.org/drawingml/2006/main" xmlns:r="http://schemas.openxmlformats.org/officeDocument/2006/relationships" xmlns:p="http://schemas.openxmlformats.org/presentationml/2006/main">
+  <p:cSld>
+    <p:spTree>
+      <p:nvGrpSpPr>
+        <p:cNvPr id="1" name=""/>
+        <p:cNvGrpSpPr/>
+        <p:nvPr/>
+      </p:nvGrpSpPr>
+      <p:grpSpPr>
+        <a:xfrm>
+          <a:off x="0" y="0"/>
+          <a:ext cx="0" cy="0"/>
+          <a:chOff x="0" y="0"/>
+          <a:chExt cx="0" cy="0"/>
+        </a:xfrm>
+      </p:grpSpPr>
+      <p:sp>
+        <p:nvSpPr>
+          <p:cNvPr id="2" name="Title 1">
+            <a:extLst>
+              <a:ext uri="{FF2B5EF4-FFF2-40B4-BE49-F238E27FC236}">
+                <a16:creationId xmlns:a16="http://schemas.microsoft.com/office/drawing/2014/main" id="{EA0F943F-AB80-496A-B6ED-BC0084DFD7AF}"/>
+              </a:ext>
+            </a:extLst>
+          </p:cNvPr>
+          <p:cNvSpPr>
+            <a:spLocks noGrp="1"/>
+          </p:cNvSpPr>
+          <p:nvPr>
+            <p:ph type="title"/>
+          </p:nvPr>
+        </p:nvSpPr>
+        <p:spPr/>
+        <p:txBody>
+          <a:bodyPr/>
+          <a:lstStyle/>
+          <a:p>
+            <a:r>
+              <a:rPr lang="en-US" dirty="0"/>
+              <a:t>5-min snippet</a:t>
+            </a:r>
+          </a:p>
+        </p:txBody>
+      </p:sp>
+      <p:sp>
+        <p:nvSpPr>
+          <p:cNvPr id="3" name="Content Placeholder 2">
+            <a:extLst>
+              <a:ext uri="{FF2B5EF4-FFF2-40B4-BE49-F238E27FC236}">
+                <a16:creationId xmlns:a16="http://schemas.microsoft.com/office/drawing/2014/main" id="{7A34B076-9D2C-4CED-8DAC-1A83C4829197}"/>
+              </a:ext>
+            </a:extLst>
+          </p:cNvPr>
+          <p:cNvSpPr>
+            <a:spLocks noGrp="1"/>
+          </p:cNvSpPr>
+          <p:nvPr>
+            <p:ph idx="1"/>
+          </p:nvPr>
+        </p:nvSpPr>
+        <p:spPr/>
+        <p:txBody>
+          <a:bodyPr/>
+          <a:lstStyle/>
+          <a:p>
+            <a:endParaRPr lang="en-US"/>
+          </a:p>
+        </p:txBody>
+      </p:sp>
+      <p:sp>
+        <p:nvSpPr>
+          <p:cNvPr id="4" name="Footer Placeholder 3">
+            <a:extLst>
+              <a:ext uri="{FF2B5EF4-FFF2-40B4-BE49-F238E27FC236}">
+                <a16:creationId xmlns:a16="http://schemas.microsoft.com/office/drawing/2014/main" id="{FAE4E4C2-4B25-4717-A611-823AEBF8A202}"/>
+              </a:ext>
+            </a:extLst>
+          </p:cNvPr>
+          <p:cNvSpPr>
+            <a:spLocks noGrp="1"/>
+          </p:cNvSpPr>
+          <p:nvPr>
+            <p:ph type="ftr" sz="quarter" idx="11"/>
+          </p:nvPr>
+        </p:nvSpPr>
+        <p:spPr/>
+        <p:txBody>
+          <a:bodyPr/>
+          <a:lstStyle/>
+          <a:p>
+            <a:r>
+              <a:rPr lang="en-US"/>
+              <a:t>Mike Nguyen</a:t>
+            </a:r>
+            <a:endParaRPr lang="en-US" dirty="0"/>
+          </a:p>
+        </p:txBody>
+      </p:sp>
+      <p:sp>
+        <p:nvSpPr>
+          <p:cNvPr id="5" name="Slide Number Placeholder 4">
+            <a:extLst>
+              <a:ext uri="{FF2B5EF4-FFF2-40B4-BE49-F238E27FC236}">
+                <a16:creationId xmlns:a16="http://schemas.microsoft.com/office/drawing/2014/main" id="{80B5B742-495A-49B6-B066-BC8A524BA4A0}"/>
+              </a:ext>
+            </a:extLst>
+          </p:cNvPr>
+          <p:cNvSpPr>
+            <a:spLocks noGrp="1"/>
+          </p:cNvSpPr>
+          <p:nvPr>
+            <p:ph type="sldNum" sz="quarter" idx="12"/>
+          </p:nvPr>
+        </p:nvSpPr>
+        <p:spPr/>
+        <p:txBody>
+          <a:bodyPr/>
+          <a:lstStyle/>
+          <a:p>
+            <a:fld id="{A6AF1B4E-90EC-4A51-B6E5-B702C054ECB0}" type="slidenum">
+              <a:rPr lang="en-US" smtClean="0"/>
+              <a:t>11</a:t>
+            </a:fld>
+            <a:endParaRPr lang="en-US" dirty="0"/>
+          </a:p>
+        </p:txBody>
+      </p:sp>
+    </p:spTree>
+    <p:extLst>
+      <p:ext uri="{BB962C8B-B14F-4D97-AF65-F5344CB8AC3E}">
+        <p14:creationId xmlns:p14="http://schemas.microsoft.com/office/powerpoint/2010/main" val="3051679104"/>
+      </p:ext>
+    </p:extLst>
+  </p:cSld>
+  <p:clrMapOvr>
+    <a:masterClrMapping/>
+  </p:clrMapOvr>
+</p:sld>
+</file>
+
 <file path=ppt/slides/slide2.xml><?xml version="1.0" encoding="utf-8"?>
+<p:sld xmlns:a="http://schemas.openxmlformats.org/drawingml/2006/main" xmlns:r="http://schemas.openxmlformats.org/officeDocument/2006/relationships" xmlns:p="http://schemas.openxmlformats.org/presentationml/2006/main">
+  <p:cSld>
+    <p:bg>
+      <p:bgPr>
+        <a:solidFill>
+          <a:schemeClr val="bg1"/>
+        </a:solidFill>
+        <a:effectLst/>
+      </p:bgPr>
+    </p:bg>
+    <p:spTree>
+      <p:nvGrpSpPr>
+        <p:cNvPr id="1" name=""/>
+        <p:cNvGrpSpPr/>
+        <p:nvPr/>
+      </p:nvGrpSpPr>
+      <p:grpSpPr>
+        <a:xfrm>
+          <a:off x="0" y="0"/>
+          <a:ext cx="0" cy="0"/>
+          <a:chOff x="0" y="0"/>
+          <a:chExt cx="0" cy="0"/>
+        </a:xfrm>
+      </p:grpSpPr>
+      <p:sp>
+        <p:nvSpPr>
+          <p:cNvPr id="2" name="Title 1">
+            <a:extLst>
+              <a:ext uri="{FF2B5EF4-FFF2-40B4-BE49-F238E27FC236}">
+                <a16:creationId xmlns:a16="http://schemas.microsoft.com/office/drawing/2014/main" id="{B3FA176A-8256-4FA1-84E6-B75EC1C8AA5F}"/>
+              </a:ext>
+            </a:extLst>
+          </p:cNvPr>
+          <p:cNvSpPr>
+            <a:spLocks noGrp="1"/>
+          </p:cNvSpPr>
+          <p:nvPr>
+            <p:ph type="title"/>
+          </p:nvPr>
+        </p:nvSpPr>
+        <p:spPr>
+          <a:xfrm>
+            <a:off x="4965430" y="629268"/>
+            <a:ext cx="6586491" cy="1286160"/>
+          </a:xfrm>
+        </p:spPr>
+        <p:txBody>
+          <a:bodyPr anchor="b">
+            <a:normAutofit/>
+          </a:bodyPr>
+          <a:lstStyle/>
+          <a:p>
+            <a:r>
+              <a:rPr lang="en-US" dirty="0"/>
+              <a:t>iClicker Question</a:t>
+            </a:r>
+          </a:p>
+        </p:txBody>
+      </p:sp>
+      <p:sp>
+        <p:nvSpPr>
+          <p:cNvPr id="3" name="Content Placeholder 2">
+            <a:extLst>
+              <a:ext uri="{FF2B5EF4-FFF2-40B4-BE49-F238E27FC236}">
+                <a16:creationId xmlns:a16="http://schemas.microsoft.com/office/drawing/2014/main" id="{6026C7D0-4203-42AE-827D-B8DB2ED8C16F}"/>
+              </a:ext>
+            </a:extLst>
+          </p:cNvPr>
+          <p:cNvSpPr>
+            <a:spLocks noGrp="1"/>
+          </p:cNvSpPr>
+          <p:nvPr>
+            <p:ph idx="1"/>
+          </p:nvPr>
+        </p:nvSpPr>
+        <p:spPr>
+          <a:xfrm>
+            <a:off x="4965431" y="2438400"/>
+            <a:ext cx="6586489" cy="3785419"/>
+          </a:xfrm>
+        </p:spPr>
+        <p:txBody>
+          <a:bodyPr>
+            <a:normAutofit/>
+          </a:bodyPr>
+          <a:lstStyle/>
+          <a:p>
+            <a:pPr marL="0" indent="0">
+              <a:buNone/>
+            </a:pPr>
+            <a:r>
+              <a:rPr lang="en-US" sz="2000"/>
+              <a:t>How was the first test?</a:t>
+            </a:r>
+          </a:p>
+          <a:p>
+            <a:pPr marL="514350" indent="-514350">
+              <a:buFont typeface="+mj-lt"/>
+              <a:buAutoNum type="alphaUcPeriod"/>
+            </a:pPr>
+            <a:r>
+              <a:rPr lang="en-US" sz="2000"/>
+              <a:t>Extremely hard</a:t>
+            </a:r>
+          </a:p>
+          <a:p>
+            <a:pPr marL="514350" indent="-514350">
+              <a:buFont typeface="+mj-lt"/>
+              <a:buAutoNum type="alphaUcPeriod"/>
+            </a:pPr>
+            <a:r>
+              <a:rPr lang="en-US" sz="2000"/>
+              <a:t>Hard</a:t>
+            </a:r>
+          </a:p>
+          <a:p>
+            <a:pPr marL="514350" indent="-514350">
+              <a:buFont typeface="+mj-lt"/>
+              <a:buAutoNum type="alphaUcPeriod"/>
+            </a:pPr>
+            <a:r>
+              <a:rPr lang="en-US" sz="2000"/>
+              <a:t>I can handle it </a:t>
+            </a:r>
+          </a:p>
+          <a:p>
+            <a:pPr marL="514350" indent="-514350">
+              <a:buFont typeface="+mj-lt"/>
+              <a:buAutoNum type="alphaUcPeriod"/>
+            </a:pPr>
+            <a:r>
+              <a:rPr lang="en-US" sz="2000"/>
+              <a:t>Easy </a:t>
+            </a:r>
+          </a:p>
+          <a:p>
+            <a:pPr marL="514350" indent="-514350">
+              <a:buFont typeface="+mj-lt"/>
+              <a:buAutoNum type="alphaUcPeriod"/>
+            </a:pPr>
+            <a:r>
+              <a:rPr lang="en-US" sz="2000"/>
+              <a:t>Extremely easy</a:t>
+            </a:r>
+          </a:p>
+        </p:txBody>
+      </p:sp>
+      <p:pic>
+        <p:nvPicPr>
+          <p:cNvPr id="7" name="Picture 6" descr="Question mark on green pastel background">
+            <a:extLst>
+              <a:ext uri="{FF2B5EF4-FFF2-40B4-BE49-F238E27FC236}">
+                <a16:creationId xmlns:a16="http://schemas.microsoft.com/office/drawing/2014/main" id="{BE780C69-59A2-4ACF-A4DF-2EB34471C11A}"/>
+              </a:ext>
+            </a:extLst>
+          </p:cNvPr>
+          <p:cNvPicPr>
+            <a:picLocks noChangeAspect="1"/>
+          </p:cNvPicPr>
+          <p:nvPr/>
+        </p:nvPicPr>
+        <p:blipFill rotWithShape="1">
+          <a:blip r:embed="rId2"/>
+          <a:srcRect l="44648" r="4656"/>
+          <a:stretch/>
+        </p:blipFill>
+        <p:spPr>
+          <a:xfrm>
+            <a:off x="20" y="10"/>
+            <a:ext cx="4635571" cy="6857990"/>
+          </a:xfrm>
+          <a:prstGeom prst="rect">
+            <a:avLst/>
+          </a:prstGeom>
+          <a:effectLst/>
+        </p:spPr>
+      </p:pic>
+      <p:cxnSp>
+        <p:nvCxnSpPr>
+          <p:cNvPr id="11" name="Straight Connector 10">
+            <a:extLst>
+              <a:ext uri="{FF2B5EF4-FFF2-40B4-BE49-F238E27FC236}">
+                <a16:creationId xmlns:a16="http://schemas.microsoft.com/office/drawing/2014/main" id="{A7F400EE-A8A5-48AF-B4D6-291B52C6F0B0}"/>
+              </a:ext>
+              <a:ext uri="{C183D7F6-B498-43B3-948B-1728B52AA6E4}">
+                <adec:decorative xmlns:adec="http://schemas.microsoft.com/office/drawing/2017/decorative" val="1"/>
+              </a:ext>
+            </a:extLst>
+          </p:cNvPr>
+          <p:cNvCxnSpPr>
+            <a:cxnSpLocks noGrp="1" noRot="1" noChangeAspect="1" noMove="1" noResize="1" noEditPoints="1" noAdjustHandles="1" noChangeArrowheads="1" noChangeShapeType="1"/>
+          </p:cNvCxnSpPr>
+          <p:nvPr>
+            <p:extLst>
+              <p:ext uri="{386F3935-93C4-4BCD-93E2-E3B085C9AB24}">
+                <p16:designElem xmlns:p16="http://schemas.microsoft.com/office/powerpoint/2015/main" val="1"/>
+              </p:ext>
+            </p:extLst>
+          </p:nvPr>
+        </p:nvCxnSpPr>
+        <p:spPr>
+          <a:xfrm>
+            <a:off x="5080934" y="2115117"/>
+            <a:ext cx="6309360" cy="0"/>
+          </a:xfrm>
+          <a:prstGeom prst="line">
+            <a:avLst/>
+          </a:prstGeom>
+          <a:ln w="19050">
+            <a:solidFill>
+              <a:srgbClr val="589195"/>
+            </a:solidFill>
+          </a:ln>
+        </p:spPr>
+        <p:style>
+          <a:lnRef idx="1">
+            <a:schemeClr val="accent1"/>
+          </a:lnRef>
+          <a:fillRef idx="0">
+            <a:schemeClr val="accent1"/>
+          </a:fillRef>
+          <a:effectRef idx="0">
+            <a:schemeClr val="accent1"/>
+          </a:effectRef>
+          <a:fontRef idx="minor">
+            <a:schemeClr val="tx1"/>
+          </a:fontRef>
+        </p:style>
+      </p:cxnSp>
+      <p:sp>
+        <p:nvSpPr>
+          <p:cNvPr id="4" name="Footer Placeholder 3">
+            <a:extLst>
+              <a:ext uri="{FF2B5EF4-FFF2-40B4-BE49-F238E27FC236}">
+                <a16:creationId xmlns:a16="http://schemas.microsoft.com/office/drawing/2014/main" id="{533B839B-62B4-4041-B661-7C40644FA6B4}"/>
+              </a:ext>
+            </a:extLst>
+          </p:cNvPr>
+          <p:cNvSpPr>
+            <a:spLocks noGrp="1"/>
+          </p:cNvSpPr>
+          <p:nvPr>
+            <p:ph type="ftr" sz="quarter" idx="11"/>
+          </p:nvPr>
+        </p:nvSpPr>
+        <p:spPr>
+          <a:xfrm>
+            <a:off x="4965430" y="6356350"/>
+            <a:ext cx="4139134" cy="365125"/>
+          </a:xfrm>
+        </p:spPr>
+        <p:txBody>
+          <a:bodyPr>
+            <a:normAutofit/>
+          </a:bodyPr>
+          <a:lstStyle/>
+          <a:p>
+            <a:pPr algn="l">
+              <a:spcAft>
+                <a:spcPts val="600"/>
+              </a:spcAft>
+            </a:pPr>
+            <a:r>
+              <a:rPr lang="en-US"/>
+              <a:t>Mike Nguyen</a:t>
+            </a:r>
+          </a:p>
+        </p:txBody>
+      </p:sp>
+      <p:sp>
+        <p:nvSpPr>
+          <p:cNvPr id="5" name="Slide Number Placeholder 4">
+            <a:extLst>
+              <a:ext uri="{FF2B5EF4-FFF2-40B4-BE49-F238E27FC236}">
+                <a16:creationId xmlns:a16="http://schemas.microsoft.com/office/drawing/2014/main" id="{ED9BF9F1-5866-42D8-808F-19BCAA18DAB2}"/>
+              </a:ext>
+            </a:extLst>
+          </p:cNvPr>
+          <p:cNvSpPr>
+            <a:spLocks noGrp="1"/>
+          </p:cNvSpPr>
+          <p:nvPr>
+            <p:ph type="sldNum" sz="quarter" idx="12"/>
+          </p:nvPr>
+        </p:nvSpPr>
+        <p:spPr>
+          <a:xfrm>
+            <a:off x="10167042" y="6356350"/>
+            <a:ext cx="1186758" cy="365125"/>
+          </a:xfrm>
+        </p:spPr>
+        <p:txBody>
+          <a:bodyPr>
+            <a:normAutofit/>
+          </a:bodyPr>
+          <a:lstStyle/>
+          <a:p>
+            <a:pPr>
+              <a:spcAft>
+                <a:spcPts val="600"/>
+              </a:spcAft>
+            </a:pPr>
+            <a:fld id="{A6AF1B4E-90EC-4A51-B6E5-B702C054ECB0}" type="slidenum">
+              <a:rPr lang="en-US" smtClean="0"/>
+              <a:pPr>
+                <a:spcAft>
+                  <a:spcPts val="600"/>
+                </a:spcAft>
+              </a:pPr>
+              <a:t>2</a:t>
+            </a:fld>
+            <a:endParaRPr lang="en-US"/>
+          </a:p>
+        </p:txBody>
+      </p:sp>
+    </p:spTree>
+    <p:extLst>
+      <p:ext uri="{BB962C8B-B14F-4D97-AF65-F5344CB8AC3E}">
+        <p14:creationId xmlns:p14="http://schemas.microsoft.com/office/powerpoint/2010/main" val="257808471"/>
+      </p:ext>
+    </p:extLst>
+  </p:cSld>
+  <p:clrMapOvr>
+    <a:masterClrMapping/>
+  </p:clrMapOvr>
+</p:sld>
+</file>
+
+<file path=ppt/slides/slide3.xml><?xml version="1.0" encoding="utf-8"?>
+<p:sld xmlns:a="http://schemas.openxmlformats.org/drawingml/2006/main" xmlns:r="http://schemas.openxmlformats.org/officeDocument/2006/relationships" xmlns:p="http://schemas.openxmlformats.org/presentationml/2006/main">
+  <p:cSld>
+    <p:bg>
+      <p:bgPr>
+        <a:solidFill>
+          <a:schemeClr val="bg1"/>
+        </a:solidFill>
+        <a:effectLst/>
+      </p:bgPr>
+    </p:bg>
+    <p:spTree>
+      <p:nvGrpSpPr>
+        <p:cNvPr id="1" name=""/>
+        <p:cNvGrpSpPr/>
+        <p:nvPr/>
+      </p:nvGrpSpPr>
+      <p:grpSpPr>
+        <a:xfrm>
+          <a:off x="0" y="0"/>
+          <a:ext cx="0" cy="0"/>
+          <a:chOff x="0" y="0"/>
+          <a:chExt cx="0" cy="0"/>
+        </a:xfrm>
+      </p:grpSpPr>
+      <p:sp>
+        <p:nvSpPr>
+          <p:cNvPr id="11" name="Rectangle 10">
+            <a:extLst>
+              <a:ext uri="{FF2B5EF4-FFF2-40B4-BE49-F238E27FC236}">
+                <a16:creationId xmlns:a16="http://schemas.microsoft.com/office/drawing/2014/main" id="{08E89D5E-1885-4160-AC77-CC471DD1D0DB}"/>
+              </a:ext>
+              <a:ext uri="{C183D7F6-B498-43B3-948B-1728B52AA6E4}">
+                <adec:decorative xmlns:adec="http://schemas.microsoft.com/office/drawing/2017/decorative" val="1"/>
+              </a:ext>
+            </a:extLst>
+          </p:cNvPr>
+          <p:cNvSpPr>
+            <a:spLocks noGrp="1" noRot="1" noChangeAspect="1" noMove="1" noResize="1" noEditPoints="1" noAdjustHandles="1" noChangeArrowheads="1" noChangeShapeType="1" noTextEdit="1"/>
+          </p:cNvSpPr>
+          <p:nvPr>
+            <p:extLst>
+              <p:ext uri="{386F3935-93C4-4BCD-93E2-E3B085C9AB24}">
+                <p16:designElem xmlns:p16="http://schemas.microsoft.com/office/powerpoint/2015/main" val="1"/>
+              </p:ext>
+            </p:extLst>
+          </p:nvPr>
+        </p:nvSpPr>
+        <p:spPr>
+          <a:xfrm>
+            <a:off x="0" y="0"/>
+            <a:ext cx="4636008" cy="6858000"/>
+          </a:xfrm>
+          <a:prstGeom prst="rect">
+            <a:avLst/>
+          </a:prstGeom>
+          <a:ln>
+            <a:noFill/>
+          </a:ln>
+        </p:spPr>
+        <p:style>
+          <a:lnRef idx="2">
+            <a:schemeClr val="accent1">
+              <a:shade val="50000"/>
+            </a:schemeClr>
+          </a:lnRef>
+          <a:fillRef idx="1">
+            <a:schemeClr val="accent1"/>
+          </a:fillRef>
+          <a:effectRef idx="0">
+            <a:schemeClr val="accent1"/>
+          </a:effectRef>
+          <a:fontRef idx="minor">
+            <a:schemeClr val="lt1"/>
+          </a:fontRef>
+        </p:style>
+        <p:txBody>
+          <a:bodyPr rtlCol="0" anchor="ctr"/>
+          <a:lstStyle/>
+          <a:p>
+            <a:pPr algn="ctr"/>
+            <a:endParaRPr lang="en-US"/>
+          </a:p>
+        </p:txBody>
+      </p:sp>
+      <p:sp>
+        <p:nvSpPr>
+          <p:cNvPr id="2" name="Title 1">
+            <a:extLst>
+              <a:ext uri="{FF2B5EF4-FFF2-40B4-BE49-F238E27FC236}">
+                <a16:creationId xmlns:a16="http://schemas.microsoft.com/office/drawing/2014/main" id="{70EF06DC-B7C9-4E74-B6F7-84CD7BB39CC3}"/>
+              </a:ext>
+            </a:extLst>
+          </p:cNvPr>
+          <p:cNvSpPr>
+            <a:spLocks noGrp="1"/>
+          </p:cNvSpPr>
+          <p:nvPr>
+            <p:ph type="title"/>
+          </p:nvPr>
+        </p:nvSpPr>
+        <p:spPr>
+          <a:xfrm>
+            <a:off x="943277" y="712269"/>
+            <a:ext cx="3370998" cy="5502264"/>
+          </a:xfrm>
+        </p:spPr>
+        <p:txBody>
+          <a:bodyPr>
+            <a:normAutofit/>
+          </a:bodyPr>
+          <a:lstStyle/>
+          <a:p>
+            <a:r>
+              <a:rPr lang="en-US">
+                <a:solidFill>
+                  <a:srgbClr val="FFFFFF"/>
+                </a:solidFill>
+              </a:rPr>
+              <a:t>Recap</a:t>
+            </a:r>
+          </a:p>
+        </p:txBody>
+      </p:sp>
+      <p:cxnSp>
+        <p:nvCxnSpPr>
+          <p:cNvPr id="13" name="Straight Connector 12">
+            <a:extLst>
+              <a:ext uri="{FF2B5EF4-FFF2-40B4-BE49-F238E27FC236}">
+                <a16:creationId xmlns:a16="http://schemas.microsoft.com/office/drawing/2014/main" id="{550D2BD1-98F9-412D-905B-3A843EF4078B}"/>
+              </a:ext>
+              <a:ext uri="{C183D7F6-B498-43B3-948B-1728B52AA6E4}">
+                <adec:decorative xmlns:adec="http://schemas.microsoft.com/office/drawing/2017/decorative" val="1"/>
+              </a:ext>
+            </a:extLst>
+          </p:cNvPr>
+          <p:cNvCxnSpPr>
+            <a:cxnSpLocks noGrp="1" noRot="1" noChangeAspect="1" noMove="1" noResize="1" noEditPoints="1" noAdjustHandles="1" noChangeArrowheads="1" noChangeShapeType="1"/>
+          </p:cNvCxnSpPr>
+          <p:nvPr>
+            <p:extLst>
+              <p:ext uri="{386F3935-93C4-4BCD-93E2-E3B085C9AB24}">
+                <p16:designElem xmlns:p16="http://schemas.microsoft.com/office/powerpoint/2015/main" val="1"/>
+              </p:ext>
+            </p:extLst>
+          </p:nvPr>
+        </p:nvCxnSpPr>
+        <p:spPr>
+          <a:xfrm flipV="1">
+            <a:off x="585216" y="2971800"/>
+            <a:ext cx="0" cy="914400"/>
+          </a:xfrm>
+          <a:prstGeom prst="line">
+            <a:avLst/>
+          </a:prstGeom>
+          <a:ln w="19050">
+            <a:solidFill>
+              <a:srgbClr val="FFFFFF">
+                <a:alpha val="80000"/>
+              </a:srgbClr>
+            </a:solidFill>
+          </a:ln>
+        </p:spPr>
+        <p:style>
+          <a:lnRef idx="1">
+            <a:schemeClr val="accent1"/>
+          </a:lnRef>
+          <a:fillRef idx="0">
+            <a:schemeClr val="accent1"/>
+          </a:fillRef>
+          <a:effectRef idx="0">
+            <a:schemeClr val="accent1"/>
+          </a:effectRef>
+          <a:fontRef idx="minor">
+            <a:schemeClr val="tx1"/>
+          </a:fontRef>
+        </p:style>
+      </p:cxnSp>
+      <p:sp>
+        <p:nvSpPr>
+          <p:cNvPr id="4" name="Footer Placeholder 3">
+            <a:extLst>
+              <a:ext uri="{FF2B5EF4-FFF2-40B4-BE49-F238E27FC236}">
+                <a16:creationId xmlns:a16="http://schemas.microsoft.com/office/drawing/2014/main" id="{06E5BC49-C192-4E2D-BB6E-6C4FAD0466EB}"/>
+              </a:ext>
+            </a:extLst>
+          </p:cNvPr>
+          <p:cNvSpPr>
+            <a:spLocks noGrp="1"/>
+          </p:cNvSpPr>
+          <p:nvPr>
+            <p:ph type="ftr" sz="quarter" idx="11"/>
+          </p:nvPr>
+        </p:nvSpPr>
+        <p:spPr>
+          <a:xfrm>
+            <a:off x="5280024" y="6356350"/>
+            <a:ext cx="2873375" cy="365125"/>
+          </a:xfrm>
+        </p:spPr>
+        <p:txBody>
+          <a:bodyPr>
+            <a:normAutofit/>
+          </a:bodyPr>
+          <a:lstStyle/>
+          <a:p>
+            <a:pPr algn="l">
+              <a:spcAft>
+                <a:spcPts val="600"/>
+              </a:spcAft>
+            </a:pPr>
+            <a:r>
+              <a:rPr lang="en-US">
+                <a:solidFill>
+                  <a:schemeClr val="tx1">
+                    <a:lumMod val="75000"/>
+                    <a:lumOff val="25000"/>
+                    <a:alpha val="70000"/>
+                  </a:schemeClr>
+                </a:solidFill>
+              </a:rPr>
+              <a:t>Mike Nguyen</a:t>
+            </a:r>
+          </a:p>
+        </p:txBody>
+      </p:sp>
+      <p:sp>
+        <p:nvSpPr>
+          <p:cNvPr id="5" name="Slide Number Placeholder 4">
+            <a:extLst>
+              <a:ext uri="{FF2B5EF4-FFF2-40B4-BE49-F238E27FC236}">
+                <a16:creationId xmlns:a16="http://schemas.microsoft.com/office/drawing/2014/main" id="{6A1A86C0-E8A4-4150-9B36-C3965E138052}"/>
+              </a:ext>
+            </a:extLst>
+          </p:cNvPr>
+          <p:cNvSpPr>
+            <a:spLocks noGrp="1"/>
+          </p:cNvSpPr>
+          <p:nvPr>
+            <p:ph type="sldNum" sz="quarter" idx="12"/>
+          </p:nvPr>
+        </p:nvSpPr>
+        <p:spPr>
+          <a:xfrm>
+            <a:off x="8610600" y="6356350"/>
+            <a:ext cx="2743200" cy="365125"/>
+          </a:xfrm>
+        </p:spPr>
+        <p:txBody>
+          <a:bodyPr>
+            <a:normAutofit/>
+          </a:bodyPr>
+          <a:lstStyle/>
+          <a:p>
+            <a:pPr>
+              <a:spcAft>
+                <a:spcPts val="600"/>
+              </a:spcAft>
+            </a:pPr>
+            <a:fld id="{A6AF1B4E-90EC-4A51-B6E5-B702C054ECB0}" type="slidenum">
+              <a:rPr lang="en-US">
+                <a:solidFill>
+                  <a:schemeClr val="tx1">
+                    <a:lumMod val="75000"/>
+                    <a:lumOff val="25000"/>
+                    <a:alpha val="70000"/>
+                  </a:schemeClr>
+                </a:solidFill>
+              </a:rPr>
+              <a:pPr>
+                <a:spcAft>
+                  <a:spcPts val="600"/>
+                </a:spcAft>
+              </a:pPr>
+              <a:t>3</a:t>
+            </a:fld>
+            <a:endParaRPr lang="en-US">
+              <a:solidFill>
+                <a:schemeClr val="tx1">
+                  <a:lumMod val="75000"/>
+                  <a:lumOff val="25000"/>
+                  <a:alpha val="70000"/>
+                </a:schemeClr>
+              </a:solidFill>
+            </a:endParaRPr>
+          </a:p>
+        </p:txBody>
+      </p:sp>
+      <p:graphicFrame>
+        <p:nvGraphicFramePr>
+          <p:cNvPr id="7" name="Content Placeholder 2">
+            <a:extLst>
+              <a:ext uri="{FF2B5EF4-FFF2-40B4-BE49-F238E27FC236}">
+                <a16:creationId xmlns:a16="http://schemas.microsoft.com/office/drawing/2014/main" id="{79500B39-BAFC-4EB6-B40E-3C3B815A1FDC}"/>
+              </a:ext>
+            </a:extLst>
+          </p:cNvPr>
+          <p:cNvGraphicFramePr>
+            <a:graphicFrameLocks noGrp="1"/>
+          </p:cNvGraphicFramePr>
+          <p:nvPr>
+            <p:ph idx="1"/>
+            <p:extLst>
+              <p:ext uri="{D42A27DB-BD31-4B8C-83A1-F6EECF244321}">
+                <p14:modId xmlns:p14="http://schemas.microsoft.com/office/powerpoint/2010/main" val="2802177006"/>
+              </p:ext>
+            </p:extLst>
+          </p:nvPr>
+        </p:nvGraphicFramePr>
+        <p:xfrm>
+          <a:off x="5280025" y="642938"/>
+          <a:ext cx="6269038" cy="5572125"/>
+        </p:xfrm>
+        <a:graphic>
+          <a:graphicData uri="http://schemas.openxmlformats.org/drawingml/2006/diagram">
+            <dgm:relIds xmlns:dgm="http://schemas.openxmlformats.org/drawingml/2006/diagram" xmlns:r="http://schemas.openxmlformats.org/officeDocument/2006/relationships" r:dm="rId2" r:lo="rId3" r:qs="rId4" r:cs="rId5"/>
+          </a:graphicData>
+        </a:graphic>
+      </p:graphicFrame>
+    </p:spTree>
+    <p:extLst>
+      <p:ext uri="{BB962C8B-B14F-4D97-AF65-F5344CB8AC3E}">
+        <p14:creationId xmlns:p14="http://schemas.microsoft.com/office/powerpoint/2010/main" val="1540472193"/>
+      </p:ext>
+    </p:extLst>
+  </p:cSld>
+  <p:clrMapOvr>
+    <a:masterClrMapping/>
+  </p:clrMapOvr>
+</p:sld>
+</file>
+
+<file path=ppt/slides/slide4.xml><?xml version="1.0" encoding="utf-8"?>
+<p:sld xmlns:a="http://schemas.openxmlformats.org/drawingml/2006/main" xmlns:r="http://schemas.openxmlformats.org/officeDocument/2006/relationships" xmlns:p="http://schemas.openxmlformats.org/presentationml/2006/main">
+  <p:cSld>
+    <p:bg>
+      <p:bgPr>
+        <a:solidFill>
+          <a:schemeClr val="bg1"/>
+        </a:solidFill>
+        <a:effectLst/>
+      </p:bgPr>
+    </p:bg>
+    <p:spTree>
+      <p:nvGrpSpPr>
+        <p:cNvPr id="1" name=""/>
+        <p:cNvGrpSpPr/>
+        <p:nvPr/>
+      </p:nvGrpSpPr>
+      <p:grpSpPr>
+        <a:xfrm>
+          <a:off x="0" y="0"/>
+          <a:ext cx="0" cy="0"/>
+          <a:chOff x="0" y="0"/>
+          <a:chExt cx="0" cy="0"/>
+        </a:xfrm>
+      </p:grpSpPr>
+      <p:sp>
+        <p:nvSpPr>
+          <p:cNvPr id="2" name="Title 1">
+            <a:extLst>
+              <a:ext uri="{FF2B5EF4-FFF2-40B4-BE49-F238E27FC236}">
+                <a16:creationId xmlns:a16="http://schemas.microsoft.com/office/drawing/2014/main" id="{BD46A48A-CAF7-4B81-A82D-4E7D863389B4}"/>
+              </a:ext>
+            </a:extLst>
+          </p:cNvPr>
+          <p:cNvSpPr>
+            <a:spLocks noGrp="1"/>
+          </p:cNvSpPr>
+          <p:nvPr>
+            <p:ph type="title"/>
+          </p:nvPr>
+        </p:nvSpPr>
+        <p:spPr>
+          <a:xfrm>
+            <a:off x="4965430" y="629268"/>
+            <a:ext cx="6586491" cy="1286160"/>
+          </a:xfrm>
+        </p:spPr>
+        <p:txBody>
+          <a:bodyPr anchor="b">
+            <a:normAutofit/>
+          </a:bodyPr>
+          <a:lstStyle/>
+          <a:p>
+            <a:r>
+              <a:rPr lang="en-US" dirty="0"/>
+              <a:t>iClicker Question</a:t>
+            </a:r>
+          </a:p>
+        </p:txBody>
+      </p:sp>
+      <p:sp>
+        <p:nvSpPr>
+          <p:cNvPr id="3" name="Content Placeholder 2">
+            <a:extLst>
+              <a:ext uri="{FF2B5EF4-FFF2-40B4-BE49-F238E27FC236}">
+                <a16:creationId xmlns:a16="http://schemas.microsoft.com/office/drawing/2014/main" id="{0A7D0909-01B0-461D-8FBF-50D8BE93342A}"/>
+              </a:ext>
+            </a:extLst>
+          </p:cNvPr>
+          <p:cNvSpPr>
+            <a:spLocks noGrp="1"/>
+          </p:cNvSpPr>
+          <p:nvPr>
+            <p:ph idx="1"/>
+          </p:nvPr>
+        </p:nvSpPr>
+        <p:spPr>
+          <a:xfrm>
+            <a:off x="4965431" y="2438400"/>
+            <a:ext cx="6586489" cy="3785419"/>
+          </a:xfrm>
+        </p:spPr>
+        <p:txBody>
+          <a:bodyPr>
+            <a:normAutofit/>
+          </a:bodyPr>
+          <a:lstStyle/>
+          <a:p>
+            <a:r>
+              <a:rPr lang="en-US" sz="2000"/>
+              <a:t>Methods of Ethical Reasoning are </a:t>
+            </a:r>
+          </a:p>
+          <a:p>
+            <a:pPr marL="914400" lvl="1" indent="-457200">
+              <a:buFont typeface="+mj-lt"/>
+              <a:buAutoNum type="alphaUcPeriod"/>
+            </a:pPr>
+            <a:r>
+              <a:rPr lang="en-US" sz="2000"/>
+              <a:t>Utility Approach </a:t>
+            </a:r>
+          </a:p>
+          <a:p>
+            <a:pPr marL="914400" lvl="1" indent="-457200">
+              <a:buFont typeface="+mj-lt"/>
+              <a:buAutoNum type="alphaUcPeriod"/>
+            </a:pPr>
+            <a:r>
+              <a:rPr lang="en-US" sz="2000"/>
+              <a:t>Justice Approach </a:t>
+            </a:r>
+          </a:p>
+          <a:p>
+            <a:pPr marL="914400" lvl="1" indent="-457200">
+              <a:buFont typeface="+mj-lt"/>
+              <a:buAutoNum type="alphaUcPeriod"/>
+            </a:pPr>
+            <a:r>
+              <a:rPr lang="en-US" sz="2000"/>
+              <a:t>Rights Approach </a:t>
+            </a:r>
+          </a:p>
+          <a:p>
+            <a:pPr marL="914400" lvl="1" indent="-457200">
+              <a:buFont typeface="+mj-lt"/>
+              <a:buAutoNum type="alphaUcPeriod"/>
+            </a:pPr>
+            <a:r>
+              <a:rPr lang="en-US" sz="2000"/>
+              <a:t>A and C</a:t>
+            </a:r>
+          </a:p>
+          <a:p>
+            <a:pPr marL="914400" lvl="1" indent="-457200">
+              <a:buFont typeface="+mj-lt"/>
+              <a:buAutoNum type="alphaUcPeriod"/>
+            </a:pPr>
+            <a:r>
+              <a:rPr lang="en-US" sz="2000"/>
+              <a:t>A, B and C</a:t>
+            </a:r>
+          </a:p>
+        </p:txBody>
+      </p:sp>
+      <p:pic>
+        <p:nvPicPr>
+          <p:cNvPr id="7" name="Picture 6" descr="Question mark on green pastel background">
+            <a:extLst>
+              <a:ext uri="{FF2B5EF4-FFF2-40B4-BE49-F238E27FC236}">
+                <a16:creationId xmlns:a16="http://schemas.microsoft.com/office/drawing/2014/main" id="{C8F3AB25-3A6D-4CD2-AC88-D13B7C6F3A08}"/>
+              </a:ext>
+            </a:extLst>
+          </p:cNvPr>
+          <p:cNvPicPr>
+            <a:picLocks noChangeAspect="1"/>
+          </p:cNvPicPr>
+          <p:nvPr/>
+        </p:nvPicPr>
+        <p:blipFill rotWithShape="1">
+          <a:blip r:embed="rId2"/>
+          <a:srcRect l="44648" r="4656"/>
+          <a:stretch/>
+        </p:blipFill>
+        <p:spPr>
+          <a:xfrm>
+            <a:off x="20" y="10"/>
+            <a:ext cx="4635571" cy="6857990"/>
+          </a:xfrm>
+          <a:prstGeom prst="rect">
+            <a:avLst/>
+          </a:prstGeom>
+          <a:effectLst/>
+        </p:spPr>
+      </p:pic>
+      <p:cxnSp>
+        <p:nvCxnSpPr>
+          <p:cNvPr id="11" name="Straight Connector 10">
+            <a:extLst>
+              <a:ext uri="{FF2B5EF4-FFF2-40B4-BE49-F238E27FC236}">
+                <a16:creationId xmlns:a16="http://schemas.microsoft.com/office/drawing/2014/main" id="{A7F400EE-A8A5-48AF-B4D6-291B52C6F0B0}"/>
+              </a:ext>
+              <a:ext uri="{C183D7F6-B498-43B3-948B-1728B52AA6E4}">
+                <adec:decorative xmlns:adec="http://schemas.microsoft.com/office/drawing/2017/decorative" val="1"/>
+              </a:ext>
+            </a:extLst>
+          </p:cNvPr>
+          <p:cNvCxnSpPr>
+            <a:cxnSpLocks noGrp="1" noRot="1" noChangeAspect="1" noMove="1" noResize="1" noEditPoints="1" noAdjustHandles="1" noChangeArrowheads="1" noChangeShapeType="1"/>
+          </p:cNvCxnSpPr>
+          <p:nvPr>
+            <p:extLst>
+              <p:ext uri="{386F3935-93C4-4BCD-93E2-E3B085C9AB24}">
+                <p16:designElem xmlns:p16="http://schemas.microsoft.com/office/powerpoint/2015/main" val="1"/>
+              </p:ext>
+            </p:extLst>
+          </p:nvPr>
+        </p:nvCxnSpPr>
+        <p:spPr>
+          <a:xfrm>
+            <a:off x="5080934" y="2115117"/>
+            <a:ext cx="6309360" cy="0"/>
+          </a:xfrm>
+          <a:prstGeom prst="line">
+            <a:avLst/>
+          </a:prstGeom>
+          <a:ln w="19050">
+            <a:solidFill>
+              <a:srgbClr val="589195"/>
+            </a:solidFill>
+          </a:ln>
+        </p:spPr>
+        <p:style>
+          <a:lnRef idx="1">
+            <a:schemeClr val="accent1"/>
+          </a:lnRef>
+          <a:fillRef idx="0">
+            <a:schemeClr val="accent1"/>
+          </a:fillRef>
+          <a:effectRef idx="0">
+            <a:schemeClr val="accent1"/>
+          </a:effectRef>
+          <a:fontRef idx="minor">
+            <a:schemeClr val="tx1"/>
+          </a:fontRef>
+        </p:style>
+      </p:cxnSp>
+      <p:sp>
+        <p:nvSpPr>
+          <p:cNvPr id="4" name="Footer Placeholder 3">
+            <a:extLst>
+              <a:ext uri="{FF2B5EF4-FFF2-40B4-BE49-F238E27FC236}">
+                <a16:creationId xmlns:a16="http://schemas.microsoft.com/office/drawing/2014/main" id="{1146039B-2A6C-469E-AE01-5F7AF33B964E}"/>
+              </a:ext>
+            </a:extLst>
+          </p:cNvPr>
+          <p:cNvSpPr>
+            <a:spLocks noGrp="1"/>
+          </p:cNvSpPr>
+          <p:nvPr>
+            <p:ph type="ftr" sz="quarter" idx="11"/>
+          </p:nvPr>
+        </p:nvSpPr>
+        <p:spPr>
+          <a:xfrm>
+            <a:off x="4965430" y="6356350"/>
+            <a:ext cx="4139134" cy="365125"/>
+          </a:xfrm>
+        </p:spPr>
+        <p:txBody>
+          <a:bodyPr>
+            <a:normAutofit/>
+          </a:bodyPr>
+          <a:lstStyle/>
+          <a:p>
+            <a:pPr algn="l">
+              <a:spcAft>
+                <a:spcPts val="600"/>
+              </a:spcAft>
+            </a:pPr>
+            <a:r>
+              <a:rPr lang="en-US"/>
+              <a:t>Mike Nguyen</a:t>
+            </a:r>
+          </a:p>
+        </p:txBody>
+      </p:sp>
+      <p:sp>
+        <p:nvSpPr>
+          <p:cNvPr id="5" name="Slide Number Placeholder 4">
+            <a:extLst>
+              <a:ext uri="{FF2B5EF4-FFF2-40B4-BE49-F238E27FC236}">
+                <a16:creationId xmlns:a16="http://schemas.microsoft.com/office/drawing/2014/main" id="{BC3AE9BD-DF50-4637-AD7D-FF023DB3C274}"/>
+              </a:ext>
+            </a:extLst>
+          </p:cNvPr>
+          <p:cNvSpPr>
+            <a:spLocks noGrp="1"/>
+          </p:cNvSpPr>
+          <p:nvPr>
+            <p:ph type="sldNum" sz="quarter" idx="12"/>
+          </p:nvPr>
+        </p:nvSpPr>
+        <p:spPr>
+          <a:xfrm>
+            <a:off x="10167042" y="6356350"/>
+            <a:ext cx="1186758" cy="365125"/>
+          </a:xfrm>
+        </p:spPr>
+        <p:txBody>
+          <a:bodyPr>
+            <a:normAutofit/>
+          </a:bodyPr>
+          <a:lstStyle/>
+          <a:p>
+            <a:pPr>
+              <a:spcAft>
+                <a:spcPts val="600"/>
+              </a:spcAft>
+            </a:pPr>
+            <a:fld id="{A6AF1B4E-90EC-4A51-B6E5-B702C054ECB0}" type="slidenum">
+              <a:rPr lang="en-US" smtClean="0"/>
+              <a:pPr>
+                <a:spcAft>
+                  <a:spcPts val="600"/>
+                </a:spcAft>
+              </a:pPr>
+              <a:t>4</a:t>
+            </a:fld>
+            <a:endParaRPr lang="en-US"/>
+          </a:p>
+        </p:txBody>
+      </p:sp>
+    </p:spTree>
+    <p:extLst>
+      <p:ext uri="{BB962C8B-B14F-4D97-AF65-F5344CB8AC3E}">
+        <p14:creationId xmlns:p14="http://schemas.microsoft.com/office/powerpoint/2010/main" val="1089540539"/>
+      </p:ext>
+    </p:extLst>
+  </p:cSld>
+  <p:clrMapOvr>
+    <a:masterClrMapping/>
+  </p:clrMapOvr>
+</p:sld>
+</file>
+
+<file path=ppt/slides/slide5.xml><?xml version="1.0" encoding="utf-8"?>
+<p:sld xmlns:a="http://schemas.openxmlformats.org/drawingml/2006/main" xmlns:r="http://schemas.openxmlformats.org/officeDocument/2006/relationships" xmlns:p="http://schemas.openxmlformats.org/presentationml/2006/main">
+  <p:cSld>
+    <p:bg>
+      <p:bgPr>
+        <a:solidFill>
+          <a:schemeClr val="bg1"/>
+        </a:solidFill>
+        <a:effectLst/>
+      </p:bgPr>
+    </p:bg>
+    <p:spTree>
+      <p:nvGrpSpPr>
+        <p:cNvPr id="1" name=""/>
+        <p:cNvGrpSpPr/>
+        <p:nvPr/>
+      </p:nvGrpSpPr>
+      <p:grpSpPr>
+        <a:xfrm>
+          <a:off x="0" y="0"/>
+          <a:ext cx="0" cy="0"/>
+          <a:chOff x="0" y="0"/>
+          <a:chExt cx="0" cy="0"/>
+        </a:xfrm>
+      </p:grpSpPr>
+      <p:sp>
+        <p:nvSpPr>
+          <p:cNvPr id="2" name="Title 1">
+            <a:extLst>
+              <a:ext uri="{FF2B5EF4-FFF2-40B4-BE49-F238E27FC236}">
+                <a16:creationId xmlns:a16="http://schemas.microsoft.com/office/drawing/2014/main" id="{7D1C100D-621C-4D1F-80D5-E6F742F4A11D}"/>
+              </a:ext>
+            </a:extLst>
+          </p:cNvPr>
+          <p:cNvSpPr>
+            <a:spLocks noGrp="1"/>
+          </p:cNvSpPr>
+          <p:nvPr>
+            <p:ph type="title"/>
+          </p:nvPr>
+        </p:nvSpPr>
+        <p:spPr>
+          <a:xfrm>
+            <a:off x="4965430" y="629268"/>
+            <a:ext cx="6586491" cy="1286160"/>
+          </a:xfrm>
+        </p:spPr>
+        <p:txBody>
+          <a:bodyPr anchor="b">
+            <a:normAutofit/>
+          </a:bodyPr>
+          <a:lstStyle/>
+          <a:p>
+            <a:r>
+              <a:rPr lang="en-US"/>
+              <a:t>iClicker Question </a:t>
+            </a:r>
+            <a:endParaRPr lang="en-US" dirty="0"/>
+          </a:p>
+        </p:txBody>
+      </p:sp>
+      <p:sp>
+        <p:nvSpPr>
+          <p:cNvPr id="14" name="Content Placeholder 2">
+            <a:extLst>
+              <a:ext uri="{FF2B5EF4-FFF2-40B4-BE49-F238E27FC236}">
+                <a16:creationId xmlns:a16="http://schemas.microsoft.com/office/drawing/2014/main" id="{1EFD0754-E727-4D9E-9E27-97BB05821AE7}"/>
+              </a:ext>
+            </a:extLst>
+          </p:cNvPr>
+          <p:cNvSpPr>
+            <a:spLocks noGrp="1"/>
+          </p:cNvSpPr>
+          <p:nvPr>
+            <p:ph idx="1"/>
+          </p:nvPr>
+        </p:nvSpPr>
+        <p:spPr>
+          <a:xfrm>
+            <a:off x="4965431" y="2438400"/>
+            <a:ext cx="6586489" cy="3785419"/>
+          </a:xfrm>
+        </p:spPr>
+        <p:txBody>
+          <a:bodyPr>
+            <a:normAutofit/>
+          </a:bodyPr>
+          <a:lstStyle/>
+          <a:p>
+            <a:r>
+              <a:rPr lang="en-US" sz="2000" dirty="0"/>
+              <a:t>We saw the Spread of Disease model last time. </a:t>
+            </a:r>
+          </a:p>
+          <a:p>
+            <a:r>
+              <a:rPr lang="en-US" sz="2000" dirty="0"/>
+              <a:t>What is the conclusion we can draw from the model?</a:t>
+            </a:r>
+          </a:p>
+          <a:p>
+            <a:pPr marL="914400" lvl="1" indent="-457200">
+              <a:buFont typeface="+mj-lt"/>
+              <a:buAutoNum type="alphaUcPeriod"/>
+            </a:pPr>
+            <a:r>
+              <a:rPr lang="en-US" sz="2000" dirty="0"/>
+              <a:t>The fewer people there are in a population, the </a:t>
+            </a:r>
+            <a:r>
+              <a:rPr lang="en-US" sz="2000" dirty="0">
+                <a:solidFill>
+                  <a:srgbClr val="FF0000"/>
+                </a:solidFill>
+              </a:rPr>
+              <a:t>faster</a:t>
+            </a:r>
+            <a:r>
+              <a:rPr lang="en-US" sz="2000" dirty="0"/>
+              <a:t> it is for a disease to reach everyone. </a:t>
+            </a:r>
+          </a:p>
+          <a:p>
+            <a:pPr marL="914400" lvl="1" indent="-457200">
+              <a:buFont typeface="+mj-lt"/>
+              <a:buAutoNum type="alphaUcPeriod"/>
+            </a:pPr>
+            <a:r>
+              <a:rPr lang="en-US" sz="2000" dirty="0"/>
+              <a:t>The fewer people there are in a population, the </a:t>
+            </a:r>
+            <a:r>
+              <a:rPr lang="en-US" sz="2000" dirty="0">
+                <a:solidFill>
+                  <a:srgbClr val="FF0000"/>
+                </a:solidFill>
+              </a:rPr>
+              <a:t>slower</a:t>
+            </a:r>
+            <a:r>
+              <a:rPr lang="en-US" sz="2000" dirty="0"/>
+              <a:t> it is for a disease to reach everyone. </a:t>
+            </a:r>
+          </a:p>
+        </p:txBody>
+      </p:sp>
+      <p:pic>
+        <p:nvPicPr>
+          <p:cNvPr id="15" name="Picture 6" descr="Models if molecules in science classroom">
+            <a:extLst>
+              <a:ext uri="{FF2B5EF4-FFF2-40B4-BE49-F238E27FC236}">
+                <a16:creationId xmlns:a16="http://schemas.microsoft.com/office/drawing/2014/main" id="{ADDAD850-C2CB-4567-8617-B8AD71082131}"/>
+              </a:ext>
+            </a:extLst>
+          </p:cNvPr>
+          <p:cNvPicPr>
+            <a:picLocks noChangeAspect="1"/>
+          </p:cNvPicPr>
+          <p:nvPr/>
+        </p:nvPicPr>
+        <p:blipFill rotWithShape="1">
+          <a:blip r:embed="rId2"/>
+          <a:srcRect l="30744" r="24137" b="-1"/>
+          <a:stretch/>
+        </p:blipFill>
+        <p:spPr>
+          <a:xfrm>
+            <a:off x="20" y="10"/>
+            <a:ext cx="4635571" cy="6857990"/>
+          </a:xfrm>
+          <a:prstGeom prst="rect">
+            <a:avLst/>
+          </a:prstGeom>
+          <a:effectLst/>
+        </p:spPr>
+      </p:pic>
+      <p:cxnSp>
+        <p:nvCxnSpPr>
+          <p:cNvPr id="11" name="Straight Connector 10">
+            <a:extLst>
+              <a:ext uri="{FF2B5EF4-FFF2-40B4-BE49-F238E27FC236}">
+                <a16:creationId xmlns:a16="http://schemas.microsoft.com/office/drawing/2014/main" id="{A7F400EE-A8A5-48AF-B4D6-291B52C6F0B0}"/>
+              </a:ext>
+              <a:ext uri="{C183D7F6-B498-43B3-948B-1728B52AA6E4}">
+                <adec:decorative xmlns:adec="http://schemas.microsoft.com/office/drawing/2017/decorative" val="1"/>
+              </a:ext>
+            </a:extLst>
+          </p:cNvPr>
+          <p:cNvCxnSpPr>
+            <a:cxnSpLocks noGrp="1" noRot="1" noChangeAspect="1" noMove="1" noResize="1" noEditPoints="1" noAdjustHandles="1" noChangeArrowheads="1" noChangeShapeType="1"/>
+          </p:cNvCxnSpPr>
+          <p:nvPr>
+            <p:extLst>
+              <p:ext uri="{386F3935-93C4-4BCD-93E2-E3B085C9AB24}">
+                <p16:designElem xmlns:p16="http://schemas.microsoft.com/office/powerpoint/2015/main" val="1"/>
+              </p:ext>
+            </p:extLst>
+          </p:nvPr>
+        </p:nvCxnSpPr>
+        <p:spPr>
+          <a:xfrm>
+            <a:off x="5080934" y="2115117"/>
+            <a:ext cx="6309360" cy="0"/>
+          </a:xfrm>
+          <a:prstGeom prst="line">
+            <a:avLst/>
+          </a:prstGeom>
+          <a:ln w="19050">
+            <a:solidFill>
+              <a:srgbClr val="F0E50C"/>
+            </a:solidFill>
+          </a:ln>
+        </p:spPr>
+        <p:style>
+          <a:lnRef idx="1">
+            <a:schemeClr val="accent1"/>
+          </a:lnRef>
+          <a:fillRef idx="0">
+            <a:schemeClr val="accent1"/>
+          </a:fillRef>
+          <a:effectRef idx="0">
+            <a:schemeClr val="accent1"/>
+          </a:effectRef>
+          <a:fontRef idx="minor">
+            <a:schemeClr val="tx1"/>
+          </a:fontRef>
+        </p:style>
+      </p:cxnSp>
+      <p:sp>
+        <p:nvSpPr>
+          <p:cNvPr id="4" name="Footer Placeholder 3">
+            <a:extLst>
+              <a:ext uri="{FF2B5EF4-FFF2-40B4-BE49-F238E27FC236}">
+                <a16:creationId xmlns:a16="http://schemas.microsoft.com/office/drawing/2014/main" id="{F734DD4C-A44A-4BC1-87AA-E413AC27AB30}"/>
+              </a:ext>
+            </a:extLst>
+          </p:cNvPr>
+          <p:cNvSpPr>
+            <a:spLocks noGrp="1"/>
+          </p:cNvSpPr>
+          <p:nvPr>
+            <p:ph type="ftr" sz="quarter" idx="11"/>
+          </p:nvPr>
+        </p:nvSpPr>
+        <p:spPr>
+          <a:xfrm>
+            <a:off x="4965430" y="6356350"/>
+            <a:ext cx="4139134" cy="365125"/>
+          </a:xfrm>
+        </p:spPr>
+        <p:txBody>
+          <a:bodyPr>
+            <a:normAutofit/>
+          </a:bodyPr>
+          <a:lstStyle/>
+          <a:p>
+            <a:pPr algn="l">
+              <a:spcAft>
+                <a:spcPts val="600"/>
+              </a:spcAft>
+            </a:pPr>
+            <a:r>
+              <a:rPr lang="en-US"/>
+              <a:t>Mike Nguyen</a:t>
+            </a:r>
+          </a:p>
+        </p:txBody>
+      </p:sp>
+      <p:sp>
+        <p:nvSpPr>
+          <p:cNvPr id="5" name="Slide Number Placeholder 4">
+            <a:extLst>
+              <a:ext uri="{FF2B5EF4-FFF2-40B4-BE49-F238E27FC236}">
+                <a16:creationId xmlns:a16="http://schemas.microsoft.com/office/drawing/2014/main" id="{5DB2E53E-8757-430C-B760-8A49EF225D88}"/>
+              </a:ext>
+            </a:extLst>
+          </p:cNvPr>
+          <p:cNvSpPr>
+            <a:spLocks noGrp="1"/>
+          </p:cNvSpPr>
+          <p:nvPr>
+            <p:ph type="sldNum" sz="quarter" idx="12"/>
+          </p:nvPr>
+        </p:nvSpPr>
+        <p:spPr>
+          <a:xfrm>
+            <a:off x="10167042" y="6356350"/>
+            <a:ext cx="1186758" cy="365125"/>
+          </a:xfrm>
+        </p:spPr>
+        <p:txBody>
+          <a:bodyPr>
+            <a:normAutofit/>
+          </a:bodyPr>
+          <a:lstStyle/>
+          <a:p>
+            <a:pPr>
+              <a:spcAft>
+                <a:spcPts val="600"/>
+              </a:spcAft>
+            </a:pPr>
+            <a:fld id="{A6AF1B4E-90EC-4A51-B6E5-B702C054ECB0}" type="slidenum">
+              <a:rPr lang="en-US" smtClean="0"/>
+              <a:pPr>
+                <a:spcAft>
+                  <a:spcPts val="600"/>
+                </a:spcAft>
+              </a:pPr>
+              <a:t>5</a:t>
+            </a:fld>
+            <a:endParaRPr lang="en-US"/>
+          </a:p>
+        </p:txBody>
+      </p:sp>
+    </p:spTree>
+    <p:extLst>
+      <p:ext uri="{BB962C8B-B14F-4D97-AF65-F5344CB8AC3E}">
+        <p14:creationId xmlns:p14="http://schemas.microsoft.com/office/powerpoint/2010/main" val="22035188"/>
+      </p:ext>
+    </p:extLst>
+  </p:cSld>
+  <p:clrMapOvr>
+    <a:masterClrMapping/>
+  </p:clrMapOvr>
+</p:sld>
+</file>
+
+<file path=ppt/slides/slide6.xml><?xml version="1.0" encoding="utf-8"?>
+<p:sld xmlns:a="http://schemas.openxmlformats.org/drawingml/2006/main" xmlns:r="http://schemas.openxmlformats.org/officeDocument/2006/relationships" xmlns:p="http://schemas.openxmlformats.org/presentationml/2006/main">
+  <p:cSld>
+    <p:spTree>
+      <p:nvGrpSpPr>
+        <p:cNvPr id="1" name=""/>
+        <p:cNvGrpSpPr/>
+        <p:nvPr/>
+      </p:nvGrpSpPr>
+      <p:grpSpPr>
+        <a:xfrm>
+          <a:off x="0" y="0"/>
+          <a:ext cx="0" cy="0"/>
+          <a:chOff x="0" y="0"/>
+          <a:chExt cx="0" cy="0"/>
+        </a:xfrm>
+      </p:grpSpPr>
+      <p:sp>
+        <p:nvSpPr>
+          <p:cNvPr id="2" name="Title 1">
+            <a:extLst>
+              <a:ext uri="{FF2B5EF4-FFF2-40B4-BE49-F238E27FC236}">
+                <a16:creationId xmlns:a16="http://schemas.microsoft.com/office/drawing/2014/main" id="{8D9E8960-1A29-4D38-8155-71E7358D9BC8}"/>
+              </a:ext>
+            </a:extLst>
+          </p:cNvPr>
+          <p:cNvSpPr>
+            <a:spLocks noGrp="1"/>
+          </p:cNvSpPr>
+          <p:nvPr>
+            <p:ph type="title"/>
+          </p:nvPr>
+        </p:nvSpPr>
+        <p:spPr/>
+        <p:txBody>
+          <a:bodyPr/>
+          <a:lstStyle/>
+          <a:p>
+            <a:r>
+              <a:rPr lang="en-US" dirty="0"/>
+              <a:t>Agenda</a:t>
+            </a:r>
+          </a:p>
+        </p:txBody>
+      </p:sp>
+      <p:sp>
+        <p:nvSpPr>
+          <p:cNvPr id="3" name="Content Placeholder 2">
+            <a:extLst>
+              <a:ext uri="{FF2B5EF4-FFF2-40B4-BE49-F238E27FC236}">
+                <a16:creationId xmlns:a16="http://schemas.microsoft.com/office/drawing/2014/main" id="{24862875-9BAC-480F-B517-1684332DD152}"/>
+              </a:ext>
+            </a:extLst>
+          </p:cNvPr>
+          <p:cNvSpPr>
+            <a:spLocks noGrp="1"/>
+          </p:cNvSpPr>
+          <p:nvPr>
+            <p:ph idx="1"/>
+          </p:nvPr>
+        </p:nvSpPr>
+        <p:spPr/>
+        <p:txBody>
+          <a:bodyPr/>
+          <a:lstStyle/>
+          <a:p>
+            <a:r>
+              <a:rPr lang="en-US" dirty="0"/>
+              <a:t>Describe the basic uses of exploratory research </a:t>
+            </a:r>
+          </a:p>
+          <a:p>
+            <a:r>
+              <a:rPr lang="en-US" dirty="0"/>
+              <a:t>Specify the key characteristics of exploratory research. Small scale and very flexible studies are used to generate ideas and insights </a:t>
+            </a:r>
+          </a:p>
+          <a:p>
+            <a:r>
+              <a:rPr lang="en-US" dirty="0"/>
+              <a:t>Discuss the various types of exploratory research and describe each </a:t>
+            </a:r>
+          </a:p>
+          <a:p>
+            <a:r>
+              <a:rPr lang="en-US" dirty="0"/>
+              <a:t>Identify the key person in a focus group </a:t>
+            </a:r>
+          </a:p>
+          <a:p>
+            <a:r>
+              <a:rPr lang="en-US" dirty="0"/>
+              <a:t>Discuss two major pitfalls to avoid with focus groups (or any other form of exploratory research)</a:t>
+            </a:r>
+          </a:p>
+          <a:p>
+            <a:pPr marL="0" indent="0">
+              <a:buNone/>
+            </a:pPr>
+            <a:endParaRPr lang="en-US" dirty="0"/>
+          </a:p>
+          <a:p>
+            <a:endParaRPr lang="en-US" dirty="0"/>
+          </a:p>
+        </p:txBody>
+      </p:sp>
+      <p:sp>
+        <p:nvSpPr>
+          <p:cNvPr id="4" name="Footer Placeholder 3">
+            <a:extLst>
+              <a:ext uri="{FF2B5EF4-FFF2-40B4-BE49-F238E27FC236}">
+                <a16:creationId xmlns:a16="http://schemas.microsoft.com/office/drawing/2014/main" id="{56FEE613-B0F5-4D7A-8FF3-32EB18A8C8E5}"/>
+              </a:ext>
+            </a:extLst>
+          </p:cNvPr>
+          <p:cNvSpPr>
+            <a:spLocks noGrp="1"/>
+          </p:cNvSpPr>
+          <p:nvPr>
+            <p:ph type="ftr" sz="quarter" idx="11"/>
+          </p:nvPr>
+        </p:nvSpPr>
+        <p:spPr/>
+        <p:txBody>
+          <a:bodyPr/>
+          <a:lstStyle/>
+          <a:p>
+            <a:r>
+              <a:rPr lang="en-US"/>
+              <a:t>Mike Nguyen</a:t>
+            </a:r>
+            <a:endParaRPr lang="en-US" dirty="0"/>
+          </a:p>
+        </p:txBody>
+      </p:sp>
+      <p:sp>
+        <p:nvSpPr>
+          <p:cNvPr id="5" name="Slide Number Placeholder 4">
+            <a:extLst>
+              <a:ext uri="{FF2B5EF4-FFF2-40B4-BE49-F238E27FC236}">
+                <a16:creationId xmlns:a16="http://schemas.microsoft.com/office/drawing/2014/main" id="{F96D718D-1CCB-47EA-9C05-340A75C48CE4}"/>
+              </a:ext>
+            </a:extLst>
+          </p:cNvPr>
+          <p:cNvSpPr>
+            <a:spLocks noGrp="1"/>
+          </p:cNvSpPr>
+          <p:nvPr>
+            <p:ph type="sldNum" sz="quarter" idx="12"/>
+          </p:nvPr>
+        </p:nvSpPr>
+        <p:spPr/>
+        <p:txBody>
+          <a:bodyPr/>
+          <a:lstStyle/>
+          <a:p>
+            <a:fld id="{A6AF1B4E-90EC-4A51-B6E5-B702C054ECB0}" type="slidenum">
+              <a:rPr lang="en-US" smtClean="0"/>
+              <a:t>6</a:t>
+            </a:fld>
+            <a:endParaRPr lang="en-US" dirty="0"/>
+          </a:p>
+        </p:txBody>
+      </p:sp>
+    </p:spTree>
+    <p:extLst>
+      <p:ext uri="{BB962C8B-B14F-4D97-AF65-F5344CB8AC3E}">
+        <p14:creationId xmlns:p14="http://schemas.microsoft.com/office/powerpoint/2010/main" val="3337197266"/>
+      </p:ext>
+    </p:extLst>
+  </p:cSld>
+  <p:clrMapOvr>
+    <a:masterClrMapping/>
+  </p:clrMapOvr>
+</p:sld>
+</file>
+
+<file path=ppt/slides/slide7.xml><?xml version="1.0" encoding="utf-8"?>
+<p:sld xmlns:a="http://schemas.openxmlformats.org/drawingml/2006/main" xmlns:r="http://schemas.openxmlformats.org/officeDocument/2006/relationships" xmlns:p="http://schemas.openxmlformats.org/presentationml/2006/main">
+  <p:cSld>
+    <p:spTree>
+      <p:nvGrpSpPr>
+        <p:cNvPr id="1" name=""/>
+        <p:cNvGrpSpPr/>
+        <p:nvPr/>
+      </p:nvGrpSpPr>
+      <p:grpSpPr>
+        <a:xfrm>
+          <a:off x="0" y="0"/>
+          <a:ext cx="0" cy="0"/>
+          <a:chOff x="0" y="0"/>
+          <a:chExt cx="0" cy="0"/>
+        </a:xfrm>
+      </p:grpSpPr>
+      <p:sp>
+        <p:nvSpPr>
+          <p:cNvPr id="2" name="Title 1">
+            <a:extLst>
+              <a:ext uri="{FF2B5EF4-FFF2-40B4-BE49-F238E27FC236}">
+                <a16:creationId xmlns:a16="http://schemas.microsoft.com/office/drawing/2014/main" id="{3D9DDF1D-3C0E-4EB1-A5B1-38885987095E}"/>
+              </a:ext>
+            </a:extLst>
+          </p:cNvPr>
+          <p:cNvSpPr>
+            <a:spLocks noGrp="1"/>
+          </p:cNvSpPr>
+          <p:nvPr>
+            <p:ph type="title"/>
+          </p:nvPr>
+        </p:nvSpPr>
+        <p:spPr/>
+        <p:txBody>
+          <a:bodyPr/>
+          <a:lstStyle/>
+          <a:p>
+            <a:r>
+              <a:rPr lang="en-US" dirty="0"/>
+              <a:t>Exploratory Research</a:t>
+            </a:r>
+          </a:p>
+        </p:txBody>
+      </p:sp>
+      <p:sp>
+        <p:nvSpPr>
+          <p:cNvPr id="3" name="Content Placeholder 2">
+            <a:extLst>
+              <a:ext uri="{FF2B5EF4-FFF2-40B4-BE49-F238E27FC236}">
+                <a16:creationId xmlns:a16="http://schemas.microsoft.com/office/drawing/2014/main" id="{25BC324E-1BF8-482C-BCE0-D2093ED1D09A}"/>
+              </a:ext>
+            </a:extLst>
+          </p:cNvPr>
+          <p:cNvSpPr>
+            <a:spLocks noGrp="1"/>
+          </p:cNvSpPr>
+          <p:nvPr>
+            <p:ph idx="1"/>
+          </p:nvPr>
+        </p:nvSpPr>
+        <p:spPr/>
+        <p:txBody>
+          <a:bodyPr/>
+          <a:lstStyle/>
+          <a:p>
+            <a:r>
+              <a:rPr lang="en-US" dirty="0"/>
+              <a:t>Research conducted to gain ideas and insights to better define the problem or opportunity confronting a manager</a:t>
+            </a:r>
+          </a:p>
+          <a:p>
+            <a:r>
+              <a:rPr lang="en-US" dirty="0"/>
+              <a:t>When conducted correctly, exploratory research should provide a better understanding of the situation and possibly yield hypotheses – but this kind of research is not designed to come up with final answers and decisions </a:t>
+            </a:r>
+          </a:p>
+          <a:p>
+            <a:r>
+              <a:rPr lang="en-US" dirty="0"/>
+              <a:t>Small scale </a:t>
+            </a:r>
+          </a:p>
+          <a:p>
+            <a:r>
+              <a:rPr lang="en-US" dirty="0"/>
+              <a:t>Flexible </a:t>
+            </a:r>
+          </a:p>
+          <a:p>
+            <a:endParaRPr lang="en-US" dirty="0"/>
+          </a:p>
+        </p:txBody>
+      </p:sp>
+      <p:sp>
+        <p:nvSpPr>
+          <p:cNvPr id="4" name="Footer Placeholder 3">
+            <a:extLst>
+              <a:ext uri="{FF2B5EF4-FFF2-40B4-BE49-F238E27FC236}">
+                <a16:creationId xmlns:a16="http://schemas.microsoft.com/office/drawing/2014/main" id="{2216B058-88CC-4E3E-AFDA-4CEFB72ED855}"/>
+              </a:ext>
+            </a:extLst>
+          </p:cNvPr>
+          <p:cNvSpPr>
+            <a:spLocks noGrp="1"/>
+          </p:cNvSpPr>
+          <p:nvPr>
+            <p:ph type="ftr" sz="quarter" idx="11"/>
+          </p:nvPr>
+        </p:nvSpPr>
+        <p:spPr/>
+        <p:txBody>
+          <a:bodyPr/>
+          <a:lstStyle/>
+          <a:p>
+            <a:r>
+              <a:rPr lang="en-US"/>
+              <a:t>Mike Nguyen</a:t>
+            </a:r>
+            <a:endParaRPr lang="en-US" dirty="0"/>
+          </a:p>
+        </p:txBody>
+      </p:sp>
+      <p:sp>
+        <p:nvSpPr>
+          <p:cNvPr id="5" name="Slide Number Placeholder 4">
+            <a:extLst>
+              <a:ext uri="{FF2B5EF4-FFF2-40B4-BE49-F238E27FC236}">
+                <a16:creationId xmlns:a16="http://schemas.microsoft.com/office/drawing/2014/main" id="{AC1787F5-6F07-4139-9420-B53FC4D7C535}"/>
+              </a:ext>
+            </a:extLst>
+          </p:cNvPr>
+          <p:cNvSpPr>
+            <a:spLocks noGrp="1"/>
+          </p:cNvSpPr>
+          <p:nvPr>
+            <p:ph type="sldNum" sz="quarter" idx="12"/>
+          </p:nvPr>
+        </p:nvSpPr>
+        <p:spPr/>
+        <p:txBody>
+          <a:bodyPr/>
+          <a:lstStyle/>
+          <a:p>
+            <a:fld id="{A6AF1B4E-90EC-4A51-B6E5-B702C054ECB0}" type="slidenum">
+              <a:rPr lang="en-US" smtClean="0"/>
+              <a:t>7</a:t>
+            </a:fld>
+            <a:endParaRPr lang="en-US" dirty="0"/>
+          </a:p>
+        </p:txBody>
+      </p:sp>
+    </p:spTree>
+    <p:extLst>
+      <p:ext uri="{BB962C8B-B14F-4D97-AF65-F5344CB8AC3E}">
+        <p14:creationId xmlns:p14="http://schemas.microsoft.com/office/powerpoint/2010/main" val="1750704425"/>
+      </p:ext>
+    </p:extLst>
+  </p:cSld>
+  <p:clrMapOvr>
+    <a:masterClrMapping/>
+  </p:clrMapOvr>
+</p:sld>
+</file>
+
+<file path=ppt/slides/slide8.xml><?xml version="1.0" encoding="utf-8"?>
 <p:sld xmlns:a="http://schemas.openxmlformats.org/drawingml/2006/main" xmlns:r="http://schemas.openxmlformats.org/officeDocument/2006/relationships" xmlns:p="http://schemas.openxmlformats.org/presentationml/2006/main">
   <p:cSld>
     <p:bg>
@@ -12446,12 +14612,12 @@
           <a:lstStyle/>
           <a:p>
             <a:r>
-              <a:rPr lang="en-US" sz="3600">
+              <a:rPr lang="en-US" sz="3600" dirty="0">
                 <a:solidFill>
                   <a:schemeClr val="tx2"/>
                 </a:solidFill>
               </a:rPr>
-              <a:t>Discussion case #1</a:t>
+              <a:t>Case Discussion #1</a:t>
             </a:r>
           </a:p>
         </p:txBody>
@@ -12630,7 +14796,7 @@
                   <a:spcPts val="600"/>
                 </a:spcAft>
               </a:pPr>
-              <a:t>2</a:t>
+              <a:t>8</a:t>
             </a:fld>
             <a:endParaRPr lang="en-US"/>
           </a:p>
@@ -12649,339 +14815,7 @@
 </p:sld>
 </file>
 
-<file path=ppt/slides/slide3.xml><?xml version="1.0" encoding="utf-8"?>
-<p:sld xmlns:a="http://schemas.openxmlformats.org/drawingml/2006/main" xmlns:r="http://schemas.openxmlformats.org/officeDocument/2006/relationships" xmlns:p="http://schemas.openxmlformats.org/presentationml/2006/main">
-  <p:cSld>
-    <p:bg>
-      <p:bgPr>
-        <a:solidFill>
-          <a:schemeClr val="bg1"/>
-        </a:solidFill>
-        <a:effectLst/>
-      </p:bgPr>
-    </p:bg>
-    <p:spTree>
-      <p:nvGrpSpPr>
-        <p:cNvPr id="1" name=""/>
-        <p:cNvGrpSpPr/>
-        <p:nvPr/>
-      </p:nvGrpSpPr>
-      <p:grpSpPr>
-        <a:xfrm>
-          <a:off x="0" y="0"/>
-          <a:ext cx="0" cy="0"/>
-          <a:chOff x="0" y="0"/>
-          <a:chExt cx="0" cy="0"/>
-        </a:xfrm>
-      </p:grpSpPr>
-      <p:sp>
-        <p:nvSpPr>
-          <p:cNvPr id="11" name="Rectangle 10">
-            <a:extLst>
-              <a:ext uri="{FF2B5EF4-FFF2-40B4-BE49-F238E27FC236}">
-                <a16:creationId xmlns:a16="http://schemas.microsoft.com/office/drawing/2014/main" id="{08E89D5E-1885-4160-AC77-CC471DD1D0DB}"/>
-              </a:ext>
-              <a:ext uri="{C183D7F6-B498-43B3-948B-1728B52AA6E4}">
-                <adec:decorative xmlns:adec="http://schemas.microsoft.com/office/drawing/2017/decorative" val="1"/>
-              </a:ext>
-            </a:extLst>
-          </p:cNvPr>
-          <p:cNvSpPr>
-            <a:spLocks noGrp="1" noRot="1" noChangeAspect="1" noMove="1" noResize="1" noEditPoints="1" noAdjustHandles="1" noChangeArrowheads="1" noChangeShapeType="1" noTextEdit="1"/>
-          </p:cNvSpPr>
-          <p:nvPr>
-            <p:extLst>
-              <p:ext uri="{386F3935-93C4-4BCD-93E2-E3B085C9AB24}">
-                <p16:designElem xmlns:p16="http://schemas.microsoft.com/office/powerpoint/2015/main" val="1"/>
-              </p:ext>
-            </p:extLst>
-          </p:nvPr>
-        </p:nvSpPr>
-        <p:spPr>
-          <a:xfrm>
-            <a:off x="0" y="0"/>
-            <a:ext cx="4636008" cy="6858000"/>
-          </a:xfrm>
-          <a:prstGeom prst="rect">
-            <a:avLst/>
-          </a:prstGeom>
-          <a:ln>
-            <a:noFill/>
-          </a:ln>
-        </p:spPr>
-        <p:style>
-          <a:lnRef idx="2">
-            <a:schemeClr val="accent1">
-              <a:shade val="50000"/>
-            </a:schemeClr>
-          </a:lnRef>
-          <a:fillRef idx="1">
-            <a:schemeClr val="accent1"/>
-          </a:fillRef>
-          <a:effectRef idx="0">
-            <a:schemeClr val="accent1"/>
-          </a:effectRef>
-          <a:fontRef idx="minor">
-            <a:schemeClr val="lt1"/>
-          </a:fontRef>
-        </p:style>
-        <p:txBody>
-          <a:bodyPr rtlCol="0" anchor="ctr"/>
-          <a:lstStyle/>
-          <a:p>
-            <a:pPr algn="ctr"/>
-            <a:endParaRPr lang="en-US"/>
-          </a:p>
-        </p:txBody>
-      </p:sp>
-      <p:sp>
-        <p:nvSpPr>
-          <p:cNvPr id="2" name="Title 1">
-            <a:extLst>
-              <a:ext uri="{FF2B5EF4-FFF2-40B4-BE49-F238E27FC236}">
-                <a16:creationId xmlns:a16="http://schemas.microsoft.com/office/drawing/2014/main" id="{70EF06DC-B7C9-4E74-B6F7-84CD7BB39CC3}"/>
-              </a:ext>
-            </a:extLst>
-          </p:cNvPr>
-          <p:cNvSpPr>
-            <a:spLocks noGrp="1"/>
-          </p:cNvSpPr>
-          <p:nvPr>
-            <p:ph type="title"/>
-          </p:nvPr>
-        </p:nvSpPr>
-        <p:spPr>
-          <a:xfrm>
-            <a:off x="943277" y="712269"/>
-            <a:ext cx="3370998" cy="5502264"/>
-          </a:xfrm>
-        </p:spPr>
-        <p:txBody>
-          <a:bodyPr>
-            <a:normAutofit/>
-          </a:bodyPr>
-          <a:lstStyle/>
-          <a:p>
-            <a:r>
-              <a:rPr lang="en-US">
-                <a:solidFill>
-                  <a:srgbClr val="FFFFFF"/>
-                </a:solidFill>
-              </a:rPr>
-              <a:t>Recap</a:t>
-            </a:r>
-          </a:p>
-        </p:txBody>
-      </p:sp>
-      <p:cxnSp>
-        <p:nvCxnSpPr>
-          <p:cNvPr id="13" name="Straight Connector 12">
-            <a:extLst>
-              <a:ext uri="{FF2B5EF4-FFF2-40B4-BE49-F238E27FC236}">
-                <a16:creationId xmlns:a16="http://schemas.microsoft.com/office/drawing/2014/main" id="{550D2BD1-98F9-412D-905B-3A843EF4078B}"/>
-              </a:ext>
-              <a:ext uri="{C183D7F6-B498-43B3-948B-1728B52AA6E4}">
-                <adec:decorative xmlns:adec="http://schemas.microsoft.com/office/drawing/2017/decorative" val="1"/>
-              </a:ext>
-            </a:extLst>
-          </p:cNvPr>
-          <p:cNvCxnSpPr>
-            <a:cxnSpLocks noGrp="1" noRot="1" noChangeAspect="1" noMove="1" noResize="1" noEditPoints="1" noAdjustHandles="1" noChangeArrowheads="1" noChangeShapeType="1"/>
-          </p:cNvCxnSpPr>
-          <p:nvPr>
-            <p:extLst>
-              <p:ext uri="{386F3935-93C4-4BCD-93E2-E3B085C9AB24}">
-                <p16:designElem xmlns:p16="http://schemas.microsoft.com/office/powerpoint/2015/main" val="1"/>
-              </p:ext>
-            </p:extLst>
-          </p:nvPr>
-        </p:nvCxnSpPr>
-        <p:spPr>
-          <a:xfrm flipV="1">
-            <a:off x="585216" y="2971800"/>
-            <a:ext cx="0" cy="914400"/>
-          </a:xfrm>
-          <a:prstGeom prst="line">
-            <a:avLst/>
-          </a:prstGeom>
-          <a:ln w="19050">
-            <a:solidFill>
-              <a:srgbClr val="FFFFFF">
-                <a:alpha val="80000"/>
-              </a:srgbClr>
-            </a:solidFill>
-          </a:ln>
-        </p:spPr>
-        <p:style>
-          <a:lnRef idx="1">
-            <a:schemeClr val="accent1"/>
-          </a:lnRef>
-          <a:fillRef idx="0">
-            <a:schemeClr val="accent1"/>
-          </a:fillRef>
-          <a:effectRef idx="0">
-            <a:schemeClr val="accent1"/>
-          </a:effectRef>
-          <a:fontRef idx="minor">
-            <a:schemeClr val="tx1"/>
-          </a:fontRef>
-        </p:style>
-      </p:cxnSp>
-      <p:sp>
-        <p:nvSpPr>
-          <p:cNvPr id="4" name="Footer Placeholder 3">
-            <a:extLst>
-              <a:ext uri="{FF2B5EF4-FFF2-40B4-BE49-F238E27FC236}">
-                <a16:creationId xmlns:a16="http://schemas.microsoft.com/office/drawing/2014/main" id="{06E5BC49-C192-4E2D-BB6E-6C4FAD0466EB}"/>
-              </a:ext>
-            </a:extLst>
-          </p:cNvPr>
-          <p:cNvSpPr>
-            <a:spLocks noGrp="1"/>
-          </p:cNvSpPr>
-          <p:nvPr>
-            <p:ph type="ftr" sz="quarter" idx="11"/>
-          </p:nvPr>
-        </p:nvSpPr>
-        <p:spPr>
-          <a:xfrm>
-            <a:off x="5280024" y="6356350"/>
-            <a:ext cx="2873375" cy="365125"/>
-          </a:xfrm>
-        </p:spPr>
-        <p:txBody>
-          <a:bodyPr>
-            <a:normAutofit/>
-          </a:bodyPr>
-          <a:lstStyle/>
-          <a:p>
-            <a:pPr algn="l">
-              <a:spcAft>
-                <a:spcPts val="600"/>
-              </a:spcAft>
-            </a:pPr>
-            <a:r>
-              <a:rPr lang="en-US">
-                <a:solidFill>
-                  <a:schemeClr val="tx1">
-                    <a:lumMod val="75000"/>
-                    <a:lumOff val="25000"/>
-                    <a:alpha val="70000"/>
-                  </a:schemeClr>
-                </a:solidFill>
-              </a:rPr>
-              <a:t>Mike Nguyen</a:t>
-            </a:r>
-          </a:p>
-        </p:txBody>
-      </p:sp>
-      <p:sp>
-        <p:nvSpPr>
-          <p:cNvPr id="5" name="Slide Number Placeholder 4">
-            <a:extLst>
-              <a:ext uri="{FF2B5EF4-FFF2-40B4-BE49-F238E27FC236}">
-                <a16:creationId xmlns:a16="http://schemas.microsoft.com/office/drawing/2014/main" id="{6A1A86C0-E8A4-4150-9B36-C3965E138052}"/>
-              </a:ext>
-            </a:extLst>
-          </p:cNvPr>
-          <p:cNvSpPr>
-            <a:spLocks noGrp="1"/>
-          </p:cNvSpPr>
-          <p:nvPr>
-            <p:ph type="sldNum" sz="quarter" idx="12"/>
-          </p:nvPr>
-        </p:nvSpPr>
-        <p:spPr>
-          <a:xfrm>
-            <a:off x="8610600" y="6356350"/>
-            <a:ext cx="2743200" cy="365125"/>
-          </a:xfrm>
-        </p:spPr>
-        <p:txBody>
-          <a:bodyPr>
-            <a:normAutofit/>
-          </a:bodyPr>
-          <a:lstStyle/>
-          <a:p>
-            <a:pPr>
-              <a:spcAft>
-                <a:spcPts val="600"/>
-              </a:spcAft>
-            </a:pPr>
-            <a:fld id="{A6AF1B4E-90EC-4A51-B6E5-B702C054ECB0}" type="slidenum">
-              <a:rPr lang="en-US">
-                <a:solidFill>
-                  <a:schemeClr val="tx1">
-                    <a:lumMod val="75000"/>
-                    <a:lumOff val="25000"/>
-                    <a:alpha val="70000"/>
-                  </a:schemeClr>
-                </a:solidFill>
-              </a:rPr>
-              <a:pPr>
-                <a:spcAft>
-                  <a:spcPts val="600"/>
-                </a:spcAft>
-              </a:pPr>
-              <a:t>3</a:t>
-            </a:fld>
-            <a:endParaRPr lang="en-US">
-              <a:solidFill>
-                <a:schemeClr val="tx1">
-                  <a:lumMod val="75000"/>
-                  <a:lumOff val="25000"/>
-                  <a:alpha val="70000"/>
-                </a:schemeClr>
-              </a:solidFill>
-            </a:endParaRPr>
-          </a:p>
-        </p:txBody>
-      </p:sp>
-      <p:graphicFrame>
-        <p:nvGraphicFramePr>
-          <p:cNvPr id="7" name="Content Placeholder 2">
-            <a:extLst>
-              <a:ext uri="{FF2B5EF4-FFF2-40B4-BE49-F238E27FC236}">
-                <a16:creationId xmlns:a16="http://schemas.microsoft.com/office/drawing/2014/main" id="{79500B39-BAFC-4EB6-B40E-3C3B815A1FDC}"/>
-              </a:ext>
-            </a:extLst>
-          </p:cNvPr>
-          <p:cNvGraphicFramePr>
-            <a:graphicFrameLocks noGrp="1"/>
-          </p:cNvGraphicFramePr>
-          <p:nvPr>
-            <p:ph idx="1"/>
-            <p:extLst>
-              <p:ext uri="{D42A27DB-BD31-4B8C-83A1-F6EECF244321}">
-                <p14:modId xmlns:p14="http://schemas.microsoft.com/office/powerpoint/2010/main" val="2802177006"/>
-              </p:ext>
-            </p:extLst>
-          </p:nvPr>
-        </p:nvGraphicFramePr>
-        <p:xfrm>
-          <a:off x="5280025" y="642938"/>
-          <a:ext cx="6269038" cy="5572125"/>
-        </p:xfrm>
-        <a:graphic>
-          <a:graphicData uri="http://schemas.openxmlformats.org/drawingml/2006/diagram">
-            <dgm:relIds xmlns:dgm="http://schemas.openxmlformats.org/drawingml/2006/diagram" xmlns:r="http://schemas.openxmlformats.org/officeDocument/2006/relationships" r:dm="rId2" r:lo="rId3" r:qs="rId4" r:cs="rId5"/>
-          </a:graphicData>
-        </a:graphic>
-      </p:graphicFrame>
-    </p:spTree>
-    <p:extLst>
-      <p:ext uri="{BB962C8B-B14F-4D97-AF65-F5344CB8AC3E}">
-        <p14:creationId xmlns:p14="http://schemas.microsoft.com/office/powerpoint/2010/main" val="1540472193"/>
-      </p:ext>
-    </p:extLst>
-  </p:cSld>
-  <p:clrMapOvr>
-    <a:masterClrMapping/>
-  </p:clrMapOvr>
-</p:sld>
-</file>
-
-<file path=ppt/slides/slide4.xml><?xml version="1.0" encoding="utf-8"?>
+<file path=ppt/slides/slide9.xml><?xml version="1.0" encoding="utf-8"?>
 <p:sld xmlns:a="http://schemas.openxmlformats.org/drawingml/2006/main" xmlns:r="http://schemas.openxmlformats.org/officeDocument/2006/relationships" xmlns:p="http://schemas.openxmlformats.org/presentationml/2006/main">
   <p:cSld>
     <p:spTree>
@@ -13003,7 +14837,7 @@
           <p:cNvPr id="2" name="Title 1">
             <a:extLst>
               <a:ext uri="{FF2B5EF4-FFF2-40B4-BE49-F238E27FC236}">
-                <a16:creationId xmlns:a16="http://schemas.microsoft.com/office/drawing/2014/main" id="{8D9E8960-1A29-4D38-8155-71E7358D9BC8}"/>
+                <a16:creationId xmlns:a16="http://schemas.microsoft.com/office/drawing/2014/main" id="{F851A705-D183-4863-8F6A-8D0B838159CE}"/>
               </a:ext>
             </a:extLst>
           </p:cNvPr>
@@ -13021,7 +14855,7 @@
           <a:p>
             <a:r>
               <a:rPr lang="en-US" dirty="0"/>
-              <a:t>Agenda</a:t>
+              <a:t>15-min group discussion</a:t>
             </a:r>
           </a:p>
         </p:txBody>
@@ -13031,7 +14865,7 @@
           <p:cNvPr id="3" name="Content Placeholder 2">
             <a:extLst>
               <a:ext uri="{FF2B5EF4-FFF2-40B4-BE49-F238E27FC236}">
-                <a16:creationId xmlns:a16="http://schemas.microsoft.com/office/drawing/2014/main" id="{24862875-9BAC-480F-B517-1684332DD152}"/>
+                <a16:creationId xmlns:a16="http://schemas.microsoft.com/office/drawing/2014/main" id="{AB454319-391B-4E2D-9479-E0FCD5264AF6}"/>
               </a:ext>
             </a:extLst>
           </p:cNvPr>
@@ -13049,41 +14883,14 @@
           <a:p>
             <a:r>
               <a:rPr lang="en-US" dirty="0"/>
-              <a:t>Describe the basic uses of exploratory research </a:t>
+              <a:t>Review the topics in PA #2 (due today)</a:t>
             </a:r>
           </a:p>
           <a:p>
             <a:r>
               <a:rPr lang="en-US" dirty="0"/>
-              <a:t>Specify the key characteristics of exploratory research. Small scale and very flexible studies are used to generate ideas and insights </a:t>
-            </a:r>
-          </a:p>
-          <a:p>
-            <a:r>
-              <a:rPr lang="en-US" dirty="0"/>
-              <a:t>Discuss the various types of exploratory research and describe each </a:t>
-            </a:r>
-          </a:p>
-          <a:p>
-            <a:r>
-              <a:rPr lang="en-US" dirty="0"/>
-              <a:t>Identify the key person in a focus group </a:t>
-            </a:r>
-          </a:p>
-          <a:p>
-            <a:r>
-              <a:rPr lang="en-US" dirty="0"/>
-              <a:t>Discuss two major pitfalls to avoid with focus groups (or any other form of exploratory research)</a:t>
-            </a:r>
-          </a:p>
-          <a:p>
-            <a:pPr marL="0" indent="0">
-              <a:buNone/>
-            </a:pPr>
-            <a:endParaRPr lang="en-US" dirty="0"/>
-          </a:p>
-          <a:p>
-            <a:endParaRPr lang="en-US" dirty="0"/>
+              <a:t>Go over PA #3 (similar to CD #1)</a:t>
+            </a:r>
           </a:p>
         </p:txBody>
       </p:sp>
@@ -13092,7 +14899,7 @@
           <p:cNvPr id="4" name="Footer Placeholder 3">
             <a:extLst>
               <a:ext uri="{FF2B5EF4-FFF2-40B4-BE49-F238E27FC236}">
-                <a16:creationId xmlns:a16="http://schemas.microsoft.com/office/drawing/2014/main" id="{56FEE613-B0F5-4D7A-8FF3-32EB18A8C8E5}"/>
+                <a16:creationId xmlns:a16="http://schemas.microsoft.com/office/drawing/2014/main" id="{920BE7DC-DB27-44DF-90BD-F314C1005C23}"/>
               </a:ext>
             </a:extLst>
           </p:cNvPr>
@@ -13121,7 +14928,7 @@
           <p:cNvPr id="5" name="Slide Number Placeholder 4">
             <a:extLst>
               <a:ext uri="{FF2B5EF4-FFF2-40B4-BE49-F238E27FC236}">
-                <a16:creationId xmlns:a16="http://schemas.microsoft.com/office/drawing/2014/main" id="{F96D718D-1CCB-47EA-9C05-340A75C48CE4}"/>
+                <a16:creationId xmlns:a16="http://schemas.microsoft.com/office/drawing/2014/main" id="{8B9EBC94-F1CD-4B9D-9985-CF48B27AB837}"/>
               </a:ext>
             </a:extLst>
           </p:cNvPr>
@@ -13139,7 +14946,7 @@
           <a:p>
             <a:fld id="{A6AF1B4E-90EC-4A51-B6E5-B702C054ECB0}" type="slidenum">
               <a:rPr lang="en-US" smtClean="0"/>
-              <a:t>4</a:t>
+              <a:t>9</a:t>
             </a:fld>
             <a:endParaRPr lang="en-US" dirty="0"/>
           </a:p>
@@ -13148,313 +14955,7 @@
     </p:spTree>
     <p:extLst>
       <p:ext uri="{BB962C8B-B14F-4D97-AF65-F5344CB8AC3E}">
-        <p14:creationId xmlns:p14="http://schemas.microsoft.com/office/powerpoint/2010/main" val="3337197266"/>
-      </p:ext>
-    </p:extLst>
-  </p:cSld>
-  <p:clrMapOvr>
-    <a:masterClrMapping/>
-  </p:clrMapOvr>
-</p:sld>
-</file>
-
-<file path=ppt/slides/slide5.xml><?xml version="1.0" encoding="utf-8"?>
-<p:sld xmlns:a="http://schemas.openxmlformats.org/drawingml/2006/main" xmlns:r="http://schemas.openxmlformats.org/officeDocument/2006/relationships" xmlns:p="http://schemas.openxmlformats.org/presentationml/2006/main">
-  <p:cSld>
-    <p:spTree>
-      <p:nvGrpSpPr>
-        <p:cNvPr id="1" name=""/>
-        <p:cNvGrpSpPr/>
-        <p:nvPr/>
-      </p:nvGrpSpPr>
-      <p:grpSpPr>
-        <a:xfrm>
-          <a:off x="0" y="0"/>
-          <a:ext cx="0" cy="0"/>
-          <a:chOff x="0" y="0"/>
-          <a:chExt cx="0" cy="0"/>
-        </a:xfrm>
-      </p:grpSpPr>
-      <p:sp>
-        <p:nvSpPr>
-          <p:cNvPr id="2" name="Title 1">
-            <a:extLst>
-              <a:ext uri="{FF2B5EF4-FFF2-40B4-BE49-F238E27FC236}">
-                <a16:creationId xmlns:a16="http://schemas.microsoft.com/office/drawing/2014/main" id="{3D9DDF1D-3C0E-4EB1-A5B1-38885987095E}"/>
-              </a:ext>
-            </a:extLst>
-          </p:cNvPr>
-          <p:cNvSpPr>
-            <a:spLocks noGrp="1"/>
-          </p:cNvSpPr>
-          <p:nvPr>
-            <p:ph type="title"/>
-          </p:nvPr>
-        </p:nvSpPr>
-        <p:spPr/>
-        <p:txBody>
-          <a:bodyPr/>
-          <a:lstStyle/>
-          <a:p>
-            <a:r>
-              <a:rPr lang="en-US" dirty="0"/>
-              <a:t>Exploratory Research</a:t>
-            </a:r>
-          </a:p>
-        </p:txBody>
-      </p:sp>
-      <p:sp>
-        <p:nvSpPr>
-          <p:cNvPr id="3" name="Content Placeholder 2">
-            <a:extLst>
-              <a:ext uri="{FF2B5EF4-FFF2-40B4-BE49-F238E27FC236}">
-                <a16:creationId xmlns:a16="http://schemas.microsoft.com/office/drawing/2014/main" id="{25BC324E-1BF8-482C-BCE0-D2093ED1D09A}"/>
-              </a:ext>
-            </a:extLst>
-          </p:cNvPr>
-          <p:cNvSpPr>
-            <a:spLocks noGrp="1"/>
-          </p:cNvSpPr>
-          <p:nvPr>
-            <p:ph idx="1"/>
-          </p:nvPr>
-        </p:nvSpPr>
-        <p:spPr/>
-        <p:txBody>
-          <a:bodyPr/>
-          <a:lstStyle/>
-          <a:p>
-            <a:r>
-              <a:rPr lang="en-US" dirty="0"/>
-              <a:t>Research conducted to gain ideas and insights to better define the problem or opportunity confronting a manager</a:t>
-            </a:r>
-          </a:p>
-          <a:p>
-            <a:r>
-              <a:rPr lang="en-US" dirty="0"/>
-              <a:t>When conducted correctly, exploratory research should provide a better understanding of the situation and possibly yield hypotheses – but this kind of research is not designed to come up with final answers and decisions </a:t>
-            </a:r>
-          </a:p>
-          <a:p>
-            <a:r>
-              <a:rPr lang="en-US" dirty="0"/>
-              <a:t>Small scale </a:t>
-            </a:r>
-          </a:p>
-          <a:p>
-            <a:r>
-              <a:rPr lang="en-US" dirty="0"/>
-              <a:t>Flexible </a:t>
-            </a:r>
-          </a:p>
-          <a:p>
-            <a:endParaRPr lang="en-US" dirty="0"/>
-          </a:p>
-        </p:txBody>
-      </p:sp>
-      <p:sp>
-        <p:nvSpPr>
-          <p:cNvPr id="4" name="Footer Placeholder 3">
-            <a:extLst>
-              <a:ext uri="{FF2B5EF4-FFF2-40B4-BE49-F238E27FC236}">
-                <a16:creationId xmlns:a16="http://schemas.microsoft.com/office/drawing/2014/main" id="{2216B058-88CC-4E3E-AFDA-4CEFB72ED855}"/>
-              </a:ext>
-            </a:extLst>
-          </p:cNvPr>
-          <p:cNvSpPr>
-            <a:spLocks noGrp="1"/>
-          </p:cNvSpPr>
-          <p:nvPr>
-            <p:ph type="ftr" sz="quarter" idx="11"/>
-          </p:nvPr>
-        </p:nvSpPr>
-        <p:spPr/>
-        <p:txBody>
-          <a:bodyPr/>
-          <a:lstStyle/>
-          <a:p>
-            <a:r>
-              <a:rPr lang="en-US"/>
-              <a:t>Mike Nguyen</a:t>
-            </a:r>
-            <a:endParaRPr lang="en-US" dirty="0"/>
-          </a:p>
-        </p:txBody>
-      </p:sp>
-      <p:sp>
-        <p:nvSpPr>
-          <p:cNvPr id="5" name="Slide Number Placeholder 4">
-            <a:extLst>
-              <a:ext uri="{FF2B5EF4-FFF2-40B4-BE49-F238E27FC236}">
-                <a16:creationId xmlns:a16="http://schemas.microsoft.com/office/drawing/2014/main" id="{AC1787F5-6F07-4139-9420-B53FC4D7C535}"/>
-              </a:ext>
-            </a:extLst>
-          </p:cNvPr>
-          <p:cNvSpPr>
-            <a:spLocks noGrp="1"/>
-          </p:cNvSpPr>
-          <p:nvPr>
-            <p:ph type="sldNum" sz="quarter" idx="12"/>
-          </p:nvPr>
-        </p:nvSpPr>
-        <p:spPr/>
-        <p:txBody>
-          <a:bodyPr/>
-          <a:lstStyle/>
-          <a:p>
-            <a:fld id="{A6AF1B4E-90EC-4A51-B6E5-B702C054ECB0}" type="slidenum">
-              <a:rPr lang="en-US" smtClean="0"/>
-              <a:t>5</a:t>
-            </a:fld>
-            <a:endParaRPr lang="en-US" dirty="0"/>
-          </a:p>
-        </p:txBody>
-      </p:sp>
-    </p:spTree>
-    <p:extLst>
-      <p:ext uri="{BB962C8B-B14F-4D97-AF65-F5344CB8AC3E}">
-        <p14:creationId xmlns:p14="http://schemas.microsoft.com/office/powerpoint/2010/main" val="1750704425"/>
-      </p:ext>
-    </p:extLst>
-  </p:cSld>
-  <p:clrMapOvr>
-    <a:masterClrMapping/>
-  </p:clrMapOvr>
-</p:sld>
-</file>
-
-<file path=ppt/slides/slide6.xml><?xml version="1.0" encoding="utf-8"?>
-<p:sld xmlns:a="http://schemas.openxmlformats.org/drawingml/2006/main" xmlns:r="http://schemas.openxmlformats.org/officeDocument/2006/relationships" xmlns:p="http://schemas.openxmlformats.org/presentationml/2006/main">
-  <p:cSld>
-    <p:spTree>
-      <p:nvGrpSpPr>
-        <p:cNvPr id="1" name=""/>
-        <p:cNvGrpSpPr/>
-        <p:nvPr/>
-      </p:nvGrpSpPr>
-      <p:grpSpPr>
-        <a:xfrm>
-          <a:off x="0" y="0"/>
-          <a:ext cx="0" cy="0"/>
-          <a:chOff x="0" y="0"/>
-          <a:chExt cx="0" cy="0"/>
-        </a:xfrm>
-      </p:grpSpPr>
-      <p:sp>
-        <p:nvSpPr>
-          <p:cNvPr id="2" name="Title 1">
-            <a:extLst>
-              <a:ext uri="{FF2B5EF4-FFF2-40B4-BE49-F238E27FC236}">
-                <a16:creationId xmlns:a16="http://schemas.microsoft.com/office/drawing/2014/main" id="{300BAB0E-CE14-461A-A50A-14D41547C12C}"/>
-              </a:ext>
-            </a:extLst>
-          </p:cNvPr>
-          <p:cNvSpPr>
-            <a:spLocks noGrp="1"/>
-          </p:cNvSpPr>
-          <p:nvPr>
-            <p:ph type="title"/>
-          </p:nvPr>
-        </p:nvSpPr>
-        <p:spPr/>
-        <p:txBody>
-          <a:bodyPr/>
-          <a:lstStyle/>
-          <a:p>
-            <a:r>
-              <a:rPr lang="en-US" dirty="0"/>
-              <a:t>Introduction to the project</a:t>
-            </a:r>
-          </a:p>
-        </p:txBody>
-      </p:sp>
-      <p:sp>
-        <p:nvSpPr>
-          <p:cNvPr id="3" name="Content Placeholder 2">
-            <a:extLst>
-              <a:ext uri="{FF2B5EF4-FFF2-40B4-BE49-F238E27FC236}">
-                <a16:creationId xmlns:a16="http://schemas.microsoft.com/office/drawing/2014/main" id="{50A3CF1A-BB5D-464E-B4D8-5B935F0F7697}"/>
-              </a:ext>
-            </a:extLst>
-          </p:cNvPr>
-          <p:cNvSpPr>
-            <a:spLocks noGrp="1"/>
-          </p:cNvSpPr>
-          <p:nvPr>
-            <p:ph idx="1"/>
-          </p:nvPr>
-        </p:nvSpPr>
-        <p:spPr/>
-        <p:txBody>
-          <a:bodyPr/>
-          <a:lstStyle/>
-          <a:p>
-            <a:endParaRPr lang="en-US"/>
-          </a:p>
-        </p:txBody>
-      </p:sp>
-      <p:sp>
-        <p:nvSpPr>
-          <p:cNvPr id="4" name="Footer Placeholder 3">
-            <a:extLst>
-              <a:ext uri="{FF2B5EF4-FFF2-40B4-BE49-F238E27FC236}">
-                <a16:creationId xmlns:a16="http://schemas.microsoft.com/office/drawing/2014/main" id="{271C2918-CBA8-4DB4-9251-29A9B1979638}"/>
-              </a:ext>
-            </a:extLst>
-          </p:cNvPr>
-          <p:cNvSpPr>
-            <a:spLocks noGrp="1"/>
-          </p:cNvSpPr>
-          <p:nvPr>
-            <p:ph type="ftr" sz="quarter" idx="11"/>
-          </p:nvPr>
-        </p:nvSpPr>
-        <p:spPr/>
-        <p:txBody>
-          <a:bodyPr/>
-          <a:lstStyle/>
-          <a:p>
-            <a:r>
-              <a:rPr lang="en-US"/>
-              <a:t>Mike Nguyen</a:t>
-            </a:r>
-            <a:endParaRPr lang="en-US" dirty="0"/>
-          </a:p>
-        </p:txBody>
-      </p:sp>
-      <p:sp>
-        <p:nvSpPr>
-          <p:cNvPr id="5" name="Slide Number Placeholder 4">
-            <a:extLst>
-              <a:ext uri="{FF2B5EF4-FFF2-40B4-BE49-F238E27FC236}">
-                <a16:creationId xmlns:a16="http://schemas.microsoft.com/office/drawing/2014/main" id="{A0AB3504-0B62-4365-9CA0-887EF740C634}"/>
-              </a:ext>
-            </a:extLst>
-          </p:cNvPr>
-          <p:cNvSpPr>
-            <a:spLocks noGrp="1"/>
-          </p:cNvSpPr>
-          <p:nvPr>
-            <p:ph type="sldNum" sz="quarter" idx="12"/>
-          </p:nvPr>
-        </p:nvSpPr>
-        <p:spPr/>
-        <p:txBody>
-          <a:bodyPr/>
-          <a:lstStyle/>
-          <a:p>
-            <a:fld id="{A6AF1B4E-90EC-4A51-B6E5-B702C054ECB0}" type="slidenum">
-              <a:rPr lang="en-US" smtClean="0"/>
-              <a:t>6</a:t>
-            </a:fld>
-            <a:endParaRPr lang="en-US" dirty="0"/>
-          </a:p>
-        </p:txBody>
-      </p:sp>
-    </p:spTree>
-    <p:extLst>
-      <p:ext uri="{BB962C8B-B14F-4D97-AF65-F5344CB8AC3E}">
-        <p14:creationId xmlns:p14="http://schemas.microsoft.com/office/powerpoint/2010/main" val="3748371303"/>
+        <p14:creationId xmlns:p14="http://schemas.microsoft.com/office/powerpoint/2010/main" val="3133859870"/>
       </p:ext>
     </p:extLst>
   </p:cSld>

--- a/lectures/2/1_Problem & Intro to Project.pptx
+++ b/lectures/2/1_Problem & Intro to Project.pptx
@@ -5,37 +5,38 @@
     <p:sldMasterId id="2147483648" r:id="rId4"/>
   </p:sldMasterIdLst>
   <p:notesMasterIdLst>
-    <p:notesMasterId r:id="rId30"/>
+    <p:notesMasterId r:id="rId31"/>
   </p:notesMasterIdLst>
   <p:handoutMasterIdLst>
-    <p:handoutMasterId r:id="rId31"/>
+    <p:handoutMasterId r:id="rId32"/>
   </p:handoutMasterIdLst>
   <p:sldIdLst>
     <p:sldId id="302" r:id="rId5"/>
     <p:sldId id="256" r:id="rId6"/>
-    <p:sldId id="266" r:id="rId7"/>
-    <p:sldId id="258" r:id="rId8"/>
-    <p:sldId id="262" r:id="rId9"/>
-    <p:sldId id="263" r:id="rId10"/>
-    <p:sldId id="260" r:id="rId11"/>
-    <p:sldId id="261" r:id="rId12"/>
-    <p:sldId id="294" r:id="rId13"/>
-    <p:sldId id="307" r:id="rId14"/>
-    <p:sldId id="295" r:id="rId15"/>
-    <p:sldId id="296" r:id="rId16"/>
-    <p:sldId id="297" r:id="rId17"/>
-    <p:sldId id="298" r:id="rId18"/>
-    <p:sldId id="306" r:id="rId19"/>
-    <p:sldId id="299" r:id="rId20"/>
-    <p:sldId id="300" r:id="rId21"/>
-    <p:sldId id="301" r:id="rId22"/>
-    <p:sldId id="303" r:id="rId23"/>
-    <p:sldId id="304" r:id="rId24"/>
-    <p:sldId id="305" r:id="rId25"/>
-    <p:sldId id="265" r:id="rId26"/>
-    <p:sldId id="308" r:id="rId27"/>
-    <p:sldId id="309" r:id="rId28"/>
-    <p:sldId id="264" r:id="rId29"/>
+    <p:sldId id="310" r:id="rId7"/>
+    <p:sldId id="266" r:id="rId8"/>
+    <p:sldId id="258" r:id="rId9"/>
+    <p:sldId id="262" r:id="rId10"/>
+    <p:sldId id="263" r:id="rId11"/>
+    <p:sldId id="260" r:id="rId12"/>
+    <p:sldId id="261" r:id="rId13"/>
+    <p:sldId id="294" r:id="rId14"/>
+    <p:sldId id="307" r:id="rId15"/>
+    <p:sldId id="295" r:id="rId16"/>
+    <p:sldId id="296" r:id="rId17"/>
+    <p:sldId id="297" r:id="rId18"/>
+    <p:sldId id="298" r:id="rId19"/>
+    <p:sldId id="306" r:id="rId20"/>
+    <p:sldId id="299" r:id="rId21"/>
+    <p:sldId id="300" r:id="rId22"/>
+    <p:sldId id="301" r:id="rId23"/>
+    <p:sldId id="303" r:id="rId24"/>
+    <p:sldId id="304" r:id="rId25"/>
+    <p:sldId id="305" r:id="rId26"/>
+    <p:sldId id="265" r:id="rId27"/>
+    <p:sldId id="308" r:id="rId28"/>
+    <p:sldId id="309" r:id="rId29"/>
+    <p:sldId id="264" r:id="rId30"/>
   </p:sldIdLst>
   <p:sldSz cx="12192000" cy="6858000"/>
   <p:notesSz cx="6858000" cy="9144000"/>
@@ -4940,7 +4941,7 @@
         <a:lstStyle/>
         <a:p>
           <a:r>
-            <a:rPr lang="en-US"/>
+            <a:rPr lang="en-US" dirty="0"/>
             <a:t>A statement that specifies how two or more measurable variables are related </a:t>
           </a:r>
         </a:p>
@@ -5154,26 +5155,26 @@
   </dgm:ptLst>
   <dgm:cxnLst>
     <dgm:cxn modelId="{A0015604-8C32-4125-A95E-A5CA77C833AE}" srcId="{8A175752-8F29-4257-93FD-58DFEA63BC0C}" destId="{B6651F04-C57C-4968-B424-C0F8EFA1D51D}" srcOrd="0" destOrd="0" parTransId="{EC903612-D024-45CF-B51E-DC72F70E42E4}" sibTransId="{BDBAFDCD-CACB-4CEA-A4E6-FAA3BA53CA42}"/>
-    <dgm:cxn modelId="{CE53C513-FE7B-4F18-B783-0A3A974B8EC4}" type="presOf" srcId="{8A175752-8F29-4257-93FD-58DFEA63BC0C}" destId="{6FD6E86E-2279-460D-A352-84D301D1FDE8}" srcOrd="0" destOrd="0" presId="urn:microsoft.com/office/officeart/2005/8/layout/vList2"/>
-    <dgm:cxn modelId="{50E74E1B-406D-4DAB-A022-956E7492F461}" type="presOf" srcId="{0CD1A709-6BE0-428E-A678-C3A3E9BA8369}" destId="{59CBEF86-20D6-4955-8EC5-3C3F9E48BC73}" srcOrd="0" destOrd="0" presId="urn:microsoft.com/office/officeart/2005/8/layout/vList2"/>
+    <dgm:cxn modelId="{169B0D09-6D0C-410A-9DC7-CC9C14F9743F}" type="presOf" srcId="{2EF7500F-66CF-473F-9E20-9E4BBE89C1FA}" destId="{59CBEF86-20D6-4955-8EC5-3C3F9E48BC73}" srcOrd="0" destOrd="2" presId="urn:microsoft.com/office/officeart/2005/8/layout/vList2"/>
     <dgm:cxn modelId="{E8A89720-37C3-47F6-8801-CDAF49EFC2B5}" srcId="{15A54AA8-22E4-4DF4-A82C-825032B11F51}" destId="{0CD1A709-6BE0-428E-A678-C3A3E9BA8369}" srcOrd="0" destOrd="0" parTransId="{9C9FE3E4-150E-4ABE-97F1-B53CB704861C}" sibTransId="{D4390FA8-9BBA-40BD-AF98-29A119A2F0C6}"/>
+    <dgm:cxn modelId="{07909834-5E87-467F-8F98-EEB8AECBE99A}" type="presOf" srcId="{8A175752-8F29-4257-93FD-58DFEA63BC0C}" destId="{6FD6E86E-2279-460D-A352-84D301D1FDE8}" srcOrd="0" destOrd="0" presId="urn:microsoft.com/office/officeart/2005/8/layout/vList2"/>
+    <dgm:cxn modelId="{8F62A263-1E73-4590-B56B-B91AEBFB1E5A}" type="presOf" srcId="{15A54AA8-22E4-4DF4-A82C-825032B11F51}" destId="{AD55A98C-FB70-479A-A471-C16219E87BD8}" srcOrd="0" destOrd="0" presId="urn:microsoft.com/office/officeart/2005/8/layout/vList2"/>
+    <dgm:cxn modelId="{3B641065-9C39-468D-9717-4B3CAF4EC675}" type="presOf" srcId="{A4D060B0-FA6C-4F87-AE2F-F6A45AC7B74E}" destId="{59CBEF86-20D6-4955-8EC5-3C3F9E48BC73}" srcOrd="0" destOrd="1" presId="urn:microsoft.com/office/officeart/2005/8/layout/vList2"/>
     <dgm:cxn modelId="{AB532957-BEE6-4E66-8646-8E02B3DEBAFB}" srcId="{15A54AA8-22E4-4DF4-A82C-825032B11F51}" destId="{2EF7500F-66CF-473F-9E20-9E4BBE89C1FA}" srcOrd="2" destOrd="0" parTransId="{BF88B731-6D2A-46C8-895A-23398DA2154D}" sibTransId="{ABDBBFF4-B39C-4AD8-ABDB-423E7E4DA81F}"/>
     <dgm:cxn modelId="{59C7E088-903D-4271-ACCD-663BC37225C5}" srcId="{8A175752-8F29-4257-93FD-58DFEA63BC0C}" destId="{15A54AA8-22E4-4DF4-A82C-825032B11F51}" srcOrd="1" destOrd="0" parTransId="{10D26DA4-6EB7-4D71-8C1A-E196E6316F2F}" sibTransId="{FF189FF6-7301-437B-9609-E3DB79C6D440}"/>
-    <dgm:cxn modelId="{1F0D2EA7-096C-4BA9-9ECB-30D00CBE1C18}" type="presOf" srcId="{B6651F04-C57C-4968-B424-C0F8EFA1D51D}" destId="{C68F5008-DA0A-4AA0-9BAD-4C0CEA352623}" srcOrd="0" destOrd="0" presId="urn:microsoft.com/office/officeart/2005/8/layout/vList2"/>
-    <dgm:cxn modelId="{B2AD5CC0-7E3A-4FE1-8A91-0AF1E3BF31B9}" type="presOf" srcId="{15A54AA8-22E4-4DF4-A82C-825032B11F51}" destId="{AD55A98C-FB70-479A-A471-C16219E87BD8}" srcOrd="0" destOrd="0" presId="urn:microsoft.com/office/officeart/2005/8/layout/vList2"/>
-    <dgm:cxn modelId="{A07F06D0-66ED-4A31-8840-1CEA61613513}" type="presOf" srcId="{2EF7500F-66CF-473F-9E20-9E4BBE89C1FA}" destId="{59CBEF86-20D6-4955-8EC5-3C3F9E48BC73}" srcOrd="0" destOrd="2" presId="urn:microsoft.com/office/officeart/2005/8/layout/vList2"/>
+    <dgm:cxn modelId="{C4AC2198-2F34-4533-8ED8-85EEE04542E8}" type="presOf" srcId="{B6651F04-C57C-4968-B424-C0F8EFA1D51D}" destId="{C68F5008-DA0A-4AA0-9BAD-4C0CEA352623}" srcOrd="0" destOrd="0" presId="urn:microsoft.com/office/officeart/2005/8/layout/vList2"/>
+    <dgm:cxn modelId="{242CF7AC-E328-4CBB-BDDB-E870D4FBD964}" type="presOf" srcId="{0CD1A709-6BE0-428E-A678-C3A3E9BA8369}" destId="{59CBEF86-20D6-4955-8EC5-3C3F9E48BC73}" srcOrd="0" destOrd="0" presId="urn:microsoft.com/office/officeart/2005/8/layout/vList2"/>
     <dgm:cxn modelId="{E30D5AD9-E5A4-48D5-B431-86280565586D}" srcId="{15A54AA8-22E4-4DF4-A82C-825032B11F51}" destId="{A4D060B0-FA6C-4F87-AE2F-F6A45AC7B74E}" srcOrd="1" destOrd="0" parTransId="{86DCED99-07B9-4F9E-A447-1AA5CC8846DB}" sibTransId="{6D35384A-8B0E-4251-AE30-8D2B9E3E99D1}"/>
-    <dgm:cxn modelId="{DFB429EE-2857-4C1F-BDCD-6EF046558A3B}" type="presOf" srcId="{A4D060B0-FA6C-4F87-AE2F-F6A45AC7B74E}" destId="{59CBEF86-20D6-4955-8EC5-3C3F9E48BC73}" srcOrd="0" destOrd="1" presId="urn:microsoft.com/office/officeart/2005/8/layout/vList2"/>
-    <dgm:cxn modelId="{AFB424E9-5AEF-403A-B3C5-5753668D00C4}" type="presParOf" srcId="{6FD6E86E-2279-460D-A352-84D301D1FDE8}" destId="{C68F5008-DA0A-4AA0-9BAD-4C0CEA352623}" srcOrd="0" destOrd="0" presId="urn:microsoft.com/office/officeart/2005/8/layout/vList2"/>
-    <dgm:cxn modelId="{B816FCA2-5B18-4C04-AB33-4D3B89BC5E15}" type="presParOf" srcId="{6FD6E86E-2279-460D-A352-84D301D1FDE8}" destId="{6D4D7BBA-D8FC-441B-8EC9-15DB1477AA57}" srcOrd="1" destOrd="0" presId="urn:microsoft.com/office/officeart/2005/8/layout/vList2"/>
-    <dgm:cxn modelId="{A2032428-9DF2-4078-B596-BB15D423142D}" type="presParOf" srcId="{6FD6E86E-2279-460D-A352-84D301D1FDE8}" destId="{AD55A98C-FB70-479A-A471-C16219E87BD8}" srcOrd="2" destOrd="0" presId="urn:microsoft.com/office/officeart/2005/8/layout/vList2"/>
-    <dgm:cxn modelId="{45984927-2A89-43A4-BF18-E212B3D6DBA1}" type="presParOf" srcId="{6FD6E86E-2279-460D-A352-84D301D1FDE8}" destId="{59CBEF86-20D6-4955-8EC5-3C3F9E48BC73}" srcOrd="3" destOrd="0" presId="urn:microsoft.com/office/officeart/2005/8/layout/vList2"/>
+    <dgm:cxn modelId="{785F2CD1-8609-4A0B-89F8-0224EC09D7C0}" type="presParOf" srcId="{6FD6E86E-2279-460D-A352-84D301D1FDE8}" destId="{C68F5008-DA0A-4AA0-9BAD-4C0CEA352623}" srcOrd="0" destOrd="0" presId="urn:microsoft.com/office/officeart/2005/8/layout/vList2"/>
+    <dgm:cxn modelId="{C5916050-65FE-4BE9-9698-5D551732C3E8}" type="presParOf" srcId="{6FD6E86E-2279-460D-A352-84D301D1FDE8}" destId="{6D4D7BBA-D8FC-441B-8EC9-15DB1477AA57}" srcOrd="1" destOrd="0" presId="urn:microsoft.com/office/officeart/2005/8/layout/vList2"/>
+    <dgm:cxn modelId="{F8F4E365-7ABC-49F6-80AB-58688533A6A1}" type="presParOf" srcId="{6FD6E86E-2279-460D-A352-84D301D1FDE8}" destId="{AD55A98C-FB70-479A-A471-C16219E87BD8}" srcOrd="2" destOrd="0" presId="urn:microsoft.com/office/officeart/2005/8/layout/vList2"/>
+    <dgm:cxn modelId="{D2F42F14-9E5D-4BFB-AFA3-029A89E40360}" type="presParOf" srcId="{6FD6E86E-2279-460D-A352-84D301D1FDE8}" destId="{59CBEF86-20D6-4955-8EC5-3C3F9E48BC73}" srcOrd="3" destOrd="0" presId="urn:microsoft.com/office/officeart/2005/8/layout/vList2"/>
   </dgm:cxnLst>
   <dgm:bg/>
   <dgm:whole/>
   <dgm:extLst>
     <a:ext uri="http://schemas.microsoft.com/office/drawing/2008/diagram">
-      <dsp:dataModelExt xmlns:dsp="http://schemas.microsoft.com/office/drawing/2008/diagram" relId="rId7" minVer="http://schemas.openxmlformats.org/drawingml/2006/diagram"/>
+      <dsp:dataModelExt xmlns:dsp="http://schemas.microsoft.com/office/drawing/2008/diagram" relId="rId9" minVer="http://schemas.openxmlformats.org/drawingml/2006/diagram"/>
     </a:ext>
   </dgm:extLst>
 </dgm:dataModel>
@@ -6728,8 +6729,8 @@
       </dsp:nvSpPr>
       <dsp:spPr>
         <a:xfrm>
-          <a:off x="0" y="296333"/>
-          <a:ext cx="6263640" cy="1153620"/>
+          <a:off x="0" y="212740"/>
+          <a:ext cx="5257800" cy="954719"/>
         </a:xfrm>
         <a:prstGeom prst="roundRect">
           <a:avLst/>
@@ -6771,12 +6772,12 @@
         </a:fontRef>
       </dsp:style>
       <dsp:txBody>
-        <a:bodyPr spcFirstLastPara="0" vert="horz" wrap="square" lIns="110490" tIns="110490" rIns="110490" bIns="110490" numCol="1" spcCol="1270" anchor="ctr" anchorCtr="0">
+        <a:bodyPr spcFirstLastPara="0" vert="horz" wrap="square" lIns="91440" tIns="91440" rIns="91440" bIns="91440" numCol="1" spcCol="1270" anchor="ctr" anchorCtr="0">
           <a:noAutofit/>
         </a:bodyPr>
         <a:lstStyle/>
         <a:p>
-          <a:pPr marL="0" lvl="0" indent="0" algn="l" defTabSz="1289050">
+          <a:pPr marL="0" lvl="0" indent="0" algn="l" defTabSz="1066800">
             <a:lnSpc>
               <a:spcPct val="90000"/>
             </a:lnSpc>
@@ -6789,14 +6790,14 @@
             <a:buNone/>
           </a:pPr>
           <a:r>
-            <a:rPr lang="en-US" sz="2900" kern="1200"/>
+            <a:rPr lang="en-US" sz="2400" kern="1200" dirty="0"/>
             <a:t>A statement that specifies how two or more measurable variables are related </a:t>
           </a:r>
         </a:p>
       </dsp:txBody>
       <dsp:txXfrm>
-        <a:off x="56315" y="352648"/>
-        <a:ext cx="6151010" cy="1040990"/>
+        <a:off x="46606" y="259346"/>
+        <a:ext cx="5164588" cy="861507"/>
       </dsp:txXfrm>
     </dsp:sp>
     <dsp:sp modelId="{AD55A98C-FB70-479A-A471-C16219E87BD8}">
@@ -6806,8 +6807,8 @@
       </dsp:nvSpPr>
       <dsp:spPr>
         <a:xfrm>
-          <a:off x="0" y="1533474"/>
-          <a:ext cx="6263640" cy="1153620"/>
+          <a:off x="0" y="1236580"/>
+          <a:ext cx="5257800" cy="954719"/>
         </a:xfrm>
         <a:prstGeom prst="roundRect">
           <a:avLst/>
@@ -6849,12 +6850,12 @@
         </a:fontRef>
       </dsp:style>
       <dsp:txBody>
-        <a:bodyPr spcFirstLastPara="0" vert="horz" wrap="square" lIns="110490" tIns="110490" rIns="110490" bIns="110490" numCol="1" spcCol="1270" anchor="ctr" anchorCtr="0">
+        <a:bodyPr spcFirstLastPara="0" vert="horz" wrap="square" lIns="91440" tIns="91440" rIns="91440" bIns="91440" numCol="1" spcCol="1270" anchor="ctr" anchorCtr="0">
           <a:noAutofit/>
         </a:bodyPr>
         <a:lstStyle/>
         <a:p>
-          <a:pPr marL="0" lvl="0" indent="0" algn="l" defTabSz="1289050">
+          <a:pPr marL="0" lvl="0" indent="0" algn="l" defTabSz="1066800">
             <a:lnSpc>
               <a:spcPct val="90000"/>
             </a:lnSpc>
@@ -6867,14 +6868,14 @@
             <a:buNone/>
           </a:pPr>
           <a:r>
-            <a:rPr lang="en-US" sz="2900" kern="1200"/>
+            <a:rPr lang="en-US" sz="2400" kern="1200"/>
             <a:t>Examples: </a:t>
           </a:r>
         </a:p>
       </dsp:txBody>
       <dsp:txXfrm>
-        <a:off x="56315" y="1589789"/>
-        <a:ext cx="6151010" cy="1040990"/>
+        <a:off x="46606" y="1283186"/>
+        <a:ext cx="5164588" cy="861507"/>
       </dsp:txXfrm>
     </dsp:sp>
     <dsp:sp modelId="{59CBEF86-20D6-4955-8EC5-3C3F9E48BC73}">
@@ -6884,8 +6885,8 @@
       </dsp:nvSpPr>
       <dsp:spPr>
         <a:xfrm>
-          <a:off x="0" y="2687093"/>
-          <a:ext cx="6263640" cy="2521260"/>
+          <a:off x="0" y="2191300"/>
+          <a:ext cx="5257800" cy="1788480"/>
         </a:xfrm>
         <a:prstGeom prst="rect">
           <a:avLst/>
@@ -6909,12 +6910,12 @@
         <a:fontRef idx="minor"/>
       </dsp:style>
       <dsp:txBody>
-        <a:bodyPr spcFirstLastPara="0" vert="horz" wrap="square" lIns="198871" tIns="36830" rIns="206248" bIns="36830" numCol="1" spcCol="1270" anchor="t" anchorCtr="0">
+        <a:bodyPr spcFirstLastPara="0" vert="horz" wrap="square" lIns="166935" tIns="30480" rIns="170688" bIns="30480" numCol="1" spcCol="1270" anchor="t" anchorCtr="0">
           <a:noAutofit/>
         </a:bodyPr>
         <a:lstStyle/>
         <a:p>
-          <a:pPr marL="228600" lvl="1" indent="-228600" algn="l" defTabSz="1022350">
+          <a:pPr marL="171450" lvl="1" indent="-171450" algn="l" defTabSz="844550">
             <a:lnSpc>
               <a:spcPct val="90000"/>
             </a:lnSpc>
@@ -6927,12 +6928,12 @@
             <a:buChar char="•"/>
           </a:pPr>
           <a:r>
-            <a:rPr lang="en-US" sz="2300" kern="1200"/>
+            <a:rPr lang="en-US" sz="1900" kern="1200"/>
             <a:t>H1: Women are more likely than men to make impulse purchases of our brand </a:t>
           </a:r>
         </a:p>
         <a:p>
-          <a:pPr marL="228600" lvl="1" indent="-228600" algn="l" defTabSz="1022350">
+          <a:pPr marL="171450" lvl="1" indent="-171450" algn="l" defTabSz="844550">
             <a:lnSpc>
               <a:spcPct val="90000"/>
             </a:lnSpc>
@@ -6945,12 +6946,12 @@
             <a:buChar char="•"/>
           </a:pPr>
           <a:r>
-            <a:rPr lang="en-US" sz="2300" kern="1200"/>
+            <a:rPr lang="en-US" sz="1900" kern="1200"/>
             <a:t>H2: Decreasing price by 10% will increase unit sales by 30% </a:t>
           </a:r>
         </a:p>
         <a:p>
-          <a:pPr marL="228600" lvl="1" indent="-228600" algn="l" defTabSz="1022350">
+          <a:pPr marL="171450" lvl="1" indent="-171450" algn="l" defTabSz="844550">
             <a:lnSpc>
               <a:spcPct val="90000"/>
             </a:lnSpc>
@@ -6963,14 +6964,14 @@
             <a:buChar char="•"/>
           </a:pPr>
           <a:r>
-            <a:rPr lang="en-US" sz="2300" kern="1200"/>
+            <a:rPr lang="en-US" sz="1900" kern="1200"/>
             <a:t>H3: Adoption of our new product will be greater in Northern states than in Southern States</a:t>
           </a:r>
         </a:p>
       </dsp:txBody>
       <dsp:txXfrm>
-        <a:off x="0" y="2687093"/>
-        <a:ext cx="6263640" cy="2521260"/>
+        <a:off x="0" y="2191300"/>
+        <a:ext cx="5257800" cy="1788480"/>
       </dsp:txXfrm>
     </dsp:sp>
   </dsp:spTree>
@@ -14578,7 +14579,7 @@
           <a:p>
             <a:fld id="{73B2889B-A0AC-4482-8592-5C96F2309420}" type="datetimeFigureOut">
               <a:rPr lang="en-US" smtClean="0"/>
-              <a:t>8/29/2021</a:t>
+              <a:t>8/30/2021</a:t>
             </a:fld>
             <a:endParaRPr lang="en-US"/>
           </a:p>
@@ -14755,7 +14756,7 @@
           <a:p>
             <a:fld id="{830EB223-FFC0-462A-A3B8-EAA7CE0F8CBD}" type="datetimeFigureOut">
               <a:rPr lang="en-US" smtClean="0"/>
-              <a:t>8/29/2021</a:t>
+              <a:t>8/30/2021</a:t>
             </a:fld>
             <a:endParaRPr lang="en-US" dirty="0"/>
           </a:p>
@@ -15168,6 +15169,116 @@
           <a:bodyPr/>
           <a:lstStyle/>
           <a:p>
+            <a:r>
+              <a:rPr lang="en-US" dirty="0"/>
+              <a:t>These are types of exploratory research we typically in marketing. I bet that you have heard some of them before</a:t>
+            </a:r>
+          </a:p>
+        </p:txBody>
+      </p:sp>
+      <p:sp>
+        <p:nvSpPr>
+          <p:cNvPr id="4" name="Slide Number Placeholder 3"/>
+          <p:cNvSpPr>
+            <a:spLocks noGrp="1"/>
+          </p:cNvSpPr>
+          <p:nvPr>
+            <p:ph type="sldNum" sz="quarter" idx="5"/>
+          </p:nvPr>
+        </p:nvSpPr>
+        <p:spPr/>
+        <p:txBody>
+          <a:bodyPr/>
+          <a:lstStyle/>
+          <a:p>
+            <a:fld id="{BC849E9A-41F7-4779-A581-48A7C374A227}" type="slidenum">
+              <a:rPr lang="en-US" smtClean="0"/>
+              <a:t>13</a:t>
+            </a:fld>
+            <a:endParaRPr lang="en-US" dirty="0"/>
+          </a:p>
+        </p:txBody>
+      </p:sp>
+    </p:spTree>
+    <p:extLst>
+      <p:ext uri="{BB962C8B-B14F-4D97-AF65-F5344CB8AC3E}">
+        <p14:creationId xmlns:p14="http://schemas.microsoft.com/office/powerpoint/2010/main" val="3720990933"/>
+      </p:ext>
+    </p:extLst>
+  </p:cSld>
+  <p:clrMapOvr>
+    <a:masterClrMapping/>
+  </p:clrMapOvr>
+</p:notes>
+</file>
+
+<file path=ppt/notesSlides/notesSlide11.xml><?xml version="1.0" encoding="utf-8"?>
+<p:notes xmlns:a="http://schemas.openxmlformats.org/drawingml/2006/main" xmlns:r="http://schemas.openxmlformats.org/officeDocument/2006/relationships" xmlns:p="http://schemas.openxmlformats.org/presentationml/2006/main">
+  <p:cSld>
+    <p:spTree>
+      <p:nvGrpSpPr>
+        <p:cNvPr id="1" name=""/>
+        <p:cNvGrpSpPr/>
+        <p:nvPr/>
+      </p:nvGrpSpPr>
+      <p:grpSpPr>
+        <a:xfrm>
+          <a:off x="0" y="0"/>
+          <a:ext cx="0" cy="0"/>
+          <a:chOff x="0" y="0"/>
+          <a:chExt cx="0" cy="0"/>
+        </a:xfrm>
+      </p:grpSpPr>
+      <p:sp>
+        <p:nvSpPr>
+          <p:cNvPr id="2" name="Slide Image Placeholder 1"/>
+          <p:cNvSpPr>
+            <a:spLocks noGrp="1" noRot="1" noChangeAspect="1"/>
+          </p:cNvSpPr>
+          <p:nvPr>
+            <p:ph type="sldImg"/>
+          </p:nvPr>
+        </p:nvSpPr>
+        <p:spPr/>
+      </p:sp>
+      <p:sp>
+        <p:nvSpPr>
+          <p:cNvPr id="3" name="Notes Placeholder 2"/>
+          <p:cNvSpPr>
+            <a:spLocks noGrp="1"/>
+          </p:cNvSpPr>
+          <p:nvPr>
+            <p:ph type="body" idx="1"/>
+          </p:nvPr>
+        </p:nvSpPr>
+        <p:spPr/>
+        <p:txBody>
+          <a:bodyPr/>
+          <a:lstStyle/>
+          <a:p>
+            <a:pPr marL="0" marR="0" lvl="0" indent="0" algn="l" defTabSz="914400" rtl="0" eaLnBrk="1" fontAlgn="auto" latinLnBrk="0" hangingPunct="1">
+              <a:lnSpc>
+                <a:spcPct val="100000"/>
+              </a:lnSpc>
+              <a:spcBef>
+                <a:spcPts val="0"/>
+              </a:spcBef>
+              <a:spcAft>
+                <a:spcPts val="0"/>
+              </a:spcAft>
+              <a:buClrTx/>
+              <a:buSzTx/>
+              <a:buFontTx/>
+              <a:buNone/>
+              <a:tabLst/>
+              <a:defRPr/>
+            </a:pPr>
+            <a:r>
+              <a:rPr lang="en-US" dirty="0"/>
+              <a:t>What do you do when I say to conduct a literature search?</a:t>
+            </a:r>
+          </a:p>
+          <a:p>
             <a:pPr marL="0" marR="0" lvl="0" indent="0" algn="l" defTabSz="914400" rtl="0" eaLnBrk="1" fontAlgn="auto" latinLnBrk="0" hangingPunct="1">
               <a:lnSpc>
                 <a:spcPct val="100000"/>
@@ -15212,7 +15323,7 @@
           <a:p>
             <a:fld id="{BC849E9A-41F7-4779-A581-48A7C374A227}" type="slidenum">
               <a:rPr lang="en-US" smtClean="0"/>
-              <a:t>13</a:t>
+              <a:t>14</a:t>
             </a:fld>
             <a:endParaRPr lang="en-US" dirty="0"/>
           </a:p>
@@ -15231,7 +15342,7 @@
 </p:notes>
 </file>
 
-<file path=ppt/notesSlides/notesSlide11.xml><?xml version="1.0" encoding="utf-8"?>
+<file path=ppt/notesSlides/notesSlide12.xml><?xml version="1.0" encoding="utf-8"?>
 <p:notes xmlns:a="http://schemas.openxmlformats.org/drawingml/2006/main" xmlns:r="http://schemas.openxmlformats.org/officeDocument/2006/relationships" xmlns:p="http://schemas.openxmlformats.org/presentationml/2006/main">
   <p:cSld>
     <p:spTree>
@@ -15299,7 +15410,7 @@
           <a:p>
             <a:fld id="{BC849E9A-41F7-4779-A581-48A7C374A227}" type="slidenum">
               <a:rPr lang="en-US" smtClean="0"/>
-              <a:t>14</a:t>
+              <a:t>15</a:t>
             </a:fld>
             <a:endParaRPr lang="en-US" dirty="0"/>
           </a:p>
@@ -15318,7 +15429,7 @@
 </p:notes>
 </file>
 
-<file path=ppt/notesSlides/notesSlide12.xml><?xml version="1.0" encoding="utf-8"?>
+<file path=ppt/notesSlides/notesSlide13.xml><?xml version="1.0" encoding="utf-8"?>
 <p:notes xmlns:a="http://schemas.openxmlformats.org/drawingml/2006/main" xmlns:r="http://schemas.openxmlformats.org/officeDocument/2006/relationships" xmlns:p="http://schemas.openxmlformats.org/presentationml/2006/main">
   <p:cSld>
     <p:spTree>
@@ -15364,7 +15475,7 @@
           <a:p>
             <a:r>
               <a:rPr lang="en-US" dirty="0"/>
-              <a:t>Have anybody heard of focus group before? </a:t>
+              <a:t>Has anybody heard of focus group before? </a:t>
             </a:r>
           </a:p>
           <a:p>
@@ -15398,7 +15509,7 @@
           <a:p>
             <a:fld id="{BC849E9A-41F7-4779-A581-48A7C374A227}" type="slidenum">
               <a:rPr lang="en-US" smtClean="0"/>
-              <a:t>15</a:t>
+              <a:t>16</a:t>
             </a:fld>
             <a:endParaRPr lang="en-US" dirty="0"/>
           </a:p>
@@ -15417,7 +15528,7 @@
 </p:notes>
 </file>
 
-<file path=ppt/notesSlides/notesSlide13.xml><?xml version="1.0" encoding="utf-8"?>
+<file path=ppt/notesSlides/notesSlide14.xml><?xml version="1.0" encoding="utf-8"?>
 <p:notes xmlns:a="http://schemas.openxmlformats.org/drawingml/2006/main" xmlns:r="http://schemas.openxmlformats.org/officeDocument/2006/relationships" xmlns:p="http://schemas.openxmlformats.org/presentationml/2006/main">
   <p:cSld>
     <p:spTree>
@@ -15485,7 +15596,7 @@
           <a:p>
             <a:fld id="{BC849E9A-41F7-4779-A581-48A7C374A227}" type="slidenum">
               <a:rPr lang="en-US" smtClean="0"/>
-              <a:t>16</a:t>
+              <a:t>17</a:t>
             </a:fld>
             <a:endParaRPr lang="en-US" dirty="0"/>
           </a:p>
@@ -15504,7 +15615,7 @@
 </p:notes>
 </file>
 
-<file path=ppt/notesSlides/notesSlide14.xml><?xml version="1.0" encoding="utf-8"?>
+<file path=ppt/notesSlides/notesSlide15.xml><?xml version="1.0" encoding="utf-8"?>
 <p:notes xmlns:a="http://schemas.openxmlformats.org/drawingml/2006/main" xmlns:r="http://schemas.openxmlformats.org/officeDocument/2006/relationships" xmlns:p="http://schemas.openxmlformats.org/presentationml/2006/main">
   <p:cSld>
     <p:spTree>
@@ -15617,7 +15728,7 @@
           <a:p>
             <a:fld id="{BC849E9A-41F7-4779-A581-48A7C374A227}" type="slidenum">
               <a:rPr lang="en-US" smtClean="0"/>
-              <a:t>17</a:t>
+              <a:t>18</a:t>
             </a:fld>
             <a:endParaRPr lang="en-US" dirty="0"/>
           </a:p>
@@ -15661,7 +15772,7 @@
 </p:notes>
 </file>
 
-<file path=ppt/notesSlides/notesSlide15.xml><?xml version="1.0" encoding="utf-8"?>
+<file path=ppt/notesSlides/notesSlide16.xml><?xml version="1.0" encoding="utf-8"?>
 <p:notes xmlns:a="http://schemas.openxmlformats.org/drawingml/2006/main" xmlns:r="http://schemas.openxmlformats.org/officeDocument/2006/relationships" xmlns:p="http://schemas.openxmlformats.org/presentationml/2006/main">
   <p:cSld>
     <p:spTree>
@@ -15735,7 +15846,7 @@
           <a:p>
             <a:fld id="{BC849E9A-41F7-4779-A581-48A7C374A227}" type="slidenum">
               <a:rPr lang="en-US" smtClean="0"/>
-              <a:t>18</a:t>
+              <a:t>19</a:t>
             </a:fld>
             <a:endParaRPr lang="en-US" dirty="0"/>
           </a:p>
@@ -15754,7 +15865,7 @@
 </p:notes>
 </file>
 
-<file path=ppt/notesSlides/notesSlide16.xml><?xml version="1.0" encoding="utf-8"?>
+<file path=ppt/notesSlides/notesSlide17.xml><?xml version="1.0" encoding="utf-8"?>
 <p:notes xmlns:a="http://schemas.openxmlformats.org/drawingml/2006/main" xmlns:r="http://schemas.openxmlformats.org/officeDocument/2006/relationships" xmlns:p="http://schemas.openxmlformats.org/presentationml/2006/main">
   <p:cSld>
     <p:spTree>
@@ -15828,7 +15939,7 @@
           <a:p>
             <a:fld id="{BC849E9A-41F7-4779-A581-48A7C374A227}" type="slidenum">
               <a:rPr lang="en-US" smtClean="0"/>
-              <a:t>19</a:t>
+              <a:t>20</a:t>
             </a:fld>
             <a:endParaRPr lang="en-US" dirty="0"/>
           </a:p>
@@ -15847,7 +15958,7 @@
 </p:notes>
 </file>
 
-<file path=ppt/notesSlides/notesSlide17.xml><?xml version="1.0" encoding="utf-8"?>
+<file path=ppt/notesSlides/notesSlide18.xml><?xml version="1.0" encoding="utf-8"?>
 <p:notes xmlns:a="http://schemas.openxmlformats.org/drawingml/2006/main" xmlns:r="http://schemas.openxmlformats.org/officeDocument/2006/relationships" xmlns:p="http://schemas.openxmlformats.org/presentationml/2006/main">
   <p:cSld>
     <p:spTree>
@@ -15921,7 +16032,7 @@
           <a:p>
             <a:fld id="{BC849E9A-41F7-4779-A581-48A7C374A227}" type="slidenum">
               <a:rPr lang="en-US" smtClean="0"/>
-              <a:t>20</a:t>
+              <a:t>21</a:t>
             </a:fld>
             <a:endParaRPr lang="en-US" dirty="0"/>
           </a:p>
@@ -15940,7 +16051,7 @@
 </p:notes>
 </file>
 
-<file path=ppt/notesSlides/notesSlide18.xml><?xml version="1.0" encoding="utf-8"?>
+<file path=ppt/notesSlides/notesSlide19.xml><?xml version="1.0" encoding="utf-8"?>
 <p:notes xmlns:a="http://schemas.openxmlformats.org/drawingml/2006/main" xmlns:r="http://schemas.openxmlformats.org/officeDocument/2006/relationships" xmlns:p="http://schemas.openxmlformats.org/presentationml/2006/main">
   <p:cSld>
     <p:spTree>
@@ -16028,7 +16139,7 @@
           <a:p>
             <a:fld id="{BC849E9A-41F7-4779-A581-48A7C374A227}" type="slidenum">
               <a:rPr lang="en-US" smtClean="0"/>
-              <a:t>21</a:t>
+              <a:t>22</a:t>
             </a:fld>
             <a:endParaRPr lang="en-US" dirty="0"/>
           </a:p>
@@ -16047,7 +16158,115 @@
 </p:notes>
 </file>
 
-<file path=ppt/notesSlides/notesSlide19.xml><?xml version="1.0" encoding="utf-8"?>
+<file path=ppt/notesSlides/notesSlide2.xml><?xml version="1.0" encoding="utf-8"?>
+<p:notes xmlns:a="http://schemas.openxmlformats.org/drawingml/2006/main" xmlns:r="http://schemas.openxmlformats.org/officeDocument/2006/relationships" xmlns:p="http://schemas.openxmlformats.org/presentationml/2006/main">
+  <p:cSld>
+    <p:spTree>
+      <p:nvGrpSpPr>
+        <p:cNvPr id="1" name=""/>
+        <p:cNvGrpSpPr/>
+        <p:nvPr/>
+      </p:nvGrpSpPr>
+      <p:grpSpPr>
+        <a:xfrm>
+          <a:off x="0" y="0"/>
+          <a:ext cx="0" cy="0"/>
+          <a:chOff x="0" y="0"/>
+          <a:chExt cx="0" cy="0"/>
+        </a:xfrm>
+      </p:grpSpPr>
+      <p:sp>
+        <p:nvSpPr>
+          <p:cNvPr id="2" name="Slide Image Placeholder 1"/>
+          <p:cNvSpPr>
+            <a:spLocks noGrp="1" noRot="1" noChangeAspect="1"/>
+          </p:cNvSpPr>
+          <p:nvPr>
+            <p:ph type="sldImg"/>
+          </p:nvPr>
+        </p:nvSpPr>
+        <p:spPr/>
+      </p:sp>
+      <p:sp>
+        <p:nvSpPr>
+          <p:cNvPr id="3" name="Notes Placeholder 2"/>
+          <p:cNvSpPr>
+            <a:spLocks noGrp="1"/>
+          </p:cNvSpPr>
+          <p:nvPr>
+            <p:ph type="body" idx="1"/>
+          </p:nvPr>
+        </p:nvSpPr>
+        <p:spPr/>
+        <p:txBody>
+          <a:bodyPr/>
+          <a:lstStyle/>
+          <a:p>
+            <a:r>
+              <a:rPr lang="en-US" dirty="0"/>
+              <a:t>It’s a browser, so don’t use Google Chrome, Safari, or Firefox. </a:t>
+            </a:r>
+          </a:p>
+          <a:p>
+            <a:r>
+              <a:rPr lang="en-US" dirty="0"/>
+              <a:t>In case you don’t have Lockdown browser on your computer, or if your computer acts up, the computer lab on the basement also has Lockdown Browser, but it’s called Lockdown Browser 2 Lab. </a:t>
+            </a:r>
+          </a:p>
+          <a:p>
+            <a:r>
+              <a:rPr lang="en-US" dirty="0"/>
+              <a:t>You can just go there and take your quizzes and exams when there isn’t research being conducted. </a:t>
+            </a:r>
+          </a:p>
+          <a:p>
+            <a:r>
+              <a:rPr lang="en-US" dirty="0"/>
+              <a:t>This is why I strongly recommend you to take the quiz early in case you have problem. Sometimes, I can’t answer your email right away, so keep that in mind. </a:t>
+            </a:r>
+          </a:p>
+          <a:p>
+            <a:endParaRPr lang="en-US" dirty="0"/>
+          </a:p>
+        </p:txBody>
+      </p:sp>
+      <p:sp>
+        <p:nvSpPr>
+          <p:cNvPr id="4" name="Slide Number Placeholder 3"/>
+          <p:cNvSpPr>
+            <a:spLocks noGrp="1"/>
+          </p:cNvSpPr>
+          <p:nvPr>
+            <p:ph type="sldNum" sz="quarter" idx="5"/>
+          </p:nvPr>
+        </p:nvSpPr>
+        <p:spPr/>
+        <p:txBody>
+          <a:bodyPr/>
+          <a:lstStyle/>
+          <a:p>
+            <a:fld id="{BC849E9A-41F7-4779-A581-48A7C374A227}" type="slidenum">
+              <a:rPr lang="en-US" smtClean="0"/>
+              <a:t>3</a:t>
+            </a:fld>
+            <a:endParaRPr lang="en-US" dirty="0"/>
+          </a:p>
+        </p:txBody>
+      </p:sp>
+    </p:spTree>
+    <p:extLst>
+      <p:ext uri="{BB962C8B-B14F-4D97-AF65-F5344CB8AC3E}">
+        <p14:creationId xmlns:p14="http://schemas.microsoft.com/office/powerpoint/2010/main" val="3284560176"/>
+      </p:ext>
+    </p:extLst>
+  </p:cSld>
+  <p:clrMapOvr>
+    <a:masterClrMapping/>
+  </p:clrMapOvr>
+</p:notes>
+</file>
+
+<file path=ppt/notesSlides/notesSlide20.xml><?xml version="1.0" encoding="utf-8"?>
 <p:notes xmlns:a="http://schemas.openxmlformats.org/drawingml/2006/main" xmlns:r="http://schemas.openxmlformats.org/officeDocument/2006/relationships" xmlns:p="http://schemas.openxmlformats.org/presentationml/2006/main">
   <p:cSld>
     <p:spTree>
@@ -16820,7 +17039,7 @@
           <a:p>
             <a:fld id="{BC849E9A-41F7-4779-A581-48A7C374A227}" type="slidenum">
               <a:rPr lang="en-US" smtClean="0"/>
-              <a:t>23</a:t>
+              <a:t>24</a:t>
             </a:fld>
             <a:endParaRPr lang="en-US" dirty="0"/>
           </a:p>
@@ -16839,100 +17058,7 @@
 </p:notes>
 </file>
 
-<file path=ppt/notesSlides/notesSlide2.xml><?xml version="1.0" encoding="utf-8"?>
-<p:notes xmlns:a="http://schemas.openxmlformats.org/drawingml/2006/main" xmlns:r="http://schemas.openxmlformats.org/officeDocument/2006/relationships" xmlns:p="http://schemas.openxmlformats.org/presentationml/2006/main">
-  <p:cSld>
-    <p:spTree>
-      <p:nvGrpSpPr>
-        <p:cNvPr id="1" name=""/>
-        <p:cNvGrpSpPr/>
-        <p:nvPr/>
-      </p:nvGrpSpPr>
-      <p:grpSpPr>
-        <a:xfrm>
-          <a:off x="0" y="0"/>
-          <a:ext cx="0" cy="0"/>
-          <a:chOff x="0" y="0"/>
-          <a:chExt cx="0" cy="0"/>
-        </a:xfrm>
-      </p:grpSpPr>
-      <p:sp>
-        <p:nvSpPr>
-          <p:cNvPr id="2" name="Slide Image Placeholder 1"/>
-          <p:cNvSpPr>
-            <a:spLocks noGrp="1" noRot="1" noChangeAspect="1"/>
-          </p:cNvSpPr>
-          <p:nvPr>
-            <p:ph type="sldImg"/>
-          </p:nvPr>
-        </p:nvSpPr>
-        <p:spPr/>
-      </p:sp>
-      <p:sp>
-        <p:nvSpPr>
-          <p:cNvPr id="3" name="Notes Placeholder 2"/>
-          <p:cNvSpPr>
-            <a:spLocks noGrp="1"/>
-          </p:cNvSpPr>
-          <p:nvPr>
-            <p:ph type="body" idx="1"/>
-          </p:nvPr>
-        </p:nvSpPr>
-        <p:spPr/>
-        <p:txBody>
-          <a:bodyPr/>
-          <a:lstStyle/>
-          <a:p>
-            <a:r>
-              <a:rPr lang="en-US" dirty="0"/>
-              <a:t>I want to emphasize that there is a difference between managerial objective and research objective. </a:t>
-            </a:r>
-          </a:p>
-          <a:p>
-            <a:r>
-              <a:rPr lang="en-US" dirty="0"/>
-              <a:t>One managerial objective can translate into multiple research objective and then research questions. </a:t>
-            </a:r>
-          </a:p>
-        </p:txBody>
-      </p:sp>
-      <p:sp>
-        <p:nvSpPr>
-          <p:cNvPr id="4" name="Slide Number Placeholder 3"/>
-          <p:cNvSpPr>
-            <a:spLocks noGrp="1"/>
-          </p:cNvSpPr>
-          <p:nvPr>
-            <p:ph type="sldNum" sz="quarter" idx="5"/>
-          </p:nvPr>
-        </p:nvSpPr>
-        <p:spPr/>
-        <p:txBody>
-          <a:bodyPr/>
-          <a:lstStyle/>
-          <a:p>
-            <a:fld id="{BC849E9A-41F7-4779-A581-48A7C374A227}" type="slidenum">
-              <a:rPr lang="en-US" smtClean="0"/>
-              <a:t>4</a:t>
-            </a:fld>
-            <a:endParaRPr lang="en-US" dirty="0"/>
-          </a:p>
-        </p:txBody>
-      </p:sp>
-    </p:spTree>
-    <p:extLst>
-      <p:ext uri="{BB962C8B-B14F-4D97-AF65-F5344CB8AC3E}">
-        <p14:creationId xmlns:p14="http://schemas.microsoft.com/office/powerpoint/2010/main" val="4230208799"/>
-      </p:ext>
-    </p:extLst>
-  </p:cSld>
-  <p:clrMapOvr>
-    <a:masterClrMapping/>
-  </p:clrMapOvr>
-</p:notes>
-</file>
-
-<file path=ppt/notesSlides/notesSlide20.xml><?xml version="1.0" encoding="utf-8"?>
+<file path=ppt/notesSlides/notesSlide21.xml><?xml version="1.0" encoding="utf-8"?>
 <p:notes xmlns:a="http://schemas.openxmlformats.org/drawingml/2006/main" xmlns:r="http://schemas.openxmlformats.org/officeDocument/2006/relationships" xmlns:p="http://schemas.openxmlformats.org/presentationml/2006/main">
   <p:cSld>
     <p:spTree>
@@ -17358,7 +17484,7 @@
           <a:p>
             <a:fld id="{BC849E9A-41F7-4779-A581-48A7C374A227}" type="slidenum">
               <a:rPr lang="en-US" smtClean="0"/>
-              <a:t>25</a:t>
+              <a:t>26</a:t>
             </a:fld>
             <a:endParaRPr lang="en-US" dirty="0"/>
           </a:p>
@@ -17378,6 +17504,99 @@
 </file>
 
 <file path=ppt/notesSlides/notesSlide3.xml><?xml version="1.0" encoding="utf-8"?>
+<p:notes xmlns:a="http://schemas.openxmlformats.org/drawingml/2006/main" xmlns:r="http://schemas.openxmlformats.org/officeDocument/2006/relationships" xmlns:p="http://schemas.openxmlformats.org/presentationml/2006/main">
+  <p:cSld>
+    <p:spTree>
+      <p:nvGrpSpPr>
+        <p:cNvPr id="1" name=""/>
+        <p:cNvGrpSpPr/>
+        <p:nvPr/>
+      </p:nvGrpSpPr>
+      <p:grpSpPr>
+        <a:xfrm>
+          <a:off x="0" y="0"/>
+          <a:ext cx="0" cy="0"/>
+          <a:chOff x="0" y="0"/>
+          <a:chExt cx="0" cy="0"/>
+        </a:xfrm>
+      </p:grpSpPr>
+      <p:sp>
+        <p:nvSpPr>
+          <p:cNvPr id="2" name="Slide Image Placeholder 1"/>
+          <p:cNvSpPr>
+            <a:spLocks noGrp="1" noRot="1" noChangeAspect="1"/>
+          </p:cNvSpPr>
+          <p:nvPr>
+            <p:ph type="sldImg"/>
+          </p:nvPr>
+        </p:nvSpPr>
+        <p:spPr/>
+      </p:sp>
+      <p:sp>
+        <p:nvSpPr>
+          <p:cNvPr id="3" name="Notes Placeholder 2"/>
+          <p:cNvSpPr>
+            <a:spLocks noGrp="1"/>
+          </p:cNvSpPr>
+          <p:nvPr>
+            <p:ph type="body" idx="1"/>
+          </p:nvPr>
+        </p:nvSpPr>
+        <p:spPr/>
+        <p:txBody>
+          <a:bodyPr/>
+          <a:lstStyle/>
+          <a:p>
+            <a:r>
+              <a:rPr lang="en-US" dirty="0"/>
+              <a:t>I want to emphasize that there is a difference between managerial objective and research objective. </a:t>
+            </a:r>
+          </a:p>
+          <a:p>
+            <a:r>
+              <a:rPr lang="en-US" dirty="0"/>
+              <a:t>One managerial objective can translate into multiple research objective and then research questions. </a:t>
+            </a:r>
+          </a:p>
+        </p:txBody>
+      </p:sp>
+      <p:sp>
+        <p:nvSpPr>
+          <p:cNvPr id="4" name="Slide Number Placeholder 3"/>
+          <p:cNvSpPr>
+            <a:spLocks noGrp="1"/>
+          </p:cNvSpPr>
+          <p:nvPr>
+            <p:ph type="sldNum" sz="quarter" idx="5"/>
+          </p:nvPr>
+        </p:nvSpPr>
+        <p:spPr/>
+        <p:txBody>
+          <a:bodyPr/>
+          <a:lstStyle/>
+          <a:p>
+            <a:fld id="{BC849E9A-41F7-4779-A581-48A7C374A227}" type="slidenum">
+              <a:rPr lang="en-US" smtClean="0"/>
+              <a:t>5</a:t>
+            </a:fld>
+            <a:endParaRPr lang="en-US" dirty="0"/>
+          </a:p>
+        </p:txBody>
+      </p:sp>
+    </p:spTree>
+    <p:extLst>
+      <p:ext uri="{BB962C8B-B14F-4D97-AF65-F5344CB8AC3E}">
+        <p14:creationId xmlns:p14="http://schemas.microsoft.com/office/powerpoint/2010/main" val="4230208799"/>
+      </p:ext>
+    </p:extLst>
+  </p:cSld>
+  <p:clrMapOvr>
+    <a:masterClrMapping/>
+  </p:clrMapOvr>
+</p:notes>
+</file>
+
+<file path=ppt/notesSlides/notesSlide4.xml><?xml version="1.0" encoding="utf-8"?>
 <p:notes xmlns:a="http://schemas.openxmlformats.org/drawingml/2006/main" xmlns:r="http://schemas.openxmlformats.org/officeDocument/2006/relationships" xmlns:p="http://schemas.openxmlformats.org/presentationml/2006/main">
   <p:cSld>
     <p:spTree>
@@ -17445,7 +17664,7 @@
           <a:p>
             <a:fld id="{BC849E9A-41F7-4779-A581-48A7C374A227}" type="slidenum">
               <a:rPr lang="en-US" smtClean="0"/>
-              <a:t>6</a:t>
+              <a:t>7</a:t>
             </a:fld>
             <a:endParaRPr lang="en-US" dirty="0"/>
           </a:p>
@@ -17464,7 +17683,7 @@
 </p:notes>
 </file>
 
-<file path=ppt/notesSlides/notesSlide4.xml><?xml version="1.0" encoding="utf-8"?>
+<file path=ppt/notesSlides/notesSlide5.xml><?xml version="1.0" encoding="utf-8"?>
 <p:notes xmlns:a="http://schemas.openxmlformats.org/drawingml/2006/main" xmlns:r="http://schemas.openxmlformats.org/officeDocument/2006/relationships" xmlns:p="http://schemas.openxmlformats.org/presentationml/2006/main">
   <p:cSld>
     <p:spTree>
@@ -17532,7 +17751,7 @@
           <a:p>
             <a:fld id="{BC849E9A-41F7-4779-A581-48A7C374A227}" type="slidenum">
               <a:rPr lang="en-US" smtClean="0"/>
-              <a:t>7</a:t>
+              <a:t>8</a:t>
             </a:fld>
             <a:endParaRPr lang="en-US" dirty="0"/>
           </a:p>
@@ -17542,97 +17761,6 @@
     <p:extLst>
       <p:ext uri="{BB962C8B-B14F-4D97-AF65-F5344CB8AC3E}">
         <p14:creationId xmlns:p14="http://schemas.microsoft.com/office/powerpoint/2010/main" val="1372716179"/>
-      </p:ext>
-    </p:extLst>
-  </p:cSld>
-  <p:clrMapOvr>
-    <a:masterClrMapping/>
-  </p:clrMapOvr>
-</p:notes>
-</file>
-
-<file path=ppt/notesSlides/notesSlide5.xml><?xml version="1.0" encoding="utf-8"?>
-<p:notes xmlns:a="http://schemas.openxmlformats.org/drawingml/2006/main" xmlns:r="http://schemas.openxmlformats.org/officeDocument/2006/relationships" xmlns:p="http://schemas.openxmlformats.org/presentationml/2006/main">
-  <p:cSld>
-    <p:spTree>
-      <p:nvGrpSpPr>
-        <p:cNvPr id="1" name=""/>
-        <p:cNvGrpSpPr/>
-        <p:nvPr/>
-      </p:nvGrpSpPr>
-      <p:grpSpPr>
-        <a:xfrm>
-          <a:off x="0" y="0"/>
-          <a:ext cx="0" cy="0"/>
-          <a:chOff x="0" y="0"/>
-          <a:chExt cx="0" cy="0"/>
-        </a:xfrm>
-      </p:grpSpPr>
-      <p:sp>
-        <p:nvSpPr>
-          <p:cNvPr id="2" name="Slide Image Placeholder 1"/>
-          <p:cNvSpPr>
-            <a:spLocks noGrp="1" noRot="1" noChangeAspect="1"/>
-          </p:cNvSpPr>
-          <p:nvPr>
-            <p:ph type="sldImg"/>
-          </p:nvPr>
-        </p:nvSpPr>
-        <p:spPr/>
-      </p:sp>
-      <p:sp>
-        <p:nvSpPr>
-          <p:cNvPr id="3" name="Notes Placeholder 2"/>
-          <p:cNvSpPr>
-            <a:spLocks noGrp="1"/>
-          </p:cNvSpPr>
-          <p:nvPr>
-            <p:ph type="body" idx="1"/>
-          </p:nvPr>
-        </p:nvSpPr>
-        <p:spPr/>
-        <p:txBody>
-          <a:bodyPr/>
-          <a:lstStyle/>
-          <a:p>
-            <a:pPr marL="0" indent="0">
-              <a:buFont typeface="Arial" panose="020B0604020202020204" pitchFamily="34" charset="0"/>
-              <a:buNone/>
-            </a:pPr>
-            <a:r>
-              <a:rPr lang="en-US" dirty="0"/>
-              <a:t>Please keep the exploratory research definition in mind. We will come back to it later. </a:t>
-            </a:r>
-          </a:p>
-        </p:txBody>
-      </p:sp>
-      <p:sp>
-        <p:nvSpPr>
-          <p:cNvPr id="4" name="Slide Number Placeholder 3"/>
-          <p:cNvSpPr>
-            <a:spLocks noGrp="1"/>
-          </p:cNvSpPr>
-          <p:nvPr>
-            <p:ph type="sldNum" sz="quarter" idx="5"/>
-          </p:nvPr>
-        </p:nvSpPr>
-        <p:spPr/>
-        <p:txBody>
-          <a:bodyPr/>
-          <a:lstStyle/>
-          <a:p>
-            <a:fld id="{BC849E9A-41F7-4779-A581-48A7C374A227}" type="slidenum">
-              <a:rPr lang="en-US" smtClean="0"/>
-              <a:t>8</a:t>
-            </a:fld>
-            <a:endParaRPr lang="en-US" dirty="0"/>
-          </a:p>
-        </p:txBody>
-      </p:sp>
-    </p:spTree>
-    <p:extLst>
-      <p:ext uri="{BB962C8B-B14F-4D97-AF65-F5344CB8AC3E}">
-        <p14:creationId xmlns:p14="http://schemas.microsoft.com/office/powerpoint/2010/main" val="2858874064"/>
       </p:ext>
     </p:extLst>
   </p:cSld>
@@ -17686,10 +17814,149 @@
           <a:bodyPr/>
           <a:lstStyle/>
           <a:p>
+            <a:pPr marL="0" indent="0">
+              <a:buFont typeface="Arial" panose="020B0604020202020204" pitchFamily="34" charset="0"/>
+              <a:buNone/>
+            </a:pPr>
+            <a:r>
+              <a:rPr lang="en-US" dirty="0"/>
+              <a:t>Can anyone tell me what exploratory research is? </a:t>
+            </a:r>
+          </a:p>
+          <a:p>
+            <a:pPr marL="0" indent="0">
+              <a:buFont typeface="Arial" panose="020B0604020202020204" pitchFamily="34" charset="0"/>
+              <a:buNone/>
+            </a:pPr>
+            <a:r>
+              <a:rPr lang="en-US" dirty="0"/>
+              <a:t>And why do we usually want to do exploratory research before conducting our main research? </a:t>
+            </a:r>
+          </a:p>
+          <a:p>
+            <a:pPr marL="0" indent="0">
+              <a:buFont typeface="Arial" panose="020B0604020202020204" pitchFamily="34" charset="0"/>
+              <a:buNone/>
+            </a:pPr>
+            <a:endParaRPr lang="en-US" dirty="0"/>
+          </a:p>
+          <a:p>
+            <a:pPr marL="0" indent="0">
+              <a:buFont typeface="Arial" panose="020B0604020202020204" pitchFamily="34" charset="0"/>
+              <a:buNone/>
+            </a:pPr>
+            <a:r>
+              <a:rPr lang="en-US" dirty="0"/>
+              <a:t>Please keep the exploratory research definition in mind. We will come back to it later. </a:t>
+            </a:r>
+          </a:p>
+        </p:txBody>
+      </p:sp>
+      <p:sp>
+        <p:nvSpPr>
+          <p:cNvPr id="4" name="Slide Number Placeholder 3"/>
+          <p:cNvSpPr>
+            <a:spLocks noGrp="1"/>
+          </p:cNvSpPr>
+          <p:nvPr>
+            <p:ph type="sldNum" sz="quarter" idx="5"/>
+          </p:nvPr>
+        </p:nvSpPr>
+        <p:spPr/>
+        <p:txBody>
+          <a:bodyPr/>
+          <a:lstStyle/>
+          <a:p>
+            <a:fld id="{BC849E9A-41F7-4779-A581-48A7C374A227}" type="slidenum">
+              <a:rPr lang="en-US" smtClean="0"/>
+              <a:t>9</a:t>
+            </a:fld>
+            <a:endParaRPr lang="en-US" dirty="0"/>
+          </a:p>
+        </p:txBody>
+      </p:sp>
+    </p:spTree>
+    <p:extLst>
+      <p:ext uri="{BB962C8B-B14F-4D97-AF65-F5344CB8AC3E}">
+        <p14:creationId xmlns:p14="http://schemas.microsoft.com/office/powerpoint/2010/main" val="2858874064"/>
+      </p:ext>
+    </p:extLst>
+  </p:cSld>
+  <p:clrMapOvr>
+    <a:masterClrMapping/>
+  </p:clrMapOvr>
+</p:notes>
+</file>
+
+<file path=ppt/notesSlides/notesSlide7.xml><?xml version="1.0" encoding="utf-8"?>
+<p:notes xmlns:a="http://schemas.openxmlformats.org/drawingml/2006/main" xmlns:r="http://schemas.openxmlformats.org/officeDocument/2006/relationships" xmlns:p="http://schemas.openxmlformats.org/presentationml/2006/main">
+  <p:cSld>
+    <p:spTree>
+      <p:nvGrpSpPr>
+        <p:cNvPr id="1" name=""/>
+        <p:cNvGrpSpPr/>
+        <p:nvPr/>
+      </p:nvGrpSpPr>
+      <p:grpSpPr>
+        <a:xfrm>
+          <a:off x="0" y="0"/>
+          <a:ext cx="0" cy="0"/>
+          <a:chOff x="0" y="0"/>
+          <a:chExt cx="0" cy="0"/>
+        </a:xfrm>
+      </p:grpSpPr>
+      <p:sp>
+        <p:nvSpPr>
+          <p:cNvPr id="2" name="Slide Image Placeholder 1"/>
+          <p:cNvSpPr>
+            <a:spLocks noGrp="1" noRot="1" noChangeAspect="1"/>
+          </p:cNvSpPr>
+          <p:nvPr>
+            <p:ph type="sldImg"/>
+          </p:nvPr>
+        </p:nvSpPr>
+        <p:spPr/>
+      </p:sp>
+      <p:sp>
+        <p:nvSpPr>
+          <p:cNvPr id="3" name="Notes Placeholder 2"/>
+          <p:cNvSpPr>
+            <a:spLocks noGrp="1"/>
+          </p:cNvSpPr>
+          <p:nvPr>
+            <p:ph type="body" idx="1"/>
+          </p:nvPr>
+        </p:nvSpPr>
+        <p:spPr/>
+        <p:txBody>
+          <a:bodyPr/>
+          <a:lstStyle/>
+          <a:p>
+            <a:r>
+              <a:rPr lang="en-US" dirty="0"/>
+              <a:t>So what is a hypothesis? Can anyone tell me?</a:t>
+            </a:r>
+          </a:p>
+          <a:p>
+            <a:endParaRPr lang="en-US" dirty="0"/>
+          </a:p>
+          <a:p>
+            <a:endParaRPr lang="en-US" dirty="0"/>
+          </a:p>
+          <a:p>
             <a:r>
               <a:rPr lang="en-US" dirty="0"/>
               <a:t>Hypothesis: A statement that specifies how two or more measurable variables are related </a:t>
             </a:r>
+          </a:p>
+          <a:p>
+            <a:r>
+              <a:rPr lang="en-US" dirty="0"/>
+              <a:t>The statement should be testable </a:t>
+            </a:r>
+          </a:p>
+          <a:p>
+            <a:endParaRPr lang="en-US" dirty="0"/>
           </a:p>
           <a:p>
             <a:r>
@@ -17779,7 +18046,7 @@
           <a:p>
             <a:fld id="{BC849E9A-41F7-4779-A581-48A7C374A227}" type="slidenum">
               <a:rPr lang="en-US" smtClean="0"/>
-              <a:t>9</a:t>
+              <a:t>10</a:t>
             </a:fld>
             <a:endParaRPr lang="en-US" dirty="0"/>
           </a:p>
@@ -17798,7 +18065,7 @@
 </p:notes>
 </file>
 
-<file path=ppt/notesSlides/notesSlide7.xml><?xml version="1.0" encoding="utf-8"?>
+<file path=ppt/notesSlides/notesSlide8.xml><?xml version="1.0" encoding="utf-8"?>
 <p:notes xmlns:a="http://schemas.openxmlformats.org/drawingml/2006/main" xmlns:r="http://schemas.openxmlformats.org/officeDocument/2006/relationships" xmlns:p="http://schemas.openxmlformats.org/presentationml/2006/main">
   <p:cSld>
     <p:spTree>
@@ -17853,6 +18120,15 @@
               <a:t>Demographic or students’ characteristics relates to graduation rate. </a:t>
             </a:r>
           </a:p>
+          <a:p>
+            <a:endParaRPr lang="en-US" dirty="0"/>
+          </a:p>
+          <a:p>
+            <a:r>
+              <a:rPr lang="en-US" dirty="0"/>
+              <a:t>And this is again a hypothesis to be tested. I don’t know if it’s true or not</a:t>
+            </a:r>
+          </a:p>
         </p:txBody>
       </p:sp>
       <p:sp>
@@ -17872,7 +18148,7 @@
           <a:p>
             <a:fld id="{BC849E9A-41F7-4779-A581-48A7C374A227}" type="slidenum">
               <a:rPr lang="en-US" smtClean="0"/>
-              <a:t>10</a:t>
+              <a:t>11</a:t>
             </a:fld>
             <a:endParaRPr lang="en-US" dirty="0"/>
           </a:p>
@@ -17891,7 +18167,7 @@
 </p:notes>
 </file>
 
-<file path=ppt/notesSlides/notesSlide8.xml><?xml version="1.0" encoding="utf-8"?>
+<file path=ppt/notesSlides/notesSlide9.xml><?xml version="1.0" encoding="utf-8"?>
 <p:notes xmlns:a="http://schemas.openxmlformats.org/drawingml/2006/main" xmlns:r="http://schemas.openxmlformats.org/officeDocument/2006/relationships" xmlns:p="http://schemas.openxmlformats.org/presentationml/2006/main">
   <p:cSld>
     <p:spTree>
@@ -18014,7 +18290,7 @@
           <a:p>
             <a:fld id="{BC849E9A-41F7-4779-A581-48A7C374A227}" type="slidenum">
               <a:rPr lang="en-US" smtClean="0"/>
-              <a:t>11</a:t>
+              <a:t>12</a:t>
             </a:fld>
             <a:endParaRPr lang="en-US" dirty="0"/>
           </a:p>
@@ -18024,93 +18300,6 @@
     <p:extLst>
       <p:ext uri="{BB962C8B-B14F-4D97-AF65-F5344CB8AC3E}">
         <p14:creationId xmlns:p14="http://schemas.microsoft.com/office/powerpoint/2010/main" val="3119482710"/>
-      </p:ext>
-    </p:extLst>
-  </p:cSld>
-  <p:clrMapOvr>
-    <a:masterClrMapping/>
-  </p:clrMapOvr>
-</p:notes>
-</file>
-
-<file path=ppt/notesSlides/notesSlide9.xml><?xml version="1.0" encoding="utf-8"?>
-<p:notes xmlns:a="http://schemas.openxmlformats.org/drawingml/2006/main" xmlns:r="http://schemas.openxmlformats.org/officeDocument/2006/relationships" xmlns:p="http://schemas.openxmlformats.org/presentationml/2006/main">
-  <p:cSld>
-    <p:spTree>
-      <p:nvGrpSpPr>
-        <p:cNvPr id="1" name=""/>
-        <p:cNvGrpSpPr/>
-        <p:nvPr/>
-      </p:nvGrpSpPr>
-      <p:grpSpPr>
-        <a:xfrm>
-          <a:off x="0" y="0"/>
-          <a:ext cx="0" cy="0"/>
-          <a:chOff x="0" y="0"/>
-          <a:chExt cx="0" cy="0"/>
-        </a:xfrm>
-      </p:grpSpPr>
-      <p:sp>
-        <p:nvSpPr>
-          <p:cNvPr id="2" name="Slide Image Placeholder 1"/>
-          <p:cNvSpPr>
-            <a:spLocks noGrp="1" noRot="1" noChangeAspect="1"/>
-          </p:cNvSpPr>
-          <p:nvPr>
-            <p:ph type="sldImg"/>
-          </p:nvPr>
-        </p:nvSpPr>
-        <p:spPr/>
-      </p:sp>
-      <p:sp>
-        <p:nvSpPr>
-          <p:cNvPr id="3" name="Notes Placeholder 2"/>
-          <p:cNvSpPr>
-            <a:spLocks noGrp="1"/>
-          </p:cNvSpPr>
-          <p:nvPr>
-            <p:ph type="body" idx="1"/>
-          </p:nvPr>
-        </p:nvSpPr>
-        <p:spPr/>
-        <p:txBody>
-          <a:bodyPr/>
-          <a:lstStyle/>
-          <a:p>
-            <a:r>
-              <a:rPr lang="en-US" dirty="0"/>
-              <a:t>These are types of exploratory research we typically in marketing. I bet that you have heard some of them before</a:t>
-            </a:r>
-          </a:p>
-        </p:txBody>
-      </p:sp>
-      <p:sp>
-        <p:nvSpPr>
-          <p:cNvPr id="4" name="Slide Number Placeholder 3"/>
-          <p:cNvSpPr>
-            <a:spLocks noGrp="1"/>
-          </p:cNvSpPr>
-          <p:nvPr>
-            <p:ph type="sldNum" sz="quarter" idx="5"/>
-          </p:nvPr>
-        </p:nvSpPr>
-        <p:spPr/>
-        <p:txBody>
-          <a:bodyPr/>
-          <a:lstStyle/>
-          <a:p>
-            <a:fld id="{BC849E9A-41F7-4779-A581-48A7C374A227}" type="slidenum">
-              <a:rPr lang="en-US" smtClean="0"/>
-              <a:t>12</a:t>
-            </a:fld>
-            <a:endParaRPr lang="en-US" dirty="0"/>
-          </a:p>
-        </p:txBody>
-      </p:sp>
-    </p:spTree>
-    <p:extLst>
-      <p:ext uri="{BB962C8B-B14F-4D97-AF65-F5344CB8AC3E}">
-        <p14:creationId xmlns:p14="http://schemas.microsoft.com/office/powerpoint/2010/main" val="3720990933"/>
       </p:ext>
     </p:extLst>
   </p:cSld>
@@ -18267,7 +18456,7 @@
           <a:p>
             <a:fld id="{C4C580A7-BF87-4E24-9D9F-4AE18F6CEECE}" type="datetime1">
               <a:rPr lang="en-US" smtClean="0"/>
-              <a:t>8/29/2021</a:t>
+              <a:t>8/30/2021</a:t>
             </a:fld>
             <a:endParaRPr lang="en-US" dirty="0"/>
           </a:p>
@@ -18469,7 +18658,7 @@
           <a:p>
             <a:fld id="{80A0DE87-DC9E-4898-8F68-9C316F1777EB}" type="datetime1">
               <a:rPr lang="en-US" smtClean="0"/>
-              <a:t>8/29/2021</a:t>
+              <a:t>8/30/2021</a:t>
             </a:fld>
             <a:endParaRPr lang="en-US" dirty="0"/>
           </a:p>
@@ -18681,7 +18870,7 @@
           <a:p>
             <a:fld id="{1DC1AD7B-CB30-4EF2-9CE7-4A04A2DC68F4}" type="datetime1">
               <a:rPr lang="en-US" smtClean="0"/>
-              <a:t>8/29/2021</a:t>
+              <a:t>8/30/2021</a:t>
             </a:fld>
             <a:endParaRPr lang="en-US" dirty="0"/>
           </a:p>
@@ -18883,7 +19072,7 @@
           <a:p>
             <a:fld id="{BDF3D79F-730D-4BB9-BF85-4522B85CF306}" type="datetime1">
               <a:rPr lang="en-US" smtClean="0"/>
-              <a:t>8/29/2021</a:t>
+              <a:t>8/30/2021</a:t>
             </a:fld>
             <a:endParaRPr lang="en-US" dirty="0"/>
           </a:p>
@@ -19162,7 +19351,7 @@
           <a:p>
             <a:fld id="{D4BE1629-F8B4-40AA-9BC3-0B338C1B9625}" type="datetime1">
               <a:rPr lang="en-US" smtClean="0"/>
-              <a:t>8/29/2021</a:t>
+              <a:t>8/30/2021</a:t>
             </a:fld>
             <a:endParaRPr lang="en-US" dirty="0"/>
           </a:p>
@@ -19431,7 +19620,7 @@
           <a:p>
             <a:fld id="{7C1FBCF5-F565-4977-B692-7BF53372792D}" type="datetime1">
               <a:rPr lang="en-US" smtClean="0"/>
-              <a:t>8/29/2021</a:t>
+              <a:t>8/30/2021</a:t>
             </a:fld>
             <a:endParaRPr lang="en-US" dirty="0"/>
           </a:p>
@@ -19847,7 +20036,7 @@
           <a:p>
             <a:fld id="{1BBE6821-B997-43E7-BA7B-770BEF830D06}" type="datetime1">
               <a:rPr lang="en-US" smtClean="0"/>
-              <a:t>8/29/2021</a:t>
+              <a:t>8/30/2021</a:t>
             </a:fld>
             <a:endParaRPr lang="en-US" dirty="0"/>
           </a:p>
@@ -19992,7 +20181,7 @@
           <a:p>
             <a:fld id="{9441C9E8-6E77-47AD-96C3-822678961811}" type="datetime1">
               <a:rPr lang="en-US" smtClean="0"/>
-              <a:t>8/29/2021</a:t>
+              <a:t>8/30/2021</a:t>
             </a:fld>
             <a:endParaRPr lang="en-US" dirty="0"/>
           </a:p>
@@ -20109,7 +20298,7 @@
           <a:p>
             <a:fld id="{DCCFB319-6559-408D-9D93-B1AC6279280D}" type="datetime1">
               <a:rPr lang="en-US" smtClean="0"/>
-              <a:t>8/29/2021</a:t>
+              <a:t>8/30/2021</a:t>
             </a:fld>
             <a:endParaRPr lang="en-US" dirty="0"/>
           </a:p>
@@ -20424,7 +20613,7 @@
           <a:p>
             <a:fld id="{5CCA4A21-E605-4D50-8A8A-45A656F1C70A}" type="datetime1">
               <a:rPr lang="en-US" smtClean="0"/>
-              <a:t>8/29/2021</a:t>
+              <a:t>8/30/2021</a:t>
             </a:fld>
             <a:endParaRPr lang="en-US" dirty="0"/>
           </a:p>
@@ -20720,7 +20909,7 @@
           <a:p>
             <a:fld id="{5DBF0B05-2FD2-44DF-B02A-AC31A0B7257E}" type="datetime1">
               <a:rPr lang="en-US" smtClean="0"/>
-              <a:t>8/29/2021</a:t>
+              <a:t>8/30/2021</a:t>
             </a:fld>
             <a:endParaRPr lang="en-US" dirty="0"/>
           </a:p>
@@ -20965,7 +21154,7 @@
           <a:p>
             <a:fld id="{2582D5F5-5A4E-4FA6-A091-A83A15D5E43B}" type="datetime1">
               <a:rPr lang="en-US" smtClean="0"/>
-              <a:t>8/29/2021</a:t>
+              <a:t>8/30/2021</a:t>
             </a:fld>
             <a:endParaRPr lang="en-US" dirty="0"/>
           </a:p>
@@ -21746,6 +21935,743 @@
       </p:grpSpPr>
       <p:sp useBgFill="1">
         <p:nvSpPr>
+          <p:cNvPr id="55" name="Rectangle 16">
+            <a:extLst>
+              <a:ext uri="{FF2B5EF4-FFF2-40B4-BE49-F238E27FC236}">
+                <a16:creationId xmlns:a16="http://schemas.microsoft.com/office/drawing/2014/main" id="{4AC6B390-BC59-4F1D-A0EE-D71A92F0A0B2}"/>
+              </a:ext>
+              <a:ext uri="{C183D7F6-B498-43B3-948B-1728B52AA6E4}">
+                <adec:decorative xmlns:adec="http://schemas.microsoft.com/office/drawing/2017/decorative" val="1"/>
+              </a:ext>
+            </a:extLst>
+          </p:cNvPr>
+          <p:cNvSpPr>
+            <a:spLocks noGrp="1" noRot="1" noChangeAspect="1" noMove="1" noResize="1" noEditPoints="1" noAdjustHandles="1" noChangeArrowheads="1" noChangeShapeType="1" noTextEdit="1"/>
+          </p:cNvSpPr>
+          <p:nvPr>
+            <p:extLst>
+              <p:ext uri="{386F3935-93C4-4BCD-93E2-E3B085C9AB24}">
+                <p16:designElem xmlns:p16="http://schemas.microsoft.com/office/powerpoint/2015/main" val="1"/>
+              </p:ext>
+            </p:extLst>
+          </p:nvPr>
+        </p:nvSpPr>
+        <p:spPr bwMode="white">
+          <a:xfrm>
+            <a:off x="0" y="0"/>
+            <a:ext cx="12192000" cy="6858000"/>
+          </a:xfrm>
+          <a:prstGeom prst="rect">
+            <a:avLst/>
+          </a:prstGeom>
+          <a:ln>
+            <a:noFill/>
+          </a:ln>
+        </p:spPr>
+        <p:style>
+          <a:lnRef idx="2">
+            <a:schemeClr val="accent1">
+              <a:shade val="50000"/>
+            </a:schemeClr>
+          </a:lnRef>
+          <a:fillRef idx="1">
+            <a:schemeClr val="accent1"/>
+          </a:fillRef>
+          <a:effectRef idx="0">
+            <a:schemeClr val="accent1"/>
+          </a:effectRef>
+          <a:fontRef idx="minor">
+            <a:schemeClr val="lt1"/>
+          </a:fontRef>
+        </p:style>
+        <p:txBody>
+          <a:bodyPr rtlCol="0" anchor="ctr"/>
+          <a:lstStyle>
+            <a:defPPr>
+              <a:defRPr lang="en-US"/>
+            </a:defPPr>
+            <a:lvl1pPr marL="0" algn="l" defTabSz="914400" rtl="0" eaLnBrk="1" latinLnBrk="0" hangingPunct="1">
+              <a:defRPr sz="1800" kern="1200">
+                <a:solidFill>
+                  <a:schemeClr val="lt1"/>
+                </a:solidFill>
+                <a:latin typeface="+mn-lt"/>
+                <a:ea typeface="+mn-ea"/>
+                <a:cs typeface="+mn-cs"/>
+              </a:defRPr>
+            </a:lvl1pPr>
+            <a:lvl2pPr marL="457200" algn="l" defTabSz="914400" rtl="0" eaLnBrk="1" latinLnBrk="0" hangingPunct="1">
+              <a:defRPr sz="1800" kern="1200">
+                <a:solidFill>
+                  <a:schemeClr val="lt1"/>
+                </a:solidFill>
+                <a:latin typeface="+mn-lt"/>
+                <a:ea typeface="+mn-ea"/>
+                <a:cs typeface="+mn-cs"/>
+              </a:defRPr>
+            </a:lvl2pPr>
+            <a:lvl3pPr marL="914400" algn="l" defTabSz="914400" rtl="0" eaLnBrk="1" latinLnBrk="0" hangingPunct="1">
+              <a:defRPr sz="1800" kern="1200">
+                <a:solidFill>
+                  <a:schemeClr val="lt1"/>
+                </a:solidFill>
+                <a:latin typeface="+mn-lt"/>
+                <a:ea typeface="+mn-ea"/>
+                <a:cs typeface="+mn-cs"/>
+              </a:defRPr>
+            </a:lvl3pPr>
+            <a:lvl4pPr marL="1371600" algn="l" defTabSz="914400" rtl="0" eaLnBrk="1" latinLnBrk="0" hangingPunct="1">
+              <a:defRPr sz="1800" kern="1200">
+                <a:solidFill>
+                  <a:schemeClr val="lt1"/>
+                </a:solidFill>
+                <a:latin typeface="+mn-lt"/>
+                <a:ea typeface="+mn-ea"/>
+                <a:cs typeface="+mn-cs"/>
+              </a:defRPr>
+            </a:lvl4pPr>
+            <a:lvl5pPr marL="1828800" algn="l" defTabSz="914400" rtl="0" eaLnBrk="1" latinLnBrk="0" hangingPunct="1">
+              <a:defRPr sz="1800" kern="1200">
+                <a:solidFill>
+                  <a:schemeClr val="lt1"/>
+                </a:solidFill>
+                <a:latin typeface="+mn-lt"/>
+                <a:ea typeface="+mn-ea"/>
+                <a:cs typeface="+mn-cs"/>
+              </a:defRPr>
+            </a:lvl5pPr>
+            <a:lvl6pPr marL="2286000" algn="l" defTabSz="914400" rtl="0" eaLnBrk="1" latinLnBrk="0" hangingPunct="1">
+              <a:defRPr sz="1800" kern="1200">
+                <a:solidFill>
+                  <a:schemeClr val="lt1"/>
+                </a:solidFill>
+                <a:latin typeface="+mn-lt"/>
+                <a:ea typeface="+mn-ea"/>
+                <a:cs typeface="+mn-cs"/>
+              </a:defRPr>
+            </a:lvl6pPr>
+            <a:lvl7pPr marL="2743200" algn="l" defTabSz="914400" rtl="0" eaLnBrk="1" latinLnBrk="0" hangingPunct="1">
+              <a:defRPr sz="1800" kern="1200">
+                <a:solidFill>
+                  <a:schemeClr val="lt1"/>
+                </a:solidFill>
+                <a:latin typeface="+mn-lt"/>
+                <a:ea typeface="+mn-ea"/>
+                <a:cs typeface="+mn-cs"/>
+              </a:defRPr>
+            </a:lvl7pPr>
+            <a:lvl8pPr marL="3200400" algn="l" defTabSz="914400" rtl="0" eaLnBrk="1" latinLnBrk="0" hangingPunct="1">
+              <a:defRPr sz="1800" kern="1200">
+                <a:solidFill>
+                  <a:schemeClr val="lt1"/>
+                </a:solidFill>
+                <a:latin typeface="+mn-lt"/>
+                <a:ea typeface="+mn-ea"/>
+                <a:cs typeface="+mn-cs"/>
+              </a:defRPr>
+            </a:lvl8pPr>
+            <a:lvl9pPr marL="3657600" algn="l" defTabSz="914400" rtl="0" eaLnBrk="1" latinLnBrk="0" hangingPunct="1">
+              <a:defRPr sz="1800" kern="1200">
+                <a:solidFill>
+                  <a:schemeClr val="lt1"/>
+                </a:solidFill>
+                <a:latin typeface="+mn-lt"/>
+                <a:ea typeface="+mn-ea"/>
+                <a:cs typeface="+mn-cs"/>
+              </a:defRPr>
+            </a:lvl9pPr>
+          </a:lstStyle>
+          <a:p>
+            <a:pPr algn="ctr"/>
+            <a:endParaRPr lang="en-US"/>
+          </a:p>
+        </p:txBody>
+      </p:sp>
+      <p:sp>
+        <p:nvSpPr>
+          <p:cNvPr id="56" name="Freeform: Shape 18">
+            <a:extLst>
+              <a:ext uri="{FF2B5EF4-FFF2-40B4-BE49-F238E27FC236}">
+                <a16:creationId xmlns:a16="http://schemas.microsoft.com/office/drawing/2014/main" id="{B6C60D79-16F1-4C4B-B7E3-7634E7069CDE}"/>
+              </a:ext>
+              <a:ext uri="{C183D7F6-B498-43B3-948B-1728B52AA6E4}">
+                <adec:decorative xmlns:adec="http://schemas.microsoft.com/office/drawing/2017/decorative" val="1"/>
+              </a:ext>
+            </a:extLst>
+          </p:cNvPr>
+          <p:cNvSpPr>
+            <a:spLocks noGrp="1" noRot="1" noChangeAspect="1" noMove="1" noResize="1" noEditPoints="1" noAdjustHandles="1" noChangeArrowheads="1" noChangeShapeType="1" noTextEdit="1"/>
+          </p:cNvSpPr>
+          <p:nvPr>
+            <p:extLst>
+              <p:ext uri="{386F3935-93C4-4BCD-93E2-E3B085C9AB24}">
+                <p16:designElem xmlns:p16="http://schemas.microsoft.com/office/powerpoint/2015/main" val="1"/>
+              </p:ext>
+            </p:extLst>
+          </p:nvPr>
+        </p:nvSpPr>
+        <p:spPr>
+          <a:xfrm>
+            <a:off x="9519137" y="5486400"/>
+            <a:ext cx="2672863" cy="1371600"/>
+          </a:xfrm>
+          <a:custGeom>
+            <a:avLst/>
+            <a:gdLst>
+              <a:gd name="connsiteX0" fmla="*/ 1721734 w 2672863"/>
+              <a:gd name="connsiteY0" fmla="*/ 0 h 1371600"/>
+              <a:gd name="connsiteX1" fmla="*/ 2564444 w 2672863"/>
+              <a:gd name="connsiteY1" fmla="*/ 213382 h 1371600"/>
+              <a:gd name="connsiteX2" fmla="*/ 2672863 w 2672863"/>
+              <a:gd name="connsiteY2" fmla="*/ 279248 h 1371600"/>
+              <a:gd name="connsiteX3" fmla="*/ 2672863 w 2672863"/>
+              <a:gd name="connsiteY3" fmla="*/ 1371600 h 1371600"/>
+              <a:gd name="connsiteX4" fmla="*/ 0 w 2672863"/>
+              <a:gd name="connsiteY4" fmla="*/ 1371600 h 1371600"/>
+              <a:gd name="connsiteX5" fmla="*/ 33268 w 2672863"/>
+              <a:gd name="connsiteY5" fmla="*/ 1242216 h 1371600"/>
+              <a:gd name="connsiteX6" fmla="*/ 1721734 w 2672863"/>
+              <a:gd name="connsiteY6" fmla="*/ 0 h 1371600"/>
+            </a:gdLst>
+            <a:ahLst/>
+            <a:cxnLst>
+              <a:cxn ang="0">
+                <a:pos x="connsiteX0" y="connsiteY0"/>
+              </a:cxn>
+              <a:cxn ang="0">
+                <a:pos x="connsiteX1" y="connsiteY1"/>
+              </a:cxn>
+              <a:cxn ang="0">
+                <a:pos x="connsiteX2" y="connsiteY2"/>
+              </a:cxn>
+              <a:cxn ang="0">
+                <a:pos x="connsiteX3" y="connsiteY3"/>
+              </a:cxn>
+              <a:cxn ang="0">
+                <a:pos x="connsiteX4" y="connsiteY4"/>
+              </a:cxn>
+              <a:cxn ang="0">
+                <a:pos x="connsiteX5" y="connsiteY5"/>
+              </a:cxn>
+              <a:cxn ang="0">
+                <a:pos x="connsiteX6" y="connsiteY6"/>
+              </a:cxn>
+            </a:cxnLst>
+            <a:rect l="l" t="t" r="r" b="b"/>
+            <a:pathLst>
+              <a:path w="2672863" h="1371600">
+                <a:moveTo>
+                  <a:pt x="1721734" y="0"/>
+                </a:moveTo>
+                <a:cubicBezTo>
+                  <a:pt x="2026863" y="0"/>
+                  <a:pt x="2313937" y="77299"/>
+                  <a:pt x="2564444" y="213382"/>
+                </a:cubicBezTo>
+                <a:lnTo>
+                  <a:pt x="2672863" y="279248"/>
+                </a:lnTo>
+                <a:lnTo>
+                  <a:pt x="2672863" y="1371600"/>
+                </a:lnTo>
+                <a:lnTo>
+                  <a:pt x="0" y="1371600"/>
+                </a:lnTo>
+                <a:lnTo>
+                  <a:pt x="33268" y="1242216"/>
+                </a:lnTo>
+                <a:cubicBezTo>
+                  <a:pt x="257110" y="522539"/>
+                  <a:pt x="928399" y="0"/>
+                  <a:pt x="1721734" y="0"/>
+                </a:cubicBezTo>
+                <a:close/>
+              </a:path>
+            </a:pathLst>
+          </a:custGeom>
+          <a:solidFill>
+            <a:schemeClr val="accent4"/>
+          </a:solidFill>
+          <a:ln>
+            <a:noFill/>
+          </a:ln>
+        </p:spPr>
+        <p:style>
+          <a:lnRef idx="2">
+            <a:schemeClr val="accent1">
+              <a:shade val="50000"/>
+            </a:schemeClr>
+          </a:lnRef>
+          <a:fillRef idx="1">
+            <a:schemeClr val="accent1"/>
+          </a:fillRef>
+          <a:effectRef idx="0">
+            <a:schemeClr val="accent1"/>
+          </a:effectRef>
+          <a:fontRef idx="minor">
+            <a:schemeClr val="lt1"/>
+          </a:fontRef>
+        </p:style>
+        <p:txBody>
+          <a:bodyPr wrap="square" rtlCol="0" anchor="ctr">
+            <a:noAutofit/>
+          </a:bodyPr>
+          <a:lstStyle/>
+          <a:p>
+            <a:pPr algn="ctr"/>
+            <a:endParaRPr lang="en-US"/>
+          </a:p>
+        </p:txBody>
+      </p:sp>
+      <p:pic>
+        <p:nvPicPr>
+          <p:cNvPr id="5" name="Picture 4" descr="A picture containing graphical user interface&#10;&#10;Description automatically generated">
+            <a:extLst>
+              <a:ext uri="{FF2B5EF4-FFF2-40B4-BE49-F238E27FC236}">
+                <a16:creationId xmlns:a16="http://schemas.microsoft.com/office/drawing/2014/main" id="{F7E374E7-BE54-4C62-BDC3-418731AC4C27}"/>
+              </a:ext>
+            </a:extLst>
+          </p:cNvPr>
+          <p:cNvPicPr>
+            <a:picLocks noChangeAspect="1"/>
+          </p:cNvPicPr>
+          <p:nvPr/>
+        </p:nvPicPr>
+        <p:blipFill>
+          <a:blip r:embed="rId3">
+            <a:extLst>
+              <a:ext uri="{28A0092B-C50C-407E-A947-70E740481C1C}">
+                <a14:useLocalDpi xmlns:a14="http://schemas.microsoft.com/office/drawing/2010/main" val="0"/>
+              </a:ext>
+              <a:ext uri="{837473B0-CC2E-450A-ABE3-18F120FF3D39}">
+                <a1611:picAttrSrcUrl xmlns:a1611="http://schemas.microsoft.com/office/drawing/2016/11/main" r:id="rId4"/>
+              </a:ext>
+            </a:extLst>
+          </a:blip>
+          <a:stretch>
+            <a:fillRect/>
+          </a:stretch>
+        </p:blipFill>
+        <p:spPr>
+          <a:xfrm>
+            <a:off x="6541053" y="2282665"/>
+            <a:ext cx="4777381" cy="2119962"/>
+          </a:xfrm>
+          <a:custGeom>
+            <a:avLst/>
+            <a:gdLst/>
+            <a:ahLst/>
+            <a:cxnLst/>
+            <a:rect l="l" t="t" r="r" b="b"/>
+            <a:pathLst>
+              <a:path w="4777381" h="5643794">
+                <a:moveTo>
+                  <a:pt x="143704" y="0"/>
+                </a:moveTo>
+                <a:lnTo>
+                  <a:pt x="4633677" y="0"/>
+                </a:lnTo>
+                <a:cubicBezTo>
+                  <a:pt x="4713043" y="0"/>
+                  <a:pt x="4777381" y="64338"/>
+                  <a:pt x="4777381" y="143704"/>
+                </a:cubicBezTo>
+                <a:lnTo>
+                  <a:pt x="4777381" y="5500090"/>
+                </a:lnTo>
+                <a:cubicBezTo>
+                  <a:pt x="4777381" y="5579456"/>
+                  <a:pt x="4713043" y="5643794"/>
+                  <a:pt x="4633677" y="5643794"/>
+                </a:cubicBezTo>
+                <a:lnTo>
+                  <a:pt x="143704" y="5643794"/>
+                </a:lnTo>
+                <a:cubicBezTo>
+                  <a:pt x="64338" y="5643794"/>
+                  <a:pt x="0" y="5579456"/>
+                  <a:pt x="0" y="5500090"/>
+                </a:cubicBezTo>
+                <a:lnTo>
+                  <a:pt x="0" y="143704"/>
+                </a:lnTo>
+                <a:cubicBezTo>
+                  <a:pt x="0" y="64338"/>
+                  <a:pt x="64338" y="0"/>
+                  <a:pt x="143704" y="0"/>
+                </a:cubicBezTo>
+                <a:close/>
+              </a:path>
+            </a:pathLst>
+          </a:custGeom>
+        </p:spPr>
+      </p:pic>
+      <p:sp>
+        <p:nvSpPr>
+          <p:cNvPr id="21" name="Arc 20">
+            <a:extLst>
+              <a:ext uri="{FF2B5EF4-FFF2-40B4-BE49-F238E27FC236}">
+                <a16:creationId xmlns:a16="http://schemas.microsoft.com/office/drawing/2014/main" id="{426B127E-6498-4C77-9C9D-4553A5113B80}"/>
+              </a:ext>
+              <a:ext uri="{C183D7F6-B498-43B3-948B-1728B52AA6E4}">
+                <adec:decorative xmlns:adec="http://schemas.microsoft.com/office/drawing/2017/decorative" val="1"/>
+              </a:ext>
+            </a:extLst>
+          </p:cNvPr>
+          <p:cNvSpPr>
+            <a:spLocks noGrp="1" noRot="1" noChangeAspect="1" noMove="1" noResize="1" noEditPoints="1" noAdjustHandles="1" noChangeArrowheads="1" noChangeShapeType="1" noTextEdit="1"/>
+          </p:cNvSpPr>
+          <p:nvPr>
+            <p:extLst>
+              <p:ext uri="{386F3935-93C4-4BCD-93E2-E3B085C9AB24}">
+                <p16:designElem xmlns:p16="http://schemas.microsoft.com/office/powerpoint/2015/main" val="1"/>
+              </p:ext>
+            </p:extLst>
+          </p:nvPr>
+        </p:nvSpPr>
+        <p:spPr>
+          <a:xfrm>
+            <a:off x="4602050" y="650160"/>
+            <a:ext cx="2987899" cy="2987899"/>
+          </a:xfrm>
+          <a:prstGeom prst="arc">
+            <a:avLst>
+              <a:gd name="adj1" fmla="val 14441841"/>
+              <a:gd name="adj2" fmla="val 0"/>
+            </a:avLst>
+          </a:prstGeom>
+          <a:ln w="127000" cap="rnd">
+            <a:solidFill>
+              <a:schemeClr val="accent4"/>
+            </a:solidFill>
+            <a:prstDash val="dash"/>
+            <a:miter lim="800000"/>
+          </a:ln>
+        </p:spPr>
+        <p:style>
+          <a:lnRef idx="1">
+            <a:schemeClr val="accent1"/>
+          </a:lnRef>
+          <a:fillRef idx="0">
+            <a:schemeClr val="accent1"/>
+          </a:fillRef>
+          <a:effectRef idx="0">
+            <a:schemeClr val="accent1"/>
+          </a:effectRef>
+          <a:fontRef idx="minor">
+            <a:schemeClr val="tx1"/>
+          </a:fontRef>
+        </p:style>
+        <p:txBody>
+          <a:bodyPr rtlCol="0" anchor="ctr"/>
+          <a:lstStyle/>
+          <a:p>
+            <a:pPr marL="0" marR="0" lvl="0" indent="0" algn="ctr" defTabSz="914400" rtl="0" eaLnBrk="1" fontAlgn="auto" latinLnBrk="0" hangingPunct="1">
+              <a:lnSpc>
+                <a:spcPct val="100000"/>
+              </a:lnSpc>
+              <a:spcBef>
+                <a:spcPts val="0"/>
+              </a:spcBef>
+              <a:spcAft>
+                <a:spcPts val="0"/>
+              </a:spcAft>
+              <a:buClrTx/>
+              <a:buSzTx/>
+              <a:buFontTx/>
+              <a:buNone/>
+              <a:tabLst/>
+              <a:defRPr/>
+            </a:pPr>
+            <a:endParaRPr kumimoji="0" lang="en-US" sz="1800" b="0" i="0" u="none" strike="noStrike" kern="1200" cap="none" spc="0" normalizeH="0" baseline="0" noProof="0">
+              <a:ln>
+                <a:noFill/>
+              </a:ln>
+              <a:solidFill>
+                <a:srgbClr val="000000"/>
+              </a:solidFill>
+              <a:effectLst/>
+              <a:uLnTx/>
+              <a:uFillTx/>
+              <a:latin typeface="Calibri" panose="020F0502020204030204"/>
+              <a:ea typeface="+mn-ea"/>
+              <a:cs typeface="+mn-cs"/>
+            </a:endParaRPr>
+          </a:p>
+        </p:txBody>
+      </p:sp>
+      <p:sp>
+        <p:nvSpPr>
+          <p:cNvPr id="2" name="Title 1">
+            <a:extLst>
+              <a:ext uri="{FF2B5EF4-FFF2-40B4-BE49-F238E27FC236}">
+                <a16:creationId xmlns:a16="http://schemas.microsoft.com/office/drawing/2014/main" id="{1B06B8E9-910E-44B8-A5BA-D1A2BBB7CAB7}"/>
+              </a:ext>
+            </a:extLst>
+          </p:cNvPr>
+          <p:cNvSpPr>
+            <a:spLocks noGrp="1"/>
+          </p:cNvSpPr>
+          <p:nvPr>
+            <p:ph type="title"/>
+          </p:nvPr>
+        </p:nvSpPr>
+        <p:spPr>
+          <a:xfrm>
+            <a:off x="838201" y="479493"/>
+            <a:ext cx="5257800" cy="1325563"/>
+          </a:xfrm>
+        </p:spPr>
+        <p:txBody>
+          <a:bodyPr>
+            <a:normAutofit/>
+          </a:bodyPr>
+          <a:lstStyle/>
+          <a:p>
+            <a:r>
+              <a:rPr lang="en-US"/>
+              <a:t>Hypothesis</a:t>
+            </a:r>
+          </a:p>
+        </p:txBody>
+      </p:sp>
+      <p:sp>
+        <p:nvSpPr>
+          <p:cNvPr id="4" name="Footer Placeholder 3">
+            <a:extLst>
+              <a:ext uri="{FF2B5EF4-FFF2-40B4-BE49-F238E27FC236}">
+                <a16:creationId xmlns:a16="http://schemas.microsoft.com/office/drawing/2014/main" id="{583312BF-C563-4C41-8C14-FE00907D8041}"/>
+              </a:ext>
+            </a:extLst>
+          </p:cNvPr>
+          <p:cNvSpPr>
+            <a:spLocks noGrp="1"/>
+          </p:cNvSpPr>
+          <p:nvPr>
+            <p:ph type="ftr" sz="quarter" idx="11"/>
+          </p:nvPr>
+        </p:nvSpPr>
+        <p:spPr>
+          <a:xfrm>
+            <a:off x="4038600" y="6356350"/>
+            <a:ext cx="4114800" cy="365125"/>
+          </a:xfrm>
+        </p:spPr>
+        <p:txBody>
+          <a:bodyPr>
+            <a:normAutofit/>
+          </a:bodyPr>
+          <a:lstStyle/>
+          <a:p>
+            <a:pPr>
+              <a:spcAft>
+                <a:spcPts val="600"/>
+              </a:spcAft>
+            </a:pPr>
+            <a:r>
+              <a:rPr lang="en-US"/>
+              <a:t>Mike Nguyen</a:t>
+            </a:r>
+          </a:p>
+        </p:txBody>
+      </p:sp>
+      <p:sp>
+        <p:nvSpPr>
+          <p:cNvPr id="6" name="Slide Number Placeholder 5">
+            <a:extLst>
+              <a:ext uri="{FF2B5EF4-FFF2-40B4-BE49-F238E27FC236}">
+                <a16:creationId xmlns:a16="http://schemas.microsoft.com/office/drawing/2014/main" id="{87F7509B-ED18-4D12-9B66-563CBCD6D9C2}"/>
+              </a:ext>
+            </a:extLst>
+          </p:cNvPr>
+          <p:cNvSpPr>
+            <a:spLocks noGrp="1"/>
+          </p:cNvSpPr>
+          <p:nvPr>
+            <p:ph type="sldNum" sz="quarter" idx="12"/>
+          </p:nvPr>
+        </p:nvSpPr>
+        <p:spPr>
+          <a:xfrm>
+            <a:off x="8610600" y="6356350"/>
+            <a:ext cx="2743200" cy="365125"/>
+          </a:xfrm>
+        </p:spPr>
+        <p:txBody>
+          <a:bodyPr>
+            <a:normAutofit/>
+          </a:bodyPr>
+          <a:lstStyle/>
+          <a:p>
+            <a:pPr>
+              <a:spcAft>
+                <a:spcPts val="600"/>
+              </a:spcAft>
+            </a:pPr>
+            <a:fld id="{A6AF1B4E-90EC-4A51-B6E5-B702C054ECB0}" type="slidenum">
+              <a:rPr lang="en-US" smtClean="0"/>
+              <a:pPr>
+                <a:spcAft>
+                  <a:spcPts val="600"/>
+                </a:spcAft>
+              </a:pPr>
+              <a:t>10</a:t>
+            </a:fld>
+            <a:endParaRPr lang="en-US"/>
+          </a:p>
+        </p:txBody>
+      </p:sp>
+      <p:graphicFrame>
+        <p:nvGraphicFramePr>
+          <p:cNvPr id="8" name="Content Placeholder 2">
+            <a:extLst>
+              <a:ext uri="{FF2B5EF4-FFF2-40B4-BE49-F238E27FC236}">
+                <a16:creationId xmlns:a16="http://schemas.microsoft.com/office/drawing/2014/main" id="{EBB7A8B5-EEB2-411F-94C4-B455F351D43C}"/>
+              </a:ext>
+            </a:extLst>
+          </p:cNvPr>
+          <p:cNvGraphicFramePr>
+            <a:graphicFrameLocks noGrp="1"/>
+          </p:cNvGraphicFramePr>
+          <p:nvPr>
+            <p:ph idx="1"/>
+            <p:extLst>
+              <p:ext uri="{D42A27DB-BD31-4B8C-83A1-F6EECF244321}">
+                <p14:modId xmlns:p14="http://schemas.microsoft.com/office/powerpoint/2010/main" val="2285185925"/>
+              </p:ext>
+            </p:extLst>
+          </p:nvPr>
+        </p:nvGraphicFramePr>
+        <p:xfrm>
+          <a:off x="838201" y="1984443"/>
+          <a:ext cx="5257800" cy="4192520"/>
+        </p:xfrm>
+        <a:graphic>
+          <a:graphicData uri="http://schemas.openxmlformats.org/drawingml/2006/diagram">
+            <dgm:relIds xmlns:dgm="http://schemas.openxmlformats.org/drawingml/2006/diagram" xmlns:r="http://schemas.openxmlformats.org/officeDocument/2006/relationships" r:dm="rId5" r:lo="rId6" r:qs="rId7" r:cs="rId8"/>
+          </a:graphicData>
+        </a:graphic>
+      </p:graphicFrame>
+    </p:spTree>
+    <p:extLst>
+      <p:ext uri="{BB962C8B-B14F-4D97-AF65-F5344CB8AC3E}">
+        <p14:creationId xmlns:p14="http://schemas.microsoft.com/office/powerpoint/2010/main" val="2576891241"/>
+      </p:ext>
+    </p:extLst>
+  </p:cSld>
+  <p:clrMapOvr>
+    <a:masterClrMapping/>
+  </p:clrMapOvr>
+  <p:timing>
+    <p:tnLst>
+      <p:par>
+        <p:cTn id="1" dur="indefinite" restart="never" nodeType="tmRoot">
+          <p:childTnLst>
+            <p:seq concurrent="1" nextAc="seek">
+              <p:cTn id="2" dur="indefinite" nodeType="mainSeq">
+                <p:childTnLst>
+                  <p:par>
+                    <p:cTn id="3" fill="hold">
+                      <p:stCondLst>
+                        <p:cond delay="indefinite"/>
+                      </p:stCondLst>
+                      <p:childTnLst>
+                        <p:par>
+                          <p:cTn id="4" fill="hold">
+                            <p:stCondLst>
+                              <p:cond delay="0"/>
+                            </p:stCondLst>
+                            <p:childTnLst>
+                              <p:par>
+                                <p:cTn id="5" presetID="1" presetClass="entr" presetSubtype="0" fill="hold" grpId="0" nodeType="clickEffect">
+                                  <p:stCondLst>
+                                    <p:cond delay="0"/>
+                                  </p:stCondLst>
+                                  <p:childTnLst>
+                                    <p:set>
+                                      <p:cBhvr>
+                                        <p:cTn id="6" dur="1" fill="hold">
+                                          <p:stCondLst>
+                                            <p:cond delay="0"/>
+                                          </p:stCondLst>
+                                        </p:cTn>
+                                        <p:tgtEl>
+                                          <p:spTgt spid="8"/>
+                                        </p:tgtEl>
+                                        <p:attrNameLst>
+                                          <p:attrName>style.visibility</p:attrName>
+                                        </p:attrNameLst>
+                                      </p:cBhvr>
+                                      <p:to>
+                                        <p:strVal val="visible"/>
+                                      </p:to>
+                                    </p:set>
+                                  </p:childTnLst>
+                                </p:cTn>
+                              </p:par>
+                            </p:childTnLst>
+                          </p:cTn>
+                        </p:par>
+                      </p:childTnLst>
+                    </p:cTn>
+                  </p:par>
+                </p:childTnLst>
+              </p:cTn>
+              <p:prevCondLst>
+                <p:cond evt="onPrev" delay="0">
+                  <p:tgtEl>
+                    <p:sldTgt/>
+                  </p:tgtEl>
+                </p:cond>
+              </p:prevCondLst>
+              <p:nextCondLst>
+                <p:cond evt="onNext" delay="0">
+                  <p:tgtEl>
+                    <p:sldTgt/>
+                  </p:tgtEl>
+                </p:cond>
+              </p:nextCondLst>
+            </p:seq>
+          </p:childTnLst>
+        </p:cTn>
+      </p:par>
+    </p:tnLst>
+    <p:bldLst>
+      <p:bldGraphic spid="8" grpId="0">
+        <p:bldAsOne/>
+      </p:bldGraphic>
+    </p:bldLst>
+  </p:timing>
+</p:sld>
+</file>
+
+<file path=ppt/slides/slide11.xml><?xml version="1.0" encoding="utf-8"?>
+<p:sld xmlns:a="http://schemas.openxmlformats.org/drawingml/2006/main" xmlns:r="http://schemas.openxmlformats.org/officeDocument/2006/relationships" xmlns:p="http://schemas.openxmlformats.org/presentationml/2006/main">
+  <p:cSld>
+    <p:bg>
+      <p:bgPr>
+        <a:solidFill>
+          <a:schemeClr val="bg1"/>
+        </a:solidFill>
+        <a:effectLst/>
+      </p:bgPr>
+    </p:bg>
+    <p:spTree>
+      <p:nvGrpSpPr>
+        <p:cNvPr id="1" name=""/>
+        <p:cNvGrpSpPr/>
+        <p:nvPr/>
+      </p:nvGrpSpPr>
+      <p:grpSpPr>
+        <a:xfrm>
+          <a:off x="0" y="0"/>
+          <a:ext cx="0" cy="0"/>
+          <a:chOff x="0" y="0"/>
+          <a:chExt cx="0" cy="0"/>
+        </a:xfrm>
+      </p:grpSpPr>
+      <p:sp useBgFill="1">
+        <p:nvSpPr>
           <p:cNvPr id="10" name="Rectangle 9">
             <a:extLst>
               <a:ext uri="{FF2B5EF4-FFF2-40B4-BE49-F238E27FC236}">
@@ -22488,7 +23414,7 @@
                   <a:spcPts val="600"/>
                 </a:spcAft>
               </a:pPr>
-              <a:t>10</a:t>
+              <a:t>11</a:t>
             </a:fld>
             <a:endParaRPr lang="en-US">
               <a:solidFill>
@@ -22511,7 +23437,7 @@
 </p:sld>
 </file>
 
-<file path=ppt/slides/slide11.xml><?xml version="1.0" encoding="utf-8"?>
+<file path=ppt/slides/slide12.xml><?xml version="1.0" encoding="utf-8"?>
 <p:sld xmlns:a="http://schemas.openxmlformats.org/drawingml/2006/main" xmlns:r="http://schemas.openxmlformats.org/officeDocument/2006/relationships" xmlns:p="http://schemas.openxmlformats.org/presentationml/2006/main">
   <p:cSld>
     <p:bg>
@@ -22718,7 +23644,7 @@
                   <a:spcPts val="600"/>
                 </a:spcAft>
               </a:pPr>
-              <a:t>11</a:t>
+              <a:t>12</a:t>
             </a:fld>
             <a:endParaRPr lang="en-US"/>
           </a:p>
@@ -24041,7 +24967,7 @@
 </p:sld>
 </file>
 
-<file path=ppt/slides/slide12.xml><?xml version="1.0" encoding="utf-8"?>
+<file path=ppt/slides/slide13.xml><?xml version="1.0" encoding="utf-8"?>
 <p:sld xmlns:a="http://schemas.openxmlformats.org/drawingml/2006/main" xmlns:r="http://schemas.openxmlformats.org/officeDocument/2006/relationships" xmlns:p="http://schemas.openxmlformats.org/presentationml/2006/main">
   <p:cSld>
     <p:bg>
@@ -24315,7 +25241,7 @@
                   <a:spcPts val="600"/>
                 </a:spcAft>
               </a:pPr>
-              <a:t>12</a:t>
+              <a:t>13</a:t>
             </a:fld>
             <a:endParaRPr lang="en-US">
               <a:solidFill>
@@ -24373,7 +25299,7 @@
 </p:sld>
 </file>
 
-<file path=ppt/slides/slide13.xml><?xml version="1.0" encoding="utf-8"?>
+<file path=ppt/slides/slide14.xml><?xml version="1.0" encoding="utf-8"?>
 <p:sld xmlns:a="http://schemas.openxmlformats.org/drawingml/2006/main" xmlns:r="http://schemas.openxmlformats.org/officeDocument/2006/relationships" xmlns:p="http://schemas.openxmlformats.org/presentationml/2006/main">
   <p:cSld>
     <p:bg>
@@ -24463,7 +25389,7 @@
           <a:lstStyle/>
           <a:p>
             <a:r>
-              <a:rPr lang="en-US" sz="2000"/>
+              <a:rPr lang="en-US" sz="2000" dirty="0"/>
               <a:t>A search of statistics, trade journal articles, other articles, magazines, newspapers, books, and/or online sources for data or insight into the problem at hand.</a:t>
             </a:r>
           </a:p>
@@ -24741,7 +25667,7 @@
                   <a:spcPts val="600"/>
                 </a:spcAft>
               </a:pPr>
-              <a:t>13</a:t>
+              <a:t>14</a:t>
             </a:fld>
             <a:endParaRPr lang="en-US">
               <a:solidFill>
@@ -24761,10 +25687,146 @@
   <p:clrMapOvr>
     <a:masterClrMapping/>
   </p:clrMapOvr>
+  <p:timing>
+    <p:tnLst>
+      <p:par>
+        <p:cTn id="1" dur="indefinite" restart="never" nodeType="tmRoot">
+          <p:childTnLst>
+            <p:seq concurrent="1" nextAc="seek">
+              <p:cTn id="2" dur="indefinite" nodeType="mainSeq">
+                <p:childTnLst>
+                  <p:par>
+                    <p:cTn id="3" fill="hold">
+                      <p:stCondLst>
+                        <p:cond delay="indefinite"/>
+                      </p:stCondLst>
+                      <p:childTnLst>
+                        <p:par>
+                          <p:cTn id="4" fill="hold">
+                            <p:stCondLst>
+                              <p:cond delay="0"/>
+                            </p:stCondLst>
+                            <p:childTnLst>
+                              <p:par>
+                                <p:cTn id="5" presetID="2" presetClass="entr" presetSubtype="4" fill="hold" grpId="0" nodeType="clickEffect">
+                                  <p:stCondLst>
+                                    <p:cond delay="0"/>
+                                  </p:stCondLst>
+                                  <p:childTnLst>
+                                    <p:set>
+                                      <p:cBhvr>
+                                        <p:cTn id="6" dur="1" fill="hold">
+                                          <p:stCondLst>
+                                            <p:cond delay="0"/>
+                                          </p:stCondLst>
+                                        </p:cTn>
+                                        <p:tgtEl>
+                                          <p:spTgt spid="3">
+                                            <p:txEl>
+                                              <p:pRg st="0" end="0"/>
+                                            </p:txEl>
+                                          </p:spTgt>
+                                        </p:tgtEl>
+                                        <p:attrNameLst>
+                                          <p:attrName>style.visibility</p:attrName>
+                                        </p:attrNameLst>
+                                      </p:cBhvr>
+                                      <p:to>
+                                        <p:strVal val="visible"/>
+                                      </p:to>
+                                    </p:set>
+                                    <p:anim calcmode="lin" valueType="num">
+                                      <p:cBhvr additive="base">
+                                        <p:cTn id="7" dur="500" fill="hold"/>
+                                        <p:tgtEl>
+                                          <p:spTgt spid="3">
+                                            <p:txEl>
+                                              <p:pRg st="0" end="0"/>
+                                            </p:txEl>
+                                          </p:spTgt>
+                                        </p:tgtEl>
+                                        <p:attrNameLst>
+                                          <p:attrName>ppt_x</p:attrName>
+                                        </p:attrNameLst>
+                                      </p:cBhvr>
+                                      <p:tavLst>
+                                        <p:tav tm="0">
+                                          <p:val>
+                                            <p:strVal val="#ppt_x"/>
+                                          </p:val>
+                                        </p:tav>
+                                        <p:tav tm="100000">
+                                          <p:val>
+                                            <p:strVal val="#ppt_x"/>
+                                          </p:val>
+                                        </p:tav>
+                                      </p:tavLst>
+                                    </p:anim>
+                                    <p:anim calcmode="lin" valueType="num">
+                                      <p:cBhvr additive="base">
+                                        <p:cTn id="8" dur="500" fill="hold"/>
+                                        <p:tgtEl>
+                                          <p:spTgt spid="3">
+                                            <p:txEl>
+                                              <p:pRg st="0" end="0"/>
+                                            </p:txEl>
+                                          </p:spTgt>
+                                        </p:tgtEl>
+                                        <p:attrNameLst>
+                                          <p:attrName>ppt_y</p:attrName>
+                                        </p:attrNameLst>
+                                      </p:cBhvr>
+                                      <p:tavLst>
+                                        <p:tav tm="0">
+                                          <p:val>
+                                            <p:strVal val="1+#ppt_h/2"/>
+                                          </p:val>
+                                        </p:tav>
+                                        <p:tav tm="100000">
+                                          <p:val>
+                                            <p:strVal val="#ppt_y"/>
+                                          </p:val>
+                                        </p:tav>
+                                      </p:tavLst>
+                                    </p:anim>
+                                  </p:childTnLst>
+                                </p:cTn>
+                              </p:par>
+                            </p:childTnLst>
+                          </p:cTn>
+                        </p:par>
+                      </p:childTnLst>
+                    </p:cTn>
+                  </p:par>
+                </p:childTnLst>
+              </p:cTn>
+              <p:prevCondLst>
+                <p:cond evt="onPrev" delay="0">
+                  <p:tgtEl>
+                    <p:sldTgt/>
+                  </p:tgtEl>
+                </p:cond>
+              </p:prevCondLst>
+              <p:nextCondLst>
+                <p:cond evt="onNext" delay="0">
+                  <p:tgtEl>
+                    <p:sldTgt/>
+                  </p:tgtEl>
+                </p:cond>
+              </p:nextCondLst>
+            </p:seq>
+          </p:childTnLst>
+        </p:cTn>
+      </p:par>
+    </p:tnLst>
+    <p:bldLst>
+      <p:bldP spid="3" grpId="0" build="p"/>
+    </p:bldLst>
+  </p:timing>
 </p:sld>
 </file>
 
-<file path=ppt/slides/slide14.xml><?xml version="1.0" encoding="utf-8"?>
+<file path=ppt/slides/slide15.xml><?xml version="1.0" encoding="utf-8"?>
 <p:sld xmlns:a="http://schemas.openxmlformats.org/drawingml/2006/main" xmlns:r="http://schemas.openxmlformats.org/officeDocument/2006/relationships" xmlns:p="http://schemas.openxmlformats.org/presentationml/2006/main">
   <p:cSld>
     <p:bg>
@@ -24854,34 +25916,34 @@
           <a:lstStyle/>
           <a:p>
             <a:r>
-              <a:rPr lang="en-US" sz="2000"/>
+              <a:rPr lang="en-US" sz="2000" dirty="0"/>
               <a:t>Interviews with people knowledgeable about the general subject being investigated </a:t>
             </a:r>
           </a:p>
           <a:p>
             <a:r>
-              <a:rPr lang="en-US" sz="2000"/>
+              <a:rPr lang="en-US" sz="2000" dirty="0"/>
               <a:t>Some possibilities: </a:t>
             </a:r>
           </a:p>
           <a:p>
             <a:pPr lvl="1"/>
             <a:r>
-              <a:rPr lang="en-US" sz="2000"/>
+              <a:rPr lang="en-US" sz="2000" dirty="0"/>
               <a:t>Those who work with it (e.g., employees, consultants) </a:t>
             </a:r>
           </a:p>
           <a:p>
             <a:pPr lvl="1"/>
             <a:r>
-              <a:rPr lang="en-US" sz="2000"/>
+              <a:rPr lang="en-US" sz="2000" dirty="0"/>
               <a:t>Those who study (e.g., researchers, analysts)</a:t>
             </a:r>
           </a:p>
           <a:p>
             <a:pPr lvl="1"/>
             <a:r>
-              <a:rPr lang="en-US" sz="2000"/>
+              <a:rPr lang="en-US" sz="2000" dirty="0"/>
               <a:t>Those who live it (e.g., consumers)</a:t>
             </a:r>
           </a:p>
@@ -25159,7 +26221,7 @@
                   <a:spcPts val="600"/>
                 </a:spcAft>
               </a:pPr>
-              <a:t>14</a:t>
+              <a:t>15</a:t>
             </a:fld>
             <a:endParaRPr lang="en-US">
               <a:solidFill>
@@ -25179,10 +26241,564 @@
   <p:clrMapOvr>
     <a:masterClrMapping/>
   </p:clrMapOvr>
+  <p:timing>
+    <p:tnLst>
+      <p:par>
+        <p:cTn id="1" dur="indefinite" restart="never" nodeType="tmRoot">
+          <p:childTnLst>
+            <p:seq concurrent="1" nextAc="seek">
+              <p:cTn id="2" dur="indefinite" nodeType="mainSeq">
+                <p:childTnLst>
+                  <p:par>
+                    <p:cTn id="3" fill="hold">
+                      <p:stCondLst>
+                        <p:cond delay="indefinite"/>
+                      </p:stCondLst>
+                      <p:childTnLst>
+                        <p:par>
+                          <p:cTn id="4" fill="hold">
+                            <p:stCondLst>
+                              <p:cond delay="0"/>
+                            </p:stCondLst>
+                            <p:childTnLst>
+                              <p:par>
+                                <p:cTn id="5" presetID="42" presetClass="entr" presetSubtype="0" fill="hold" grpId="0" nodeType="clickEffect">
+                                  <p:stCondLst>
+                                    <p:cond delay="0"/>
+                                  </p:stCondLst>
+                                  <p:childTnLst>
+                                    <p:set>
+                                      <p:cBhvr>
+                                        <p:cTn id="6" dur="1" fill="hold">
+                                          <p:stCondLst>
+                                            <p:cond delay="0"/>
+                                          </p:stCondLst>
+                                        </p:cTn>
+                                        <p:tgtEl>
+                                          <p:spTgt spid="3">
+                                            <p:txEl>
+                                              <p:pRg st="0" end="0"/>
+                                            </p:txEl>
+                                          </p:spTgt>
+                                        </p:tgtEl>
+                                        <p:attrNameLst>
+                                          <p:attrName>style.visibility</p:attrName>
+                                        </p:attrNameLst>
+                                      </p:cBhvr>
+                                      <p:to>
+                                        <p:strVal val="visible"/>
+                                      </p:to>
+                                    </p:set>
+                                    <p:animEffect transition="in" filter="fade">
+                                      <p:cBhvr>
+                                        <p:cTn id="7" dur="1000"/>
+                                        <p:tgtEl>
+                                          <p:spTgt spid="3">
+                                            <p:txEl>
+                                              <p:pRg st="0" end="0"/>
+                                            </p:txEl>
+                                          </p:spTgt>
+                                        </p:tgtEl>
+                                      </p:cBhvr>
+                                    </p:animEffect>
+                                    <p:anim calcmode="lin" valueType="num">
+                                      <p:cBhvr>
+                                        <p:cTn id="8" dur="1000" fill="hold"/>
+                                        <p:tgtEl>
+                                          <p:spTgt spid="3">
+                                            <p:txEl>
+                                              <p:pRg st="0" end="0"/>
+                                            </p:txEl>
+                                          </p:spTgt>
+                                        </p:tgtEl>
+                                        <p:attrNameLst>
+                                          <p:attrName>ppt_x</p:attrName>
+                                        </p:attrNameLst>
+                                      </p:cBhvr>
+                                      <p:tavLst>
+                                        <p:tav tm="0">
+                                          <p:val>
+                                            <p:strVal val="#ppt_x"/>
+                                          </p:val>
+                                        </p:tav>
+                                        <p:tav tm="100000">
+                                          <p:val>
+                                            <p:strVal val="#ppt_x"/>
+                                          </p:val>
+                                        </p:tav>
+                                      </p:tavLst>
+                                    </p:anim>
+                                    <p:anim calcmode="lin" valueType="num">
+                                      <p:cBhvr>
+                                        <p:cTn id="9" dur="1000" fill="hold"/>
+                                        <p:tgtEl>
+                                          <p:spTgt spid="3">
+                                            <p:txEl>
+                                              <p:pRg st="0" end="0"/>
+                                            </p:txEl>
+                                          </p:spTgt>
+                                        </p:tgtEl>
+                                        <p:attrNameLst>
+                                          <p:attrName>ppt_y</p:attrName>
+                                        </p:attrNameLst>
+                                      </p:cBhvr>
+                                      <p:tavLst>
+                                        <p:tav tm="0">
+                                          <p:val>
+                                            <p:strVal val="#ppt_y+.1"/>
+                                          </p:val>
+                                        </p:tav>
+                                        <p:tav tm="100000">
+                                          <p:val>
+                                            <p:strVal val="#ppt_y"/>
+                                          </p:val>
+                                        </p:tav>
+                                      </p:tavLst>
+                                    </p:anim>
+                                  </p:childTnLst>
+                                </p:cTn>
+                              </p:par>
+                            </p:childTnLst>
+                          </p:cTn>
+                        </p:par>
+                      </p:childTnLst>
+                    </p:cTn>
+                  </p:par>
+                  <p:par>
+                    <p:cTn id="10" fill="hold">
+                      <p:stCondLst>
+                        <p:cond delay="indefinite"/>
+                      </p:stCondLst>
+                      <p:childTnLst>
+                        <p:par>
+                          <p:cTn id="11" fill="hold">
+                            <p:stCondLst>
+                              <p:cond delay="0"/>
+                            </p:stCondLst>
+                            <p:childTnLst>
+                              <p:par>
+                                <p:cTn id="12" presetID="42" presetClass="entr" presetSubtype="0" fill="hold" grpId="0" nodeType="clickEffect">
+                                  <p:stCondLst>
+                                    <p:cond delay="0"/>
+                                  </p:stCondLst>
+                                  <p:childTnLst>
+                                    <p:set>
+                                      <p:cBhvr>
+                                        <p:cTn id="13" dur="1" fill="hold">
+                                          <p:stCondLst>
+                                            <p:cond delay="0"/>
+                                          </p:stCondLst>
+                                        </p:cTn>
+                                        <p:tgtEl>
+                                          <p:spTgt spid="3">
+                                            <p:txEl>
+                                              <p:pRg st="1" end="1"/>
+                                            </p:txEl>
+                                          </p:spTgt>
+                                        </p:tgtEl>
+                                        <p:attrNameLst>
+                                          <p:attrName>style.visibility</p:attrName>
+                                        </p:attrNameLst>
+                                      </p:cBhvr>
+                                      <p:to>
+                                        <p:strVal val="visible"/>
+                                      </p:to>
+                                    </p:set>
+                                    <p:animEffect transition="in" filter="fade">
+                                      <p:cBhvr>
+                                        <p:cTn id="14" dur="1000"/>
+                                        <p:tgtEl>
+                                          <p:spTgt spid="3">
+                                            <p:txEl>
+                                              <p:pRg st="1" end="1"/>
+                                            </p:txEl>
+                                          </p:spTgt>
+                                        </p:tgtEl>
+                                      </p:cBhvr>
+                                    </p:animEffect>
+                                    <p:anim calcmode="lin" valueType="num">
+                                      <p:cBhvr>
+                                        <p:cTn id="15" dur="1000" fill="hold"/>
+                                        <p:tgtEl>
+                                          <p:spTgt spid="3">
+                                            <p:txEl>
+                                              <p:pRg st="1" end="1"/>
+                                            </p:txEl>
+                                          </p:spTgt>
+                                        </p:tgtEl>
+                                        <p:attrNameLst>
+                                          <p:attrName>ppt_x</p:attrName>
+                                        </p:attrNameLst>
+                                      </p:cBhvr>
+                                      <p:tavLst>
+                                        <p:tav tm="0">
+                                          <p:val>
+                                            <p:strVal val="#ppt_x"/>
+                                          </p:val>
+                                        </p:tav>
+                                        <p:tav tm="100000">
+                                          <p:val>
+                                            <p:strVal val="#ppt_x"/>
+                                          </p:val>
+                                        </p:tav>
+                                      </p:tavLst>
+                                    </p:anim>
+                                    <p:anim calcmode="lin" valueType="num">
+                                      <p:cBhvr>
+                                        <p:cTn id="16" dur="1000" fill="hold"/>
+                                        <p:tgtEl>
+                                          <p:spTgt spid="3">
+                                            <p:txEl>
+                                              <p:pRg st="1" end="1"/>
+                                            </p:txEl>
+                                          </p:spTgt>
+                                        </p:tgtEl>
+                                        <p:attrNameLst>
+                                          <p:attrName>ppt_y</p:attrName>
+                                        </p:attrNameLst>
+                                      </p:cBhvr>
+                                      <p:tavLst>
+                                        <p:tav tm="0">
+                                          <p:val>
+                                            <p:strVal val="#ppt_y+.1"/>
+                                          </p:val>
+                                        </p:tav>
+                                        <p:tav tm="100000">
+                                          <p:val>
+                                            <p:strVal val="#ppt_y"/>
+                                          </p:val>
+                                        </p:tav>
+                                      </p:tavLst>
+                                    </p:anim>
+                                  </p:childTnLst>
+                                </p:cTn>
+                              </p:par>
+                              <p:par>
+                                <p:cTn id="17" presetID="42" presetClass="entr" presetSubtype="0" fill="hold" grpId="0" nodeType="withEffect">
+                                  <p:stCondLst>
+                                    <p:cond delay="0"/>
+                                  </p:stCondLst>
+                                  <p:childTnLst>
+                                    <p:set>
+                                      <p:cBhvr>
+                                        <p:cTn id="18" dur="1" fill="hold">
+                                          <p:stCondLst>
+                                            <p:cond delay="0"/>
+                                          </p:stCondLst>
+                                        </p:cTn>
+                                        <p:tgtEl>
+                                          <p:spTgt spid="3">
+                                            <p:txEl>
+                                              <p:pRg st="2" end="2"/>
+                                            </p:txEl>
+                                          </p:spTgt>
+                                        </p:tgtEl>
+                                        <p:attrNameLst>
+                                          <p:attrName>style.visibility</p:attrName>
+                                        </p:attrNameLst>
+                                      </p:cBhvr>
+                                      <p:to>
+                                        <p:strVal val="visible"/>
+                                      </p:to>
+                                    </p:set>
+                                    <p:animEffect transition="in" filter="fade">
+                                      <p:cBhvr>
+                                        <p:cTn id="19" dur="1000"/>
+                                        <p:tgtEl>
+                                          <p:spTgt spid="3">
+                                            <p:txEl>
+                                              <p:pRg st="2" end="2"/>
+                                            </p:txEl>
+                                          </p:spTgt>
+                                        </p:tgtEl>
+                                      </p:cBhvr>
+                                    </p:animEffect>
+                                    <p:anim calcmode="lin" valueType="num">
+                                      <p:cBhvr>
+                                        <p:cTn id="20" dur="1000" fill="hold"/>
+                                        <p:tgtEl>
+                                          <p:spTgt spid="3">
+                                            <p:txEl>
+                                              <p:pRg st="2" end="2"/>
+                                            </p:txEl>
+                                          </p:spTgt>
+                                        </p:tgtEl>
+                                        <p:attrNameLst>
+                                          <p:attrName>ppt_x</p:attrName>
+                                        </p:attrNameLst>
+                                      </p:cBhvr>
+                                      <p:tavLst>
+                                        <p:tav tm="0">
+                                          <p:val>
+                                            <p:strVal val="#ppt_x"/>
+                                          </p:val>
+                                        </p:tav>
+                                        <p:tav tm="100000">
+                                          <p:val>
+                                            <p:strVal val="#ppt_x"/>
+                                          </p:val>
+                                        </p:tav>
+                                      </p:tavLst>
+                                    </p:anim>
+                                    <p:anim calcmode="lin" valueType="num">
+                                      <p:cBhvr>
+                                        <p:cTn id="21" dur="1000" fill="hold"/>
+                                        <p:tgtEl>
+                                          <p:spTgt spid="3">
+                                            <p:txEl>
+                                              <p:pRg st="2" end="2"/>
+                                            </p:txEl>
+                                          </p:spTgt>
+                                        </p:tgtEl>
+                                        <p:attrNameLst>
+                                          <p:attrName>ppt_y</p:attrName>
+                                        </p:attrNameLst>
+                                      </p:cBhvr>
+                                      <p:tavLst>
+                                        <p:tav tm="0">
+                                          <p:val>
+                                            <p:strVal val="#ppt_y+.1"/>
+                                          </p:val>
+                                        </p:tav>
+                                        <p:tav tm="100000">
+                                          <p:val>
+                                            <p:strVal val="#ppt_y"/>
+                                          </p:val>
+                                        </p:tav>
+                                      </p:tavLst>
+                                    </p:anim>
+                                  </p:childTnLst>
+                                </p:cTn>
+                              </p:par>
+                              <p:par>
+                                <p:cTn id="22" presetID="42" presetClass="entr" presetSubtype="0" fill="hold" grpId="0" nodeType="withEffect">
+                                  <p:stCondLst>
+                                    <p:cond delay="0"/>
+                                  </p:stCondLst>
+                                  <p:childTnLst>
+                                    <p:set>
+                                      <p:cBhvr>
+                                        <p:cTn id="23" dur="1" fill="hold">
+                                          <p:stCondLst>
+                                            <p:cond delay="0"/>
+                                          </p:stCondLst>
+                                        </p:cTn>
+                                        <p:tgtEl>
+                                          <p:spTgt spid="3">
+                                            <p:txEl>
+                                              <p:pRg st="3" end="3"/>
+                                            </p:txEl>
+                                          </p:spTgt>
+                                        </p:tgtEl>
+                                        <p:attrNameLst>
+                                          <p:attrName>style.visibility</p:attrName>
+                                        </p:attrNameLst>
+                                      </p:cBhvr>
+                                      <p:to>
+                                        <p:strVal val="visible"/>
+                                      </p:to>
+                                    </p:set>
+                                    <p:animEffect transition="in" filter="fade">
+                                      <p:cBhvr>
+                                        <p:cTn id="24" dur="1000"/>
+                                        <p:tgtEl>
+                                          <p:spTgt spid="3">
+                                            <p:txEl>
+                                              <p:pRg st="3" end="3"/>
+                                            </p:txEl>
+                                          </p:spTgt>
+                                        </p:tgtEl>
+                                      </p:cBhvr>
+                                    </p:animEffect>
+                                    <p:anim calcmode="lin" valueType="num">
+                                      <p:cBhvr>
+                                        <p:cTn id="25" dur="1000" fill="hold"/>
+                                        <p:tgtEl>
+                                          <p:spTgt spid="3">
+                                            <p:txEl>
+                                              <p:pRg st="3" end="3"/>
+                                            </p:txEl>
+                                          </p:spTgt>
+                                        </p:tgtEl>
+                                        <p:attrNameLst>
+                                          <p:attrName>ppt_x</p:attrName>
+                                        </p:attrNameLst>
+                                      </p:cBhvr>
+                                      <p:tavLst>
+                                        <p:tav tm="0">
+                                          <p:val>
+                                            <p:strVal val="#ppt_x"/>
+                                          </p:val>
+                                        </p:tav>
+                                        <p:tav tm="100000">
+                                          <p:val>
+                                            <p:strVal val="#ppt_x"/>
+                                          </p:val>
+                                        </p:tav>
+                                      </p:tavLst>
+                                    </p:anim>
+                                    <p:anim calcmode="lin" valueType="num">
+                                      <p:cBhvr>
+                                        <p:cTn id="26" dur="1000" fill="hold"/>
+                                        <p:tgtEl>
+                                          <p:spTgt spid="3">
+                                            <p:txEl>
+                                              <p:pRg st="3" end="3"/>
+                                            </p:txEl>
+                                          </p:spTgt>
+                                        </p:tgtEl>
+                                        <p:attrNameLst>
+                                          <p:attrName>ppt_y</p:attrName>
+                                        </p:attrNameLst>
+                                      </p:cBhvr>
+                                      <p:tavLst>
+                                        <p:tav tm="0">
+                                          <p:val>
+                                            <p:strVal val="#ppt_y+.1"/>
+                                          </p:val>
+                                        </p:tav>
+                                        <p:tav tm="100000">
+                                          <p:val>
+                                            <p:strVal val="#ppt_y"/>
+                                          </p:val>
+                                        </p:tav>
+                                      </p:tavLst>
+                                    </p:anim>
+                                  </p:childTnLst>
+                                </p:cTn>
+                              </p:par>
+                              <p:par>
+                                <p:cTn id="27" presetID="42" presetClass="entr" presetSubtype="0" fill="hold" grpId="0" nodeType="withEffect">
+                                  <p:stCondLst>
+                                    <p:cond delay="0"/>
+                                  </p:stCondLst>
+                                  <p:childTnLst>
+                                    <p:set>
+                                      <p:cBhvr>
+                                        <p:cTn id="28" dur="1" fill="hold">
+                                          <p:stCondLst>
+                                            <p:cond delay="0"/>
+                                          </p:stCondLst>
+                                        </p:cTn>
+                                        <p:tgtEl>
+                                          <p:spTgt spid="3">
+                                            <p:txEl>
+                                              <p:pRg st="4" end="4"/>
+                                            </p:txEl>
+                                          </p:spTgt>
+                                        </p:tgtEl>
+                                        <p:attrNameLst>
+                                          <p:attrName>style.visibility</p:attrName>
+                                        </p:attrNameLst>
+                                      </p:cBhvr>
+                                      <p:to>
+                                        <p:strVal val="visible"/>
+                                      </p:to>
+                                    </p:set>
+                                    <p:animEffect transition="in" filter="fade">
+                                      <p:cBhvr>
+                                        <p:cTn id="29" dur="1000"/>
+                                        <p:tgtEl>
+                                          <p:spTgt spid="3">
+                                            <p:txEl>
+                                              <p:pRg st="4" end="4"/>
+                                            </p:txEl>
+                                          </p:spTgt>
+                                        </p:tgtEl>
+                                      </p:cBhvr>
+                                    </p:animEffect>
+                                    <p:anim calcmode="lin" valueType="num">
+                                      <p:cBhvr>
+                                        <p:cTn id="30" dur="1000" fill="hold"/>
+                                        <p:tgtEl>
+                                          <p:spTgt spid="3">
+                                            <p:txEl>
+                                              <p:pRg st="4" end="4"/>
+                                            </p:txEl>
+                                          </p:spTgt>
+                                        </p:tgtEl>
+                                        <p:attrNameLst>
+                                          <p:attrName>ppt_x</p:attrName>
+                                        </p:attrNameLst>
+                                      </p:cBhvr>
+                                      <p:tavLst>
+                                        <p:tav tm="0">
+                                          <p:val>
+                                            <p:strVal val="#ppt_x"/>
+                                          </p:val>
+                                        </p:tav>
+                                        <p:tav tm="100000">
+                                          <p:val>
+                                            <p:strVal val="#ppt_x"/>
+                                          </p:val>
+                                        </p:tav>
+                                      </p:tavLst>
+                                    </p:anim>
+                                    <p:anim calcmode="lin" valueType="num">
+                                      <p:cBhvr>
+                                        <p:cTn id="31" dur="1000" fill="hold"/>
+                                        <p:tgtEl>
+                                          <p:spTgt spid="3">
+                                            <p:txEl>
+                                              <p:pRg st="4" end="4"/>
+                                            </p:txEl>
+                                          </p:spTgt>
+                                        </p:tgtEl>
+                                        <p:attrNameLst>
+                                          <p:attrName>ppt_y</p:attrName>
+                                        </p:attrNameLst>
+                                      </p:cBhvr>
+                                      <p:tavLst>
+                                        <p:tav tm="0">
+                                          <p:val>
+                                            <p:strVal val="#ppt_y+.1"/>
+                                          </p:val>
+                                        </p:tav>
+                                        <p:tav tm="100000">
+                                          <p:val>
+                                            <p:strVal val="#ppt_y"/>
+                                          </p:val>
+                                        </p:tav>
+                                      </p:tavLst>
+                                    </p:anim>
+                                  </p:childTnLst>
+                                </p:cTn>
+                              </p:par>
+                            </p:childTnLst>
+                          </p:cTn>
+                        </p:par>
+                      </p:childTnLst>
+                    </p:cTn>
+                  </p:par>
+                </p:childTnLst>
+              </p:cTn>
+              <p:prevCondLst>
+                <p:cond evt="onPrev" delay="0">
+                  <p:tgtEl>
+                    <p:sldTgt/>
+                  </p:tgtEl>
+                </p:cond>
+              </p:prevCondLst>
+              <p:nextCondLst>
+                <p:cond evt="onNext" delay="0">
+                  <p:tgtEl>
+                    <p:sldTgt/>
+                  </p:tgtEl>
+                </p:cond>
+              </p:nextCondLst>
+            </p:seq>
+          </p:childTnLst>
+        </p:cTn>
+      </p:par>
+    </p:tnLst>
+    <p:bldLst>
+      <p:bldP spid="3" grpId="0" build="p"/>
+    </p:bldLst>
+  </p:timing>
 </p:sld>
 </file>
 
-<file path=ppt/slides/slide15.xml><?xml version="1.0" encoding="utf-8"?>
+<file path=ppt/slides/slide16.xml><?xml version="1.0" encoding="utf-8"?>
 <p:sld xmlns:a="http://schemas.openxmlformats.org/drawingml/2006/main" xmlns:r="http://schemas.openxmlformats.org/officeDocument/2006/relationships" xmlns:p="http://schemas.openxmlformats.org/presentationml/2006/main">
   <p:cSld>
     <p:bg>
@@ -34265,7 +35881,7 @@
                   <a:spcPts val="600"/>
                 </a:spcAft>
               </a:pPr>
-              <a:t>15</a:t>
+              <a:t>16</a:t>
             </a:fld>
             <a:endParaRPr lang="en-US" sz="4400">
               <a:solidFill>
@@ -34505,7 +36121,7 @@
 </p:sld>
 </file>
 
-<file path=ppt/slides/slide16.xml><?xml version="1.0" encoding="utf-8"?>
+<file path=ppt/slides/slide17.xml><?xml version="1.0" encoding="utf-8"?>
 <p:sld xmlns:a="http://schemas.openxmlformats.org/drawingml/2006/main" xmlns:r="http://schemas.openxmlformats.org/officeDocument/2006/relationships" xmlns:p="http://schemas.openxmlformats.org/presentationml/2006/main">
   <p:cSld>
     <p:bg>
@@ -34946,7 +36562,7 @@
                   <a:spcPts val="600"/>
                 </a:spcAft>
               </a:pPr>
-              <a:t>16</a:t>
+              <a:t>17</a:t>
             </a:fld>
             <a:endParaRPr lang="en-US" sz="1100">
               <a:solidFill>
@@ -34969,7 +36585,7 @@
 </p:sld>
 </file>
 
-<file path=ppt/slides/slide17.xml><?xml version="1.0" encoding="utf-8"?>
+<file path=ppt/slides/slide18.xml><?xml version="1.0" encoding="utf-8"?>
 <p:sld xmlns:a="http://schemas.openxmlformats.org/drawingml/2006/main" xmlns:r="http://schemas.openxmlformats.org/officeDocument/2006/relationships" xmlns:p="http://schemas.openxmlformats.org/presentationml/2006/main">
   <p:cSld>
     <p:bg>
@@ -35350,7 +36966,7 @@
                   <a:spcPts val="600"/>
                 </a:spcAft>
               </a:pPr>
-              <a:t>17</a:t>
+              <a:t>18</a:t>
             </a:fld>
             <a:endParaRPr lang="en-US"/>
           </a:p>
@@ -35369,7 +36985,7 @@
 </p:sld>
 </file>
 
-<file path=ppt/slides/slide18.xml><?xml version="1.0" encoding="utf-8"?>
+<file path=ppt/slides/slide19.xml><?xml version="1.0" encoding="utf-8"?>
 <p:sld xmlns:a="http://schemas.openxmlformats.org/drawingml/2006/main" xmlns:r="http://schemas.openxmlformats.org/officeDocument/2006/relationships" xmlns:p="http://schemas.openxmlformats.org/presentationml/2006/main">
   <p:cSld>
     <p:bg>
@@ -35482,7 +37098,7 @@
                   <a:spcPts val="600"/>
                 </a:spcAft>
               </a:pPr>
-              <a:t>18</a:t>
+              <a:t>19</a:t>
             </a:fld>
             <a:endParaRPr lang="en-US" sz="1500">
               <a:solidFill>
@@ -35865,539 +37481,6 @@
     <p:extLst>
       <p:ext uri="{BB962C8B-B14F-4D97-AF65-F5344CB8AC3E}">
         <p14:creationId xmlns:p14="http://schemas.microsoft.com/office/powerpoint/2010/main" val="2530633381"/>
-      </p:ext>
-    </p:extLst>
-  </p:cSld>
-  <p:clrMapOvr>
-    <a:overrideClrMapping bg1="dk1" tx1="lt1" bg2="dk2" tx2="lt2" accent1="accent1" accent2="accent2" accent3="accent3" accent4="accent4" accent5="accent5" accent6="accent6" hlink="hlink" folHlink="folHlink"/>
-  </p:clrMapOvr>
-</p:sld>
-</file>
-
-<file path=ppt/slides/slide19.xml><?xml version="1.0" encoding="utf-8"?>
-<p:sld xmlns:a="http://schemas.openxmlformats.org/drawingml/2006/main" xmlns:r="http://schemas.openxmlformats.org/officeDocument/2006/relationships" xmlns:p="http://schemas.openxmlformats.org/presentationml/2006/main">
-  <p:cSld>
-    <p:bg>
-      <p:bgPr>
-        <a:solidFill>
-          <a:schemeClr val="bg1">
-            <a:tint val="95000"/>
-            <a:satMod val="170000"/>
-          </a:schemeClr>
-        </a:solidFill>
-        <a:effectLst/>
-      </p:bgPr>
-    </p:bg>
-    <p:spTree>
-      <p:nvGrpSpPr>
-        <p:cNvPr id="1" name=""/>
-        <p:cNvGrpSpPr/>
-        <p:nvPr/>
-      </p:nvGrpSpPr>
-      <p:grpSpPr>
-        <a:xfrm>
-          <a:off x="0" y="0"/>
-          <a:ext cx="0" cy="0"/>
-          <a:chOff x="0" y="0"/>
-          <a:chExt cx="0" cy="0"/>
-        </a:xfrm>
-      </p:grpSpPr>
-      <p:sp>
-        <p:nvSpPr>
-          <p:cNvPr id="2" name="Title 1">
-            <a:extLst>
-              <a:ext uri="{FF2B5EF4-FFF2-40B4-BE49-F238E27FC236}">
-                <a16:creationId xmlns:a16="http://schemas.microsoft.com/office/drawing/2014/main" id="{1AB5EC99-63BD-4909-BA36-E5C5E2E7114F}"/>
-              </a:ext>
-            </a:extLst>
-          </p:cNvPr>
-          <p:cNvSpPr>
-            <a:spLocks noGrp="1"/>
-          </p:cNvSpPr>
-          <p:nvPr>
-            <p:ph type="title"/>
-          </p:nvPr>
-        </p:nvSpPr>
-        <p:spPr>
-          <a:xfrm>
-            <a:off x="804673" y="1445494"/>
-            <a:ext cx="3616856" cy="4376572"/>
-          </a:xfrm>
-        </p:spPr>
-        <p:txBody>
-          <a:bodyPr anchor="ctr">
-            <a:normAutofit/>
-          </a:bodyPr>
-          <a:lstStyle/>
-          <a:p>
-            <a:r>
-              <a:rPr lang="en-US" dirty="0"/>
-              <a:t>Characteristics of Good Focus Group Moderators</a:t>
-            </a:r>
-          </a:p>
-        </p:txBody>
-      </p:sp>
-      <p:sp>
-        <p:nvSpPr>
-          <p:cNvPr id="6" name="Slide Number Placeholder 5">
-            <a:extLst>
-              <a:ext uri="{FF2B5EF4-FFF2-40B4-BE49-F238E27FC236}">
-                <a16:creationId xmlns:a16="http://schemas.microsoft.com/office/drawing/2014/main" id="{CA342F36-6652-4371-BD04-120BC32B289F}"/>
-              </a:ext>
-            </a:extLst>
-          </p:cNvPr>
-          <p:cNvSpPr>
-            <a:spLocks noGrp="1"/>
-          </p:cNvSpPr>
-          <p:nvPr>
-            <p:ph type="sldNum" sz="quarter" idx="12"/>
-          </p:nvPr>
-        </p:nvSpPr>
-        <p:spPr>
-          <a:xfrm>
-            <a:off x="804672" y="603504"/>
-            <a:ext cx="548640" cy="548640"/>
-          </a:xfrm>
-          <a:prstGeom prst="ellipse">
-            <a:avLst/>
-          </a:prstGeom>
-          <a:solidFill>
-            <a:srgbClr val="808080"/>
-          </a:solidFill>
-        </p:spPr>
-        <p:txBody>
-          <a:bodyPr>
-            <a:normAutofit/>
-          </a:bodyPr>
-          <a:lstStyle/>
-          <a:p>
-            <a:pPr algn="ctr">
-              <a:spcAft>
-                <a:spcPts val="600"/>
-              </a:spcAft>
-            </a:pPr>
-            <a:fld id="{A6AF1B4E-90EC-4A51-B6E5-B702C054ECB0}" type="slidenum">
-              <a:rPr lang="en-US" sz="1500">
-                <a:solidFill>
-                  <a:srgbClr val="FFFFFF"/>
-                </a:solidFill>
-              </a:rPr>
-              <a:pPr algn="ctr">
-                <a:spcAft>
-                  <a:spcPts val="600"/>
-                </a:spcAft>
-              </a:pPr>
-              <a:t>19</a:t>
-            </a:fld>
-            <a:endParaRPr lang="en-US" sz="1500">
-              <a:solidFill>
-                <a:srgbClr val="FFFFFF"/>
-              </a:solidFill>
-            </a:endParaRPr>
-          </a:p>
-        </p:txBody>
-      </p:sp>
-      <p:sp>
-        <p:nvSpPr>
-          <p:cNvPr id="11" name="Freeform: Shape 10">
-            <a:extLst>
-              <a:ext uri="{FF2B5EF4-FFF2-40B4-BE49-F238E27FC236}">
-                <a16:creationId xmlns:a16="http://schemas.microsoft.com/office/drawing/2014/main" id="{DFF2AC85-FAA0-4844-813F-83C04D7382E2}"/>
-              </a:ext>
-              <a:ext uri="{C183D7F6-B498-43B3-948B-1728B52AA6E4}">
-                <adec:decorative xmlns:adec="http://schemas.microsoft.com/office/drawing/2017/decorative" val="1"/>
-              </a:ext>
-            </a:extLst>
-          </p:cNvPr>
-          <p:cNvSpPr>
-            <a:spLocks noGrp="1" noRot="1" noChangeAspect="1" noMove="1" noResize="1" noEditPoints="1" noAdjustHandles="1" noChangeArrowheads="1" noChangeShapeType="1" noTextEdit="1"/>
-          </p:cNvSpPr>
-          <p:nvPr>
-            <p:extLst>
-              <p:ext uri="{386F3935-93C4-4BCD-93E2-E3B085C9AB24}">
-                <p16:designElem xmlns:p16="http://schemas.microsoft.com/office/powerpoint/2015/main" val="1"/>
-              </p:ext>
-            </p:extLst>
-          </p:nvPr>
-        </p:nvSpPr>
-        <p:spPr>
-          <a:xfrm>
-            <a:off x="4907636" y="0"/>
-            <a:ext cx="7281316" cy="6858000"/>
-          </a:xfrm>
-          <a:custGeom>
-            <a:avLst/>
-            <a:gdLst>
-              <a:gd name="connsiteX0" fmla="*/ 361354 w 7281316"/>
-              <a:gd name="connsiteY0" fmla="*/ 0 h 6858000"/>
-              <a:gd name="connsiteX1" fmla="*/ 7281316 w 7281316"/>
-              <a:gd name="connsiteY1" fmla="*/ 0 h 6858000"/>
-              <a:gd name="connsiteX2" fmla="*/ 7281316 w 7281316"/>
-              <a:gd name="connsiteY2" fmla="*/ 6858000 h 6858000"/>
-              <a:gd name="connsiteX3" fmla="*/ 696735 w 7281316"/>
-              <a:gd name="connsiteY3" fmla="*/ 6858000 h 6858000"/>
-              <a:gd name="connsiteX4" fmla="*/ 690849 w 7281316"/>
-              <a:gd name="connsiteY4" fmla="*/ 6842426 h 6858000"/>
-              <a:gd name="connsiteX5" fmla="*/ 335637 w 7281316"/>
-              <a:gd name="connsiteY5" fmla="*/ 94722 h 6858000"/>
-            </a:gdLst>
-            <a:ahLst/>
-            <a:cxnLst>
-              <a:cxn ang="0">
-                <a:pos x="connsiteX0" y="connsiteY0"/>
-              </a:cxn>
-              <a:cxn ang="0">
-                <a:pos x="connsiteX1" y="connsiteY1"/>
-              </a:cxn>
-              <a:cxn ang="0">
-                <a:pos x="connsiteX2" y="connsiteY2"/>
-              </a:cxn>
-              <a:cxn ang="0">
-                <a:pos x="connsiteX3" y="connsiteY3"/>
-              </a:cxn>
-              <a:cxn ang="0">
-                <a:pos x="connsiteX4" y="connsiteY4"/>
-              </a:cxn>
-              <a:cxn ang="0">
-                <a:pos x="connsiteX5" y="connsiteY5"/>
-              </a:cxn>
-            </a:cxnLst>
-            <a:rect l="l" t="t" r="r" b="b"/>
-            <a:pathLst>
-              <a:path w="7281316" h="6858000">
-                <a:moveTo>
-                  <a:pt x="361354" y="0"/>
-                </a:moveTo>
-                <a:lnTo>
-                  <a:pt x="7281316" y="0"/>
-                </a:lnTo>
-                <a:lnTo>
-                  <a:pt x="7281316" y="6858000"/>
-                </a:lnTo>
-                <a:lnTo>
-                  <a:pt x="696735" y="6858000"/>
-                </a:lnTo>
-                <a:lnTo>
-                  <a:pt x="690849" y="6842426"/>
-                </a:lnTo>
-                <a:cubicBezTo>
-                  <a:pt x="-65870" y="4704140"/>
-                  <a:pt x="-226206" y="2374054"/>
-                  <a:pt x="335637" y="94722"/>
-                </a:cubicBezTo>
-                <a:close/>
-              </a:path>
-            </a:pathLst>
-          </a:custGeom>
-          <a:solidFill>
-            <a:schemeClr val="tx1">
-              <a:alpha val="80000"/>
-            </a:schemeClr>
-          </a:solidFill>
-          <a:ln>
-            <a:noFill/>
-          </a:ln>
-        </p:spPr>
-        <p:style>
-          <a:lnRef idx="2">
-            <a:schemeClr val="accent1">
-              <a:shade val="50000"/>
-            </a:schemeClr>
-          </a:lnRef>
-          <a:fillRef idx="1">
-            <a:schemeClr val="accent1"/>
-          </a:fillRef>
-          <a:effectRef idx="0">
-            <a:schemeClr val="accent1"/>
-          </a:effectRef>
-          <a:fontRef idx="minor">
-            <a:schemeClr val="lt1"/>
-          </a:fontRef>
-        </p:style>
-        <p:txBody>
-          <a:bodyPr rtlCol="0" anchor="ctr"/>
-          <a:lstStyle/>
-          <a:p>
-            <a:pPr algn="ctr"/>
-            <a:endParaRPr lang="en-US"/>
-          </a:p>
-        </p:txBody>
-      </p:sp>
-      <p:sp>
-        <p:nvSpPr>
-          <p:cNvPr id="13" name="Freeform: Shape 12">
-            <a:extLst>
-              <a:ext uri="{FF2B5EF4-FFF2-40B4-BE49-F238E27FC236}">
-                <a16:creationId xmlns:a16="http://schemas.microsoft.com/office/drawing/2014/main" id="{89CC0F1E-BAA2-47B1-8F83-7ECB9FD9E009}"/>
-              </a:ext>
-              <a:ext uri="{C183D7F6-B498-43B3-948B-1728B52AA6E4}">
-                <adec:decorative xmlns:adec="http://schemas.microsoft.com/office/drawing/2017/decorative" val="1"/>
-              </a:ext>
-            </a:extLst>
-          </p:cNvPr>
-          <p:cNvSpPr>
-            <a:spLocks noGrp="1" noRot="1" noChangeAspect="1" noMove="1" noResize="1" noEditPoints="1" noAdjustHandles="1" noChangeArrowheads="1" noChangeShapeType="1" noTextEdit="1"/>
-          </p:cNvSpPr>
-          <p:nvPr>
-            <p:extLst>
-              <p:ext uri="{386F3935-93C4-4BCD-93E2-E3B085C9AB24}">
-                <p16:designElem xmlns:p16="http://schemas.microsoft.com/office/powerpoint/2015/main" val="1"/>
-              </p:ext>
-            </p:extLst>
-          </p:nvPr>
-        </p:nvSpPr>
-        <p:spPr>
-          <a:xfrm>
-            <a:off x="5189558" y="0"/>
-            <a:ext cx="6999394" cy="6858000"/>
-          </a:xfrm>
-          <a:custGeom>
-            <a:avLst/>
-            <a:gdLst>
-              <a:gd name="connsiteX0" fmla="*/ 6999394 w 6999394"/>
-              <a:gd name="connsiteY0" fmla="*/ 0 h 6858000"/>
-              <a:gd name="connsiteX1" fmla="*/ 6999394 w 6999394"/>
-              <a:gd name="connsiteY1" fmla="*/ 6858000 h 6858000"/>
-              <a:gd name="connsiteX2" fmla="*/ 717029 w 6999394"/>
-              <a:gd name="connsiteY2" fmla="*/ 6858000 h 6858000"/>
-              <a:gd name="connsiteX3" fmla="*/ 623642 w 6999394"/>
-              <a:gd name="connsiteY3" fmla="*/ 6599363 h 6858000"/>
-              <a:gd name="connsiteX4" fmla="*/ 319533 w 6999394"/>
-              <a:gd name="connsiteY4" fmla="*/ 193787 h 6858000"/>
-              <a:gd name="connsiteX5" fmla="*/ 371685 w 6999394"/>
-              <a:gd name="connsiteY5" fmla="*/ 1 h 6858000"/>
-            </a:gdLst>
-            <a:ahLst/>
-            <a:cxnLst>
-              <a:cxn ang="0">
-                <a:pos x="connsiteX0" y="connsiteY0"/>
-              </a:cxn>
-              <a:cxn ang="0">
-                <a:pos x="connsiteX1" y="connsiteY1"/>
-              </a:cxn>
-              <a:cxn ang="0">
-                <a:pos x="connsiteX2" y="connsiteY2"/>
-              </a:cxn>
-              <a:cxn ang="0">
-                <a:pos x="connsiteX3" y="connsiteY3"/>
-              </a:cxn>
-              <a:cxn ang="0">
-                <a:pos x="connsiteX4" y="connsiteY4"/>
-              </a:cxn>
-              <a:cxn ang="0">
-                <a:pos x="connsiteX5" y="connsiteY5"/>
-              </a:cxn>
-            </a:cxnLst>
-            <a:rect l="l" t="t" r="r" b="b"/>
-            <a:pathLst>
-              <a:path w="6999394" h="6858000">
-                <a:moveTo>
-                  <a:pt x="6999394" y="0"/>
-                </a:moveTo>
-                <a:lnTo>
-                  <a:pt x="6999394" y="6858000"/>
-                </a:lnTo>
-                <a:lnTo>
-                  <a:pt x="717029" y="6858000"/>
-                </a:lnTo>
-                <a:lnTo>
-                  <a:pt x="623642" y="6599363"/>
-                </a:lnTo>
-                <a:cubicBezTo>
-                  <a:pt x="-67685" y="4563346"/>
-                  <a:pt x="-206622" y="2355719"/>
-                  <a:pt x="319533" y="193787"/>
-                </a:cubicBezTo>
-                <a:lnTo>
-                  <a:pt x="371685" y="1"/>
-                </a:lnTo>
-                <a:close/>
-              </a:path>
-            </a:pathLst>
-          </a:custGeom>
-          <a:solidFill>
-            <a:schemeClr val="tx1">
-              <a:alpha val="80000"/>
-            </a:schemeClr>
-          </a:solidFill>
-          <a:ln>
-            <a:noFill/>
-          </a:ln>
-        </p:spPr>
-        <p:style>
-          <a:lnRef idx="2">
-            <a:schemeClr val="accent1">
-              <a:shade val="50000"/>
-            </a:schemeClr>
-          </a:lnRef>
-          <a:fillRef idx="1">
-            <a:schemeClr val="accent1"/>
-          </a:fillRef>
-          <a:effectRef idx="0">
-            <a:schemeClr val="accent1"/>
-          </a:effectRef>
-          <a:fontRef idx="minor">
-            <a:schemeClr val="lt1"/>
-          </a:fontRef>
-        </p:style>
-        <p:txBody>
-          <a:bodyPr rtlCol="0" anchor="ctr"/>
-          <a:lstStyle/>
-          <a:p>
-            <a:pPr algn="ctr"/>
-            <a:endParaRPr lang="en-US"/>
-          </a:p>
-        </p:txBody>
-      </p:sp>
-      <p:sp>
-        <p:nvSpPr>
-          <p:cNvPr id="3" name="Content Placeholder 2">
-            <a:extLst>
-              <a:ext uri="{FF2B5EF4-FFF2-40B4-BE49-F238E27FC236}">
-                <a16:creationId xmlns:a16="http://schemas.microsoft.com/office/drawing/2014/main" id="{A4CFFDB7-6C91-4F99-A47F-F021CEBBDEDA}"/>
-              </a:ext>
-            </a:extLst>
-          </p:cNvPr>
-          <p:cNvSpPr>
-            <a:spLocks noGrp="1"/>
-          </p:cNvSpPr>
-          <p:nvPr>
-            <p:ph idx="1"/>
-          </p:nvPr>
-        </p:nvSpPr>
-        <p:spPr>
-          <a:xfrm>
-            <a:off x="6096000" y="1399032"/>
-            <a:ext cx="5501834" cy="4471416"/>
-          </a:xfrm>
-        </p:spPr>
-        <p:txBody>
-          <a:bodyPr anchor="ctr">
-            <a:normAutofit/>
-          </a:bodyPr>
-          <a:lstStyle/>
-          <a:p>
-            <a:r>
-              <a:rPr lang="en-US" sz="2200">
-                <a:solidFill>
-                  <a:schemeClr val="bg1"/>
-                </a:solidFill>
-              </a:rPr>
-              <a:t>Superior listening ability </a:t>
-            </a:r>
-          </a:p>
-          <a:p>
-            <a:r>
-              <a:rPr lang="en-US" sz="2200">
-                <a:solidFill>
-                  <a:schemeClr val="bg1"/>
-                </a:solidFill>
-              </a:rPr>
-              <a:t>Excellent short-term auditory memory </a:t>
-            </a:r>
-          </a:p>
-          <a:p>
-            <a:r>
-              <a:rPr lang="en-US" sz="2200">
-                <a:solidFill>
-                  <a:schemeClr val="bg1"/>
-                </a:solidFill>
-              </a:rPr>
-              <a:t>Well organized </a:t>
-            </a:r>
-          </a:p>
-          <a:p>
-            <a:r>
-              <a:rPr lang="en-US" sz="2200">
-                <a:solidFill>
-                  <a:schemeClr val="bg1"/>
-                </a:solidFill>
-              </a:rPr>
-              <a:t>A quick learner</a:t>
-            </a:r>
-          </a:p>
-          <a:p>
-            <a:r>
-              <a:rPr lang="en-US" sz="2200">
-                <a:solidFill>
-                  <a:schemeClr val="bg1"/>
-                </a:solidFill>
-              </a:rPr>
-              <a:t>High energy level </a:t>
-            </a:r>
-          </a:p>
-          <a:p>
-            <a:r>
-              <a:rPr lang="en-US" sz="2200">
-                <a:solidFill>
-                  <a:schemeClr val="bg1"/>
-                </a:solidFill>
-              </a:rPr>
-              <a:t>Personable </a:t>
-            </a:r>
-          </a:p>
-          <a:p>
-            <a:r>
-              <a:rPr lang="en-US" sz="2200">
-                <a:solidFill>
-                  <a:schemeClr val="bg1"/>
-                </a:solidFill>
-              </a:rPr>
-              <a:t>Well-above-average intelligence </a:t>
-            </a:r>
-          </a:p>
-        </p:txBody>
-      </p:sp>
-      <p:sp>
-        <p:nvSpPr>
-          <p:cNvPr id="4" name="Footer Placeholder 3">
-            <a:extLst>
-              <a:ext uri="{FF2B5EF4-FFF2-40B4-BE49-F238E27FC236}">
-                <a16:creationId xmlns:a16="http://schemas.microsoft.com/office/drawing/2014/main" id="{2E6E4D3C-0824-49FB-8E32-0F9A4DAB3B7C}"/>
-              </a:ext>
-            </a:extLst>
-          </p:cNvPr>
-          <p:cNvSpPr>
-            <a:spLocks noGrp="1"/>
-          </p:cNvSpPr>
-          <p:nvPr>
-            <p:ph type="ftr" sz="quarter" idx="11"/>
-          </p:nvPr>
-        </p:nvSpPr>
-        <p:spPr>
-          <a:xfrm>
-            <a:off x="804670" y="6199632"/>
-            <a:ext cx="5010912" cy="365125"/>
-          </a:xfrm>
-        </p:spPr>
-        <p:txBody>
-          <a:bodyPr>
-            <a:normAutofit/>
-          </a:bodyPr>
-          <a:lstStyle/>
-          <a:p>
-            <a:pPr algn="l">
-              <a:spcAft>
-                <a:spcPts val="600"/>
-              </a:spcAft>
-            </a:pPr>
-            <a:r>
-              <a:rPr lang="en-US">
-                <a:solidFill>
-                  <a:schemeClr val="tx1">
-                    <a:alpha val="80000"/>
-                  </a:schemeClr>
-                </a:solidFill>
-              </a:rPr>
-              <a:t>Mike Nguyen</a:t>
-            </a:r>
-          </a:p>
-        </p:txBody>
-      </p:sp>
-    </p:spTree>
-    <p:extLst>
-      <p:ext uri="{BB962C8B-B14F-4D97-AF65-F5344CB8AC3E}">
-        <p14:creationId xmlns:p14="http://schemas.microsoft.com/office/powerpoint/2010/main" val="1075283394"/>
       </p:ext>
     </p:extLst>
   </p:cSld>
@@ -37966,6 +39049,539 @@
           <p:cNvPr id="2" name="Title 1">
             <a:extLst>
               <a:ext uri="{FF2B5EF4-FFF2-40B4-BE49-F238E27FC236}">
+                <a16:creationId xmlns:a16="http://schemas.microsoft.com/office/drawing/2014/main" id="{1AB5EC99-63BD-4909-BA36-E5C5E2E7114F}"/>
+              </a:ext>
+            </a:extLst>
+          </p:cNvPr>
+          <p:cNvSpPr>
+            <a:spLocks noGrp="1"/>
+          </p:cNvSpPr>
+          <p:nvPr>
+            <p:ph type="title"/>
+          </p:nvPr>
+        </p:nvSpPr>
+        <p:spPr>
+          <a:xfrm>
+            <a:off x="804673" y="1445494"/>
+            <a:ext cx="3616856" cy="4376572"/>
+          </a:xfrm>
+        </p:spPr>
+        <p:txBody>
+          <a:bodyPr anchor="ctr">
+            <a:normAutofit/>
+          </a:bodyPr>
+          <a:lstStyle/>
+          <a:p>
+            <a:r>
+              <a:rPr lang="en-US" dirty="0"/>
+              <a:t>Characteristics of Good Focus Group Moderators</a:t>
+            </a:r>
+          </a:p>
+        </p:txBody>
+      </p:sp>
+      <p:sp>
+        <p:nvSpPr>
+          <p:cNvPr id="6" name="Slide Number Placeholder 5">
+            <a:extLst>
+              <a:ext uri="{FF2B5EF4-FFF2-40B4-BE49-F238E27FC236}">
+                <a16:creationId xmlns:a16="http://schemas.microsoft.com/office/drawing/2014/main" id="{CA342F36-6652-4371-BD04-120BC32B289F}"/>
+              </a:ext>
+            </a:extLst>
+          </p:cNvPr>
+          <p:cNvSpPr>
+            <a:spLocks noGrp="1"/>
+          </p:cNvSpPr>
+          <p:nvPr>
+            <p:ph type="sldNum" sz="quarter" idx="12"/>
+          </p:nvPr>
+        </p:nvSpPr>
+        <p:spPr>
+          <a:xfrm>
+            <a:off x="804672" y="603504"/>
+            <a:ext cx="548640" cy="548640"/>
+          </a:xfrm>
+          <a:prstGeom prst="ellipse">
+            <a:avLst/>
+          </a:prstGeom>
+          <a:solidFill>
+            <a:srgbClr val="808080"/>
+          </a:solidFill>
+        </p:spPr>
+        <p:txBody>
+          <a:bodyPr>
+            <a:normAutofit/>
+          </a:bodyPr>
+          <a:lstStyle/>
+          <a:p>
+            <a:pPr algn="ctr">
+              <a:spcAft>
+                <a:spcPts val="600"/>
+              </a:spcAft>
+            </a:pPr>
+            <a:fld id="{A6AF1B4E-90EC-4A51-B6E5-B702C054ECB0}" type="slidenum">
+              <a:rPr lang="en-US" sz="1500">
+                <a:solidFill>
+                  <a:srgbClr val="FFFFFF"/>
+                </a:solidFill>
+              </a:rPr>
+              <a:pPr algn="ctr">
+                <a:spcAft>
+                  <a:spcPts val="600"/>
+                </a:spcAft>
+              </a:pPr>
+              <a:t>20</a:t>
+            </a:fld>
+            <a:endParaRPr lang="en-US" sz="1500">
+              <a:solidFill>
+                <a:srgbClr val="FFFFFF"/>
+              </a:solidFill>
+            </a:endParaRPr>
+          </a:p>
+        </p:txBody>
+      </p:sp>
+      <p:sp>
+        <p:nvSpPr>
+          <p:cNvPr id="11" name="Freeform: Shape 10">
+            <a:extLst>
+              <a:ext uri="{FF2B5EF4-FFF2-40B4-BE49-F238E27FC236}">
+                <a16:creationId xmlns:a16="http://schemas.microsoft.com/office/drawing/2014/main" id="{DFF2AC85-FAA0-4844-813F-83C04D7382E2}"/>
+              </a:ext>
+              <a:ext uri="{C183D7F6-B498-43B3-948B-1728B52AA6E4}">
+                <adec:decorative xmlns:adec="http://schemas.microsoft.com/office/drawing/2017/decorative" val="1"/>
+              </a:ext>
+            </a:extLst>
+          </p:cNvPr>
+          <p:cNvSpPr>
+            <a:spLocks noGrp="1" noRot="1" noChangeAspect="1" noMove="1" noResize="1" noEditPoints="1" noAdjustHandles="1" noChangeArrowheads="1" noChangeShapeType="1" noTextEdit="1"/>
+          </p:cNvSpPr>
+          <p:nvPr>
+            <p:extLst>
+              <p:ext uri="{386F3935-93C4-4BCD-93E2-E3B085C9AB24}">
+                <p16:designElem xmlns:p16="http://schemas.microsoft.com/office/powerpoint/2015/main" val="1"/>
+              </p:ext>
+            </p:extLst>
+          </p:nvPr>
+        </p:nvSpPr>
+        <p:spPr>
+          <a:xfrm>
+            <a:off x="4907636" y="0"/>
+            <a:ext cx="7281316" cy="6858000"/>
+          </a:xfrm>
+          <a:custGeom>
+            <a:avLst/>
+            <a:gdLst>
+              <a:gd name="connsiteX0" fmla="*/ 361354 w 7281316"/>
+              <a:gd name="connsiteY0" fmla="*/ 0 h 6858000"/>
+              <a:gd name="connsiteX1" fmla="*/ 7281316 w 7281316"/>
+              <a:gd name="connsiteY1" fmla="*/ 0 h 6858000"/>
+              <a:gd name="connsiteX2" fmla="*/ 7281316 w 7281316"/>
+              <a:gd name="connsiteY2" fmla="*/ 6858000 h 6858000"/>
+              <a:gd name="connsiteX3" fmla="*/ 696735 w 7281316"/>
+              <a:gd name="connsiteY3" fmla="*/ 6858000 h 6858000"/>
+              <a:gd name="connsiteX4" fmla="*/ 690849 w 7281316"/>
+              <a:gd name="connsiteY4" fmla="*/ 6842426 h 6858000"/>
+              <a:gd name="connsiteX5" fmla="*/ 335637 w 7281316"/>
+              <a:gd name="connsiteY5" fmla="*/ 94722 h 6858000"/>
+            </a:gdLst>
+            <a:ahLst/>
+            <a:cxnLst>
+              <a:cxn ang="0">
+                <a:pos x="connsiteX0" y="connsiteY0"/>
+              </a:cxn>
+              <a:cxn ang="0">
+                <a:pos x="connsiteX1" y="connsiteY1"/>
+              </a:cxn>
+              <a:cxn ang="0">
+                <a:pos x="connsiteX2" y="connsiteY2"/>
+              </a:cxn>
+              <a:cxn ang="0">
+                <a:pos x="connsiteX3" y="connsiteY3"/>
+              </a:cxn>
+              <a:cxn ang="0">
+                <a:pos x="connsiteX4" y="connsiteY4"/>
+              </a:cxn>
+              <a:cxn ang="0">
+                <a:pos x="connsiteX5" y="connsiteY5"/>
+              </a:cxn>
+            </a:cxnLst>
+            <a:rect l="l" t="t" r="r" b="b"/>
+            <a:pathLst>
+              <a:path w="7281316" h="6858000">
+                <a:moveTo>
+                  <a:pt x="361354" y="0"/>
+                </a:moveTo>
+                <a:lnTo>
+                  <a:pt x="7281316" y="0"/>
+                </a:lnTo>
+                <a:lnTo>
+                  <a:pt x="7281316" y="6858000"/>
+                </a:lnTo>
+                <a:lnTo>
+                  <a:pt x="696735" y="6858000"/>
+                </a:lnTo>
+                <a:lnTo>
+                  <a:pt x="690849" y="6842426"/>
+                </a:lnTo>
+                <a:cubicBezTo>
+                  <a:pt x="-65870" y="4704140"/>
+                  <a:pt x="-226206" y="2374054"/>
+                  <a:pt x="335637" y="94722"/>
+                </a:cubicBezTo>
+                <a:close/>
+              </a:path>
+            </a:pathLst>
+          </a:custGeom>
+          <a:solidFill>
+            <a:schemeClr val="tx1">
+              <a:alpha val="80000"/>
+            </a:schemeClr>
+          </a:solidFill>
+          <a:ln>
+            <a:noFill/>
+          </a:ln>
+        </p:spPr>
+        <p:style>
+          <a:lnRef idx="2">
+            <a:schemeClr val="accent1">
+              <a:shade val="50000"/>
+            </a:schemeClr>
+          </a:lnRef>
+          <a:fillRef idx="1">
+            <a:schemeClr val="accent1"/>
+          </a:fillRef>
+          <a:effectRef idx="0">
+            <a:schemeClr val="accent1"/>
+          </a:effectRef>
+          <a:fontRef idx="minor">
+            <a:schemeClr val="lt1"/>
+          </a:fontRef>
+        </p:style>
+        <p:txBody>
+          <a:bodyPr rtlCol="0" anchor="ctr"/>
+          <a:lstStyle/>
+          <a:p>
+            <a:pPr algn="ctr"/>
+            <a:endParaRPr lang="en-US"/>
+          </a:p>
+        </p:txBody>
+      </p:sp>
+      <p:sp>
+        <p:nvSpPr>
+          <p:cNvPr id="13" name="Freeform: Shape 12">
+            <a:extLst>
+              <a:ext uri="{FF2B5EF4-FFF2-40B4-BE49-F238E27FC236}">
+                <a16:creationId xmlns:a16="http://schemas.microsoft.com/office/drawing/2014/main" id="{89CC0F1E-BAA2-47B1-8F83-7ECB9FD9E009}"/>
+              </a:ext>
+              <a:ext uri="{C183D7F6-B498-43B3-948B-1728B52AA6E4}">
+                <adec:decorative xmlns:adec="http://schemas.microsoft.com/office/drawing/2017/decorative" val="1"/>
+              </a:ext>
+            </a:extLst>
+          </p:cNvPr>
+          <p:cNvSpPr>
+            <a:spLocks noGrp="1" noRot="1" noChangeAspect="1" noMove="1" noResize="1" noEditPoints="1" noAdjustHandles="1" noChangeArrowheads="1" noChangeShapeType="1" noTextEdit="1"/>
+          </p:cNvSpPr>
+          <p:nvPr>
+            <p:extLst>
+              <p:ext uri="{386F3935-93C4-4BCD-93E2-E3B085C9AB24}">
+                <p16:designElem xmlns:p16="http://schemas.microsoft.com/office/powerpoint/2015/main" val="1"/>
+              </p:ext>
+            </p:extLst>
+          </p:nvPr>
+        </p:nvSpPr>
+        <p:spPr>
+          <a:xfrm>
+            <a:off x="5189558" y="0"/>
+            <a:ext cx="6999394" cy="6858000"/>
+          </a:xfrm>
+          <a:custGeom>
+            <a:avLst/>
+            <a:gdLst>
+              <a:gd name="connsiteX0" fmla="*/ 6999394 w 6999394"/>
+              <a:gd name="connsiteY0" fmla="*/ 0 h 6858000"/>
+              <a:gd name="connsiteX1" fmla="*/ 6999394 w 6999394"/>
+              <a:gd name="connsiteY1" fmla="*/ 6858000 h 6858000"/>
+              <a:gd name="connsiteX2" fmla="*/ 717029 w 6999394"/>
+              <a:gd name="connsiteY2" fmla="*/ 6858000 h 6858000"/>
+              <a:gd name="connsiteX3" fmla="*/ 623642 w 6999394"/>
+              <a:gd name="connsiteY3" fmla="*/ 6599363 h 6858000"/>
+              <a:gd name="connsiteX4" fmla="*/ 319533 w 6999394"/>
+              <a:gd name="connsiteY4" fmla="*/ 193787 h 6858000"/>
+              <a:gd name="connsiteX5" fmla="*/ 371685 w 6999394"/>
+              <a:gd name="connsiteY5" fmla="*/ 1 h 6858000"/>
+            </a:gdLst>
+            <a:ahLst/>
+            <a:cxnLst>
+              <a:cxn ang="0">
+                <a:pos x="connsiteX0" y="connsiteY0"/>
+              </a:cxn>
+              <a:cxn ang="0">
+                <a:pos x="connsiteX1" y="connsiteY1"/>
+              </a:cxn>
+              <a:cxn ang="0">
+                <a:pos x="connsiteX2" y="connsiteY2"/>
+              </a:cxn>
+              <a:cxn ang="0">
+                <a:pos x="connsiteX3" y="connsiteY3"/>
+              </a:cxn>
+              <a:cxn ang="0">
+                <a:pos x="connsiteX4" y="connsiteY4"/>
+              </a:cxn>
+              <a:cxn ang="0">
+                <a:pos x="connsiteX5" y="connsiteY5"/>
+              </a:cxn>
+            </a:cxnLst>
+            <a:rect l="l" t="t" r="r" b="b"/>
+            <a:pathLst>
+              <a:path w="6999394" h="6858000">
+                <a:moveTo>
+                  <a:pt x="6999394" y="0"/>
+                </a:moveTo>
+                <a:lnTo>
+                  <a:pt x="6999394" y="6858000"/>
+                </a:lnTo>
+                <a:lnTo>
+                  <a:pt x="717029" y="6858000"/>
+                </a:lnTo>
+                <a:lnTo>
+                  <a:pt x="623642" y="6599363"/>
+                </a:lnTo>
+                <a:cubicBezTo>
+                  <a:pt x="-67685" y="4563346"/>
+                  <a:pt x="-206622" y="2355719"/>
+                  <a:pt x="319533" y="193787"/>
+                </a:cubicBezTo>
+                <a:lnTo>
+                  <a:pt x="371685" y="1"/>
+                </a:lnTo>
+                <a:close/>
+              </a:path>
+            </a:pathLst>
+          </a:custGeom>
+          <a:solidFill>
+            <a:schemeClr val="tx1">
+              <a:alpha val="80000"/>
+            </a:schemeClr>
+          </a:solidFill>
+          <a:ln>
+            <a:noFill/>
+          </a:ln>
+        </p:spPr>
+        <p:style>
+          <a:lnRef idx="2">
+            <a:schemeClr val="accent1">
+              <a:shade val="50000"/>
+            </a:schemeClr>
+          </a:lnRef>
+          <a:fillRef idx="1">
+            <a:schemeClr val="accent1"/>
+          </a:fillRef>
+          <a:effectRef idx="0">
+            <a:schemeClr val="accent1"/>
+          </a:effectRef>
+          <a:fontRef idx="minor">
+            <a:schemeClr val="lt1"/>
+          </a:fontRef>
+        </p:style>
+        <p:txBody>
+          <a:bodyPr rtlCol="0" anchor="ctr"/>
+          <a:lstStyle/>
+          <a:p>
+            <a:pPr algn="ctr"/>
+            <a:endParaRPr lang="en-US"/>
+          </a:p>
+        </p:txBody>
+      </p:sp>
+      <p:sp>
+        <p:nvSpPr>
+          <p:cNvPr id="3" name="Content Placeholder 2">
+            <a:extLst>
+              <a:ext uri="{FF2B5EF4-FFF2-40B4-BE49-F238E27FC236}">
+                <a16:creationId xmlns:a16="http://schemas.microsoft.com/office/drawing/2014/main" id="{A4CFFDB7-6C91-4F99-A47F-F021CEBBDEDA}"/>
+              </a:ext>
+            </a:extLst>
+          </p:cNvPr>
+          <p:cNvSpPr>
+            <a:spLocks noGrp="1"/>
+          </p:cNvSpPr>
+          <p:nvPr>
+            <p:ph idx="1"/>
+          </p:nvPr>
+        </p:nvSpPr>
+        <p:spPr>
+          <a:xfrm>
+            <a:off x="6096000" y="1399032"/>
+            <a:ext cx="5501834" cy="4471416"/>
+          </a:xfrm>
+        </p:spPr>
+        <p:txBody>
+          <a:bodyPr anchor="ctr">
+            <a:normAutofit/>
+          </a:bodyPr>
+          <a:lstStyle/>
+          <a:p>
+            <a:r>
+              <a:rPr lang="en-US" sz="2200">
+                <a:solidFill>
+                  <a:schemeClr val="bg1"/>
+                </a:solidFill>
+              </a:rPr>
+              <a:t>Superior listening ability </a:t>
+            </a:r>
+          </a:p>
+          <a:p>
+            <a:r>
+              <a:rPr lang="en-US" sz="2200">
+                <a:solidFill>
+                  <a:schemeClr val="bg1"/>
+                </a:solidFill>
+              </a:rPr>
+              <a:t>Excellent short-term auditory memory </a:t>
+            </a:r>
+          </a:p>
+          <a:p>
+            <a:r>
+              <a:rPr lang="en-US" sz="2200">
+                <a:solidFill>
+                  <a:schemeClr val="bg1"/>
+                </a:solidFill>
+              </a:rPr>
+              <a:t>Well organized </a:t>
+            </a:r>
+          </a:p>
+          <a:p>
+            <a:r>
+              <a:rPr lang="en-US" sz="2200">
+                <a:solidFill>
+                  <a:schemeClr val="bg1"/>
+                </a:solidFill>
+              </a:rPr>
+              <a:t>A quick learner</a:t>
+            </a:r>
+          </a:p>
+          <a:p>
+            <a:r>
+              <a:rPr lang="en-US" sz="2200">
+                <a:solidFill>
+                  <a:schemeClr val="bg1"/>
+                </a:solidFill>
+              </a:rPr>
+              <a:t>High energy level </a:t>
+            </a:r>
+          </a:p>
+          <a:p>
+            <a:r>
+              <a:rPr lang="en-US" sz="2200">
+                <a:solidFill>
+                  <a:schemeClr val="bg1"/>
+                </a:solidFill>
+              </a:rPr>
+              <a:t>Personable </a:t>
+            </a:r>
+          </a:p>
+          <a:p>
+            <a:r>
+              <a:rPr lang="en-US" sz="2200">
+                <a:solidFill>
+                  <a:schemeClr val="bg1"/>
+                </a:solidFill>
+              </a:rPr>
+              <a:t>Well-above-average intelligence </a:t>
+            </a:r>
+          </a:p>
+        </p:txBody>
+      </p:sp>
+      <p:sp>
+        <p:nvSpPr>
+          <p:cNvPr id="4" name="Footer Placeholder 3">
+            <a:extLst>
+              <a:ext uri="{FF2B5EF4-FFF2-40B4-BE49-F238E27FC236}">
+                <a16:creationId xmlns:a16="http://schemas.microsoft.com/office/drawing/2014/main" id="{2E6E4D3C-0824-49FB-8E32-0F9A4DAB3B7C}"/>
+              </a:ext>
+            </a:extLst>
+          </p:cNvPr>
+          <p:cNvSpPr>
+            <a:spLocks noGrp="1"/>
+          </p:cNvSpPr>
+          <p:nvPr>
+            <p:ph type="ftr" sz="quarter" idx="11"/>
+          </p:nvPr>
+        </p:nvSpPr>
+        <p:spPr>
+          <a:xfrm>
+            <a:off x="804670" y="6199632"/>
+            <a:ext cx="5010912" cy="365125"/>
+          </a:xfrm>
+        </p:spPr>
+        <p:txBody>
+          <a:bodyPr>
+            <a:normAutofit/>
+          </a:bodyPr>
+          <a:lstStyle/>
+          <a:p>
+            <a:pPr algn="l">
+              <a:spcAft>
+                <a:spcPts val="600"/>
+              </a:spcAft>
+            </a:pPr>
+            <a:r>
+              <a:rPr lang="en-US">
+                <a:solidFill>
+                  <a:schemeClr val="tx1">
+                    <a:alpha val="80000"/>
+                  </a:schemeClr>
+                </a:solidFill>
+              </a:rPr>
+              <a:t>Mike Nguyen</a:t>
+            </a:r>
+          </a:p>
+        </p:txBody>
+      </p:sp>
+    </p:spTree>
+    <p:extLst>
+      <p:ext uri="{BB962C8B-B14F-4D97-AF65-F5344CB8AC3E}">
+        <p14:creationId xmlns:p14="http://schemas.microsoft.com/office/powerpoint/2010/main" val="1075283394"/>
+      </p:ext>
+    </p:extLst>
+  </p:cSld>
+  <p:clrMapOvr>
+    <a:overrideClrMapping bg1="dk1" tx1="lt1" bg2="dk2" tx2="lt2" accent1="accent1" accent2="accent2" accent3="accent3" accent4="accent4" accent5="accent5" accent6="accent6" hlink="hlink" folHlink="folHlink"/>
+  </p:clrMapOvr>
+</p:sld>
+</file>
+
+<file path=ppt/slides/slide21.xml><?xml version="1.0" encoding="utf-8"?>
+<p:sld xmlns:a="http://schemas.openxmlformats.org/drawingml/2006/main" xmlns:r="http://schemas.openxmlformats.org/officeDocument/2006/relationships" xmlns:p="http://schemas.openxmlformats.org/presentationml/2006/main">
+  <p:cSld>
+    <p:bg>
+      <p:bgPr>
+        <a:solidFill>
+          <a:schemeClr val="bg1">
+            <a:tint val="95000"/>
+            <a:satMod val="170000"/>
+          </a:schemeClr>
+        </a:solidFill>
+        <a:effectLst/>
+      </p:bgPr>
+    </p:bg>
+    <p:spTree>
+      <p:nvGrpSpPr>
+        <p:cNvPr id="1" name=""/>
+        <p:cNvGrpSpPr/>
+        <p:nvPr/>
+      </p:nvGrpSpPr>
+      <p:grpSpPr>
+        <a:xfrm>
+          <a:off x="0" y="0"/>
+          <a:ext cx="0" cy="0"/>
+          <a:chOff x="0" y="0"/>
+          <a:chExt cx="0" cy="0"/>
+        </a:xfrm>
+      </p:grpSpPr>
+      <p:sp>
+        <p:nvSpPr>
+          <p:cNvPr id="2" name="Title 1">
+            <a:extLst>
+              <a:ext uri="{FF2B5EF4-FFF2-40B4-BE49-F238E27FC236}">
                 <a16:creationId xmlns:a16="http://schemas.microsoft.com/office/drawing/2014/main" id="{27DAB322-EC89-4993-981B-BF3B0ABC6297}"/>
               </a:ext>
             </a:extLst>
@@ -38046,7 +39662,7 @@
                   <a:spcPts val="600"/>
                 </a:spcAft>
               </a:pPr>
-              <a:t>20</a:t>
+              <a:t>21</a:t>
             </a:fld>
             <a:endParaRPr lang="en-US" sz="1500">
               <a:solidFill>
@@ -38416,7 +40032,7 @@
 </p:sld>
 </file>
 
-<file path=ppt/slides/slide21.xml><?xml version="1.0" encoding="utf-8"?>
+<file path=ppt/slides/slide22.xml><?xml version="1.0" encoding="utf-8"?>
 <p:sld xmlns:a="http://schemas.openxmlformats.org/drawingml/2006/main" xmlns:r="http://schemas.openxmlformats.org/officeDocument/2006/relationships" xmlns:p="http://schemas.openxmlformats.org/presentationml/2006/main" show="0">
   <p:cSld>
     <p:bg>
@@ -38988,7 +40604,7 @@
                   <a:spcPts val="600"/>
                 </a:spcAft>
               </a:pPr>
-              <a:t>21</a:t>
+              <a:t>22</a:t>
             </a:fld>
             <a:endParaRPr lang="en-US" sz="1500">
               <a:solidFill>
@@ -39011,7 +40627,7 @@
 </p:sld>
 </file>
 
-<file path=ppt/slides/slide22.xml><?xml version="1.0" encoding="utf-8"?>
+<file path=ppt/slides/slide23.xml><?xml version="1.0" encoding="utf-8"?>
 <p:sld xmlns:a="http://schemas.openxmlformats.org/drawingml/2006/main" xmlns:r="http://schemas.openxmlformats.org/officeDocument/2006/relationships" xmlns:p="http://schemas.openxmlformats.org/presentationml/2006/main">
   <p:cSld>
     <p:bg>
@@ -39702,7 +41318,7 @@
                   <a:spcPts val="600"/>
                 </a:spcAft>
               </a:pPr>
-              <a:t>22</a:t>
+              <a:t>23</a:t>
             </a:fld>
             <a:endParaRPr lang="en-US">
               <a:solidFill>
@@ -39756,7 +41372,7 @@
 </p:sld>
 </file>
 
-<file path=ppt/slides/slide23.xml><?xml version="1.0" encoding="utf-8"?>
+<file path=ppt/slides/slide24.xml><?xml version="1.0" encoding="utf-8"?>
 <p:sld xmlns:a="http://schemas.openxmlformats.org/drawingml/2006/main" xmlns:r="http://schemas.openxmlformats.org/officeDocument/2006/relationships" xmlns:p="http://schemas.openxmlformats.org/presentationml/2006/main">
   <p:cSld>
     <p:spTree>
@@ -39992,7 +41608,7 @@
                   <a:spcPts val="600"/>
                 </a:spcAft>
               </a:pPr>
-              <a:t>23</a:t>
+              <a:t>24</a:t>
             </a:fld>
             <a:endParaRPr lang="en-US"/>
           </a:p>
@@ -40011,7 +41627,7 @@
 </p:sld>
 </file>
 
-<file path=ppt/slides/slide24.xml><?xml version="1.0" encoding="utf-8"?>
+<file path=ppt/slides/slide25.xml><?xml version="1.0" encoding="utf-8"?>
 <p:sld xmlns:a="http://schemas.openxmlformats.org/drawingml/2006/main" xmlns:r="http://schemas.openxmlformats.org/officeDocument/2006/relationships" xmlns:p="http://schemas.openxmlformats.org/presentationml/2006/main">
   <p:cSld>
     <p:bg>
@@ -40738,7 +42354,7 @@
                   <a:spcPts val="600"/>
                 </a:spcAft>
               </a:pPr>
-              <a:t>24</a:t>
+              <a:t>25</a:t>
             </a:fld>
             <a:endParaRPr lang="en-US">
               <a:solidFill>
@@ -40761,7 +42377,7 @@
 </p:sld>
 </file>
 
-<file path=ppt/slides/slide25.xml><?xml version="1.0" encoding="utf-8"?>
+<file path=ppt/slides/slide26.xml><?xml version="1.0" encoding="utf-8"?>
 <p:sld xmlns:a="http://schemas.openxmlformats.org/drawingml/2006/main" xmlns:r="http://schemas.openxmlformats.org/officeDocument/2006/relationships" xmlns:p="http://schemas.openxmlformats.org/presentationml/2006/main">
   <p:cSld>
     <p:bg>
@@ -41504,7 +43120,7 @@
                   <a:spcPts val="600"/>
                 </a:spcAft>
               </a:pPr>
-              <a:t>25</a:t>
+              <a:t>26</a:t>
             </a:fld>
             <a:endParaRPr lang="en-US">
               <a:solidFill>
@@ -41528,6 +43144,830 @@
 </file>
 
 <file path=ppt/slides/slide3.xml><?xml version="1.0" encoding="utf-8"?>
+<p:sld xmlns:a="http://schemas.openxmlformats.org/drawingml/2006/main" xmlns:r="http://schemas.openxmlformats.org/officeDocument/2006/relationships" xmlns:p="http://schemas.openxmlformats.org/presentationml/2006/main">
+  <p:cSld>
+    <p:bg>
+      <p:bgPr>
+        <a:solidFill>
+          <a:schemeClr val="bg1"/>
+        </a:solidFill>
+        <a:effectLst/>
+      </p:bgPr>
+    </p:bg>
+    <p:spTree>
+      <p:nvGrpSpPr>
+        <p:cNvPr id="1" name=""/>
+        <p:cNvGrpSpPr/>
+        <p:nvPr/>
+      </p:nvGrpSpPr>
+      <p:grpSpPr>
+        <a:xfrm>
+          <a:off x="0" y="0"/>
+          <a:ext cx="0" cy="0"/>
+          <a:chOff x="0" y="0"/>
+          <a:chExt cx="0" cy="0"/>
+        </a:xfrm>
+      </p:grpSpPr>
+      <p:sp useBgFill="1">
+        <p:nvSpPr>
+          <p:cNvPr id="13" name="Rectangle 12">
+            <a:extLst>
+              <a:ext uri="{FF2B5EF4-FFF2-40B4-BE49-F238E27FC236}">
+                <a16:creationId xmlns:a16="http://schemas.microsoft.com/office/drawing/2014/main" id="{F13C74B1-5B17-4795-BED0-7140497B445A}"/>
+              </a:ext>
+              <a:ext uri="{C183D7F6-B498-43B3-948B-1728B52AA6E4}">
+                <adec:decorative xmlns:adec="http://schemas.microsoft.com/office/drawing/2017/decorative" val="1"/>
+              </a:ext>
+            </a:extLst>
+          </p:cNvPr>
+          <p:cNvSpPr>
+            <a:spLocks noGrp="1" noRot="1" noChangeAspect="1" noMove="1" noResize="1" noEditPoints="1" noAdjustHandles="1" noChangeArrowheads="1" noChangeShapeType="1" noTextEdit="1"/>
+          </p:cNvSpPr>
+          <p:nvPr>
+            <p:extLst>
+              <p:ext uri="{386F3935-93C4-4BCD-93E2-E3B085C9AB24}">
+                <p16:designElem xmlns:p16="http://schemas.microsoft.com/office/powerpoint/2015/main" val="1"/>
+              </p:ext>
+            </p:extLst>
+          </p:nvPr>
+        </p:nvSpPr>
+        <p:spPr>
+          <a:xfrm>
+            <a:off x="0" y="0"/>
+            <a:ext cx="12188952" cy="6858000"/>
+          </a:xfrm>
+          <a:prstGeom prst="rect">
+            <a:avLst/>
+          </a:prstGeom>
+          <a:ln>
+            <a:noFill/>
+          </a:ln>
+        </p:spPr>
+        <p:style>
+          <a:lnRef idx="2">
+            <a:schemeClr val="accent1">
+              <a:shade val="50000"/>
+            </a:schemeClr>
+          </a:lnRef>
+          <a:fillRef idx="1">
+            <a:schemeClr val="accent1"/>
+          </a:fillRef>
+          <a:effectRef idx="0">
+            <a:schemeClr val="accent1"/>
+          </a:effectRef>
+          <a:fontRef idx="minor">
+            <a:schemeClr val="lt1"/>
+          </a:fontRef>
+        </p:style>
+        <p:txBody>
+          <a:bodyPr rtlCol="0" anchor="ctr"/>
+          <a:lstStyle/>
+          <a:p>
+            <a:pPr algn="ctr"/>
+            <a:endParaRPr lang="en-US"/>
+          </a:p>
+        </p:txBody>
+      </p:sp>
+      <p:sp>
+        <p:nvSpPr>
+          <p:cNvPr id="2" name="Title 1">
+            <a:extLst>
+              <a:ext uri="{FF2B5EF4-FFF2-40B4-BE49-F238E27FC236}">
+                <a16:creationId xmlns:a16="http://schemas.microsoft.com/office/drawing/2014/main" id="{AC8FF06F-5F63-4270-8277-5D364023663F}"/>
+              </a:ext>
+            </a:extLst>
+          </p:cNvPr>
+          <p:cNvSpPr>
+            <a:spLocks noGrp="1"/>
+          </p:cNvSpPr>
+          <p:nvPr>
+            <p:ph type="title"/>
+          </p:nvPr>
+        </p:nvSpPr>
+        <p:spPr>
+          <a:xfrm>
+            <a:off x="640080" y="325369"/>
+            <a:ext cx="4368602" cy="1956841"/>
+          </a:xfrm>
+        </p:spPr>
+        <p:txBody>
+          <a:bodyPr anchor="b">
+            <a:normAutofit/>
+          </a:bodyPr>
+          <a:lstStyle/>
+          <a:p>
+            <a:r>
+              <a:rPr lang="en-US" sz="5400"/>
+              <a:t>Lockdown Browser </a:t>
+            </a:r>
+          </a:p>
+        </p:txBody>
+      </p:sp>
+      <p:sp>
+        <p:nvSpPr>
+          <p:cNvPr id="15" name="sketchy line">
+            <a:extLst>
+              <a:ext uri="{FF2B5EF4-FFF2-40B4-BE49-F238E27FC236}">
+                <a16:creationId xmlns:a16="http://schemas.microsoft.com/office/drawing/2014/main" id="{D4974D33-8DC5-464E-8C6D-BE58F0669C17}"/>
+              </a:ext>
+              <a:ext uri="{C183D7F6-B498-43B3-948B-1728B52AA6E4}">
+                <adec:decorative xmlns:adec="http://schemas.microsoft.com/office/drawing/2017/decorative" val="1"/>
+              </a:ext>
+            </a:extLst>
+          </p:cNvPr>
+          <p:cNvSpPr>
+            <a:spLocks noGrp="1" noRot="1" noChangeAspect="1" noMove="1" noResize="1" noEditPoints="1" noAdjustHandles="1" noChangeArrowheads="1" noChangeShapeType="1" noTextEdit="1"/>
+          </p:cNvSpPr>
+          <p:nvPr>
+            <p:extLst>
+              <p:ext uri="{386F3935-93C4-4BCD-93E2-E3B085C9AB24}">
+                <p16:designElem xmlns:p16="http://schemas.microsoft.com/office/powerpoint/2015/main" val="1"/>
+              </p:ext>
+            </p:extLst>
+          </p:nvPr>
+        </p:nvSpPr>
+        <p:spPr>
+          <a:xfrm>
+            <a:off x="640080" y="2586994"/>
+            <a:ext cx="3474720" cy="18288"/>
+          </a:xfrm>
+          <a:custGeom>
+            <a:avLst/>
+            <a:gdLst>
+              <a:gd name="connsiteX0" fmla="*/ 0 w 3474720"/>
+              <a:gd name="connsiteY0" fmla="*/ 0 h 18288"/>
+              <a:gd name="connsiteX1" fmla="*/ 694944 w 3474720"/>
+              <a:gd name="connsiteY1" fmla="*/ 0 h 18288"/>
+              <a:gd name="connsiteX2" fmla="*/ 1355141 w 3474720"/>
+              <a:gd name="connsiteY2" fmla="*/ 0 h 18288"/>
+              <a:gd name="connsiteX3" fmla="*/ 2015338 w 3474720"/>
+              <a:gd name="connsiteY3" fmla="*/ 0 h 18288"/>
+              <a:gd name="connsiteX4" fmla="*/ 2779776 w 3474720"/>
+              <a:gd name="connsiteY4" fmla="*/ 0 h 18288"/>
+              <a:gd name="connsiteX5" fmla="*/ 3474720 w 3474720"/>
+              <a:gd name="connsiteY5" fmla="*/ 0 h 18288"/>
+              <a:gd name="connsiteX6" fmla="*/ 3474720 w 3474720"/>
+              <a:gd name="connsiteY6" fmla="*/ 18288 h 18288"/>
+              <a:gd name="connsiteX7" fmla="*/ 2779776 w 3474720"/>
+              <a:gd name="connsiteY7" fmla="*/ 18288 h 18288"/>
+              <a:gd name="connsiteX8" fmla="*/ 2189074 w 3474720"/>
+              <a:gd name="connsiteY8" fmla="*/ 18288 h 18288"/>
+              <a:gd name="connsiteX9" fmla="*/ 1528877 w 3474720"/>
+              <a:gd name="connsiteY9" fmla="*/ 18288 h 18288"/>
+              <a:gd name="connsiteX10" fmla="*/ 868680 w 3474720"/>
+              <a:gd name="connsiteY10" fmla="*/ 18288 h 18288"/>
+              <a:gd name="connsiteX11" fmla="*/ 0 w 3474720"/>
+              <a:gd name="connsiteY11" fmla="*/ 18288 h 18288"/>
+              <a:gd name="connsiteX12" fmla="*/ 0 w 3474720"/>
+              <a:gd name="connsiteY12" fmla="*/ 0 h 18288"/>
+            </a:gdLst>
+            <a:ahLst/>
+            <a:cxnLst>
+              <a:cxn ang="0">
+                <a:pos x="connsiteX0" y="connsiteY0"/>
+              </a:cxn>
+              <a:cxn ang="0">
+                <a:pos x="connsiteX1" y="connsiteY1"/>
+              </a:cxn>
+              <a:cxn ang="0">
+                <a:pos x="connsiteX2" y="connsiteY2"/>
+              </a:cxn>
+              <a:cxn ang="0">
+                <a:pos x="connsiteX3" y="connsiteY3"/>
+              </a:cxn>
+              <a:cxn ang="0">
+                <a:pos x="connsiteX4" y="connsiteY4"/>
+              </a:cxn>
+              <a:cxn ang="0">
+                <a:pos x="connsiteX5" y="connsiteY5"/>
+              </a:cxn>
+              <a:cxn ang="0">
+                <a:pos x="connsiteX6" y="connsiteY6"/>
+              </a:cxn>
+              <a:cxn ang="0">
+                <a:pos x="connsiteX7" y="connsiteY7"/>
+              </a:cxn>
+              <a:cxn ang="0">
+                <a:pos x="connsiteX8" y="connsiteY8"/>
+              </a:cxn>
+              <a:cxn ang="0">
+                <a:pos x="connsiteX9" y="connsiteY9"/>
+              </a:cxn>
+              <a:cxn ang="0">
+                <a:pos x="connsiteX10" y="connsiteY10"/>
+              </a:cxn>
+              <a:cxn ang="0">
+                <a:pos x="connsiteX11" y="connsiteY11"/>
+              </a:cxn>
+              <a:cxn ang="0">
+                <a:pos x="connsiteX12" y="connsiteY12"/>
+              </a:cxn>
+            </a:cxnLst>
+            <a:rect l="l" t="t" r="r" b="b"/>
+            <a:pathLst>
+              <a:path w="3474720" h="18288" fill="none" extrusionOk="0">
+                <a:moveTo>
+                  <a:pt x="0" y="0"/>
+                </a:moveTo>
+                <a:cubicBezTo>
+                  <a:pt x="224454" y="-14544"/>
+                  <a:pt x="495407" y="26540"/>
+                  <a:pt x="694944" y="0"/>
+                </a:cubicBezTo>
+                <a:cubicBezTo>
+                  <a:pt x="894481" y="-26540"/>
+                  <a:pt x="1130063" y="24713"/>
+                  <a:pt x="1355141" y="0"/>
+                </a:cubicBezTo>
+                <a:cubicBezTo>
+                  <a:pt x="1580219" y="-24713"/>
+                  <a:pt x="1820099" y="26695"/>
+                  <a:pt x="2015338" y="0"/>
+                </a:cubicBezTo>
+                <a:cubicBezTo>
+                  <a:pt x="2210577" y="-26695"/>
+                  <a:pt x="2402045" y="165"/>
+                  <a:pt x="2779776" y="0"/>
+                </a:cubicBezTo>
+                <a:cubicBezTo>
+                  <a:pt x="3157507" y="-165"/>
+                  <a:pt x="3286859" y="-15571"/>
+                  <a:pt x="3474720" y="0"/>
+                </a:cubicBezTo>
+                <a:cubicBezTo>
+                  <a:pt x="3474286" y="7551"/>
+                  <a:pt x="3474253" y="9822"/>
+                  <a:pt x="3474720" y="18288"/>
+                </a:cubicBezTo>
+                <a:cubicBezTo>
+                  <a:pt x="3233904" y="29845"/>
+                  <a:pt x="2945134" y="-5256"/>
+                  <a:pt x="2779776" y="18288"/>
+                </a:cubicBezTo>
+                <a:cubicBezTo>
+                  <a:pt x="2614418" y="41832"/>
+                  <a:pt x="2339768" y="22709"/>
+                  <a:pt x="2189074" y="18288"/>
+                </a:cubicBezTo>
+                <a:cubicBezTo>
+                  <a:pt x="2038380" y="13867"/>
+                  <a:pt x="1817434" y="-4947"/>
+                  <a:pt x="1528877" y="18288"/>
+                </a:cubicBezTo>
+                <a:cubicBezTo>
+                  <a:pt x="1240320" y="41523"/>
+                  <a:pt x="1042447" y="37198"/>
+                  <a:pt x="868680" y="18288"/>
+                </a:cubicBezTo>
+                <a:cubicBezTo>
+                  <a:pt x="694913" y="-622"/>
+                  <a:pt x="233232" y="44909"/>
+                  <a:pt x="0" y="18288"/>
+                </a:cubicBezTo>
+                <a:cubicBezTo>
+                  <a:pt x="60" y="11696"/>
+                  <a:pt x="66" y="3758"/>
+                  <a:pt x="0" y="0"/>
+                </a:cubicBezTo>
+                <a:close/>
+              </a:path>
+              <a:path w="3474720" h="18288" stroke="0" extrusionOk="0">
+                <a:moveTo>
+                  <a:pt x="0" y="0"/>
+                </a:moveTo>
+                <a:cubicBezTo>
+                  <a:pt x="202328" y="-14716"/>
+                  <a:pt x="332722" y="-11499"/>
+                  <a:pt x="625450" y="0"/>
+                </a:cubicBezTo>
+                <a:cubicBezTo>
+                  <a:pt x="918178" y="11499"/>
+                  <a:pt x="1096688" y="5123"/>
+                  <a:pt x="1389888" y="0"/>
+                </a:cubicBezTo>
+                <a:cubicBezTo>
+                  <a:pt x="1683088" y="-5123"/>
+                  <a:pt x="1835981" y="-14038"/>
+                  <a:pt x="1980590" y="0"/>
+                </a:cubicBezTo>
+                <a:cubicBezTo>
+                  <a:pt x="2125199" y="14038"/>
+                  <a:pt x="2396099" y="-7203"/>
+                  <a:pt x="2571293" y="0"/>
+                </a:cubicBezTo>
+                <a:cubicBezTo>
+                  <a:pt x="2746487" y="7203"/>
+                  <a:pt x="3041609" y="-12036"/>
+                  <a:pt x="3474720" y="0"/>
+                </a:cubicBezTo>
+                <a:cubicBezTo>
+                  <a:pt x="3474638" y="4406"/>
+                  <a:pt x="3474631" y="9982"/>
+                  <a:pt x="3474720" y="18288"/>
+                </a:cubicBezTo>
+                <a:cubicBezTo>
+                  <a:pt x="3324873" y="21876"/>
+                  <a:pt x="3136771" y="12587"/>
+                  <a:pt x="2814523" y="18288"/>
+                </a:cubicBezTo>
+                <a:cubicBezTo>
+                  <a:pt x="2492275" y="23989"/>
+                  <a:pt x="2294402" y="47111"/>
+                  <a:pt x="2154326" y="18288"/>
+                </a:cubicBezTo>
+                <a:cubicBezTo>
+                  <a:pt x="2014250" y="-10535"/>
+                  <a:pt x="1820317" y="33903"/>
+                  <a:pt x="1494130" y="18288"/>
+                </a:cubicBezTo>
+                <a:cubicBezTo>
+                  <a:pt x="1167943" y="2673"/>
+                  <a:pt x="948432" y="14868"/>
+                  <a:pt x="729691" y="18288"/>
+                </a:cubicBezTo>
+                <a:cubicBezTo>
+                  <a:pt x="510950" y="21708"/>
+                  <a:pt x="264032" y="24354"/>
+                  <a:pt x="0" y="18288"/>
+                </a:cubicBezTo>
+                <a:cubicBezTo>
+                  <a:pt x="189" y="14288"/>
+                  <a:pt x="-703" y="3747"/>
+                  <a:pt x="0" y="0"/>
+                </a:cubicBezTo>
+                <a:close/>
+              </a:path>
+            </a:pathLst>
+          </a:custGeom>
+          <a:solidFill>
+            <a:schemeClr val="accent2"/>
+          </a:solidFill>
+          <a:ln w="44450" cap="rnd">
+            <a:solidFill>
+              <a:schemeClr val="accent2"/>
+            </a:solidFill>
+            <a:round/>
+            <a:extLst>
+              <a:ext uri="{C807C97D-BFC1-408E-A445-0C87EB9F89A2}">
+                <ask:lineSketchStyleProps xmlns:ask="http://schemas.microsoft.com/office/drawing/2018/sketchyshapes" sd="2863741219">
+                  <a:prstGeom prst="rect">
+                    <a:avLst/>
+                  </a:prstGeom>
+                  <ask:type>
+                    <ask:lineSketchFreehand/>
+                  </ask:type>
+                </ask:lineSketchStyleProps>
+              </a:ext>
+            </a:extLst>
+          </a:ln>
+        </p:spPr>
+        <p:style>
+          <a:lnRef idx="2">
+            <a:schemeClr val="accent1">
+              <a:shade val="50000"/>
+            </a:schemeClr>
+          </a:lnRef>
+          <a:fillRef idx="1">
+            <a:schemeClr val="accent1"/>
+          </a:fillRef>
+          <a:effectRef idx="0">
+            <a:schemeClr val="accent1"/>
+          </a:effectRef>
+          <a:fontRef idx="minor">
+            <a:schemeClr val="lt1"/>
+          </a:fontRef>
+        </p:style>
+        <p:txBody>
+          <a:bodyPr rtlCol="0" anchor="ctr"/>
+          <a:lstStyle/>
+          <a:p>
+            <a:pPr algn="ctr"/>
+            <a:endParaRPr lang="en-US"/>
+          </a:p>
+        </p:txBody>
+      </p:sp>
+      <p:sp>
+        <p:nvSpPr>
+          <p:cNvPr id="3" name="Content Placeholder 2">
+            <a:extLst>
+              <a:ext uri="{FF2B5EF4-FFF2-40B4-BE49-F238E27FC236}">
+                <a16:creationId xmlns:a16="http://schemas.microsoft.com/office/drawing/2014/main" id="{A5970FE4-B4E5-48A1-B912-A28DE466BD96}"/>
+              </a:ext>
+            </a:extLst>
+          </p:cNvPr>
+          <p:cNvSpPr>
+            <a:spLocks noGrp="1"/>
+          </p:cNvSpPr>
+          <p:nvPr>
+            <p:ph idx="1"/>
+          </p:nvPr>
+        </p:nvSpPr>
+        <p:spPr>
+          <a:xfrm>
+            <a:off x="640080" y="2872899"/>
+            <a:ext cx="4243589" cy="3320668"/>
+          </a:xfrm>
+        </p:spPr>
+        <p:txBody>
+          <a:bodyPr>
+            <a:normAutofit/>
+          </a:bodyPr>
+          <a:lstStyle/>
+          <a:p>
+            <a:pPr marL="514350" indent="-514350">
+              <a:buFont typeface="+mj-lt"/>
+              <a:buAutoNum type="arabicPeriod"/>
+            </a:pPr>
+            <a:r>
+              <a:rPr lang="en-US" sz="2200" dirty="0"/>
+              <a:t>Open Lockdown Browser</a:t>
+            </a:r>
+          </a:p>
+          <a:p>
+            <a:pPr marL="514350" indent="-514350">
+              <a:buFont typeface="+mj-lt"/>
+              <a:buAutoNum type="arabicPeriod"/>
+            </a:pPr>
+            <a:r>
+              <a:rPr lang="en-US" sz="2200" dirty="0"/>
+              <a:t>Log in Canvas </a:t>
+            </a:r>
+          </a:p>
+          <a:p>
+            <a:pPr marL="514350" indent="-514350">
+              <a:buFont typeface="+mj-lt"/>
+              <a:buAutoNum type="arabicPeriod"/>
+            </a:pPr>
+            <a:r>
+              <a:rPr lang="en-US" sz="2200" dirty="0"/>
+              <a:t>Proceed to take quizzes or exams</a:t>
+            </a:r>
+          </a:p>
+          <a:p>
+            <a:pPr marL="514350" indent="-514350">
+              <a:buFont typeface="+mj-lt"/>
+              <a:buAutoNum type="arabicPeriod"/>
+            </a:pPr>
+            <a:endParaRPr lang="en-US" sz="2200" dirty="0"/>
+          </a:p>
+          <a:p>
+            <a:r>
+              <a:rPr lang="en-US" sz="2200" dirty="0"/>
+              <a:t>Computer Lab </a:t>
+            </a:r>
+          </a:p>
+          <a:p>
+            <a:pPr lvl="1"/>
+            <a:r>
+              <a:rPr lang="en-US" sz="1800" dirty="0"/>
+              <a:t>Lockdown Browser 2 Lab</a:t>
+            </a:r>
+          </a:p>
+        </p:txBody>
+      </p:sp>
+      <p:pic>
+        <p:nvPicPr>
+          <p:cNvPr id="7" name="Picture 6" descr="A picture containing metalware, lock&#10;&#10;Description automatically generated">
+            <a:extLst>
+              <a:ext uri="{FF2B5EF4-FFF2-40B4-BE49-F238E27FC236}">
+                <a16:creationId xmlns:a16="http://schemas.microsoft.com/office/drawing/2014/main" id="{F72FD29A-7FFC-4E85-8093-50413E630F52}"/>
+              </a:ext>
+            </a:extLst>
+          </p:cNvPr>
+          <p:cNvPicPr>
+            <a:picLocks noChangeAspect="1"/>
+          </p:cNvPicPr>
+          <p:nvPr/>
+        </p:nvPicPr>
+        <p:blipFill rotWithShape="1">
+          <a:blip r:embed="rId3">
+            <a:extLst>
+              <a:ext uri="{28A0092B-C50C-407E-A947-70E740481C1C}">
+                <a14:useLocalDpi xmlns:a14="http://schemas.microsoft.com/office/drawing/2010/main" val="0"/>
+              </a:ext>
+              <a:ext uri="{837473B0-CC2E-450A-ABE3-18F120FF3D39}">
+                <a1611:picAttrSrcUrl xmlns:a1611="http://schemas.microsoft.com/office/drawing/2016/11/main" r:id="rId4"/>
+              </a:ext>
+            </a:extLst>
+          </a:blip>
+          <a:srcRect b="551"/>
+          <a:stretch/>
+        </p:blipFill>
+        <p:spPr>
+          <a:xfrm>
+            <a:off x="5311702" y="10"/>
+            <a:ext cx="6878775" cy="6857990"/>
+          </a:xfrm>
+          <a:custGeom>
+            <a:avLst/>
+            <a:gdLst/>
+            <a:ahLst/>
+            <a:cxnLst/>
+            <a:rect l="l" t="t" r="r" b="b"/>
+            <a:pathLst>
+              <a:path w="6878775" h="6858000">
+                <a:moveTo>
+                  <a:pt x="1102973" y="0"/>
+                </a:moveTo>
+                <a:lnTo>
+                  <a:pt x="1160688" y="0"/>
+                </a:lnTo>
+                <a:lnTo>
+                  <a:pt x="983189" y="331786"/>
+                </a:lnTo>
+                <a:cubicBezTo>
+                  <a:pt x="914866" y="469145"/>
+                  <a:pt x="850355" y="608712"/>
+                  <a:pt x="789261" y="750263"/>
+                </a:cubicBezTo>
+                <a:cubicBezTo>
+                  <a:pt x="774307" y="784928"/>
+                  <a:pt x="759992" y="819849"/>
+                  <a:pt x="745295" y="854514"/>
+                </a:cubicBezTo>
+                <a:cubicBezTo>
+                  <a:pt x="756682" y="845393"/>
+                  <a:pt x="765489" y="833492"/>
+                  <a:pt x="770857" y="819975"/>
+                </a:cubicBezTo>
+                <a:cubicBezTo>
+                  <a:pt x="879943" y="589569"/>
+                  <a:pt x="999605" y="365513"/>
+                  <a:pt x="1131329" y="148742"/>
+                </a:cubicBezTo>
+                <a:lnTo>
+                  <a:pt x="1227589" y="0"/>
+                </a:lnTo>
+                <a:lnTo>
+                  <a:pt x="6878775" y="0"/>
+                </a:lnTo>
+                <a:lnTo>
+                  <a:pt x="6878775" y="6858000"/>
+                </a:lnTo>
+                <a:lnTo>
+                  <a:pt x="713521" y="6858000"/>
+                </a:lnTo>
+                <a:lnTo>
+                  <a:pt x="625642" y="6670527"/>
+                </a:lnTo>
+                <a:cubicBezTo>
+                  <a:pt x="507232" y="6398531"/>
+                  <a:pt x="403083" y="6118381"/>
+                  <a:pt x="312785" y="5830359"/>
+                </a:cubicBezTo>
+                <a:cubicBezTo>
+                  <a:pt x="278149" y="5719759"/>
+                  <a:pt x="248879" y="5607635"/>
+                  <a:pt x="212198" y="5480401"/>
+                </a:cubicBezTo>
+                <a:cubicBezTo>
+                  <a:pt x="212208" y="5491601"/>
+                  <a:pt x="212803" y="5502788"/>
+                  <a:pt x="213988" y="5513923"/>
+                </a:cubicBezTo>
+                <a:cubicBezTo>
+                  <a:pt x="264089" y="5723695"/>
+                  <a:pt x="307290" y="5935370"/>
+                  <a:pt x="365826" y="6142729"/>
+                </a:cubicBezTo>
+                <a:cubicBezTo>
+                  <a:pt x="433152" y="6380817"/>
+                  <a:pt x="510068" y="6614016"/>
+                  <a:pt x="597975" y="6841549"/>
+                </a:cubicBezTo>
+                <a:lnTo>
+                  <a:pt x="604824" y="6858000"/>
+                </a:lnTo>
+                <a:lnTo>
+                  <a:pt x="552056" y="6858000"/>
+                </a:lnTo>
+                <a:lnTo>
+                  <a:pt x="539576" y="6828295"/>
+                </a:lnTo>
+                <a:cubicBezTo>
+                  <a:pt x="380597" y="6414594"/>
+                  <a:pt x="260223" y="5988893"/>
+                  <a:pt x="171555" y="5552906"/>
+                </a:cubicBezTo>
+                <a:cubicBezTo>
+                  <a:pt x="91163" y="5157998"/>
+                  <a:pt x="43746" y="4758899"/>
+                  <a:pt x="12305" y="4357388"/>
+                </a:cubicBezTo>
+                <a:cubicBezTo>
+                  <a:pt x="-14281" y="4013908"/>
+                  <a:pt x="4507" y="3672965"/>
+                  <a:pt x="46684" y="3331516"/>
+                </a:cubicBezTo>
+                <a:cubicBezTo>
+                  <a:pt x="127203" y="2664286"/>
+                  <a:pt x="277819" y="2007265"/>
+                  <a:pt x="496065" y="1371196"/>
+                </a:cubicBezTo>
+                <a:cubicBezTo>
+                  <a:pt x="636273" y="966066"/>
+                  <a:pt x="800445" y="573253"/>
+                  <a:pt x="995723" y="196614"/>
+                </a:cubicBezTo>
+                <a:close/>
+              </a:path>
+            </a:pathLst>
+          </a:custGeom>
+        </p:spPr>
+      </p:pic>
+      <p:sp>
+        <p:nvSpPr>
+          <p:cNvPr id="4" name="Footer Placeholder 3">
+            <a:extLst>
+              <a:ext uri="{FF2B5EF4-FFF2-40B4-BE49-F238E27FC236}">
+                <a16:creationId xmlns:a16="http://schemas.microsoft.com/office/drawing/2014/main" id="{38892C9A-A10F-4B27-84DC-F9226A08C6BD}"/>
+              </a:ext>
+            </a:extLst>
+          </p:cNvPr>
+          <p:cNvSpPr>
+            <a:spLocks noGrp="1"/>
+          </p:cNvSpPr>
+          <p:nvPr>
+            <p:ph type="ftr" sz="quarter" idx="11"/>
+          </p:nvPr>
+        </p:nvSpPr>
+        <p:spPr>
+          <a:xfrm>
+            <a:off x="6248400" y="6356350"/>
+            <a:ext cx="4114800" cy="365125"/>
+          </a:xfrm>
+        </p:spPr>
+        <p:txBody>
+          <a:bodyPr>
+            <a:normAutofit/>
+          </a:bodyPr>
+          <a:lstStyle/>
+          <a:p>
+            <a:pPr algn="l">
+              <a:spcAft>
+                <a:spcPts val="600"/>
+              </a:spcAft>
+            </a:pPr>
+            <a:r>
+              <a:rPr lang="en-US">
+                <a:solidFill>
+                  <a:srgbClr val="FFFFFF"/>
+                </a:solidFill>
+              </a:rPr>
+              <a:t>Mike Nguyen</a:t>
+            </a:r>
+          </a:p>
+        </p:txBody>
+      </p:sp>
+      <p:sp>
+        <p:nvSpPr>
+          <p:cNvPr id="5" name="Slide Number Placeholder 4">
+            <a:extLst>
+              <a:ext uri="{FF2B5EF4-FFF2-40B4-BE49-F238E27FC236}">
+                <a16:creationId xmlns:a16="http://schemas.microsoft.com/office/drawing/2014/main" id="{A98901F3-E4DF-48EA-97D4-79D93AA862B4}"/>
+              </a:ext>
+            </a:extLst>
+          </p:cNvPr>
+          <p:cNvSpPr>
+            <a:spLocks noGrp="1"/>
+          </p:cNvSpPr>
+          <p:nvPr>
+            <p:ph type="sldNum" sz="quarter" idx="12"/>
+          </p:nvPr>
+        </p:nvSpPr>
+        <p:spPr>
+          <a:xfrm>
+            <a:off x="10439400" y="6356350"/>
+            <a:ext cx="914400" cy="365125"/>
+          </a:xfrm>
+        </p:spPr>
+        <p:txBody>
+          <a:bodyPr>
+            <a:normAutofit/>
+          </a:bodyPr>
+          <a:lstStyle/>
+          <a:p>
+            <a:pPr>
+              <a:spcAft>
+                <a:spcPts val="600"/>
+              </a:spcAft>
+            </a:pPr>
+            <a:fld id="{A6AF1B4E-90EC-4A51-B6E5-B702C054ECB0}" type="slidenum">
+              <a:rPr lang="en-US">
+                <a:solidFill>
+                  <a:srgbClr val="FFFFFF"/>
+                </a:solidFill>
+              </a:rPr>
+              <a:pPr>
+                <a:spcAft>
+                  <a:spcPts val="600"/>
+                </a:spcAft>
+              </a:pPr>
+              <a:t>3</a:t>
+            </a:fld>
+            <a:endParaRPr lang="en-US">
+              <a:solidFill>
+                <a:srgbClr val="FFFFFF"/>
+              </a:solidFill>
+            </a:endParaRPr>
+          </a:p>
+        </p:txBody>
+      </p:sp>
+      <p:sp>
+        <p:nvSpPr>
+          <p:cNvPr id="8" name="TextBox 7">
+            <a:extLst>
+              <a:ext uri="{FF2B5EF4-FFF2-40B4-BE49-F238E27FC236}">
+                <a16:creationId xmlns:a16="http://schemas.microsoft.com/office/drawing/2014/main" id="{D9B09A6A-D1B5-4D1A-AA78-B5F9D0B3CAEB}"/>
+              </a:ext>
+            </a:extLst>
+          </p:cNvPr>
+          <p:cNvSpPr txBox="1"/>
+          <p:nvPr/>
+        </p:nvSpPr>
+        <p:spPr>
+          <a:xfrm>
+            <a:off x="10005183" y="6657945"/>
+            <a:ext cx="2186817" cy="200055"/>
+          </a:xfrm>
+          <a:prstGeom prst="rect">
+            <a:avLst/>
+          </a:prstGeom>
+          <a:solidFill>
+            <a:srgbClr val="000000"/>
+          </a:solidFill>
+        </p:spPr>
+        <p:txBody>
+          <a:bodyPr wrap="none" rtlCol="0">
+            <a:spAutoFit/>
+          </a:bodyPr>
+          <a:lstStyle/>
+          <a:p>
+            <a:pPr algn="r">
+              <a:spcAft>
+                <a:spcPts val="600"/>
+              </a:spcAft>
+            </a:pPr>
+            <a:r>
+              <a:rPr lang="en-US" sz="700">
+                <a:solidFill>
+                  <a:srgbClr val="FFFFFF"/>
+                </a:solidFill>
+                <a:hlinkClick r:id="rId4" tooltip="https://lthub.ubc.ca/guides/lockdown-browser-instructor-guide/">
+                  <a:extLst>
+                    <a:ext uri="{A12FA001-AC4F-418D-AE19-62706E023703}">
+                      <ahyp:hlinkClr xmlns:ahyp="http://schemas.microsoft.com/office/drawing/2018/hyperlinkcolor" val="tx"/>
+                    </a:ext>
+                  </a:extLst>
+                </a:hlinkClick>
+              </a:rPr>
+              <a:t>This Photo</a:t>
+            </a:r>
+            <a:r>
+              <a:rPr lang="en-US" sz="700">
+                <a:solidFill>
+                  <a:srgbClr val="FFFFFF"/>
+                </a:solidFill>
+              </a:rPr>
+              <a:t> by Unknown Author is licensed under </a:t>
+            </a:r>
+            <a:r>
+              <a:rPr lang="en-US" sz="700">
+                <a:solidFill>
+                  <a:srgbClr val="FFFFFF"/>
+                </a:solidFill>
+                <a:hlinkClick r:id="rId5" tooltip="https://creativecommons.org/licenses/by/3.0/">
+                  <a:extLst>
+                    <a:ext uri="{A12FA001-AC4F-418D-AE19-62706E023703}">
+                      <ahyp:hlinkClr xmlns:ahyp="http://schemas.microsoft.com/office/drawing/2018/hyperlinkcolor" val="tx"/>
+                    </a:ext>
+                  </a:extLst>
+                </a:hlinkClick>
+              </a:rPr>
+              <a:t>CC BY</a:t>
+            </a:r>
+            <a:endParaRPr lang="en-US" sz="700">
+              <a:solidFill>
+                <a:srgbClr val="FFFFFF"/>
+              </a:solidFill>
+            </a:endParaRPr>
+          </a:p>
+        </p:txBody>
+      </p:sp>
+    </p:spTree>
+    <p:extLst>
+      <p:ext uri="{BB962C8B-B14F-4D97-AF65-F5344CB8AC3E}">
+        <p14:creationId xmlns:p14="http://schemas.microsoft.com/office/powerpoint/2010/main" val="1992577898"/>
+      </p:ext>
+    </p:extLst>
+  </p:cSld>
+  <p:clrMapOvr>
+    <a:masterClrMapping/>
+  </p:clrMapOvr>
+</p:sld>
+</file>
+
+<file path=ppt/slides/slide4.xml><?xml version="1.0" encoding="utf-8"?>
 <p:sld xmlns:a="http://schemas.openxmlformats.org/drawingml/2006/main" xmlns:r="http://schemas.openxmlformats.org/officeDocument/2006/relationships" xmlns:p="http://schemas.openxmlformats.org/presentationml/2006/main">
   <p:cSld>
     <p:bg>
@@ -41837,7 +44277,7 @@
                   <a:spcPts val="600"/>
                 </a:spcAft>
               </a:pPr>
-              <a:t>3</a:t>
+              <a:t>4</a:t>
             </a:fld>
             <a:endParaRPr lang="en-US"/>
           </a:p>
@@ -41856,7 +44296,7 @@
 </p:sld>
 </file>
 
-<file path=ppt/slides/slide4.xml><?xml version="1.0" encoding="utf-8"?>
+<file path=ppt/slides/slide5.xml><?xml version="1.0" encoding="utf-8"?>
 <p:sld xmlns:a="http://schemas.openxmlformats.org/drawingml/2006/main" xmlns:r="http://schemas.openxmlformats.org/officeDocument/2006/relationships" xmlns:p="http://schemas.openxmlformats.org/presentationml/2006/main">
   <p:cSld>
     <p:bg>
@@ -42130,7 +44570,7 @@
                   <a:spcPts val="600"/>
                 </a:spcAft>
               </a:pPr>
-              <a:t>4</a:t>
+              <a:t>5</a:t>
             </a:fld>
             <a:endParaRPr lang="en-US">
               <a:solidFill>
@@ -42188,7 +44628,7 @@
 </p:sld>
 </file>
 
-<file path=ppt/slides/slide5.xml><?xml version="1.0" encoding="utf-8"?>
+<file path=ppt/slides/slide6.xml><?xml version="1.0" encoding="utf-8"?>
 <p:sld xmlns:a="http://schemas.openxmlformats.org/drawingml/2006/main" xmlns:r="http://schemas.openxmlformats.org/officeDocument/2006/relationships" xmlns:p="http://schemas.openxmlformats.org/presentationml/2006/main">
   <p:cSld>
     <p:bg>
@@ -42495,7 +44935,7 @@
                   <a:spcPts val="600"/>
                 </a:spcAft>
               </a:pPr>
-              <a:t>5</a:t>
+              <a:t>6</a:t>
             </a:fld>
             <a:endParaRPr lang="en-US"/>
           </a:p>
@@ -42514,7 +44954,7 @@
 </p:sld>
 </file>
 
-<file path=ppt/slides/slide6.xml><?xml version="1.0" encoding="utf-8"?>
+<file path=ppt/slides/slide7.xml><?xml version="1.0" encoding="utf-8"?>
 <p:sld xmlns:a="http://schemas.openxmlformats.org/drawingml/2006/main" xmlns:r="http://schemas.openxmlformats.org/officeDocument/2006/relationships" xmlns:p="http://schemas.openxmlformats.org/presentationml/2006/main">
   <p:cSld>
     <p:bg>
@@ -42822,7 +45262,7 @@
                   <a:spcPts val="600"/>
                 </a:spcAft>
               </a:pPr>
-              <a:t>6</a:t>
+              <a:t>7</a:t>
             </a:fld>
             <a:endParaRPr lang="en-US"/>
           </a:p>
@@ -42841,7 +45281,7 @@
 </p:sld>
 </file>
 
-<file path=ppt/slides/slide7.xml><?xml version="1.0" encoding="utf-8"?>
+<file path=ppt/slides/slide8.xml><?xml version="1.0" encoding="utf-8"?>
 <p:sld xmlns:a="http://schemas.openxmlformats.org/drawingml/2006/main" xmlns:r="http://schemas.openxmlformats.org/officeDocument/2006/relationships" xmlns:p="http://schemas.openxmlformats.org/presentationml/2006/main">
   <p:cSld>
     <p:bg>
@@ -43600,7 +46040,7 @@
                   <a:spcPts val="600"/>
                 </a:spcAft>
               </a:pPr>
-              <a:t>7</a:t>
+              <a:t>8</a:t>
             </a:fld>
             <a:endParaRPr lang="en-US">
               <a:solidFill>
@@ -43623,7 +46063,7 @@
 </p:sld>
 </file>
 
-<file path=ppt/slides/slide8.xml><?xml version="1.0" encoding="utf-8"?>
+<file path=ppt/slides/slide9.xml><?xml version="1.0" encoding="utf-8"?>
 <p:sld xmlns:a="http://schemas.openxmlformats.org/drawingml/2006/main" xmlns:r="http://schemas.openxmlformats.org/officeDocument/2006/relationships" xmlns:p="http://schemas.openxmlformats.org/presentationml/2006/main">
   <p:cSld>
     <p:bg>
@@ -43650,10 +46090,10 @@
       </p:grpSpPr>
       <p:sp useBgFill="1">
         <p:nvSpPr>
-          <p:cNvPr id="10" name="Rectangle 9">
+          <p:cNvPr id="1050" name="Rectangle 191">
             <a:extLst>
               <a:ext uri="{FF2B5EF4-FFF2-40B4-BE49-F238E27FC236}">
-                <a16:creationId xmlns:a16="http://schemas.microsoft.com/office/drawing/2014/main" id="{907EF6B7-1338-4443-8C46-6A318D952DFD}"/>
+                <a16:creationId xmlns:a16="http://schemas.microsoft.com/office/drawing/2014/main" id="{2B97F24A-32CE-4C1C-A50D-3016B394DCFB}"/>
               </a:ext>
               <a:ext uri="{C183D7F6-B498-43B3-948B-1728B52AA6E4}">
                 <adec:decorative xmlns:adec="http://schemas.microsoft.com/office/drawing/2017/decorative" val="1"/>
@@ -43673,146 +46113,12 @@
         </p:nvSpPr>
         <p:spPr>
           <a:xfrm>
-            <a:off x="3048" y="0"/>
-            <a:ext cx="12188952" cy="6858000"/>
+            <a:off x="0" y="0"/>
+            <a:ext cx="12192000" cy="6858000"/>
           </a:xfrm>
           <a:prstGeom prst="rect">
             <a:avLst/>
           </a:prstGeom>
-          <a:ln>
-            <a:noFill/>
-          </a:ln>
-        </p:spPr>
-        <p:style>
-          <a:lnRef idx="2">
-            <a:schemeClr val="accent1">
-              <a:shade val="50000"/>
-            </a:schemeClr>
-          </a:lnRef>
-          <a:fillRef idx="1">
-            <a:schemeClr val="accent1"/>
-          </a:fillRef>
-          <a:effectRef idx="0">
-            <a:schemeClr val="accent1"/>
-          </a:effectRef>
-          <a:fontRef idx="minor">
-            <a:schemeClr val="lt1"/>
-          </a:fontRef>
-        </p:style>
-        <p:txBody>
-          <a:bodyPr rtlCol="0" anchor="ctr"/>
-          <a:lstStyle/>
-          <a:p>
-            <a:pPr algn="ctr"/>
-            <a:endParaRPr lang="en-US"/>
-          </a:p>
-        </p:txBody>
-      </p:sp>
-      <p:sp>
-        <p:nvSpPr>
-          <p:cNvPr id="12" name="Freeform: Shape 11">
-            <a:extLst>
-              <a:ext uri="{FF2B5EF4-FFF2-40B4-BE49-F238E27FC236}">
-                <a16:creationId xmlns:a16="http://schemas.microsoft.com/office/drawing/2014/main" id="{DAAE4CDD-124C-4DCF-9584-B6033B545DD5}"/>
-              </a:ext>
-              <a:ext uri="{C183D7F6-B498-43B3-948B-1728B52AA6E4}">
-                <adec:decorative xmlns:adec="http://schemas.microsoft.com/office/drawing/2017/decorative" val="1"/>
-              </a:ext>
-            </a:extLst>
-          </p:cNvPr>
-          <p:cNvSpPr>
-            <a:spLocks noGrp="1" noRot="1" noChangeAspect="1" noMove="1" noResize="1" noEditPoints="1" noAdjustHandles="1" noChangeArrowheads="1" noChangeShapeType="1" noTextEdit="1"/>
-          </p:cNvSpPr>
-          <p:nvPr>
-            <p:extLst>
-              <p:ext uri="{386F3935-93C4-4BCD-93E2-E3B085C9AB24}">
-                <p16:designElem xmlns:p16="http://schemas.microsoft.com/office/powerpoint/2015/main" val="1"/>
-              </p:ext>
-            </p:extLst>
-          </p:nvPr>
-        </p:nvSpPr>
-        <p:spPr>
-          <a:xfrm>
-            <a:off x="1" y="0"/>
-            <a:ext cx="4167271" cy="6858000"/>
-          </a:xfrm>
-          <a:custGeom>
-            <a:avLst/>
-            <a:gdLst>
-              <a:gd name="connsiteX0" fmla="*/ 0 w 4167271"/>
-              <a:gd name="connsiteY0" fmla="*/ 0 h 6858000"/>
-              <a:gd name="connsiteX1" fmla="*/ 2259550 w 4167271"/>
-              <a:gd name="connsiteY1" fmla="*/ 0 h 6858000"/>
-              <a:gd name="connsiteX2" fmla="*/ 2387803 w 4167271"/>
-              <a:gd name="connsiteY2" fmla="*/ 82222 h 6858000"/>
-              <a:gd name="connsiteX3" fmla="*/ 4167271 w 4167271"/>
-              <a:gd name="connsiteY3" fmla="*/ 3429000 h 6858000"/>
-              <a:gd name="connsiteX4" fmla="*/ 2387803 w 4167271"/>
-              <a:gd name="connsiteY4" fmla="*/ 6775779 h 6858000"/>
-              <a:gd name="connsiteX5" fmla="*/ 2259550 w 4167271"/>
-              <a:gd name="connsiteY5" fmla="*/ 6858000 h 6858000"/>
-              <a:gd name="connsiteX6" fmla="*/ 0 w 4167271"/>
-              <a:gd name="connsiteY6" fmla="*/ 6858000 h 6858000"/>
-            </a:gdLst>
-            <a:ahLst/>
-            <a:cxnLst>
-              <a:cxn ang="0">
-                <a:pos x="connsiteX0" y="connsiteY0"/>
-              </a:cxn>
-              <a:cxn ang="0">
-                <a:pos x="connsiteX1" y="connsiteY1"/>
-              </a:cxn>
-              <a:cxn ang="0">
-                <a:pos x="connsiteX2" y="connsiteY2"/>
-              </a:cxn>
-              <a:cxn ang="0">
-                <a:pos x="connsiteX3" y="connsiteY3"/>
-              </a:cxn>
-              <a:cxn ang="0">
-                <a:pos x="connsiteX4" y="connsiteY4"/>
-              </a:cxn>
-              <a:cxn ang="0">
-                <a:pos x="connsiteX5" y="connsiteY5"/>
-              </a:cxn>
-              <a:cxn ang="0">
-                <a:pos x="connsiteX6" y="connsiteY6"/>
-              </a:cxn>
-            </a:cxnLst>
-            <a:rect l="l" t="t" r="r" b="b"/>
-            <a:pathLst>
-              <a:path w="4167271" h="6858000">
-                <a:moveTo>
-                  <a:pt x="0" y="0"/>
-                </a:moveTo>
-                <a:lnTo>
-                  <a:pt x="2259550" y="0"/>
-                </a:lnTo>
-                <a:lnTo>
-                  <a:pt x="2387803" y="82222"/>
-                </a:lnTo>
-                <a:cubicBezTo>
-                  <a:pt x="3461407" y="807534"/>
-                  <a:pt x="4167271" y="2035835"/>
-                  <a:pt x="4167271" y="3429000"/>
-                </a:cubicBezTo>
-                <a:cubicBezTo>
-                  <a:pt x="4167271" y="4822165"/>
-                  <a:pt x="3461407" y="6050467"/>
-                  <a:pt x="2387803" y="6775779"/>
-                </a:cubicBezTo>
-                <a:lnTo>
-                  <a:pt x="2259550" y="6858000"/>
-                </a:lnTo>
-                <a:lnTo>
-                  <a:pt x="0" y="6858000"/>
-                </a:lnTo>
-                <a:close/>
-              </a:path>
-            </a:pathLst>
-          </a:custGeom>
-          <a:solidFill>
-            <a:schemeClr val="accent2"/>
-          </a:solidFill>
           <a:ln>
             <a:noFill/>
           </a:ln>
@@ -43860,22 +46166,18 @@
         </p:nvSpPr>
         <p:spPr>
           <a:xfrm>
-            <a:off x="686834" y="1153572"/>
-            <a:ext cx="3200400" cy="4461163"/>
+            <a:off x="630936" y="639520"/>
+            <a:ext cx="3429000" cy="1719072"/>
           </a:xfrm>
         </p:spPr>
         <p:txBody>
-          <a:bodyPr>
+          <a:bodyPr anchor="b">
             <a:normAutofit/>
           </a:bodyPr>
           <a:lstStyle/>
           <a:p>
             <a:r>
-              <a:rPr lang="en-US">
-                <a:solidFill>
-                  <a:srgbClr val="FFFFFF"/>
-                </a:solidFill>
-              </a:rPr>
+              <a:rPr lang="en-US" sz="5400"/>
               <a:t>Exploratory Research</a:t>
             </a:r>
           </a:p>
@@ -43883,10 +46185,10 @@
       </p:sp>
       <p:sp>
         <p:nvSpPr>
-          <p:cNvPr id="14" name="Arc 13">
+          <p:cNvPr id="193" name="sketch line">
             <a:extLst>
               <a:ext uri="{FF2B5EF4-FFF2-40B4-BE49-F238E27FC236}">
-                <a16:creationId xmlns:a16="http://schemas.microsoft.com/office/drawing/2014/main" id="{081E4A58-353D-44AE-B2FC-2A74E2E400F7}"/>
+                <a16:creationId xmlns:a16="http://schemas.microsoft.com/office/drawing/2014/main" id="{CD8B4F24-440B-49E9-B85D-733523DC064B}"/>
               </a:ext>
               <a:ext uri="{C183D7F6-B498-43B3-948B-1728B52AA6E4}">
                 <adec:decorative xmlns:adec="http://schemas.microsoft.com/office/drawing/2017/decorative" val="1"/>
@@ -43905,32 +46207,244 @@
           </p:nvPr>
         </p:nvSpPr>
         <p:spPr>
-          <a:xfrm flipV="1">
-            <a:off x="7550402" y="2455479"/>
-            <a:ext cx="4083433" cy="4083433"/>
+          <a:xfrm>
+            <a:off x="643278" y="2573756"/>
+            <a:ext cx="3255095" cy="18288"/>
           </a:xfrm>
-          <a:prstGeom prst="arc">
+          <a:custGeom>
             <a:avLst/>
-          </a:prstGeom>
-          <a:ln w="127000" cap="rnd">
+            <a:gdLst>
+              <a:gd name="connsiteX0" fmla="*/ 0 w 3255095"/>
+              <a:gd name="connsiteY0" fmla="*/ 0 h 18288"/>
+              <a:gd name="connsiteX1" fmla="*/ 618468 w 3255095"/>
+              <a:gd name="connsiteY1" fmla="*/ 0 h 18288"/>
+              <a:gd name="connsiteX2" fmla="*/ 1269487 w 3255095"/>
+              <a:gd name="connsiteY2" fmla="*/ 0 h 18288"/>
+              <a:gd name="connsiteX3" fmla="*/ 1953057 w 3255095"/>
+              <a:gd name="connsiteY3" fmla="*/ 0 h 18288"/>
+              <a:gd name="connsiteX4" fmla="*/ 2636627 w 3255095"/>
+              <a:gd name="connsiteY4" fmla="*/ 0 h 18288"/>
+              <a:gd name="connsiteX5" fmla="*/ 3255095 w 3255095"/>
+              <a:gd name="connsiteY5" fmla="*/ 0 h 18288"/>
+              <a:gd name="connsiteX6" fmla="*/ 3255095 w 3255095"/>
+              <a:gd name="connsiteY6" fmla="*/ 18288 h 18288"/>
+              <a:gd name="connsiteX7" fmla="*/ 2538974 w 3255095"/>
+              <a:gd name="connsiteY7" fmla="*/ 18288 h 18288"/>
+              <a:gd name="connsiteX8" fmla="*/ 1822853 w 3255095"/>
+              <a:gd name="connsiteY8" fmla="*/ 18288 h 18288"/>
+              <a:gd name="connsiteX9" fmla="*/ 1171834 w 3255095"/>
+              <a:gd name="connsiteY9" fmla="*/ 18288 h 18288"/>
+              <a:gd name="connsiteX10" fmla="*/ 0 w 3255095"/>
+              <a:gd name="connsiteY10" fmla="*/ 18288 h 18288"/>
+              <a:gd name="connsiteX11" fmla="*/ 0 w 3255095"/>
+              <a:gd name="connsiteY11" fmla="*/ 0 h 18288"/>
+            </a:gdLst>
+            <a:ahLst/>
+            <a:cxnLst>
+              <a:cxn ang="0">
+                <a:pos x="connsiteX0" y="connsiteY0"/>
+              </a:cxn>
+              <a:cxn ang="0">
+                <a:pos x="connsiteX1" y="connsiteY1"/>
+              </a:cxn>
+              <a:cxn ang="0">
+                <a:pos x="connsiteX2" y="connsiteY2"/>
+              </a:cxn>
+              <a:cxn ang="0">
+                <a:pos x="connsiteX3" y="connsiteY3"/>
+              </a:cxn>
+              <a:cxn ang="0">
+                <a:pos x="connsiteX4" y="connsiteY4"/>
+              </a:cxn>
+              <a:cxn ang="0">
+                <a:pos x="connsiteX5" y="connsiteY5"/>
+              </a:cxn>
+              <a:cxn ang="0">
+                <a:pos x="connsiteX6" y="connsiteY6"/>
+              </a:cxn>
+              <a:cxn ang="0">
+                <a:pos x="connsiteX7" y="connsiteY7"/>
+              </a:cxn>
+              <a:cxn ang="0">
+                <a:pos x="connsiteX8" y="connsiteY8"/>
+              </a:cxn>
+              <a:cxn ang="0">
+                <a:pos x="connsiteX9" y="connsiteY9"/>
+              </a:cxn>
+              <a:cxn ang="0">
+                <a:pos x="connsiteX10" y="connsiteY10"/>
+              </a:cxn>
+              <a:cxn ang="0">
+                <a:pos x="connsiteX11" y="connsiteY11"/>
+              </a:cxn>
+            </a:cxnLst>
+            <a:rect l="l" t="t" r="r" b="b"/>
+            <a:pathLst>
+              <a:path w="3255095" h="18288" fill="none" extrusionOk="0">
+                <a:moveTo>
+                  <a:pt x="0" y="0"/>
+                </a:moveTo>
+                <a:cubicBezTo>
+                  <a:pt x="240201" y="-22123"/>
+                  <a:pt x="462021" y="-19623"/>
+                  <a:pt x="618468" y="0"/>
+                </a:cubicBezTo>
+                <a:cubicBezTo>
+                  <a:pt x="774915" y="19623"/>
+                  <a:pt x="974734" y="2035"/>
+                  <a:pt x="1269487" y="0"/>
+                </a:cubicBezTo>
+                <a:cubicBezTo>
+                  <a:pt x="1564240" y="-2035"/>
+                  <a:pt x="1733579" y="10639"/>
+                  <a:pt x="1953057" y="0"/>
+                </a:cubicBezTo>
+                <a:cubicBezTo>
+                  <a:pt x="2172535" y="-10639"/>
+                  <a:pt x="2453962" y="14018"/>
+                  <a:pt x="2636627" y="0"/>
+                </a:cubicBezTo>
+                <a:cubicBezTo>
+                  <a:pt x="2819292" y="-14018"/>
+                  <a:pt x="3121375" y="5399"/>
+                  <a:pt x="3255095" y="0"/>
+                </a:cubicBezTo>
+                <a:cubicBezTo>
+                  <a:pt x="3254386" y="8157"/>
+                  <a:pt x="3254682" y="12125"/>
+                  <a:pt x="3255095" y="18288"/>
+                </a:cubicBezTo>
+                <a:cubicBezTo>
+                  <a:pt x="3088545" y="23203"/>
+                  <a:pt x="2687475" y="7419"/>
+                  <a:pt x="2538974" y="18288"/>
+                </a:cubicBezTo>
+                <a:cubicBezTo>
+                  <a:pt x="2390473" y="29157"/>
+                  <a:pt x="2137381" y="-8959"/>
+                  <a:pt x="1822853" y="18288"/>
+                </a:cubicBezTo>
+                <a:cubicBezTo>
+                  <a:pt x="1508325" y="45535"/>
+                  <a:pt x="1466437" y="20385"/>
+                  <a:pt x="1171834" y="18288"/>
+                </a:cubicBezTo>
+                <a:cubicBezTo>
+                  <a:pt x="877231" y="16191"/>
+                  <a:pt x="561097" y="37643"/>
+                  <a:pt x="0" y="18288"/>
+                </a:cubicBezTo>
+                <a:cubicBezTo>
+                  <a:pt x="-46" y="12483"/>
+                  <a:pt x="-203" y="6491"/>
+                  <a:pt x="0" y="0"/>
+                </a:cubicBezTo>
+                <a:close/>
+              </a:path>
+              <a:path w="3255095" h="18288" stroke="0" extrusionOk="0">
+                <a:moveTo>
+                  <a:pt x="0" y="0"/>
+                </a:moveTo>
+                <a:cubicBezTo>
+                  <a:pt x="291965" y="19429"/>
+                  <a:pt x="363155" y="8568"/>
+                  <a:pt x="618468" y="0"/>
+                </a:cubicBezTo>
+                <a:cubicBezTo>
+                  <a:pt x="873781" y="-8568"/>
+                  <a:pt x="904459" y="-19505"/>
+                  <a:pt x="1171834" y="0"/>
+                </a:cubicBezTo>
+                <a:cubicBezTo>
+                  <a:pt x="1439209" y="19505"/>
+                  <a:pt x="1744369" y="9790"/>
+                  <a:pt x="1887955" y="0"/>
+                </a:cubicBezTo>
+                <a:cubicBezTo>
+                  <a:pt x="2031541" y="-9790"/>
+                  <a:pt x="2346378" y="21240"/>
+                  <a:pt x="2506423" y="0"/>
+                </a:cubicBezTo>
+                <a:cubicBezTo>
+                  <a:pt x="2666468" y="-21240"/>
+                  <a:pt x="2990257" y="30414"/>
+                  <a:pt x="3255095" y="0"/>
+                </a:cubicBezTo>
+                <a:cubicBezTo>
+                  <a:pt x="3254831" y="4493"/>
+                  <a:pt x="3255479" y="9472"/>
+                  <a:pt x="3255095" y="18288"/>
+                </a:cubicBezTo>
+                <a:cubicBezTo>
+                  <a:pt x="3120743" y="16690"/>
+                  <a:pt x="2759628" y="42462"/>
+                  <a:pt x="2604076" y="18288"/>
+                </a:cubicBezTo>
+                <a:cubicBezTo>
+                  <a:pt x="2448524" y="-5886"/>
+                  <a:pt x="2184336" y="19599"/>
+                  <a:pt x="1887955" y="18288"/>
+                </a:cubicBezTo>
+                <a:cubicBezTo>
+                  <a:pt x="1591574" y="16977"/>
+                  <a:pt x="1548845" y="6870"/>
+                  <a:pt x="1334589" y="18288"/>
+                </a:cubicBezTo>
+                <a:cubicBezTo>
+                  <a:pt x="1120333" y="29706"/>
+                  <a:pt x="996014" y="9662"/>
+                  <a:pt x="683570" y="18288"/>
+                </a:cubicBezTo>
+                <a:cubicBezTo>
+                  <a:pt x="371126" y="26914"/>
+                  <a:pt x="198687" y="16167"/>
+                  <a:pt x="0" y="18288"/>
+                </a:cubicBezTo>
+                <a:cubicBezTo>
+                  <a:pt x="843" y="9577"/>
+                  <a:pt x="371" y="6900"/>
+                  <a:pt x="0" y="0"/>
+                </a:cubicBezTo>
+                <a:close/>
+              </a:path>
+            </a:pathLst>
+          </a:custGeom>
+          <a:solidFill>
+            <a:schemeClr val="accent2"/>
+          </a:solidFill>
+          <a:ln w="38100" cap="rnd">
             <a:solidFill>
-              <a:schemeClr val="accent4"/>
+              <a:schemeClr val="accent2"/>
             </a:solidFill>
-            <a:prstDash val="dash"/>
+            <a:round/>
+            <a:extLst>
+              <a:ext uri="{C807C97D-BFC1-408E-A445-0C87EB9F89A2}">
+                <ask:lineSketchStyleProps xmlns:ask="http://schemas.microsoft.com/office/drawing/2018/sketchyshapes" sd="1219033472">
+                  <a:prstGeom prst="rect">
+                    <a:avLst/>
+                  </a:prstGeom>
+                  <ask:type>
+                    <ask:lineSketchFreehand/>
+                  </ask:type>
+                </ask:lineSketchStyleProps>
+              </a:ext>
+            </a:extLst>
           </a:ln>
         </p:spPr>
         <p:style>
-          <a:lnRef idx="1">
-            <a:schemeClr val="accent1"/>
+          <a:lnRef idx="2">
+            <a:schemeClr val="accent1">
+              <a:shade val="50000"/>
+            </a:schemeClr>
           </a:lnRef>
-          <a:fillRef idx="0">
+          <a:fillRef idx="1">
             <a:schemeClr val="accent1"/>
           </a:fillRef>
           <a:effectRef idx="0">
             <a:schemeClr val="accent1"/>
           </a:effectRef>
           <a:fontRef idx="minor">
-            <a:schemeClr val="tx1"/>
+            <a:schemeClr val="lt1"/>
           </a:fontRef>
         </p:style>
         <p:txBody>
@@ -43938,7 +46452,7 @@
           <a:lstStyle/>
           <a:p>
             <a:pPr algn="ctr"/>
-            <a:endParaRPr lang="en-US" dirty="0"/>
+            <a:endParaRPr lang="en-US"/>
           </a:p>
         </p:txBody>
       </p:sp>
@@ -43960,44 +46474,90 @@
         </p:nvSpPr>
         <p:spPr>
           <a:xfrm>
-            <a:off x="4447308" y="591344"/>
-            <a:ext cx="6906491" cy="5585619"/>
+            <a:off x="630936" y="2807208"/>
+            <a:ext cx="3429000" cy="3410712"/>
           </a:xfrm>
         </p:spPr>
         <p:txBody>
-          <a:bodyPr anchor="ctr">
+          <a:bodyPr anchor="t">
             <a:normAutofit/>
           </a:bodyPr>
           <a:lstStyle/>
           <a:p>
             <a:r>
-              <a:rPr lang="en-US" b="1" dirty="0"/>
+              <a:rPr lang="en-US" sz="1500" b="1" dirty="0"/>
               <a:t>Research conducted to gain ideas and insights to better define the problem or opportunity confronting a manager</a:t>
             </a:r>
           </a:p>
           <a:p>
             <a:r>
-              <a:rPr lang="en-US" dirty="0"/>
+              <a:rPr lang="en-US" sz="1500" dirty="0"/>
               <a:t>When conducted correctly, exploratory research should provide a better understanding of the situation and possibly yield hypotheses – but this kind of research is not designed to come up with final answers and decisions </a:t>
             </a:r>
           </a:p>
           <a:p>
             <a:r>
-              <a:rPr lang="en-US" dirty="0"/>
+              <a:rPr lang="en-US" sz="1500" dirty="0"/>
               <a:t>Small scale </a:t>
             </a:r>
           </a:p>
           <a:p>
             <a:r>
-              <a:rPr lang="en-US" dirty="0"/>
+              <a:rPr lang="en-US" sz="1500" dirty="0"/>
               <a:t>Flexible </a:t>
             </a:r>
           </a:p>
           <a:p>
-            <a:endParaRPr lang="en-US" dirty="0"/>
+            <a:endParaRPr lang="en-US" sz="1500" dirty="0"/>
           </a:p>
         </p:txBody>
       </p:sp>
+      <p:pic>
+        <p:nvPicPr>
+          <p:cNvPr id="1026" name="Picture 2" descr="1990s First World Problems Meme - Imgflip">
+            <a:extLst>
+              <a:ext uri="{FF2B5EF4-FFF2-40B4-BE49-F238E27FC236}">
+                <a16:creationId xmlns:a16="http://schemas.microsoft.com/office/drawing/2014/main" id="{2F674C2D-A327-4791-9376-2C5D2EC64FDE}"/>
+              </a:ext>
+            </a:extLst>
+          </p:cNvPr>
+          <p:cNvPicPr>
+            <a:picLocks noChangeAspect="1" noChangeArrowheads="1"/>
+          </p:cNvPicPr>
+          <p:nvPr/>
+        </p:nvPicPr>
+        <p:blipFill>
+          <a:blip r:embed="rId3">
+            <a:extLst>
+              <a:ext uri="{28A0092B-C50C-407E-A947-70E740481C1C}">
+                <a14:useLocalDpi xmlns:a14="http://schemas.microsoft.com/office/drawing/2010/main" val="0"/>
+              </a:ext>
+            </a:extLst>
+          </a:blip>
+          <a:stretch>
+            <a:fillRect/>
+          </a:stretch>
+        </p:blipFill>
+        <p:spPr bwMode="auto">
+          <a:xfrm>
+            <a:off x="5015940" y="640080"/>
+            <a:ext cx="6180432" cy="5577840"/>
+          </a:xfrm>
+          <a:prstGeom prst="rect">
+            <a:avLst/>
+          </a:prstGeom>
+          <a:noFill/>
+          <a:extLst>
+            <a:ext uri="{909E8E84-426E-40DD-AFC4-6F175D3DCCD1}">
+              <a14:hiddenFill xmlns:a14="http://schemas.microsoft.com/office/drawing/2010/main">
+                <a:solidFill>
+                  <a:srgbClr val="FFFFFF"/>
+                </a:solidFill>
+              </a14:hiddenFill>
+            </a:ext>
+          </a:extLst>
+        </p:spPr>
+      </p:pic>
       <p:sp>
         <p:nvSpPr>
           <p:cNvPr id="4" name="Footer Placeholder 3">
@@ -44017,7 +46577,7 @@
         <p:spPr>
           <a:xfrm>
             <a:off x="4038600" y="6356350"/>
-            <a:ext cx="5251174" cy="365125"/>
+            <a:ext cx="4114800" cy="365125"/>
           </a:xfrm>
         </p:spPr>
         <p:txBody>
@@ -44056,9 +46616,12 @@
         </p:nvSpPr>
         <p:spPr>
           <a:xfrm>
-            <a:off x="9541564" y="6356350"/>
-            <a:ext cx="1812235" cy="365125"/>
+            <a:off x="8610600" y="6356350"/>
+            <a:ext cx="2743200" cy="365125"/>
           </a:xfrm>
+          <a:prstGeom prst="ellipse">
+            <a:avLst/>
+          </a:prstGeom>
         </p:spPr>
         <p:txBody>
           <a:bodyPr>
@@ -44067,18 +46630,24 @@
           <a:lstStyle/>
           <a:p>
             <a:pPr>
+              <a:lnSpc>
+                <a:spcPct val="90000"/>
+              </a:lnSpc>
               <a:spcAft>
                 <a:spcPts val="600"/>
               </a:spcAft>
             </a:pPr>
             <a:fld id="{A6AF1B4E-90EC-4A51-B6E5-B702C054ECB0}" type="slidenum">
-              <a:rPr lang="en-US" smtClean="0"/>
+              <a:rPr lang="en-US"/>
               <a:pPr>
+                <a:lnSpc>
+                  <a:spcPct val="90000"/>
+                </a:lnSpc>
                 <a:spcAft>
                   <a:spcPts val="600"/>
                 </a:spcAft>
               </a:pPr>
-              <a:t>8</a:t>
+              <a:t>9</a:t>
             </a:fld>
             <a:endParaRPr lang="en-US"/>
           </a:p>
@@ -44094,263 +46663,235 @@
   <p:clrMapOvr>
     <a:masterClrMapping/>
   </p:clrMapOvr>
-</p:sld>
-</file>
-
-<file path=ppt/slides/slide9.xml><?xml version="1.0" encoding="utf-8"?>
-<p:sld xmlns:a="http://schemas.openxmlformats.org/drawingml/2006/main" xmlns:r="http://schemas.openxmlformats.org/officeDocument/2006/relationships" xmlns:p="http://schemas.openxmlformats.org/presentationml/2006/main">
-  <p:cSld>
-    <p:bg>
-      <p:bgPr>
-        <a:solidFill>
-          <a:schemeClr val="bg1"/>
-        </a:solidFill>
-        <a:effectLst/>
-      </p:bgPr>
-    </p:bg>
-    <p:spTree>
-      <p:nvGrpSpPr>
-        <p:cNvPr id="1" name=""/>
-        <p:cNvGrpSpPr/>
-        <p:nvPr/>
-      </p:nvGrpSpPr>
-      <p:grpSpPr>
-        <a:xfrm>
-          <a:off x="0" y="0"/>
-          <a:ext cx="0" cy="0"/>
-          <a:chOff x="0" y="0"/>
-          <a:chExt cx="0" cy="0"/>
-        </a:xfrm>
-      </p:grpSpPr>
-      <p:sp>
-        <p:nvSpPr>
-          <p:cNvPr id="12" name="Rectangle 11">
-            <a:extLst>
-              <a:ext uri="{FF2B5EF4-FFF2-40B4-BE49-F238E27FC236}">
-                <a16:creationId xmlns:a16="http://schemas.microsoft.com/office/drawing/2014/main" id="{B819A166-7571-4003-A6B8-B62034C3ED30}"/>
-              </a:ext>
-              <a:ext uri="{C183D7F6-B498-43B3-948B-1728B52AA6E4}">
-                <adec:decorative xmlns:adec="http://schemas.microsoft.com/office/drawing/2017/decorative" val="1"/>
-              </a:ext>
-            </a:extLst>
-          </p:cNvPr>
-          <p:cNvSpPr>
-            <a:spLocks noGrp="1" noRot="1" noChangeAspect="1" noMove="1" noResize="1" noEditPoints="1" noAdjustHandles="1" noChangeArrowheads="1" noChangeShapeType="1" noTextEdit="1"/>
-          </p:cNvSpPr>
-          <p:nvPr>
-            <p:extLst>
-              <p:ext uri="{386F3935-93C4-4BCD-93E2-E3B085C9AB24}">
-                <p16:designElem xmlns:p16="http://schemas.microsoft.com/office/powerpoint/2015/main" val="1"/>
-              </p:ext>
-            </p:extLst>
-          </p:nvPr>
-        </p:nvSpPr>
-        <p:spPr>
-          <a:xfrm>
-            <a:off x="-1" y="0"/>
-            <a:ext cx="5093209" cy="6858000"/>
-          </a:xfrm>
-          <a:prstGeom prst="rect">
-            <a:avLst/>
-          </a:prstGeom>
-          <a:solidFill>
-            <a:schemeClr val="accent1"/>
-          </a:solidFill>
-          <a:ln>
-            <a:noFill/>
-          </a:ln>
-        </p:spPr>
-        <p:style>
-          <a:lnRef idx="2">
-            <a:schemeClr val="accent1">
-              <a:shade val="50000"/>
-            </a:schemeClr>
-          </a:lnRef>
-          <a:fillRef idx="1">
-            <a:schemeClr val="accent1"/>
-          </a:fillRef>
-          <a:effectRef idx="0">
-            <a:schemeClr val="accent1"/>
-          </a:effectRef>
-          <a:fontRef idx="minor">
-            <a:schemeClr val="lt1"/>
-          </a:fontRef>
-        </p:style>
-        <p:txBody>
-          <a:bodyPr rtlCol="0" anchor="ctr"/>
-          <a:lstStyle/>
-          <a:p>
-            <a:pPr algn="ctr"/>
-            <a:endParaRPr lang="en-US" dirty="0"/>
-          </a:p>
-        </p:txBody>
-      </p:sp>
-      <p:sp>
-        <p:nvSpPr>
-          <p:cNvPr id="2" name="Title 1">
-            <a:extLst>
-              <a:ext uri="{FF2B5EF4-FFF2-40B4-BE49-F238E27FC236}">
-                <a16:creationId xmlns:a16="http://schemas.microsoft.com/office/drawing/2014/main" id="{1B06B8E9-910E-44B8-A5BA-D1A2BBB7CAB7}"/>
-              </a:ext>
-            </a:extLst>
-          </p:cNvPr>
-          <p:cNvSpPr>
-            <a:spLocks noGrp="1"/>
-          </p:cNvSpPr>
-          <p:nvPr>
-            <p:ph type="title"/>
-          </p:nvPr>
-        </p:nvSpPr>
-        <p:spPr>
-          <a:xfrm>
-            <a:off x="524741" y="620392"/>
-            <a:ext cx="3808268" cy="5504688"/>
-          </a:xfrm>
-        </p:spPr>
-        <p:txBody>
-          <a:bodyPr>
-            <a:normAutofit/>
-          </a:bodyPr>
-          <a:lstStyle/>
-          <a:p>
-            <a:r>
-              <a:rPr lang="en-US" sz="6000">
-                <a:solidFill>
-                  <a:schemeClr val="bg1"/>
-                </a:solidFill>
-              </a:rPr>
-              <a:t>Hypothesis</a:t>
-            </a:r>
-          </a:p>
-        </p:txBody>
-      </p:sp>
-      <p:sp>
-        <p:nvSpPr>
-          <p:cNvPr id="4" name="Footer Placeholder 3">
-            <a:extLst>
-              <a:ext uri="{FF2B5EF4-FFF2-40B4-BE49-F238E27FC236}">
-                <a16:creationId xmlns:a16="http://schemas.microsoft.com/office/drawing/2014/main" id="{583312BF-C563-4C41-8C14-FE00907D8041}"/>
-              </a:ext>
-            </a:extLst>
-          </p:cNvPr>
-          <p:cNvSpPr>
-            <a:spLocks noGrp="1"/>
-          </p:cNvSpPr>
-          <p:nvPr>
-            <p:ph type="ftr" sz="quarter" idx="11"/>
-          </p:nvPr>
-        </p:nvSpPr>
-        <p:spPr>
-          <a:xfrm>
-            <a:off x="4038600" y="6356350"/>
-            <a:ext cx="4114800" cy="365125"/>
-          </a:xfrm>
-        </p:spPr>
-        <p:txBody>
-          <a:bodyPr>
-            <a:normAutofit/>
-          </a:bodyPr>
-          <a:lstStyle/>
-          <a:p>
-            <a:pPr>
-              <a:spcAft>
-                <a:spcPts val="600"/>
-              </a:spcAft>
-            </a:pPr>
-            <a:r>
-              <a:rPr lang="en-US"/>
-              <a:t>Mike Nguyen</a:t>
-            </a:r>
-          </a:p>
-        </p:txBody>
-      </p:sp>
-      <p:sp>
-        <p:nvSpPr>
-          <p:cNvPr id="6" name="Slide Number Placeholder 5">
-            <a:extLst>
-              <a:ext uri="{FF2B5EF4-FFF2-40B4-BE49-F238E27FC236}">
-                <a16:creationId xmlns:a16="http://schemas.microsoft.com/office/drawing/2014/main" id="{87F7509B-ED18-4D12-9B66-563CBCD6D9C2}"/>
-              </a:ext>
-            </a:extLst>
-          </p:cNvPr>
-          <p:cNvSpPr>
-            <a:spLocks noGrp="1"/>
-          </p:cNvSpPr>
-          <p:nvPr>
-            <p:ph type="sldNum" sz="quarter" idx="12"/>
-          </p:nvPr>
-        </p:nvSpPr>
-        <p:spPr>
-          <a:xfrm>
-            <a:off x="8610600" y="6356350"/>
-            <a:ext cx="2743200" cy="365125"/>
-          </a:xfrm>
-        </p:spPr>
-        <p:txBody>
-          <a:bodyPr>
-            <a:normAutofit/>
-          </a:bodyPr>
-          <a:lstStyle/>
-          <a:p>
-            <a:pPr>
-              <a:spcAft>
-                <a:spcPts val="600"/>
-              </a:spcAft>
-            </a:pPr>
-            <a:fld id="{A6AF1B4E-90EC-4A51-B6E5-B702C054ECB0}" type="slidenum">
-              <a:rPr lang="en-US" smtClean="0"/>
-              <a:pPr>
-                <a:spcAft>
-                  <a:spcPts val="600"/>
-                </a:spcAft>
-              </a:pPr>
-              <a:t>9</a:t>
-            </a:fld>
-            <a:endParaRPr lang="en-US"/>
-          </a:p>
-        </p:txBody>
-      </p:sp>
-      <p:graphicFrame>
-        <p:nvGraphicFramePr>
-          <p:cNvPr id="8" name="Content Placeholder 2">
-            <a:extLst>
-              <a:ext uri="{FF2B5EF4-FFF2-40B4-BE49-F238E27FC236}">
-                <a16:creationId xmlns:a16="http://schemas.microsoft.com/office/drawing/2014/main" id="{EBB7A8B5-EEB2-411F-94C4-B455F351D43C}"/>
-              </a:ext>
-            </a:extLst>
-          </p:cNvPr>
-          <p:cNvGraphicFramePr>
-            <a:graphicFrameLocks noGrp="1"/>
-          </p:cNvGraphicFramePr>
-          <p:nvPr>
-            <p:ph idx="1"/>
-            <p:extLst>
-              <p:ext uri="{D42A27DB-BD31-4B8C-83A1-F6EECF244321}">
-                <p14:modId xmlns:p14="http://schemas.microsoft.com/office/powerpoint/2010/main" val="3073728229"/>
-              </p:ext>
-            </p:extLst>
-          </p:nvPr>
-        </p:nvGraphicFramePr>
-        <p:xfrm>
-          <a:off x="5468389" y="620392"/>
-          <a:ext cx="6263640" cy="5504688"/>
-        </p:xfrm>
-        <a:graphic>
-          <a:graphicData uri="http://schemas.openxmlformats.org/drawingml/2006/diagram">
-            <dgm:relIds xmlns:dgm="http://schemas.openxmlformats.org/drawingml/2006/diagram" xmlns:r="http://schemas.openxmlformats.org/officeDocument/2006/relationships" r:dm="rId3" r:lo="rId4" r:qs="rId5" r:cs="rId6"/>
-          </a:graphicData>
-        </a:graphic>
-      </p:graphicFrame>
-    </p:spTree>
-    <p:extLst>
-      <p:ext uri="{BB962C8B-B14F-4D97-AF65-F5344CB8AC3E}">
-        <p14:creationId xmlns:p14="http://schemas.microsoft.com/office/powerpoint/2010/main" val="2576891241"/>
-      </p:ext>
-    </p:extLst>
-  </p:cSld>
-  <p:clrMapOvr>
-    <a:masterClrMapping/>
-  </p:clrMapOvr>
+  <p:timing>
+    <p:tnLst>
+      <p:par>
+        <p:cTn id="1" dur="indefinite" restart="never" nodeType="tmRoot">
+          <p:childTnLst>
+            <p:seq concurrent="1" nextAc="seek">
+              <p:cTn id="2" dur="indefinite" nodeType="mainSeq">
+                <p:childTnLst>
+                  <p:par>
+                    <p:cTn id="3" fill="hold">
+                      <p:stCondLst>
+                        <p:cond delay="indefinite"/>
+                      </p:stCondLst>
+                      <p:childTnLst>
+                        <p:par>
+                          <p:cTn id="4" fill="hold">
+                            <p:stCondLst>
+                              <p:cond delay="0"/>
+                            </p:stCondLst>
+                            <p:childTnLst>
+                              <p:par>
+                                <p:cTn id="5" presetID="1" presetClass="entr" presetSubtype="0" fill="hold" grpId="0" nodeType="clickEffect">
+                                  <p:stCondLst>
+                                    <p:cond delay="0"/>
+                                  </p:stCondLst>
+                                  <p:childTnLst>
+                                    <p:set>
+                                      <p:cBhvr>
+                                        <p:cTn id="6" dur="1" fill="hold">
+                                          <p:stCondLst>
+                                            <p:cond delay="0"/>
+                                          </p:stCondLst>
+                                        </p:cTn>
+                                        <p:tgtEl>
+                                          <p:spTgt spid="3">
+                                            <p:txEl>
+                                              <p:pRg st="0" end="0"/>
+                                            </p:txEl>
+                                          </p:spTgt>
+                                        </p:tgtEl>
+                                        <p:attrNameLst>
+                                          <p:attrName>style.visibility</p:attrName>
+                                        </p:attrNameLst>
+                                      </p:cBhvr>
+                                      <p:to>
+                                        <p:strVal val="visible"/>
+                                      </p:to>
+                                    </p:set>
+                                  </p:childTnLst>
+                                </p:cTn>
+                              </p:par>
+                            </p:childTnLst>
+                          </p:cTn>
+                        </p:par>
+                      </p:childTnLst>
+                    </p:cTn>
+                  </p:par>
+                  <p:par>
+                    <p:cTn id="7" fill="hold">
+                      <p:stCondLst>
+                        <p:cond delay="indefinite"/>
+                      </p:stCondLst>
+                      <p:childTnLst>
+                        <p:par>
+                          <p:cTn id="8" fill="hold">
+                            <p:stCondLst>
+                              <p:cond delay="0"/>
+                            </p:stCondLst>
+                            <p:childTnLst>
+                              <p:par>
+                                <p:cTn id="9" presetID="1" presetClass="entr" presetSubtype="0" fill="hold" grpId="0" nodeType="clickEffect">
+                                  <p:stCondLst>
+                                    <p:cond delay="0"/>
+                                  </p:stCondLst>
+                                  <p:childTnLst>
+                                    <p:set>
+                                      <p:cBhvr>
+                                        <p:cTn id="10" dur="1" fill="hold">
+                                          <p:stCondLst>
+                                            <p:cond delay="0"/>
+                                          </p:stCondLst>
+                                        </p:cTn>
+                                        <p:tgtEl>
+                                          <p:spTgt spid="3">
+                                            <p:txEl>
+                                              <p:pRg st="1" end="1"/>
+                                            </p:txEl>
+                                          </p:spTgt>
+                                        </p:tgtEl>
+                                        <p:attrNameLst>
+                                          <p:attrName>style.visibility</p:attrName>
+                                        </p:attrNameLst>
+                                      </p:cBhvr>
+                                      <p:to>
+                                        <p:strVal val="visible"/>
+                                      </p:to>
+                                    </p:set>
+                                  </p:childTnLst>
+                                </p:cTn>
+                              </p:par>
+                            </p:childTnLst>
+                          </p:cTn>
+                        </p:par>
+                      </p:childTnLst>
+                    </p:cTn>
+                  </p:par>
+                  <p:par>
+                    <p:cTn id="11" fill="hold">
+                      <p:stCondLst>
+                        <p:cond delay="indefinite"/>
+                      </p:stCondLst>
+                      <p:childTnLst>
+                        <p:par>
+                          <p:cTn id="12" fill="hold">
+                            <p:stCondLst>
+                              <p:cond delay="0"/>
+                            </p:stCondLst>
+                            <p:childTnLst>
+                              <p:par>
+                                <p:cTn id="13" presetID="1" presetClass="entr" presetSubtype="0" fill="hold" grpId="0" nodeType="clickEffect">
+                                  <p:stCondLst>
+                                    <p:cond delay="0"/>
+                                  </p:stCondLst>
+                                  <p:childTnLst>
+                                    <p:set>
+                                      <p:cBhvr>
+                                        <p:cTn id="14" dur="1" fill="hold">
+                                          <p:stCondLst>
+                                            <p:cond delay="0"/>
+                                          </p:stCondLst>
+                                        </p:cTn>
+                                        <p:tgtEl>
+                                          <p:spTgt spid="3">
+                                            <p:txEl>
+                                              <p:pRg st="2" end="2"/>
+                                            </p:txEl>
+                                          </p:spTgt>
+                                        </p:tgtEl>
+                                        <p:attrNameLst>
+                                          <p:attrName>style.visibility</p:attrName>
+                                        </p:attrNameLst>
+                                      </p:cBhvr>
+                                      <p:to>
+                                        <p:strVal val="visible"/>
+                                      </p:to>
+                                    </p:set>
+                                  </p:childTnLst>
+                                </p:cTn>
+                              </p:par>
+                            </p:childTnLst>
+                          </p:cTn>
+                        </p:par>
+                      </p:childTnLst>
+                    </p:cTn>
+                  </p:par>
+                  <p:par>
+                    <p:cTn id="15" fill="hold">
+                      <p:stCondLst>
+                        <p:cond delay="indefinite"/>
+                      </p:stCondLst>
+                      <p:childTnLst>
+                        <p:par>
+                          <p:cTn id="16" fill="hold">
+                            <p:stCondLst>
+                              <p:cond delay="0"/>
+                            </p:stCondLst>
+                            <p:childTnLst>
+                              <p:par>
+                                <p:cTn id="17" presetID="1" presetClass="entr" presetSubtype="0" fill="hold" grpId="0" nodeType="clickEffect">
+                                  <p:stCondLst>
+                                    <p:cond delay="0"/>
+                                  </p:stCondLst>
+                                  <p:childTnLst>
+                                    <p:set>
+                                      <p:cBhvr>
+                                        <p:cTn id="18" dur="1" fill="hold">
+                                          <p:stCondLst>
+                                            <p:cond delay="0"/>
+                                          </p:stCondLst>
+                                        </p:cTn>
+                                        <p:tgtEl>
+                                          <p:spTgt spid="3">
+                                            <p:txEl>
+                                              <p:pRg st="3" end="3"/>
+                                            </p:txEl>
+                                          </p:spTgt>
+                                        </p:tgtEl>
+                                        <p:attrNameLst>
+                                          <p:attrName>style.visibility</p:attrName>
+                                        </p:attrNameLst>
+                                      </p:cBhvr>
+                                      <p:to>
+                                        <p:strVal val="visible"/>
+                                      </p:to>
+                                    </p:set>
+                                  </p:childTnLst>
+                                </p:cTn>
+                              </p:par>
+                            </p:childTnLst>
+                          </p:cTn>
+                        </p:par>
+                      </p:childTnLst>
+                    </p:cTn>
+                  </p:par>
+                </p:childTnLst>
+              </p:cTn>
+              <p:prevCondLst>
+                <p:cond evt="onPrev" delay="0">
+                  <p:tgtEl>
+                    <p:sldTgt/>
+                  </p:tgtEl>
+                </p:cond>
+              </p:prevCondLst>
+              <p:nextCondLst>
+                <p:cond evt="onNext" delay="0">
+                  <p:tgtEl>
+                    <p:sldTgt/>
+                  </p:tgtEl>
+                </p:cond>
+              </p:nextCondLst>
+            </p:seq>
+          </p:childTnLst>
+        </p:cTn>
+      </p:par>
+    </p:tnLst>
+    <p:bldLst>
+      <p:bldP spid="3" grpId="0" build="p"/>
+    </p:bldLst>
+  </p:timing>
 </p:sld>
 </file>
 
